--- a/Presentazione standard3.pptx
+++ b/Presentazione standard3.pptx
@@ -9,7 +9,7 @@
     <p:sldMasterId id="2147483744" r:id="rId5"/>
   </p:sldMasterIdLst>
   <p:notesMasterIdLst>
-    <p:notesMasterId r:id="rId14"/>
+    <p:notesMasterId r:id="rId18"/>
   </p:notesMasterIdLst>
   <p:sldIdLst>
     <p:sldId id="256" r:id="rId6"/>
@@ -20,6 +20,10 @@
     <p:sldId id="262" r:id="rId11"/>
     <p:sldId id="263" r:id="rId12"/>
     <p:sldId id="264" r:id="rId13"/>
+    <p:sldId id="265" r:id="rId14"/>
+    <p:sldId id="266" r:id="rId15"/>
+    <p:sldId id="267" r:id="rId16"/>
+    <p:sldId id="268" r:id="rId17"/>
   </p:sldIdLst>
   <p:sldSz cx="12192000" cy="6858000"/>
   <p:notesSz cx="6858000" cy="9144000"/>
@@ -208,7 +212,7 @@
           <a:p>
             <a:fld id="{E3977F68-DE9B-454A-A7A9-04D83F603B49}" type="datetimeFigureOut">
               <a:rPr lang="en-GB" smtClean="0"/>
-              <a:t>23/01/2020</a:t>
+              <a:t>25/01/2020</a:t>
             </a:fld>
             <a:endParaRPr lang="en-GB"/>
           </a:p>
@@ -896,6 +900,258 @@
 </p:notes>
 </file>
 
+<file path=ppt/notesSlides/notesSlide6.xml><?xml version="1.0" encoding="utf-8"?>
+<p:notes xmlns:a="http://schemas.openxmlformats.org/drawingml/2006/main" xmlns:r="http://schemas.openxmlformats.org/officeDocument/2006/relationships" xmlns:p="http://schemas.openxmlformats.org/presentationml/2006/main">
+  <p:cSld>
+    <p:spTree>
+      <p:nvGrpSpPr>
+        <p:cNvPr id="1" name=""/>
+        <p:cNvGrpSpPr/>
+        <p:nvPr/>
+      </p:nvGrpSpPr>
+      <p:grpSpPr>
+        <a:xfrm>
+          <a:off x="0" y="0"/>
+          <a:ext cx="0" cy="0"/>
+          <a:chOff x="0" y="0"/>
+          <a:chExt cx="0" cy="0"/>
+        </a:xfrm>
+      </p:grpSpPr>
+      <p:sp>
+        <p:nvSpPr>
+          <p:cNvPr id="2" name="Segnaposto immagine diapositiva 1"/>
+          <p:cNvSpPr>
+            <a:spLocks noGrp="1" noRot="1" noChangeAspect="1"/>
+          </p:cNvSpPr>
+          <p:nvPr>
+            <p:ph type="sldImg"/>
+          </p:nvPr>
+        </p:nvSpPr>
+        <p:spPr/>
+      </p:sp>
+      <p:sp>
+        <p:nvSpPr>
+          <p:cNvPr id="3" name="Segnaposto note 2"/>
+          <p:cNvSpPr>
+            <a:spLocks noGrp="1"/>
+          </p:cNvSpPr>
+          <p:nvPr>
+            <p:ph type="body" idx="1"/>
+          </p:nvPr>
+        </p:nvSpPr>
+        <p:spPr/>
+        <p:txBody>
+          <a:bodyPr/>
+          <a:lstStyle/>
+          <a:p>
+            <a:endParaRPr lang="en-GB" dirty="0"/>
+          </a:p>
+        </p:txBody>
+      </p:sp>
+      <p:sp>
+        <p:nvSpPr>
+          <p:cNvPr id="4" name="Segnaposto numero diapositiva 3"/>
+          <p:cNvSpPr>
+            <a:spLocks noGrp="1"/>
+          </p:cNvSpPr>
+          <p:nvPr>
+            <p:ph type="sldNum" sz="quarter" idx="5"/>
+          </p:nvPr>
+        </p:nvSpPr>
+        <p:spPr/>
+        <p:txBody>
+          <a:bodyPr/>
+          <a:lstStyle/>
+          <a:p>
+            <a:fld id="{921C2B62-7AD3-4CC8-B860-286BDF158BEF}" type="slidenum">
+              <a:rPr lang="en-GB" smtClean="0"/>
+              <a:t>10</a:t>
+            </a:fld>
+            <a:endParaRPr lang="en-GB"/>
+          </a:p>
+        </p:txBody>
+      </p:sp>
+    </p:spTree>
+    <p:extLst>
+      <p:ext uri="{BB962C8B-B14F-4D97-AF65-F5344CB8AC3E}">
+        <p14:creationId xmlns:p14="http://schemas.microsoft.com/office/powerpoint/2010/main" val="1464399576"/>
+      </p:ext>
+    </p:extLst>
+  </p:cSld>
+  <p:clrMapOvr>
+    <a:masterClrMapping/>
+  </p:clrMapOvr>
+</p:notes>
+</file>
+
+<file path=ppt/notesSlides/notesSlide7.xml><?xml version="1.0" encoding="utf-8"?>
+<p:notes xmlns:a="http://schemas.openxmlformats.org/drawingml/2006/main" xmlns:r="http://schemas.openxmlformats.org/officeDocument/2006/relationships" xmlns:p="http://schemas.openxmlformats.org/presentationml/2006/main">
+  <p:cSld>
+    <p:spTree>
+      <p:nvGrpSpPr>
+        <p:cNvPr id="1" name=""/>
+        <p:cNvGrpSpPr/>
+        <p:nvPr/>
+      </p:nvGrpSpPr>
+      <p:grpSpPr>
+        <a:xfrm>
+          <a:off x="0" y="0"/>
+          <a:ext cx="0" cy="0"/>
+          <a:chOff x="0" y="0"/>
+          <a:chExt cx="0" cy="0"/>
+        </a:xfrm>
+      </p:grpSpPr>
+      <p:sp>
+        <p:nvSpPr>
+          <p:cNvPr id="2" name="Segnaposto immagine diapositiva 1"/>
+          <p:cNvSpPr>
+            <a:spLocks noGrp="1" noRot="1" noChangeAspect="1"/>
+          </p:cNvSpPr>
+          <p:nvPr>
+            <p:ph type="sldImg"/>
+          </p:nvPr>
+        </p:nvSpPr>
+        <p:spPr/>
+      </p:sp>
+      <p:sp>
+        <p:nvSpPr>
+          <p:cNvPr id="3" name="Segnaposto note 2"/>
+          <p:cNvSpPr>
+            <a:spLocks noGrp="1"/>
+          </p:cNvSpPr>
+          <p:nvPr>
+            <p:ph type="body" idx="1"/>
+          </p:nvPr>
+        </p:nvSpPr>
+        <p:spPr/>
+        <p:txBody>
+          <a:bodyPr/>
+          <a:lstStyle/>
+          <a:p>
+            <a:endParaRPr lang="en-GB" dirty="0"/>
+          </a:p>
+        </p:txBody>
+      </p:sp>
+      <p:sp>
+        <p:nvSpPr>
+          <p:cNvPr id="4" name="Segnaposto numero diapositiva 3"/>
+          <p:cNvSpPr>
+            <a:spLocks noGrp="1"/>
+          </p:cNvSpPr>
+          <p:nvPr>
+            <p:ph type="sldNum" sz="quarter" idx="5"/>
+          </p:nvPr>
+        </p:nvSpPr>
+        <p:spPr/>
+        <p:txBody>
+          <a:bodyPr/>
+          <a:lstStyle/>
+          <a:p>
+            <a:fld id="{921C2B62-7AD3-4CC8-B860-286BDF158BEF}" type="slidenum">
+              <a:rPr lang="en-GB" smtClean="0"/>
+              <a:t>11</a:t>
+            </a:fld>
+            <a:endParaRPr lang="en-GB"/>
+          </a:p>
+        </p:txBody>
+      </p:sp>
+    </p:spTree>
+    <p:extLst>
+      <p:ext uri="{BB962C8B-B14F-4D97-AF65-F5344CB8AC3E}">
+        <p14:creationId xmlns:p14="http://schemas.microsoft.com/office/powerpoint/2010/main" val="253296222"/>
+      </p:ext>
+    </p:extLst>
+  </p:cSld>
+  <p:clrMapOvr>
+    <a:masterClrMapping/>
+  </p:clrMapOvr>
+</p:notes>
+</file>
+
+<file path=ppt/notesSlides/notesSlide8.xml><?xml version="1.0" encoding="utf-8"?>
+<p:notes xmlns:a="http://schemas.openxmlformats.org/drawingml/2006/main" xmlns:r="http://schemas.openxmlformats.org/officeDocument/2006/relationships" xmlns:p="http://schemas.openxmlformats.org/presentationml/2006/main">
+  <p:cSld>
+    <p:spTree>
+      <p:nvGrpSpPr>
+        <p:cNvPr id="1" name=""/>
+        <p:cNvGrpSpPr/>
+        <p:nvPr/>
+      </p:nvGrpSpPr>
+      <p:grpSpPr>
+        <a:xfrm>
+          <a:off x="0" y="0"/>
+          <a:ext cx="0" cy="0"/>
+          <a:chOff x="0" y="0"/>
+          <a:chExt cx="0" cy="0"/>
+        </a:xfrm>
+      </p:grpSpPr>
+      <p:sp>
+        <p:nvSpPr>
+          <p:cNvPr id="2" name="Segnaposto immagine diapositiva 1"/>
+          <p:cNvSpPr>
+            <a:spLocks noGrp="1" noRot="1" noChangeAspect="1"/>
+          </p:cNvSpPr>
+          <p:nvPr>
+            <p:ph type="sldImg"/>
+          </p:nvPr>
+        </p:nvSpPr>
+        <p:spPr/>
+      </p:sp>
+      <p:sp>
+        <p:nvSpPr>
+          <p:cNvPr id="3" name="Segnaposto note 2"/>
+          <p:cNvSpPr>
+            <a:spLocks noGrp="1"/>
+          </p:cNvSpPr>
+          <p:nvPr>
+            <p:ph type="body" idx="1"/>
+          </p:nvPr>
+        </p:nvSpPr>
+        <p:spPr/>
+        <p:txBody>
+          <a:bodyPr/>
+          <a:lstStyle/>
+          <a:p>
+            <a:endParaRPr lang="en-GB" dirty="0"/>
+          </a:p>
+        </p:txBody>
+      </p:sp>
+      <p:sp>
+        <p:nvSpPr>
+          <p:cNvPr id="4" name="Segnaposto numero diapositiva 3"/>
+          <p:cNvSpPr>
+            <a:spLocks noGrp="1"/>
+          </p:cNvSpPr>
+          <p:nvPr>
+            <p:ph type="sldNum" sz="quarter" idx="5"/>
+          </p:nvPr>
+        </p:nvSpPr>
+        <p:spPr/>
+        <p:txBody>
+          <a:bodyPr/>
+          <a:lstStyle/>
+          <a:p>
+            <a:fld id="{921C2B62-7AD3-4CC8-B860-286BDF158BEF}" type="slidenum">
+              <a:rPr lang="en-GB" smtClean="0"/>
+              <a:t>12</a:t>
+            </a:fld>
+            <a:endParaRPr lang="en-GB"/>
+          </a:p>
+        </p:txBody>
+      </p:sp>
+    </p:spTree>
+    <p:extLst>
+      <p:ext uri="{BB962C8B-B14F-4D97-AF65-F5344CB8AC3E}">
+        <p14:creationId xmlns:p14="http://schemas.microsoft.com/office/powerpoint/2010/main" val="4130857838"/>
+      </p:ext>
+    </p:extLst>
+  </p:cSld>
+  <p:clrMapOvr>
+    <a:masterClrMapping/>
+  </p:clrMapOvr>
+</p:notes>
+</file>
+
 <file path=ppt/slideLayouts/slideLayout1.xml><?xml version="1.0" encoding="utf-8"?>
 <p:sldLayout xmlns:a="http://schemas.openxmlformats.org/drawingml/2006/main" xmlns:r="http://schemas.openxmlformats.org/officeDocument/2006/relationships" xmlns:p="http://schemas.openxmlformats.org/presentationml/2006/main" preserve="1" userDrawn="1">
   <p:cSld name="Diapositiva titolo">
@@ -1038,7 +1294,7 @@
           <a:p>
             <a:fld id="{E9F9C37B-1D36-470B-8223-D6C91242EC14}" type="datetimeFigureOut">
               <a:rPr lang="en-US" dirty="0"/>
-              <a:t>1/23/2020</a:t>
+              <a:t>1/25/2020</a:t>
             </a:fld>
             <a:endParaRPr lang="en-US" dirty="0"/>
           </a:p>
@@ -1237,7 +1493,7 @@
           <a:p>
             <a:fld id="{67C6F52A-A82B-47A2-A83A-8C4C91F2D59F}" type="datetimeFigureOut">
               <a:rPr lang="en-US" dirty="0"/>
-              <a:t>1/23/2020</a:t>
+              <a:t>1/25/2020</a:t>
             </a:fld>
             <a:endParaRPr lang="en-US" dirty="0"/>
           </a:p>
@@ -1458,7 +1714,7 @@
           <a:p>
             <a:fld id="{377E3AE9-0F60-4E9A-B5C8-17FADBDCB6EA}" type="datetimeFigureOut">
               <a:rPr lang="en-GB" smtClean="0"/>
-              <a:t>23/01/2020</a:t>
+              <a:t>25/01/2020</a:t>
             </a:fld>
             <a:endParaRPr lang="en-GB"/>
           </a:p>
@@ -1658,7 +1914,7 @@
           <a:p>
             <a:fld id="{377E3AE9-0F60-4E9A-B5C8-17FADBDCB6EA}" type="datetimeFigureOut">
               <a:rPr lang="en-GB" smtClean="0"/>
-              <a:t>23/01/2020</a:t>
+              <a:t>25/01/2020</a:t>
             </a:fld>
             <a:endParaRPr lang="en-GB"/>
           </a:p>
@@ -1934,7 +2190,7 @@
           <a:p>
             <a:fld id="{377E3AE9-0F60-4E9A-B5C8-17FADBDCB6EA}" type="datetimeFigureOut">
               <a:rPr lang="en-GB" smtClean="0"/>
-              <a:t>23/01/2020</a:t>
+              <a:t>25/01/2020</a:t>
             </a:fld>
             <a:endParaRPr lang="en-GB"/>
           </a:p>
@@ -2202,7 +2458,7 @@
           <a:p>
             <a:fld id="{377E3AE9-0F60-4E9A-B5C8-17FADBDCB6EA}" type="datetimeFigureOut">
               <a:rPr lang="en-GB" smtClean="0"/>
-              <a:t>23/01/2020</a:t>
+              <a:t>25/01/2020</a:t>
             </a:fld>
             <a:endParaRPr lang="en-GB"/>
           </a:p>
@@ -2617,7 +2873,7 @@
           <a:p>
             <a:fld id="{377E3AE9-0F60-4E9A-B5C8-17FADBDCB6EA}" type="datetimeFigureOut">
               <a:rPr lang="en-GB" smtClean="0"/>
-              <a:t>23/01/2020</a:t>
+              <a:t>25/01/2020</a:t>
             </a:fld>
             <a:endParaRPr lang="en-GB"/>
           </a:p>
@@ -2759,7 +3015,7 @@
           <a:p>
             <a:fld id="{377E3AE9-0F60-4E9A-B5C8-17FADBDCB6EA}" type="datetimeFigureOut">
               <a:rPr lang="en-GB" smtClean="0"/>
-              <a:t>23/01/2020</a:t>
+              <a:t>25/01/2020</a:t>
             </a:fld>
             <a:endParaRPr lang="en-GB"/>
           </a:p>
@@ -2872,7 +3128,7 @@
           <a:p>
             <a:fld id="{377E3AE9-0F60-4E9A-B5C8-17FADBDCB6EA}" type="datetimeFigureOut">
               <a:rPr lang="en-GB" smtClean="0"/>
-              <a:t>23/01/2020</a:t>
+              <a:t>25/01/2020</a:t>
             </a:fld>
             <a:endParaRPr lang="en-GB"/>
           </a:p>
@@ -3185,7 +3441,7 @@
           <a:p>
             <a:fld id="{377E3AE9-0F60-4E9A-B5C8-17FADBDCB6EA}" type="datetimeFigureOut">
               <a:rPr lang="en-GB" smtClean="0"/>
-              <a:t>23/01/2020</a:t>
+              <a:t>25/01/2020</a:t>
             </a:fld>
             <a:endParaRPr lang="en-GB"/>
           </a:p>
@@ -3375,7 +3631,7 @@
           <a:p>
             <a:fld id="{F070A7B3-6521-4DCA-87E5-044747A908C1}" type="datetimeFigureOut">
               <a:rPr lang="en-US" dirty="0"/>
-              <a:t>1/23/2020</a:t>
+              <a:t>1/25/2020</a:t>
             </a:fld>
             <a:endParaRPr lang="en-US" dirty="0"/>
           </a:p>
@@ -3664,7 +3920,7 @@
           <a:p>
             <a:fld id="{377E3AE9-0F60-4E9A-B5C8-17FADBDCB6EA}" type="datetimeFigureOut">
               <a:rPr lang="en-GB" smtClean="0"/>
-              <a:t>23/01/2020</a:t>
+              <a:t>25/01/2020</a:t>
             </a:fld>
             <a:endParaRPr lang="en-GB"/>
           </a:p>
@@ -3864,7 +4120,7 @@
           <a:p>
             <a:fld id="{377E3AE9-0F60-4E9A-B5C8-17FADBDCB6EA}" type="datetimeFigureOut">
               <a:rPr lang="en-GB" smtClean="0"/>
-              <a:t>23/01/2020</a:t>
+              <a:t>25/01/2020</a:t>
             </a:fld>
             <a:endParaRPr lang="en-GB"/>
           </a:p>
@@ -4074,7 +4330,7 @@
           <a:p>
             <a:fld id="{377E3AE9-0F60-4E9A-B5C8-17FADBDCB6EA}" type="datetimeFigureOut">
               <a:rPr lang="en-GB" smtClean="0"/>
-              <a:t>23/01/2020</a:t>
+              <a:t>25/01/2020</a:t>
             </a:fld>
             <a:endParaRPr lang="en-GB"/>
           </a:p>
@@ -4341,7 +4597,7 @@
                 <a:tabLst/>
                 <a:defRPr/>
               </a:pPr>
-              <a:t>1/23/2020</a:t>
+              <a:t>1/25/2020</a:t>
             </a:fld>
             <a:endParaRPr kumimoji="0" lang="en-US" sz="1800" b="0" i="0" u="none" strike="noStrike" kern="1200" cap="none" spc="0" normalizeH="0" baseline="0" noProof="0" dirty="0">
               <a:ln>
@@ -4775,7 +5031,7 @@
                 <a:tabLst/>
                 <a:defRPr/>
               </a:pPr>
-              <a:t>1/23/2020</a:t>
+              <a:t>1/25/2020</a:t>
             </a:fld>
             <a:endParaRPr kumimoji="0" lang="en-US" sz="1800" b="0" i="0" u="none" strike="noStrike" kern="1200" cap="none" spc="0" normalizeH="0" baseline="0" noProof="0" dirty="0">
               <a:ln>
@@ -5181,7 +5437,7 @@
                 <a:tabLst/>
                 <a:defRPr/>
               </a:pPr>
-              <a:t>1/23/2020</a:t>
+              <a:t>1/25/2020</a:t>
             </a:fld>
             <a:endParaRPr kumimoji="0" lang="en-US" sz="1800" b="0" i="0" u="none" strike="noStrike" kern="1200" cap="none" spc="0" normalizeH="0" baseline="0" noProof="0" dirty="0">
               <a:ln>
@@ -5710,7 +5966,7 @@
                 <a:tabLst/>
                 <a:defRPr/>
               </a:pPr>
-              <a:t>1/23/2020</a:t>
+              <a:t>1/25/2020</a:t>
             </a:fld>
             <a:endParaRPr kumimoji="0" lang="en-US" sz="1800" b="0" i="0" u="none" strike="noStrike" kern="1200" cap="none" spc="0" normalizeH="0" baseline="0" noProof="0" dirty="0">
               <a:ln>
@@ -6025,7 +6281,7 @@
                 <a:tabLst/>
                 <a:defRPr/>
               </a:pPr>
-              <a:t>1/23/2020</a:t>
+              <a:t>1/25/2020</a:t>
             </a:fld>
             <a:endParaRPr kumimoji="0" lang="en-US" sz="1800" b="0" i="0" u="none" strike="noStrike" kern="1200" cap="none" spc="0" normalizeH="0" baseline="0" noProof="0" dirty="0">
               <a:ln>
@@ -6294,7 +6550,7 @@
                 <a:tabLst/>
                 <a:defRPr/>
               </a:pPr>
-              <a:t>1/23/2020</a:t>
+              <a:t>1/25/2020</a:t>
             </a:fld>
             <a:endParaRPr kumimoji="0" lang="en-US" sz="1800" b="0" i="0" u="none" strike="noStrike" kern="1200" cap="none" spc="0" normalizeH="0" baseline="0" noProof="0" dirty="0">
               <a:ln>
@@ -6681,7 +6937,7 @@
           <a:p>
             <a:fld id="{1160EA64-D806-43AC-9DF2-F8C432F32B4C}" type="datetimeFigureOut">
               <a:rPr lang="en-US" dirty="0"/>
-              <a:t>1/23/2020</a:t>
+              <a:t>1/25/2020</a:t>
             </a:fld>
             <a:endParaRPr lang="en-US" dirty="0"/>
           </a:p>
@@ -7105,7 +7361,7 @@
                 <a:tabLst/>
                 <a:defRPr/>
               </a:pPr>
-              <a:t>1/23/2020</a:t>
+              <a:t>1/25/2020</a:t>
             </a:fld>
             <a:endParaRPr kumimoji="0" lang="en-US" sz="1800" b="0" i="0" u="none" strike="noStrike" kern="1200" cap="none" spc="0" normalizeH="0" baseline="0" noProof="0" dirty="0">
               <a:ln>
@@ -7640,7 +7896,7 @@
                 <a:tabLst/>
                 <a:defRPr/>
               </a:pPr>
-              <a:t>1/23/2020</a:t>
+              <a:t>1/25/2020</a:t>
             </a:fld>
             <a:endParaRPr kumimoji="0" lang="en-US" sz="1800" b="0" i="0" u="none" strike="noStrike" kern="1200" cap="none" spc="0" normalizeH="0" baseline="0" noProof="0" dirty="0">
               <a:ln>
@@ -8004,7 +8260,7 @@
                 <a:tabLst/>
                 <a:defRPr/>
               </a:pPr>
-              <a:t>1/23/2020</a:t>
+              <a:t>1/25/2020</a:t>
             </a:fld>
             <a:endParaRPr kumimoji="0" lang="en-US" sz="1800" b="0" i="0" u="none" strike="noStrike" kern="1200" cap="none" spc="0" normalizeH="0" baseline="0" noProof="0" dirty="0">
               <a:ln>
@@ -8358,7 +8614,7 @@
                 <a:tabLst/>
                 <a:defRPr/>
               </a:pPr>
-              <a:t>1/23/2020</a:t>
+              <a:t>1/25/2020</a:t>
             </a:fld>
             <a:endParaRPr kumimoji="0" lang="en-US" sz="1800" b="0" i="0" u="none" strike="noStrike" kern="1200" cap="none" spc="0" normalizeH="0" baseline="0" noProof="0" dirty="0">
               <a:ln>
@@ -8685,7 +8941,7 @@
           <a:p>
             <a:fld id="{F070A7B3-6521-4DCA-87E5-044747A908C1}" type="datetimeFigureOut">
               <a:rPr lang="en-US" dirty="0"/>
-              <a:t>1/23/2020</a:t>
+              <a:t>1/25/2020</a:t>
             </a:fld>
             <a:endParaRPr lang="en-US" dirty="0"/>
           </a:p>
@@ -8970,7 +9226,7 @@
           <a:p>
             <a:fld id="{1160EA64-D806-43AC-9DF2-F8C432F32B4C}" type="datetimeFigureOut">
               <a:rPr lang="en-US" dirty="0"/>
-              <a:t>1/23/2020</a:t>
+              <a:t>1/25/2020</a:t>
             </a:fld>
             <a:endParaRPr lang="en-US" dirty="0"/>
           </a:p>
@@ -9227,7 +9483,7 @@
           <a:p>
             <a:fld id="{AB134690-1557-4C89-A502-4959FE7FAD70}" type="datetimeFigureOut">
               <a:rPr lang="en-US" dirty="0"/>
-              <a:t>1/23/2020</a:t>
+              <a:t>1/25/2020</a:t>
             </a:fld>
             <a:endParaRPr lang="en-US" dirty="0"/>
           </a:p>
@@ -9606,7 +9862,7 @@
           <a:p>
             <a:fld id="{4F7D4976-E339-4826-83B7-FBD03F55ECF8}" type="datetimeFigureOut">
               <a:rPr lang="en-US" dirty="0"/>
-              <a:t>1/23/2020</a:t>
+              <a:t>1/25/2020</a:t>
             </a:fld>
             <a:endParaRPr lang="en-US" dirty="0"/>
           </a:p>
@@ -9771,7 +10027,7 @@
           <a:p>
             <a:fld id="{E1037C31-9E7A-4F99-8774-A0E530DE1A42}" type="datetimeFigureOut">
               <a:rPr lang="en-US" dirty="0"/>
-              <a:t>1/23/2020</a:t>
+              <a:t>1/25/2020</a:t>
             </a:fld>
             <a:endParaRPr lang="en-US" dirty="0"/>
           </a:p>
@@ -10027,7 +10283,7 @@
           <a:p>
             <a:fld id="{AB134690-1557-4C89-A502-4959FE7FAD70}" type="datetimeFigureOut">
               <a:rPr lang="en-US" dirty="0"/>
-              <a:t>1/23/2020</a:t>
+              <a:t>1/25/2020</a:t>
             </a:fld>
             <a:endParaRPr lang="en-US" dirty="0"/>
           </a:p>
@@ -10141,7 +10397,7 @@
           <a:p>
             <a:fld id="{C278504F-A551-4DE0-9316-4DCD1D8CC752}" type="datetimeFigureOut">
               <a:rPr lang="en-US" dirty="0"/>
-              <a:t>1/23/2020</a:t>
+              <a:t>1/25/2020</a:t>
             </a:fld>
             <a:endParaRPr lang="en-US" dirty="0"/>
           </a:p>
@@ -10522,7 +10778,7 @@
           <a:p>
             <a:fld id="{1160EA64-D806-43AC-9DF2-F8C432F32B4C}" type="datetimeFigureOut">
               <a:rPr lang="en-US" dirty="0"/>
-              <a:t>1/23/2020</a:t>
+              <a:t>1/25/2020</a:t>
             </a:fld>
             <a:endParaRPr lang="en-US" dirty="0"/>
           </a:p>
@@ -10899,7 +11155,7 @@
             <a:fld id="{1160EA64-D806-43AC-9DF2-F8C432F32B4C}" type="datetimeFigureOut">
               <a:rPr lang="en-US" dirty="0"/>
               <a:pPr/>
-              <a:t>1/23/2020</a:t>
+              <a:t>1/25/2020</a:t>
             </a:fld>
             <a:endParaRPr lang="en-US" dirty="0"/>
           </a:p>
@@ -11104,7 +11360,7 @@
           <a:p>
             <a:fld id="{E9F9C37B-1D36-470B-8223-D6C91242EC14}" type="datetimeFigureOut">
               <a:rPr lang="en-US" dirty="0"/>
-              <a:t>1/23/2020</a:t>
+              <a:t>1/25/2020</a:t>
             </a:fld>
             <a:endParaRPr lang="en-US" dirty="0"/>
           </a:p>
@@ -11308,7 +11564,7 @@
           <a:p>
             <a:fld id="{67C6F52A-A82B-47A2-A83A-8C4C91F2D59F}" type="datetimeFigureOut">
               <a:rPr lang="en-US" dirty="0"/>
-              <a:t>1/23/2020</a:t>
+              <a:t>1/25/2020</a:t>
             </a:fld>
             <a:endParaRPr lang="en-US" dirty="0"/>
           </a:p>
@@ -11579,7 +11835,7 @@
                 <a:tabLst/>
                 <a:defRPr/>
               </a:pPr>
-              <a:t>1/23/2020</a:t>
+              <a:t>1/25/2020</a:t>
             </a:fld>
             <a:endParaRPr kumimoji="0" lang="en-US" sz="1800" b="0" i="0" u="none" strike="noStrike" kern="1200" cap="none" spc="0" normalizeH="0" baseline="0" noProof="0" dirty="0">
               <a:ln>
@@ -12013,7 +12269,7 @@
                 <a:tabLst/>
                 <a:defRPr/>
               </a:pPr>
-              <a:t>1/23/2020</a:t>
+              <a:t>1/25/2020</a:t>
             </a:fld>
             <a:endParaRPr kumimoji="0" lang="en-US" sz="1800" b="0" i="0" u="none" strike="noStrike" kern="1200" cap="none" spc="0" normalizeH="0" baseline="0" noProof="0" dirty="0">
               <a:ln>
@@ -12419,7 +12675,7 @@
                 <a:tabLst/>
                 <a:defRPr/>
               </a:pPr>
-              <a:t>1/23/2020</a:t>
+              <a:t>1/25/2020</a:t>
             </a:fld>
             <a:endParaRPr kumimoji="0" lang="en-US" sz="1800" b="0" i="0" u="none" strike="noStrike" kern="1200" cap="none" spc="0" normalizeH="0" baseline="0" noProof="0" dirty="0">
               <a:ln>
@@ -12948,7 +13204,7 @@
                 <a:tabLst/>
                 <a:defRPr/>
               </a:pPr>
-              <a:t>1/23/2020</a:t>
+              <a:t>1/25/2020</a:t>
             </a:fld>
             <a:endParaRPr kumimoji="0" lang="en-US" sz="1800" b="0" i="0" u="none" strike="noStrike" kern="1200" cap="none" spc="0" normalizeH="0" baseline="0" noProof="0" dirty="0">
               <a:ln>
@@ -13453,7 +13709,7 @@
           <a:p>
             <a:fld id="{4F7D4976-E339-4826-83B7-FBD03F55ECF8}" type="datetimeFigureOut">
               <a:rPr lang="en-US" dirty="0"/>
-              <a:t>1/23/2020</a:t>
+              <a:t>1/25/2020</a:t>
             </a:fld>
             <a:endParaRPr lang="en-US" dirty="0"/>
           </a:p>
@@ -13660,7 +13916,7 @@
                 <a:tabLst/>
                 <a:defRPr/>
               </a:pPr>
-              <a:t>1/23/2020</a:t>
+              <a:t>1/25/2020</a:t>
             </a:fld>
             <a:endParaRPr kumimoji="0" lang="en-US" sz="1800" b="0" i="0" u="none" strike="noStrike" kern="1200" cap="none" spc="0" normalizeH="0" baseline="0" noProof="0" dirty="0">
               <a:ln>
@@ -13929,7 +14185,7 @@
                 <a:tabLst/>
                 <a:defRPr/>
               </a:pPr>
-              <a:t>1/23/2020</a:t>
+              <a:t>1/25/2020</a:t>
             </a:fld>
             <a:endParaRPr kumimoji="0" lang="en-US" sz="1800" b="0" i="0" u="none" strike="noStrike" kern="1200" cap="none" spc="0" normalizeH="0" baseline="0" noProof="0" dirty="0">
               <a:ln>
@@ -14460,7 +14716,7 @@
                 <a:tabLst/>
                 <a:defRPr/>
               </a:pPr>
-              <a:t>1/23/2020</a:t>
+              <a:t>1/25/2020</a:t>
             </a:fld>
             <a:endParaRPr kumimoji="0" lang="en-US" sz="1800" b="0" i="0" u="none" strike="noStrike" kern="1200" cap="none" spc="0" normalizeH="0" baseline="0" noProof="0" dirty="0">
               <a:ln>
@@ -14995,7 +15251,7 @@
                 <a:tabLst/>
                 <a:defRPr/>
               </a:pPr>
-              <a:t>1/23/2020</a:t>
+              <a:t>1/25/2020</a:t>
             </a:fld>
             <a:endParaRPr kumimoji="0" lang="en-US" sz="1800" b="0" i="0" u="none" strike="noStrike" kern="1200" cap="none" spc="0" normalizeH="0" baseline="0" noProof="0" dirty="0">
               <a:ln>
@@ -15359,7 +15615,7 @@
                 <a:tabLst/>
                 <a:defRPr/>
               </a:pPr>
-              <a:t>1/23/2020</a:t>
+              <a:t>1/25/2020</a:t>
             </a:fld>
             <a:endParaRPr kumimoji="0" lang="en-US" sz="1800" b="0" i="0" u="none" strike="noStrike" kern="1200" cap="none" spc="0" normalizeH="0" baseline="0" noProof="0" dirty="0">
               <a:ln>
@@ -15713,7 +15969,7 @@
                 <a:tabLst/>
                 <a:defRPr/>
               </a:pPr>
-              <a:t>1/23/2020</a:t>
+              <a:t>1/25/2020</a:t>
             </a:fld>
             <a:endParaRPr kumimoji="0" lang="en-US" sz="1800" b="0" i="0" u="none" strike="noStrike" kern="1200" cap="none" spc="0" normalizeH="0" baseline="0" noProof="0" dirty="0">
               <a:ln>
@@ -15958,7 +16214,7 @@
           <a:p>
             <a:fld id="{E1037C31-9E7A-4F99-8774-A0E530DE1A42}" type="datetimeFigureOut">
               <a:rPr lang="en-US" dirty="0"/>
-              <a:t>1/23/2020</a:t>
+              <a:t>1/25/2020</a:t>
             </a:fld>
             <a:endParaRPr lang="en-US" dirty="0"/>
           </a:p>
@@ -16072,7 +16328,7 @@
           <a:p>
             <a:fld id="{C278504F-A551-4DE0-9316-4DCD1D8CC752}" type="datetimeFigureOut">
               <a:rPr lang="en-US" dirty="0"/>
-              <a:t>1/23/2020</a:t>
+              <a:t>1/25/2020</a:t>
             </a:fld>
             <a:endParaRPr lang="en-US" dirty="0"/>
           </a:p>
@@ -16448,7 +16704,7 @@
           <a:p>
             <a:fld id="{1160EA64-D806-43AC-9DF2-F8C432F32B4C}" type="datetimeFigureOut">
               <a:rPr lang="en-US" dirty="0"/>
-              <a:t>1/23/2020</a:t>
+              <a:t>1/25/2020</a:t>
             </a:fld>
             <a:endParaRPr lang="en-US" dirty="0"/>
           </a:p>
@@ -16820,7 +17076,7 @@
             <a:fld id="{1160EA64-D806-43AC-9DF2-F8C432F32B4C}" type="datetimeFigureOut">
               <a:rPr lang="en-US" dirty="0"/>
               <a:pPr/>
-              <a:t>1/23/2020</a:t>
+              <a:t>1/25/2020</a:t>
             </a:fld>
             <a:endParaRPr lang="en-US" dirty="0"/>
           </a:p>
@@ -17614,7 +17870,7 @@
           <a:p>
             <a:fld id="{377E3AE9-0F60-4E9A-B5C8-17FADBDCB6EA}" type="datetimeFigureOut">
               <a:rPr lang="en-GB" smtClean="0"/>
-              <a:t>23/01/2020</a:t>
+              <a:t>25/01/2020</a:t>
             </a:fld>
             <a:endParaRPr lang="en-GB"/>
           </a:p>
@@ -19849,27 +20105,8 @@
                 <a:ea typeface="+mj-ea"/>
                 <a:cs typeface="+mj-cs"/>
               </a:rPr>
-              <a:t>Marri </a:t>
-            </a:r>
-            <a:r>
-              <a:rPr lang="en-US" cap="all" spc="200" dirty="0" err="1">
-                <a:solidFill>
-                  <a:schemeClr val="bg1"/>
-                </a:solidFill>
-                <a:latin typeface="+mj-lt"/>
-                <a:ea typeface="+mj-ea"/>
-                <a:cs typeface="+mj-cs"/>
-              </a:rPr>
-              <a:t>Iacopo</a:t>
-            </a:r>
-            <a:endParaRPr lang="en-US" cap="all" spc="200" dirty="0">
-              <a:solidFill>
-                <a:schemeClr val="bg1"/>
-              </a:solidFill>
-              <a:latin typeface="+mj-lt"/>
-              <a:ea typeface="+mj-ea"/>
-              <a:cs typeface="+mj-cs"/>
-            </a:endParaRPr>
+              <a:t>Marri Iacopo</a:t>
+            </a:r>
           </a:p>
           <a:p>
             <a:pPr algn="ctr" defTabSz="914400">
@@ -19884,7 +20121,7 @@
               </a:spcAft>
             </a:pPr>
             <a:r>
-              <a:rPr lang="en-US" cap="all" spc="200" dirty="0" err="1">
+              <a:rPr lang="en-US" cap="all" spc="200" dirty="0">
                 <a:solidFill>
                   <a:schemeClr val="bg1"/>
                 </a:solidFill>
@@ -19892,18 +20129,7 @@
                 <a:ea typeface="+mj-ea"/>
                 <a:cs typeface="+mj-cs"/>
               </a:rPr>
-              <a:t>Salamino</a:t>
-            </a:r>
-            <a:r>
-              <a:rPr lang="en-US" cap="all" spc="200" dirty="0">
-                <a:solidFill>
-                  <a:schemeClr val="bg1"/>
-                </a:solidFill>
-                <a:latin typeface="+mj-lt"/>
-                <a:ea typeface="+mj-ea"/>
-                <a:cs typeface="+mj-cs"/>
-              </a:rPr>
-              <a:t> Manuel</a:t>
+              <a:t>Salamino Manuel</a:t>
             </a:r>
           </a:p>
           <a:p>
@@ -19971,6 +20197,1045 @@
   </p:cSld>
   <p:clrMapOvr>
     <a:masterClrMapping/>
+  </p:clrMapOvr>
+</p:sld>
+</file>
+
+<file path=ppt/slides/slide10.xml><?xml version="1.0" encoding="utf-8"?>
+<p:sld xmlns:a="http://schemas.openxmlformats.org/drawingml/2006/main" xmlns:r="http://schemas.openxmlformats.org/officeDocument/2006/relationships" xmlns:p="http://schemas.openxmlformats.org/presentationml/2006/main">
+  <p:cSld>
+    <p:spTree>
+      <p:nvGrpSpPr>
+        <p:cNvPr id="1" name=""/>
+        <p:cNvGrpSpPr/>
+        <p:nvPr/>
+      </p:nvGrpSpPr>
+      <p:grpSpPr>
+        <a:xfrm>
+          <a:off x="0" y="0"/>
+          <a:ext cx="0" cy="0"/>
+          <a:chOff x="0" y="0"/>
+          <a:chExt cx="0" cy="0"/>
+        </a:xfrm>
+      </p:grpSpPr>
+      <p:sp>
+        <p:nvSpPr>
+          <p:cNvPr id="19" name="Titolo 18">
+            <a:extLst>
+              <a:ext uri="{FF2B5EF4-FFF2-40B4-BE49-F238E27FC236}">
+                <a16:creationId xmlns:a16="http://schemas.microsoft.com/office/drawing/2014/main" id="{5159A273-870F-45B5-9101-1CA02121DC26}"/>
+              </a:ext>
+            </a:extLst>
+          </p:cNvPr>
+          <p:cNvSpPr>
+            <a:spLocks noGrp="1"/>
+          </p:cNvSpPr>
+          <p:nvPr>
+            <p:ph type="title"/>
+          </p:nvPr>
+        </p:nvSpPr>
+        <p:spPr>
+          <a:xfrm>
+            <a:off x="0" y="648930"/>
+            <a:ext cx="12192000" cy="6287728"/>
+          </a:xfrm>
+          <a:ln>
+            <a:noFill/>
+          </a:ln>
+        </p:spPr>
+        <p:txBody>
+          <a:bodyPr/>
+          <a:lstStyle/>
+          <a:p>
+            <a:r>
+              <a:rPr lang="it-IT" dirty="0"/>
+              <a:t> </a:t>
+            </a:r>
+            <a:endParaRPr lang="en-GB" dirty="0"/>
+          </a:p>
+        </p:txBody>
+      </p:sp>
+      <p:sp>
+        <p:nvSpPr>
+          <p:cNvPr id="21" name="Titolo 6">
+            <a:extLst>
+              <a:ext uri="{FF2B5EF4-FFF2-40B4-BE49-F238E27FC236}">
+                <a16:creationId xmlns:a16="http://schemas.microsoft.com/office/drawing/2014/main" id="{49243CB4-EAC5-4512-917A-CDFEC65C8DC4}"/>
+              </a:ext>
+            </a:extLst>
+          </p:cNvPr>
+          <p:cNvSpPr txBox="1">
+            <a:spLocks/>
+          </p:cNvSpPr>
+          <p:nvPr/>
+        </p:nvSpPr>
+        <p:spPr>
+          <a:xfrm>
+            <a:off x="3519948" y="324405"/>
+            <a:ext cx="5152103" cy="640091"/>
+          </a:xfrm>
+          <a:prstGeom prst="rect">
+            <a:avLst/>
+          </a:prstGeom>
+          <a:solidFill>
+            <a:schemeClr val="bg1"/>
+          </a:solidFill>
+          <a:ln w="15875" cap="sq">
+            <a:solidFill>
+              <a:schemeClr val="tx1">
+                <a:lumMod val="75000"/>
+                <a:lumOff val="25000"/>
+              </a:schemeClr>
+            </a:solidFill>
+            <a:miter lim="800000"/>
+          </a:ln>
+        </p:spPr>
+        <p:txBody>
+          <a:bodyPr vert="horz" lIns="182880" tIns="182880" rIns="182880" bIns="182880" rtlCol="0" anchor="ctr">
+            <a:normAutofit fontScale="85000" lnSpcReduction="20000"/>
+          </a:bodyPr>
+          <a:lstStyle>
+            <a:lvl1pPr algn="ctr" defTabSz="914400" rtl="0" eaLnBrk="1" latinLnBrk="0" hangingPunct="1">
+              <a:lnSpc>
+                <a:spcPct val="90000"/>
+              </a:lnSpc>
+              <a:spcBef>
+                <a:spcPct val="0"/>
+              </a:spcBef>
+              <a:buNone/>
+              <a:defRPr sz="2800" kern="1200" cap="all" spc="200" baseline="0">
+                <a:solidFill>
+                  <a:schemeClr val="tx1">
+                    <a:lumMod val="85000"/>
+                    <a:lumOff val="15000"/>
+                  </a:schemeClr>
+                </a:solidFill>
+                <a:latin typeface="+mj-lt"/>
+                <a:ea typeface="+mj-ea"/>
+                <a:cs typeface="+mj-cs"/>
+              </a:defRPr>
+            </a:lvl1pPr>
+          </a:lstStyle>
+          <a:p>
+            <a:r>
+              <a:rPr lang="it-IT" dirty="0"/>
+              <a:t>COMPonent diagram</a:t>
+            </a:r>
+            <a:endParaRPr lang="en-GB" dirty="0"/>
+          </a:p>
+        </p:txBody>
+      </p:sp>
+      <p:sp>
+        <p:nvSpPr>
+          <p:cNvPr id="24" name="Ovale 23">
+            <a:extLst>
+              <a:ext uri="{FF2B5EF4-FFF2-40B4-BE49-F238E27FC236}">
+                <a16:creationId xmlns:a16="http://schemas.microsoft.com/office/drawing/2014/main" id="{543BAF3E-8D53-4EB3-9D0C-75E34D6C44CC}"/>
+              </a:ext>
+            </a:extLst>
+          </p:cNvPr>
+          <p:cNvSpPr/>
+          <p:nvPr/>
+        </p:nvSpPr>
+        <p:spPr>
+          <a:xfrm>
+            <a:off x="10895215" y="5502161"/>
+            <a:ext cx="1230110" cy="1230110"/>
+          </a:xfrm>
+          <a:prstGeom prst="ellipse">
+            <a:avLst/>
+          </a:prstGeom>
+          <a:blipFill>
+            <a:blip r:embed="rId3">
+              <a:extLst>
+                <a:ext uri="{837473B0-CC2E-450A-ABE3-18F120FF3D39}">
+                  <a1611:picAttrSrcUrl xmlns:a1611="http://schemas.microsoft.com/office/drawing/2016/11/main" r:id="rId4"/>
+                </a:ext>
+              </a:extLst>
+            </a:blip>
+            <a:stretch>
+              <a:fillRect/>
+            </a:stretch>
+          </a:blipFill>
+          <a:ln>
+            <a:noFill/>
+          </a:ln>
+        </p:spPr>
+        <p:style>
+          <a:lnRef idx="2">
+            <a:schemeClr val="accent1">
+              <a:shade val="50000"/>
+            </a:schemeClr>
+          </a:lnRef>
+          <a:fillRef idx="1">
+            <a:schemeClr val="accent1"/>
+          </a:fillRef>
+          <a:effectRef idx="0">
+            <a:schemeClr val="accent1"/>
+          </a:effectRef>
+          <a:fontRef idx="minor">
+            <a:schemeClr val="lt1"/>
+          </a:fontRef>
+        </p:style>
+        <p:txBody>
+          <a:bodyPr rtlCol="0" anchor="ctr"/>
+          <a:lstStyle/>
+          <a:p>
+            <a:pPr algn="ctr"/>
+            <a:endParaRPr lang="en-GB"/>
+          </a:p>
+        </p:txBody>
+      </p:sp>
+      <p:pic>
+        <p:nvPicPr>
+          <p:cNvPr id="3" name="Immagine 2" descr="Immagine che contiene testo&#10;&#10;Descrizione generata automaticamente">
+            <a:extLst>
+              <a:ext uri="{FF2B5EF4-FFF2-40B4-BE49-F238E27FC236}">
+                <a16:creationId xmlns:a16="http://schemas.microsoft.com/office/drawing/2014/main" id="{3B6E799F-5B16-4D17-9B2D-BC6928CC321B}"/>
+              </a:ext>
+            </a:extLst>
+          </p:cNvPr>
+          <p:cNvPicPr>
+            <a:picLocks noChangeAspect="1"/>
+          </p:cNvPicPr>
+          <p:nvPr/>
+        </p:nvPicPr>
+        <p:blipFill>
+          <a:blip r:embed="rId5"/>
+          <a:stretch>
+            <a:fillRect/>
+          </a:stretch>
+        </p:blipFill>
+        <p:spPr>
+          <a:xfrm>
+            <a:off x="412852" y="561433"/>
+            <a:ext cx="10202878" cy="5972162"/>
+          </a:xfrm>
+          <a:prstGeom prst="rect">
+            <a:avLst/>
+          </a:prstGeom>
+        </p:spPr>
+      </p:pic>
+    </p:spTree>
+    <p:extLst>
+      <p:ext uri="{BB962C8B-B14F-4D97-AF65-F5344CB8AC3E}">
+        <p14:creationId xmlns:p14="http://schemas.microsoft.com/office/powerpoint/2010/main" val="1753433330"/>
+      </p:ext>
+    </p:extLst>
+  </p:cSld>
+  <p:clrMapOvr>
+    <a:masterClrMapping/>
+  </p:clrMapOvr>
+</p:sld>
+</file>
+
+<file path=ppt/slides/slide11.xml><?xml version="1.0" encoding="utf-8"?>
+<p:sld xmlns:a="http://schemas.openxmlformats.org/drawingml/2006/main" xmlns:r="http://schemas.openxmlformats.org/officeDocument/2006/relationships" xmlns:p="http://schemas.openxmlformats.org/presentationml/2006/main">
+  <p:cSld>
+    <p:spTree>
+      <p:nvGrpSpPr>
+        <p:cNvPr id="1" name=""/>
+        <p:cNvGrpSpPr/>
+        <p:nvPr/>
+      </p:nvGrpSpPr>
+      <p:grpSpPr>
+        <a:xfrm>
+          <a:off x="0" y="0"/>
+          <a:ext cx="0" cy="0"/>
+          <a:chOff x="0" y="0"/>
+          <a:chExt cx="0" cy="0"/>
+        </a:xfrm>
+      </p:grpSpPr>
+      <p:sp>
+        <p:nvSpPr>
+          <p:cNvPr id="19" name="Titolo 18">
+            <a:extLst>
+              <a:ext uri="{FF2B5EF4-FFF2-40B4-BE49-F238E27FC236}">
+                <a16:creationId xmlns:a16="http://schemas.microsoft.com/office/drawing/2014/main" id="{5159A273-870F-45B5-9101-1CA02121DC26}"/>
+              </a:ext>
+            </a:extLst>
+          </p:cNvPr>
+          <p:cNvSpPr>
+            <a:spLocks noGrp="1"/>
+          </p:cNvSpPr>
+          <p:nvPr>
+            <p:ph type="title"/>
+          </p:nvPr>
+        </p:nvSpPr>
+        <p:spPr>
+          <a:xfrm>
+            <a:off x="0" y="1219200"/>
+            <a:ext cx="12192000" cy="5717457"/>
+          </a:xfrm>
+          <a:ln>
+            <a:noFill/>
+          </a:ln>
+        </p:spPr>
+        <p:txBody>
+          <a:bodyPr/>
+          <a:lstStyle/>
+          <a:p>
+            <a:r>
+              <a:rPr lang="it-IT" dirty="0"/>
+              <a:t> </a:t>
+            </a:r>
+            <a:endParaRPr lang="en-GB" dirty="0"/>
+          </a:p>
+        </p:txBody>
+      </p:sp>
+      <p:sp>
+        <p:nvSpPr>
+          <p:cNvPr id="21" name="Titolo 6">
+            <a:extLst>
+              <a:ext uri="{FF2B5EF4-FFF2-40B4-BE49-F238E27FC236}">
+                <a16:creationId xmlns:a16="http://schemas.microsoft.com/office/drawing/2014/main" id="{49243CB4-EAC5-4512-917A-CDFEC65C8DC4}"/>
+              </a:ext>
+            </a:extLst>
+          </p:cNvPr>
+          <p:cNvSpPr txBox="1">
+            <a:spLocks/>
+          </p:cNvSpPr>
+          <p:nvPr/>
+        </p:nvSpPr>
+        <p:spPr>
+          <a:xfrm>
+            <a:off x="2372032" y="789039"/>
+            <a:ext cx="7447935" cy="860322"/>
+          </a:xfrm>
+          <a:prstGeom prst="rect">
+            <a:avLst/>
+          </a:prstGeom>
+          <a:solidFill>
+            <a:schemeClr val="bg1"/>
+          </a:solidFill>
+          <a:ln w="15875" cap="sq">
+            <a:solidFill>
+              <a:schemeClr val="tx1">
+                <a:lumMod val="75000"/>
+                <a:lumOff val="25000"/>
+              </a:schemeClr>
+            </a:solidFill>
+            <a:miter lim="800000"/>
+          </a:ln>
+        </p:spPr>
+        <p:txBody>
+          <a:bodyPr vert="horz" lIns="182880" tIns="182880" rIns="182880" bIns="182880" rtlCol="0" anchor="ctr">
+            <a:normAutofit/>
+          </a:bodyPr>
+          <a:lstStyle>
+            <a:lvl1pPr algn="ctr" defTabSz="914400" rtl="0" eaLnBrk="1" latinLnBrk="0" hangingPunct="1">
+              <a:lnSpc>
+                <a:spcPct val="90000"/>
+              </a:lnSpc>
+              <a:spcBef>
+                <a:spcPct val="0"/>
+              </a:spcBef>
+              <a:buNone/>
+              <a:defRPr sz="2800" kern="1200" cap="all" spc="200" baseline="0">
+                <a:solidFill>
+                  <a:schemeClr val="tx1">
+                    <a:lumMod val="85000"/>
+                    <a:lumOff val="15000"/>
+                  </a:schemeClr>
+                </a:solidFill>
+                <a:latin typeface="+mj-lt"/>
+                <a:ea typeface="+mj-ea"/>
+                <a:cs typeface="+mj-cs"/>
+              </a:defRPr>
+            </a:lvl1pPr>
+          </a:lstStyle>
+          <a:p>
+            <a:r>
+              <a:rPr lang="it-IT" dirty="0"/>
+              <a:t>Meaningful interactions</a:t>
+            </a:r>
+            <a:endParaRPr lang="en-GB" dirty="0"/>
+          </a:p>
+        </p:txBody>
+      </p:sp>
+      <p:sp>
+        <p:nvSpPr>
+          <p:cNvPr id="24" name="Ovale 23">
+            <a:extLst>
+              <a:ext uri="{FF2B5EF4-FFF2-40B4-BE49-F238E27FC236}">
+                <a16:creationId xmlns:a16="http://schemas.microsoft.com/office/drawing/2014/main" id="{543BAF3E-8D53-4EB3-9D0C-75E34D6C44CC}"/>
+              </a:ext>
+            </a:extLst>
+          </p:cNvPr>
+          <p:cNvSpPr/>
+          <p:nvPr/>
+        </p:nvSpPr>
+        <p:spPr>
+          <a:xfrm>
+            <a:off x="10895215" y="5502161"/>
+            <a:ext cx="1230110" cy="1230110"/>
+          </a:xfrm>
+          <a:prstGeom prst="ellipse">
+            <a:avLst/>
+          </a:prstGeom>
+          <a:blipFill>
+            <a:blip r:embed="rId3">
+              <a:extLst>
+                <a:ext uri="{837473B0-CC2E-450A-ABE3-18F120FF3D39}">
+                  <a1611:picAttrSrcUrl xmlns:a1611="http://schemas.microsoft.com/office/drawing/2016/11/main" r:id="rId4"/>
+                </a:ext>
+              </a:extLst>
+            </a:blip>
+            <a:stretch>
+              <a:fillRect/>
+            </a:stretch>
+          </a:blipFill>
+          <a:ln>
+            <a:noFill/>
+          </a:ln>
+        </p:spPr>
+        <p:style>
+          <a:lnRef idx="2">
+            <a:schemeClr val="accent1">
+              <a:shade val="50000"/>
+            </a:schemeClr>
+          </a:lnRef>
+          <a:fillRef idx="1">
+            <a:schemeClr val="accent1"/>
+          </a:fillRef>
+          <a:effectRef idx="0">
+            <a:schemeClr val="accent1"/>
+          </a:effectRef>
+          <a:fontRef idx="minor">
+            <a:schemeClr val="lt1"/>
+          </a:fontRef>
+        </p:style>
+        <p:txBody>
+          <a:bodyPr rtlCol="0" anchor="ctr"/>
+          <a:lstStyle/>
+          <a:p>
+            <a:pPr algn="ctr"/>
+            <a:endParaRPr lang="en-GB"/>
+          </a:p>
+        </p:txBody>
+      </p:sp>
+      <p:pic>
+        <p:nvPicPr>
+          <p:cNvPr id="6" name="Immagine 5" descr="Immagine che contiene screenshot&#10;&#10;Descrizione generata automaticamente">
+            <a:extLst>
+              <a:ext uri="{FF2B5EF4-FFF2-40B4-BE49-F238E27FC236}">
+                <a16:creationId xmlns:a16="http://schemas.microsoft.com/office/drawing/2014/main" id="{F81AA4EC-E1D1-469E-AD0E-6D9BA5A6B037}"/>
+              </a:ext>
+            </a:extLst>
+          </p:cNvPr>
+          <p:cNvPicPr>
+            <a:picLocks noChangeAspect="1"/>
+          </p:cNvPicPr>
+          <p:nvPr/>
+        </p:nvPicPr>
+        <p:blipFill>
+          <a:blip r:embed="rId5"/>
+          <a:stretch>
+            <a:fillRect/>
+          </a:stretch>
+        </p:blipFill>
+        <p:spPr>
+          <a:xfrm>
+            <a:off x="1313685" y="1818504"/>
+            <a:ext cx="9564628" cy="4518848"/>
+          </a:xfrm>
+          <a:prstGeom prst="rect">
+            <a:avLst/>
+          </a:prstGeom>
+        </p:spPr>
+      </p:pic>
+    </p:spTree>
+    <p:extLst>
+      <p:ext uri="{BB962C8B-B14F-4D97-AF65-F5344CB8AC3E}">
+        <p14:creationId xmlns:p14="http://schemas.microsoft.com/office/powerpoint/2010/main" val="3763033635"/>
+      </p:ext>
+    </p:extLst>
+  </p:cSld>
+  <p:clrMapOvr>
+    <a:masterClrMapping/>
+  </p:clrMapOvr>
+</p:sld>
+</file>
+
+<file path=ppt/slides/slide12.xml><?xml version="1.0" encoding="utf-8"?>
+<p:sld xmlns:a="http://schemas.openxmlformats.org/drawingml/2006/main" xmlns:r="http://schemas.openxmlformats.org/officeDocument/2006/relationships" xmlns:p="http://schemas.openxmlformats.org/presentationml/2006/main">
+  <p:cSld>
+    <p:bg>
+      <p:bgPr>
+        <a:solidFill>
+          <a:schemeClr val="tx1"/>
+        </a:solidFill>
+        <a:effectLst/>
+      </p:bgPr>
+    </p:bg>
+    <p:spTree>
+      <p:nvGrpSpPr>
+        <p:cNvPr id="1" name=""/>
+        <p:cNvGrpSpPr/>
+        <p:nvPr/>
+      </p:nvGrpSpPr>
+      <p:grpSpPr>
+        <a:xfrm>
+          <a:off x="0" y="0"/>
+          <a:ext cx="0" cy="0"/>
+          <a:chOff x="0" y="0"/>
+          <a:chExt cx="0" cy="0"/>
+        </a:xfrm>
+      </p:grpSpPr>
+      <p:sp>
+        <p:nvSpPr>
+          <p:cNvPr id="31" name="Rectangle 30">
+            <a:extLst>
+              <a:ext uri="{FF2B5EF4-FFF2-40B4-BE49-F238E27FC236}">
+                <a16:creationId xmlns:a16="http://schemas.microsoft.com/office/drawing/2014/main" id="{9A3764AE-D7B7-4CB5-A0E1-2885E4598A09}"/>
+              </a:ext>
+              <a:ext uri="{C183D7F6-B498-43B3-948B-1728B52AA6E4}">
+                <adec:decorative xmlns:adec="http://schemas.microsoft.com/office/drawing/2017/decorative" val="1"/>
+              </a:ext>
+            </a:extLst>
+          </p:cNvPr>
+          <p:cNvSpPr>
+            <a:spLocks noGrp="1" noRot="1" noChangeAspect="1" noMove="1" noResize="1" noEditPoints="1" noAdjustHandles="1" noChangeArrowheads="1" noChangeShapeType="1" noTextEdit="1"/>
+          </p:cNvSpPr>
+          <p:nvPr>
+            <p:extLst>
+              <p:ext uri="{386F3935-93C4-4BCD-93E2-E3B085C9AB24}">
+                <p16:designElem xmlns:p16="http://schemas.microsoft.com/office/powerpoint/2015/main" val="1"/>
+              </p:ext>
+            </p:extLst>
+          </p:nvPr>
+        </p:nvSpPr>
+        <p:spPr>
+          <a:xfrm>
+            <a:off x="0" y="0"/>
+            <a:ext cx="4654296" cy="6858000"/>
+          </a:xfrm>
+          <a:prstGeom prst="rect">
+            <a:avLst/>
+          </a:prstGeom>
+          <a:solidFill>
+            <a:schemeClr val="accent2"/>
+          </a:solidFill>
+          <a:ln>
+            <a:noFill/>
+          </a:ln>
+        </p:spPr>
+        <p:style>
+          <a:lnRef idx="2">
+            <a:schemeClr val="accent1">
+              <a:shade val="50000"/>
+            </a:schemeClr>
+          </a:lnRef>
+          <a:fillRef idx="1">
+            <a:schemeClr val="accent1"/>
+          </a:fillRef>
+          <a:effectRef idx="0">
+            <a:schemeClr val="accent1"/>
+          </a:effectRef>
+          <a:fontRef idx="minor">
+            <a:schemeClr val="lt1"/>
+          </a:fontRef>
+        </p:style>
+        <p:txBody>
+          <a:bodyPr rtlCol="0" anchor="ctr"/>
+          <a:lstStyle/>
+          <a:p>
+            <a:pPr algn="ctr"/>
+            <a:endParaRPr lang="en-US"/>
+          </a:p>
+        </p:txBody>
+      </p:sp>
+      <p:sp>
+        <p:nvSpPr>
+          <p:cNvPr id="2" name="Titolo 1">
+            <a:extLst>
+              <a:ext uri="{FF2B5EF4-FFF2-40B4-BE49-F238E27FC236}">
+                <a16:creationId xmlns:a16="http://schemas.microsoft.com/office/drawing/2014/main" id="{80DD2196-2D68-4FB7-B303-165526AAB8D2}"/>
+              </a:ext>
+            </a:extLst>
+          </p:cNvPr>
+          <p:cNvSpPr>
+            <a:spLocks noGrp="1"/>
+          </p:cNvSpPr>
+          <p:nvPr>
+            <p:ph type="title"/>
+          </p:nvPr>
+        </p:nvSpPr>
+        <p:spPr>
+          <a:xfrm>
+            <a:off x="609599" y="1851257"/>
+            <a:ext cx="3425530" cy="3155486"/>
+          </a:xfrm>
+          <a:prstGeom prst="ellipse">
+            <a:avLst/>
+          </a:prstGeom>
+          <a:noFill/>
+          <a:ln w="69850">
+            <a:solidFill>
+              <a:schemeClr val="tx1">
+                <a:lumMod val="85000"/>
+                <a:lumOff val="15000"/>
+              </a:schemeClr>
+            </a:solidFill>
+          </a:ln>
+        </p:spPr>
+        <p:txBody>
+          <a:bodyPr>
+            <a:normAutofit/>
+          </a:bodyPr>
+          <a:lstStyle/>
+          <a:p>
+            <a:pPr algn="l"/>
+            <a:r>
+              <a:rPr lang="it-IT" sz="3600" dirty="0">
+                <a:solidFill>
+                  <a:schemeClr val="tx1">
+                    <a:lumMod val="95000"/>
+                    <a:lumOff val="5000"/>
+                  </a:schemeClr>
+                </a:solidFill>
+              </a:rPr>
+              <a:t> </a:t>
+            </a:r>
+            <a:endParaRPr lang="en-GB" sz="3600" dirty="0">
+              <a:solidFill>
+                <a:schemeClr val="tx1">
+                  <a:lumMod val="95000"/>
+                  <a:lumOff val="5000"/>
+                </a:schemeClr>
+              </a:solidFill>
+            </a:endParaRPr>
+          </a:p>
+        </p:txBody>
+      </p:sp>
+      <p:sp useBgFill="1">
+        <p:nvSpPr>
+          <p:cNvPr id="33" name="Rectangle 32">
+            <a:extLst>
+              <a:ext uri="{FF2B5EF4-FFF2-40B4-BE49-F238E27FC236}">
+                <a16:creationId xmlns:a16="http://schemas.microsoft.com/office/drawing/2014/main" id="{329C095C-3AB6-49D8-9436-3672566FEEDB}"/>
+              </a:ext>
+              <a:ext uri="{C183D7F6-B498-43B3-948B-1728B52AA6E4}">
+                <adec:decorative xmlns:adec="http://schemas.microsoft.com/office/drawing/2017/decorative" val="1"/>
+              </a:ext>
+            </a:extLst>
+          </p:cNvPr>
+          <p:cNvSpPr>
+            <a:spLocks noGrp="1" noRot="1" noChangeAspect="1" noMove="1" noResize="1" noEditPoints="1" noAdjustHandles="1" noChangeArrowheads="1" noChangeShapeType="1" noTextEdit="1"/>
+          </p:cNvSpPr>
+          <p:nvPr>
+            <p:extLst>
+              <p:ext uri="{386F3935-93C4-4BCD-93E2-E3B085C9AB24}">
+                <p16:designElem xmlns:p16="http://schemas.microsoft.com/office/powerpoint/2015/main" val="1"/>
+              </p:ext>
+            </p:extLst>
+          </p:nvPr>
+        </p:nvSpPr>
+        <p:spPr>
+          <a:xfrm>
+            <a:off x="4654296" y="0"/>
+            <a:ext cx="7537704" cy="6858000"/>
+          </a:xfrm>
+          <a:prstGeom prst="rect">
+            <a:avLst/>
+          </a:prstGeom>
+          <a:ln>
+            <a:noFill/>
+          </a:ln>
+        </p:spPr>
+        <p:style>
+          <a:lnRef idx="2">
+            <a:schemeClr val="accent1">
+              <a:shade val="50000"/>
+            </a:schemeClr>
+          </a:lnRef>
+          <a:fillRef idx="1">
+            <a:schemeClr val="accent1"/>
+          </a:fillRef>
+          <a:effectRef idx="0">
+            <a:schemeClr val="accent1"/>
+          </a:effectRef>
+          <a:fontRef idx="minor">
+            <a:schemeClr val="lt1"/>
+          </a:fontRef>
+        </p:style>
+        <p:txBody>
+          <a:bodyPr rtlCol="0" anchor="ctr"/>
+          <a:lstStyle/>
+          <a:p>
+            <a:pPr algn="ctr"/>
+            <a:endParaRPr lang="en-US"/>
+          </a:p>
+        </p:txBody>
+      </p:sp>
+      <p:sp>
+        <p:nvSpPr>
+          <p:cNvPr id="3" name="Segnaposto contenuto 2">
+            <a:extLst>
+              <a:ext uri="{FF2B5EF4-FFF2-40B4-BE49-F238E27FC236}">
+                <a16:creationId xmlns:a16="http://schemas.microsoft.com/office/drawing/2014/main" id="{33A2C5F9-CE3B-46EC-B8C1-3925BEFF9C65}"/>
+              </a:ext>
+            </a:extLst>
+          </p:cNvPr>
+          <p:cNvSpPr>
+            <a:spLocks noGrp="1"/>
+          </p:cNvSpPr>
+          <p:nvPr>
+            <p:ph idx="1"/>
+          </p:nvPr>
+        </p:nvSpPr>
+        <p:spPr>
+          <a:xfrm>
+            <a:off x="5263895" y="577881"/>
+            <a:ext cx="5826919" cy="4924280"/>
+          </a:xfrm>
+        </p:spPr>
+        <p:txBody>
+          <a:bodyPr anchor="ctr">
+            <a:normAutofit/>
+          </a:bodyPr>
+          <a:lstStyle/>
+          <a:p>
+            <a:pPr marL="0" indent="0">
+              <a:lnSpc>
+                <a:spcPct val="90000"/>
+              </a:lnSpc>
+              <a:buNone/>
+            </a:pPr>
+            <a:r>
+              <a:rPr lang="it-IT" sz="1700" b="1" dirty="0">
+                <a:solidFill>
+                  <a:srgbClr val="4D4D4D"/>
+                </a:solidFill>
+              </a:rPr>
+              <a:t>Multi-</a:t>
+            </a:r>
+            <a:r>
+              <a:rPr lang="it-IT" sz="1700" b="1" dirty="0" err="1">
+                <a:solidFill>
+                  <a:srgbClr val="4D4D4D"/>
+                </a:solidFill>
+              </a:rPr>
+              <a:t>Tier</a:t>
+            </a:r>
+            <a:r>
+              <a:rPr lang="it-IT" sz="1700" b="1" dirty="0">
+                <a:solidFill>
+                  <a:srgbClr val="4D4D4D"/>
+                </a:solidFill>
+              </a:rPr>
+              <a:t> Architecture:</a:t>
+            </a:r>
+          </a:p>
+          <a:p>
+            <a:pPr marL="0" indent="0">
+              <a:lnSpc>
+                <a:spcPct val="90000"/>
+              </a:lnSpc>
+              <a:buNone/>
+            </a:pPr>
+            <a:r>
+              <a:rPr lang="en-GB" sz="1700" dirty="0">
+                <a:solidFill>
+                  <a:srgbClr val="4D4D4D"/>
+                </a:solidFill>
+              </a:rPr>
+              <a:t>Guarantees  that  each  tier  only  deals  with  a  specific  task, creating  a  flexible  and  reusable  application</a:t>
+            </a:r>
+            <a:r>
+              <a:rPr lang="it-IT" sz="1700" dirty="0">
+                <a:solidFill>
+                  <a:srgbClr val="4D4D4D"/>
+                </a:solidFill>
+              </a:rPr>
+              <a:t>.</a:t>
+            </a:r>
+          </a:p>
+          <a:p>
+            <a:pPr marL="0" indent="0">
+              <a:lnSpc>
+                <a:spcPct val="90000"/>
+              </a:lnSpc>
+              <a:buNone/>
+            </a:pPr>
+            <a:endParaRPr lang="it-IT" sz="1700" b="1" dirty="0">
+              <a:solidFill>
+                <a:srgbClr val="4D4D4D"/>
+              </a:solidFill>
+            </a:endParaRPr>
+          </a:p>
+          <a:p>
+            <a:pPr marL="0" indent="0">
+              <a:lnSpc>
+                <a:spcPct val="90000"/>
+              </a:lnSpc>
+              <a:buNone/>
+            </a:pPr>
+            <a:r>
+              <a:rPr lang="it-IT" sz="1700" b="1" dirty="0">
+                <a:solidFill>
+                  <a:srgbClr val="4D4D4D"/>
+                </a:solidFill>
+              </a:rPr>
+              <a:t>REST:</a:t>
+            </a:r>
+          </a:p>
+          <a:p>
+            <a:pPr marL="0" indent="0">
+              <a:lnSpc>
+                <a:spcPct val="90000"/>
+              </a:lnSpc>
+              <a:buNone/>
+            </a:pPr>
+            <a:r>
+              <a:rPr lang="it-IT" sz="1700" dirty="0">
+                <a:solidFill>
+                  <a:srgbClr val="4D4D4D"/>
+                </a:solidFill>
+              </a:rPr>
+              <a:t>Allows </a:t>
+            </a:r>
+            <a:r>
+              <a:rPr lang="en-GB" sz="1700" dirty="0">
+                <a:solidFill>
+                  <a:srgbClr val="4D4D4D"/>
+                </a:solidFill>
+              </a:rPr>
+              <a:t>data exchange through HTTP protocol</a:t>
+            </a:r>
+            <a:r>
+              <a:rPr lang="it-IT" sz="1700" dirty="0">
+                <a:solidFill>
+                  <a:srgbClr val="4D4D4D"/>
+                </a:solidFill>
+              </a:rPr>
+              <a:t> and stateless operations improving interoperability between systems.</a:t>
+            </a:r>
+          </a:p>
+          <a:p>
+            <a:pPr marL="0" indent="0">
+              <a:lnSpc>
+                <a:spcPct val="90000"/>
+              </a:lnSpc>
+              <a:buNone/>
+            </a:pPr>
+            <a:endParaRPr lang="it-IT" sz="1700" dirty="0">
+              <a:solidFill>
+                <a:srgbClr val="4D4D4D"/>
+              </a:solidFill>
+            </a:endParaRPr>
+          </a:p>
+          <a:p>
+            <a:pPr marL="0" indent="0">
+              <a:lnSpc>
+                <a:spcPct val="90000"/>
+              </a:lnSpc>
+              <a:buNone/>
+            </a:pPr>
+            <a:r>
+              <a:rPr lang="it-IT" sz="1700" b="1" dirty="0">
+                <a:solidFill>
+                  <a:srgbClr val="4D4D4D"/>
+                </a:solidFill>
+              </a:rPr>
+              <a:t>RDBMS:</a:t>
+            </a:r>
+          </a:p>
+          <a:p>
+            <a:pPr marL="0" indent="0">
+              <a:lnSpc>
+                <a:spcPct val="90000"/>
+              </a:lnSpc>
+              <a:buNone/>
+            </a:pPr>
+            <a:r>
+              <a:rPr lang="en-GB" sz="1700" dirty="0">
+                <a:solidFill>
+                  <a:srgbClr val="4D4D4D"/>
+                </a:solidFill>
+              </a:rPr>
+              <a:t>A Relational DBMS improves accuracy, flexibility, security and guarantee an easy management.</a:t>
+            </a:r>
+          </a:p>
+          <a:p>
+            <a:pPr marL="0" indent="0">
+              <a:lnSpc>
+                <a:spcPct val="90000"/>
+              </a:lnSpc>
+              <a:buNone/>
+            </a:pPr>
+            <a:endParaRPr lang="en-GB" sz="1700" dirty="0">
+              <a:solidFill>
+                <a:srgbClr val="4D4D4D"/>
+              </a:solidFill>
+            </a:endParaRPr>
+          </a:p>
+          <a:p>
+            <a:pPr marL="0" indent="0">
+              <a:lnSpc>
+                <a:spcPct val="90000"/>
+              </a:lnSpc>
+              <a:buNone/>
+            </a:pPr>
+            <a:r>
+              <a:rPr lang="en-GB" sz="1700" b="1" dirty="0">
+                <a:solidFill>
+                  <a:srgbClr val="4D4D4D"/>
+                </a:solidFill>
+              </a:rPr>
+              <a:t>Observer:</a:t>
+            </a:r>
+          </a:p>
+          <a:p>
+            <a:pPr marL="0" indent="0">
+              <a:lnSpc>
+                <a:spcPct val="90000"/>
+              </a:lnSpc>
+              <a:buNone/>
+            </a:pPr>
+            <a:r>
+              <a:rPr lang="en-GB" sz="1700" dirty="0">
+                <a:solidFill>
+                  <a:srgbClr val="4D4D4D"/>
+                </a:solidFill>
+              </a:rPr>
+              <a:t>Improves the scalability of the system, making easier to add new components or functionalities.</a:t>
+            </a:r>
+          </a:p>
+          <a:p>
+            <a:pPr marL="0" indent="0">
+              <a:lnSpc>
+                <a:spcPct val="90000"/>
+              </a:lnSpc>
+              <a:buNone/>
+            </a:pPr>
+            <a:endParaRPr lang="en-GB" sz="1700" dirty="0">
+              <a:solidFill>
+                <a:srgbClr val="4D4D4D"/>
+              </a:solidFill>
+            </a:endParaRPr>
+          </a:p>
+          <a:p>
+            <a:pPr marL="0" indent="0">
+              <a:lnSpc>
+                <a:spcPct val="90000"/>
+              </a:lnSpc>
+              <a:buNone/>
+            </a:pPr>
+            <a:endParaRPr lang="en-GB" sz="1700" dirty="0">
+              <a:solidFill>
+                <a:srgbClr val="4D4D4D"/>
+              </a:solidFill>
+            </a:endParaRPr>
+          </a:p>
+        </p:txBody>
+      </p:sp>
+      <p:sp>
+        <p:nvSpPr>
+          <p:cNvPr id="14" name="Ovale 13">
+            <a:extLst>
+              <a:ext uri="{FF2B5EF4-FFF2-40B4-BE49-F238E27FC236}">
+                <a16:creationId xmlns:a16="http://schemas.microsoft.com/office/drawing/2014/main" id="{90C0C7F5-0759-4054-8B60-0C49B44E02BF}"/>
+              </a:ext>
+            </a:extLst>
+          </p:cNvPr>
+          <p:cNvSpPr/>
+          <p:nvPr/>
+        </p:nvSpPr>
+        <p:spPr>
+          <a:xfrm>
+            <a:off x="10895215" y="5502161"/>
+            <a:ext cx="1230110" cy="1230110"/>
+          </a:xfrm>
+          <a:prstGeom prst="ellipse">
+            <a:avLst/>
+          </a:prstGeom>
+          <a:blipFill>
+            <a:blip r:embed="rId3">
+              <a:extLst>
+                <a:ext uri="{837473B0-CC2E-450A-ABE3-18F120FF3D39}">
+                  <a1611:picAttrSrcUrl xmlns:a1611="http://schemas.microsoft.com/office/drawing/2016/11/main" r:id="rId4"/>
+                </a:ext>
+              </a:extLst>
+            </a:blip>
+            <a:stretch>
+              <a:fillRect/>
+            </a:stretch>
+          </a:blipFill>
+          <a:ln>
+            <a:noFill/>
+          </a:ln>
+        </p:spPr>
+        <p:style>
+          <a:lnRef idx="2">
+            <a:schemeClr val="accent1">
+              <a:shade val="50000"/>
+            </a:schemeClr>
+          </a:lnRef>
+          <a:fillRef idx="1">
+            <a:schemeClr val="accent1"/>
+          </a:fillRef>
+          <a:effectRef idx="0">
+            <a:schemeClr val="accent1"/>
+          </a:effectRef>
+          <a:fontRef idx="minor">
+            <a:schemeClr val="lt1"/>
+          </a:fontRef>
+        </p:style>
+        <p:txBody>
+          <a:bodyPr rtlCol="0" anchor="ctr"/>
+          <a:lstStyle/>
+          <a:p>
+            <a:pPr algn="ctr"/>
+            <a:endParaRPr lang="en-GB"/>
+          </a:p>
+        </p:txBody>
+      </p:sp>
+      <p:sp>
+        <p:nvSpPr>
+          <p:cNvPr id="4" name="CasellaDiTesto 3">
+            <a:extLst>
+              <a:ext uri="{FF2B5EF4-FFF2-40B4-BE49-F238E27FC236}">
+                <a16:creationId xmlns:a16="http://schemas.microsoft.com/office/drawing/2014/main" id="{D78C28F9-DBA6-425F-9081-7FCC67233918}"/>
+              </a:ext>
+            </a:extLst>
+          </p:cNvPr>
+          <p:cNvSpPr txBox="1"/>
+          <p:nvPr/>
+        </p:nvSpPr>
+        <p:spPr>
+          <a:xfrm flipH="1">
+            <a:off x="1119340" y="3044279"/>
+            <a:ext cx="2415616" cy="769441"/>
+          </a:xfrm>
+          <a:prstGeom prst="rect">
+            <a:avLst/>
+          </a:prstGeom>
+          <a:noFill/>
+        </p:spPr>
+        <p:txBody>
+          <a:bodyPr wrap="square" rtlCol="0">
+            <a:spAutoFit/>
+          </a:bodyPr>
+          <a:lstStyle/>
+          <a:p>
+            <a:pPr algn="ctr"/>
+            <a:r>
+              <a:rPr lang="en-GB" sz="2200" dirty="0"/>
+              <a:t>DESIGN CHOICES AND PATTERNS</a:t>
+            </a:r>
+          </a:p>
+        </p:txBody>
+      </p:sp>
+    </p:spTree>
+    <p:extLst>
+      <p:ext uri="{BB962C8B-B14F-4D97-AF65-F5344CB8AC3E}">
+        <p14:creationId xmlns:p14="http://schemas.microsoft.com/office/powerpoint/2010/main" val="521419445"/>
+      </p:ext>
+    </p:extLst>
+  </p:cSld>
+  <p:clrMapOvr>
+    <a:overrideClrMapping bg1="dk1" tx1="lt1" bg2="dk2" tx2="lt2" accent1="accent1" accent2="accent2" accent3="accent3" accent4="accent4" accent5="accent5" accent6="accent6" hlink="hlink" folHlink="folHlink"/>
   </p:clrMapOvr>
 </p:sld>
 </file>
@@ -23691,8 +24956,8 @@
         </p:nvSpPr>
         <p:spPr>
           <a:xfrm flipH="1">
-            <a:off x="827966" y="3121223"/>
-            <a:ext cx="2998365" cy="615553"/>
+            <a:off x="1554396" y="3121223"/>
+            <a:ext cx="1535935" cy="615553"/>
           </a:xfrm>
           <a:prstGeom prst="rect">
             <a:avLst/>
@@ -23707,7 +24972,7 @@
           <a:p>
             <a:r>
               <a:rPr lang="it-IT" sz="3400" dirty="0"/>
-              <a:t>ALLOYS</a:t>
+              <a:t>ALLOY</a:t>
             </a:r>
             <a:endParaRPr lang="en-GB" sz="3400" dirty="0"/>
           </a:p>
@@ -23722,6 +24987,234 @@
   </p:cSld>
   <p:clrMapOvr>
     <a:overrideClrMapping bg1="dk1" tx1="lt1" bg2="dk2" tx2="lt2" accent1="accent1" accent2="accent2" accent3="accent3" accent4="accent4" accent5="accent5" accent6="accent6" hlink="hlink" folHlink="folHlink"/>
+  </p:clrMapOvr>
+</p:sld>
+</file>
+
+<file path=ppt/slides/slide9.xml><?xml version="1.0" encoding="utf-8"?>
+<p:sld xmlns:a="http://schemas.openxmlformats.org/drawingml/2006/main" xmlns:r="http://schemas.openxmlformats.org/officeDocument/2006/relationships" xmlns:p="http://schemas.openxmlformats.org/presentationml/2006/main">
+  <p:cSld>
+    <p:spTree>
+      <p:nvGrpSpPr>
+        <p:cNvPr id="1" name=""/>
+        <p:cNvGrpSpPr/>
+        <p:nvPr/>
+      </p:nvGrpSpPr>
+      <p:grpSpPr>
+        <a:xfrm>
+          <a:off x="0" y="0"/>
+          <a:ext cx="0" cy="0"/>
+          <a:chOff x="0" y="0"/>
+          <a:chExt cx="0" cy="0"/>
+        </a:xfrm>
+      </p:grpSpPr>
+      <p:sp>
+        <p:nvSpPr>
+          <p:cNvPr id="19" name="Titolo 18">
+            <a:extLst>
+              <a:ext uri="{FF2B5EF4-FFF2-40B4-BE49-F238E27FC236}">
+                <a16:creationId xmlns:a16="http://schemas.microsoft.com/office/drawing/2014/main" id="{5159A273-870F-45B5-9101-1CA02121DC26}"/>
+              </a:ext>
+            </a:extLst>
+          </p:cNvPr>
+          <p:cNvSpPr>
+            <a:spLocks noGrp="1"/>
+          </p:cNvSpPr>
+          <p:nvPr>
+            <p:ph type="title"/>
+          </p:nvPr>
+        </p:nvSpPr>
+        <p:spPr>
+          <a:xfrm>
+            <a:off x="0" y="1219200"/>
+            <a:ext cx="12192000" cy="5717457"/>
+          </a:xfrm>
+          <a:ln>
+            <a:noFill/>
+          </a:ln>
+        </p:spPr>
+        <p:txBody>
+          <a:bodyPr/>
+          <a:lstStyle/>
+          <a:p>
+            <a:r>
+              <a:rPr lang="it-IT" dirty="0"/>
+              <a:t> </a:t>
+            </a:r>
+            <a:endParaRPr lang="en-GB" dirty="0"/>
+          </a:p>
+        </p:txBody>
+      </p:sp>
+      <p:sp>
+        <p:nvSpPr>
+          <p:cNvPr id="21" name="Titolo 6">
+            <a:extLst>
+              <a:ext uri="{FF2B5EF4-FFF2-40B4-BE49-F238E27FC236}">
+                <a16:creationId xmlns:a16="http://schemas.microsoft.com/office/drawing/2014/main" id="{49243CB4-EAC5-4512-917A-CDFEC65C8DC4}"/>
+              </a:ext>
+            </a:extLst>
+          </p:cNvPr>
+          <p:cNvSpPr txBox="1">
+            <a:spLocks/>
+          </p:cNvSpPr>
+          <p:nvPr/>
+        </p:nvSpPr>
+        <p:spPr>
+          <a:xfrm>
+            <a:off x="2372032" y="789039"/>
+            <a:ext cx="7447935" cy="860322"/>
+          </a:xfrm>
+          <a:prstGeom prst="rect">
+            <a:avLst/>
+          </a:prstGeom>
+          <a:solidFill>
+            <a:schemeClr val="bg1"/>
+          </a:solidFill>
+          <a:ln w="15875" cap="sq">
+            <a:solidFill>
+              <a:schemeClr val="tx1">
+                <a:lumMod val="75000"/>
+                <a:lumOff val="25000"/>
+              </a:schemeClr>
+            </a:solidFill>
+            <a:miter lim="800000"/>
+          </a:ln>
+        </p:spPr>
+        <p:txBody>
+          <a:bodyPr vert="horz" lIns="182880" tIns="182880" rIns="182880" bIns="182880" rtlCol="0" anchor="ctr">
+            <a:normAutofit/>
+          </a:bodyPr>
+          <a:lstStyle>
+            <a:lvl1pPr algn="ctr" defTabSz="914400" rtl="0" eaLnBrk="1" latinLnBrk="0" hangingPunct="1">
+              <a:lnSpc>
+                <a:spcPct val="90000"/>
+              </a:lnSpc>
+              <a:spcBef>
+                <a:spcPct val="0"/>
+              </a:spcBef>
+              <a:buNone/>
+              <a:defRPr sz="2800" kern="1200" cap="all" spc="200" baseline="0">
+                <a:solidFill>
+                  <a:schemeClr val="tx1">
+                    <a:lumMod val="85000"/>
+                    <a:lumOff val="15000"/>
+                  </a:schemeClr>
+                </a:solidFill>
+                <a:latin typeface="+mj-lt"/>
+                <a:ea typeface="+mj-ea"/>
+                <a:cs typeface="+mj-cs"/>
+              </a:defRPr>
+            </a:lvl1pPr>
+          </a:lstStyle>
+          <a:p>
+            <a:r>
+              <a:rPr lang="it-IT" dirty="0"/>
+              <a:t>System overview</a:t>
+            </a:r>
+            <a:endParaRPr lang="en-GB" dirty="0"/>
+          </a:p>
+        </p:txBody>
+      </p:sp>
+      <p:sp>
+        <p:nvSpPr>
+          <p:cNvPr id="24" name="Ovale 23">
+            <a:extLst>
+              <a:ext uri="{FF2B5EF4-FFF2-40B4-BE49-F238E27FC236}">
+                <a16:creationId xmlns:a16="http://schemas.microsoft.com/office/drawing/2014/main" id="{543BAF3E-8D53-4EB3-9D0C-75E34D6C44CC}"/>
+              </a:ext>
+            </a:extLst>
+          </p:cNvPr>
+          <p:cNvSpPr/>
+          <p:nvPr/>
+        </p:nvSpPr>
+        <p:spPr>
+          <a:xfrm>
+            <a:off x="10895215" y="5502161"/>
+            <a:ext cx="1230110" cy="1230110"/>
+          </a:xfrm>
+          <a:prstGeom prst="ellipse">
+            <a:avLst/>
+          </a:prstGeom>
+          <a:blipFill>
+            <a:blip r:embed="rId2">
+              <a:extLst>
+                <a:ext uri="{837473B0-CC2E-450A-ABE3-18F120FF3D39}">
+                  <a1611:picAttrSrcUrl xmlns:a1611="http://schemas.microsoft.com/office/drawing/2016/11/main" r:id="rId3"/>
+                </a:ext>
+              </a:extLst>
+            </a:blip>
+            <a:stretch>
+              <a:fillRect/>
+            </a:stretch>
+          </a:blipFill>
+          <a:ln>
+            <a:noFill/>
+          </a:ln>
+        </p:spPr>
+        <p:style>
+          <a:lnRef idx="2">
+            <a:schemeClr val="accent1">
+              <a:shade val="50000"/>
+            </a:schemeClr>
+          </a:lnRef>
+          <a:fillRef idx="1">
+            <a:schemeClr val="accent1"/>
+          </a:fillRef>
+          <a:effectRef idx="0">
+            <a:schemeClr val="accent1"/>
+          </a:effectRef>
+          <a:fontRef idx="minor">
+            <a:schemeClr val="lt1"/>
+          </a:fontRef>
+        </p:style>
+        <p:txBody>
+          <a:bodyPr rtlCol="0" anchor="ctr"/>
+          <a:lstStyle/>
+          <a:p>
+            <a:pPr algn="ctr"/>
+            <a:endParaRPr lang="en-GB"/>
+          </a:p>
+        </p:txBody>
+      </p:sp>
+      <p:pic>
+        <p:nvPicPr>
+          <p:cNvPr id="5" name="Immagine 4" descr="Immagine che contiene monitor, schermo, nero, computer&#10;&#10;Descrizione generata automaticamente">
+            <a:extLst>
+              <a:ext uri="{FF2B5EF4-FFF2-40B4-BE49-F238E27FC236}">
+                <a16:creationId xmlns:a16="http://schemas.microsoft.com/office/drawing/2014/main" id="{C43AA1F3-9C0A-4899-9ACD-9C0118351205}"/>
+              </a:ext>
+            </a:extLst>
+          </p:cNvPr>
+          <p:cNvPicPr>
+            <a:picLocks noChangeAspect="1"/>
+          </p:cNvPicPr>
+          <p:nvPr/>
+        </p:nvPicPr>
+        <p:blipFill>
+          <a:blip r:embed="rId4"/>
+          <a:stretch>
+            <a:fillRect/>
+          </a:stretch>
+        </p:blipFill>
+        <p:spPr>
+          <a:xfrm>
+            <a:off x="1995235" y="2247006"/>
+            <a:ext cx="8201527" cy="3661844"/>
+          </a:xfrm>
+          <a:prstGeom prst="rect">
+            <a:avLst/>
+          </a:prstGeom>
+        </p:spPr>
+      </p:pic>
+    </p:spTree>
+    <p:extLst>
+      <p:ext uri="{BB962C8B-B14F-4D97-AF65-F5344CB8AC3E}">
+        <p14:creationId xmlns:p14="http://schemas.microsoft.com/office/powerpoint/2010/main" val="200783361"/>
+      </p:ext>
+    </p:extLst>
+  </p:cSld>
+  <p:clrMapOvr>
+    <a:masterClrMapping/>
   </p:clrMapOvr>
 </p:sld>
 </file>

--- a/Presentazione standard3.pptx
+++ b/Presentazione standard3.pptx
@@ -9,7 +9,7 @@
     <p:sldMasterId id="2147483744" r:id="rId5"/>
   </p:sldMasterIdLst>
   <p:notesMasterIdLst>
-    <p:notesMasterId r:id="rId18"/>
+    <p:notesMasterId r:id="rId21"/>
   </p:notesMasterIdLst>
   <p:sldIdLst>
     <p:sldId id="256" r:id="rId6"/>
@@ -19,11 +19,14 @@
     <p:sldId id="260" r:id="rId10"/>
     <p:sldId id="262" r:id="rId11"/>
     <p:sldId id="263" r:id="rId12"/>
-    <p:sldId id="264" r:id="rId13"/>
-    <p:sldId id="265" r:id="rId14"/>
+    <p:sldId id="265" r:id="rId13"/>
+    <p:sldId id="269" r:id="rId14"/>
     <p:sldId id="266" r:id="rId15"/>
     <p:sldId id="267" r:id="rId16"/>
-    <p:sldId id="268" r:id="rId17"/>
+    <p:sldId id="270" r:id="rId17"/>
+    <p:sldId id="268" r:id="rId18"/>
+    <p:sldId id="271" r:id="rId19"/>
+    <p:sldId id="272" r:id="rId20"/>
   </p:sldIdLst>
   <p:sldSz cx="12192000" cy="6858000"/>
   <p:notesSz cx="6858000" cy="9144000"/>
@@ -212,7 +215,7 @@
           <a:p>
             <a:fld id="{E3977F68-DE9B-454A-A7A9-04D83F603B49}" type="datetimeFigureOut">
               <a:rPr lang="en-GB" smtClean="0"/>
-              <a:t>25/01/2020</a:t>
+              <a:t>27/01/2020</a:t>
             </a:fld>
             <a:endParaRPr lang="en-GB"/>
           </a:p>
@@ -564,6 +567,90 @@
 </p:notes>
 </file>
 
+<file path=ppt/notesSlides/notesSlide10.xml><?xml version="1.0" encoding="utf-8"?>
+<p:notes xmlns:a="http://schemas.openxmlformats.org/drawingml/2006/main" xmlns:r="http://schemas.openxmlformats.org/officeDocument/2006/relationships" xmlns:p="http://schemas.openxmlformats.org/presentationml/2006/main">
+  <p:cSld>
+    <p:spTree>
+      <p:nvGrpSpPr>
+        <p:cNvPr id="1" name=""/>
+        <p:cNvGrpSpPr/>
+        <p:nvPr/>
+      </p:nvGrpSpPr>
+      <p:grpSpPr>
+        <a:xfrm>
+          <a:off x="0" y="0"/>
+          <a:ext cx="0" cy="0"/>
+          <a:chOff x="0" y="0"/>
+          <a:chExt cx="0" cy="0"/>
+        </a:xfrm>
+      </p:grpSpPr>
+      <p:sp>
+        <p:nvSpPr>
+          <p:cNvPr id="2" name="Segnaposto immagine diapositiva 1"/>
+          <p:cNvSpPr>
+            <a:spLocks noGrp="1" noRot="1" noChangeAspect="1"/>
+          </p:cNvSpPr>
+          <p:nvPr>
+            <p:ph type="sldImg"/>
+          </p:nvPr>
+        </p:nvSpPr>
+        <p:spPr/>
+      </p:sp>
+      <p:sp>
+        <p:nvSpPr>
+          <p:cNvPr id="3" name="Segnaposto note 2"/>
+          <p:cNvSpPr>
+            <a:spLocks noGrp="1"/>
+          </p:cNvSpPr>
+          <p:nvPr>
+            <p:ph type="body" idx="1"/>
+          </p:nvPr>
+        </p:nvSpPr>
+        <p:spPr/>
+        <p:txBody>
+          <a:bodyPr/>
+          <a:lstStyle/>
+          <a:p>
+            <a:endParaRPr lang="en-GB" dirty="0"/>
+          </a:p>
+        </p:txBody>
+      </p:sp>
+      <p:sp>
+        <p:nvSpPr>
+          <p:cNvPr id="4" name="Segnaposto numero diapositiva 3"/>
+          <p:cNvSpPr>
+            <a:spLocks noGrp="1"/>
+          </p:cNvSpPr>
+          <p:nvPr>
+            <p:ph type="sldNum" sz="quarter" idx="5"/>
+          </p:nvPr>
+        </p:nvSpPr>
+        <p:spPr/>
+        <p:txBody>
+          <a:bodyPr/>
+          <a:lstStyle/>
+          <a:p>
+            <a:fld id="{921C2B62-7AD3-4CC8-B860-286BDF158BEF}" type="slidenum">
+              <a:rPr lang="en-GB" smtClean="0"/>
+              <a:t>15</a:t>
+            </a:fld>
+            <a:endParaRPr lang="en-GB"/>
+          </a:p>
+        </p:txBody>
+      </p:sp>
+    </p:spTree>
+    <p:extLst>
+      <p:ext uri="{BB962C8B-B14F-4D97-AF65-F5344CB8AC3E}">
+        <p14:creationId xmlns:p14="http://schemas.microsoft.com/office/powerpoint/2010/main" val="1811362027"/>
+      </p:ext>
+    </p:extLst>
+  </p:cSld>
+  <p:clrMapOvr>
+    <a:masterClrMapping/>
+  </p:clrMapOvr>
+</p:notes>
+</file>
+
 <file path=ppt/notesSlides/notesSlide2.xml><?xml version="1.0" encoding="utf-8"?>
 <p:notes xmlns:a="http://schemas.openxmlformats.org/drawingml/2006/main" xmlns:r="http://schemas.openxmlformats.org/officeDocument/2006/relationships" xmlns:p="http://schemas.openxmlformats.org/presentationml/2006/main">
   <p:cSld>
@@ -881,7 +968,7 @@
           <a:p>
             <a:fld id="{921C2B62-7AD3-4CC8-B860-286BDF158BEF}" type="slidenum">
               <a:rPr lang="en-GB" smtClean="0"/>
-              <a:t>8</a:t>
+              <a:t>10</a:t>
             </a:fld>
             <a:endParaRPr lang="en-GB"/>
           </a:p>
@@ -890,7 +977,7 @@
     </p:spTree>
     <p:extLst>
       <p:ext uri="{BB962C8B-B14F-4D97-AF65-F5344CB8AC3E}">
-        <p14:creationId xmlns:p14="http://schemas.microsoft.com/office/powerpoint/2010/main" val="2400079181"/>
+        <p14:creationId xmlns:p14="http://schemas.microsoft.com/office/powerpoint/2010/main" val="1464399576"/>
       </p:ext>
     </p:extLst>
   </p:cSld>
@@ -965,7 +1052,7 @@
           <a:p>
             <a:fld id="{921C2B62-7AD3-4CC8-B860-286BDF158BEF}" type="slidenum">
               <a:rPr lang="en-GB" smtClean="0"/>
-              <a:t>10</a:t>
+              <a:t>11</a:t>
             </a:fld>
             <a:endParaRPr lang="en-GB"/>
           </a:p>
@@ -974,7 +1061,7 @@
     </p:spTree>
     <p:extLst>
       <p:ext uri="{BB962C8B-B14F-4D97-AF65-F5344CB8AC3E}">
-        <p14:creationId xmlns:p14="http://schemas.microsoft.com/office/powerpoint/2010/main" val="1464399576"/>
+        <p14:creationId xmlns:p14="http://schemas.microsoft.com/office/powerpoint/2010/main" val="253296222"/>
       </p:ext>
     </p:extLst>
   </p:cSld>
@@ -1049,7 +1136,7 @@
           <a:p>
             <a:fld id="{921C2B62-7AD3-4CC8-B860-286BDF158BEF}" type="slidenum">
               <a:rPr lang="en-GB" smtClean="0"/>
-              <a:t>11</a:t>
+              <a:t>12</a:t>
             </a:fld>
             <a:endParaRPr lang="en-GB"/>
           </a:p>
@@ -1058,7 +1145,7 @@
     </p:spTree>
     <p:extLst>
       <p:ext uri="{BB962C8B-B14F-4D97-AF65-F5344CB8AC3E}">
-        <p14:creationId xmlns:p14="http://schemas.microsoft.com/office/powerpoint/2010/main" val="253296222"/>
+        <p14:creationId xmlns:p14="http://schemas.microsoft.com/office/powerpoint/2010/main" val="2822761929"/>
       </p:ext>
     </p:extLst>
   </p:cSld>
@@ -1133,7 +1220,7 @@
           <a:p>
             <a:fld id="{921C2B62-7AD3-4CC8-B860-286BDF158BEF}" type="slidenum">
               <a:rPr lang="en-GB" smtClean="0"/>
-              <a:t>12</a:t>
+              <a:t>13</a:t>
             </a:fld>
             <a:endParaRPr lang="en-GB"/>
           </a:p>
@@ -1143,6 +1230,90 @@
     <p:extLst>
       <p:ext uri="{BB962C8B-B14F-4D97-AF65-F5344CB8AC3E}">
         <p14:creationId xmlns:p14="http://schemas.microsoft.com/office/powerpoint/2010/main" val="4130857838"/>
+      </p:ext>
+    </p:extLst>
+  </p:cSld>
+  <p:clrMapOvr>
+    <a:masterClrMapping/>
+  </p:clrMapOvr>
+</p:notes>
+</file>
+
+<file path=ppt/notesSlides/notesSlide9.xml><?xml version="1.0" encoding="utf-8"?>
+<p:notes xmlns:a="http://schemas.openxmlformats.org/drawingml/2006/main" xmlns:r="http://schemas.openxmlformats.org/officeDocument/2006/relationships" xmlns:p="http://schemas.openxmlformats.org/presentationml/2006/main">
+  <p:cSld>
+    <p:spTree>
+      <p:nvGrpSpPr>
+        <p:cNvPr id="1" name=""/>
+        <p:cNvGrpSpPr/>
+        <p:nvPr/>
+      </p:nvGrpSpPr>
+      <p:grpSpPr>
+        <a:xfrm>
+          <a:off x="0" y="0"/>
+          <a:ext cx="0" cy="0"/>
+          <a:chOff x="0" y="0"/>
+          <a:chExt cx="0" cy="0"/>
+        </a:xfrm>
+      </p:grpSpPr>
+      <p:sp>
+        <p:nvSpPr>
+          <p:cNvPr id="2" name="Segnaposto immagine diapositiva 1"/>
+          <p:cNvSpPr>
+            <a:spLocks noGrp="1" noRot="1" noChangeAspect="1"/>
+          </p:cNvSpPr>
+          <p:nvPr>
+            <p:ph type="sldImg"/>
+          </p:nvPr>
+        </p:nvSpPr>
+        <p:spPr/>
+      </p:sp>
+      <p:sp>
+        <p:nvSpPr>
+          <p:cNvPr id="3" name="Segnaposto note 2"/>
+          <p:cNvSpPr>
+            <a:spLocks noGrp="1"/>
+          </p:cNvSpPr>
+          <p:nvPr>
+            <p:ph type="body" idx="1"/>
+          </p:nvPr>
+        </p:nvSpPr>
+        <p:spPr/>
+        <p:txBody>
+          <a:bodyPr/>
+          <a:lstStyle/>
+          <a:p>
+            <a:endParaRPr lang="en-GB" dirty="0"/>
+          </a:p>
+        </p:txBody>
+      </p:sp>
+      <p:sp>
+        <p:nvSpPr>
+          <p:cNvPr id="4" name="Segnaposto numero diapositiva 3"/>
+          <p:cNvSpPr>
+            <a:spLocks noGrp="1"/>
+          </p:cNvSpPr>
+          <p:nvPr>
+            <p:ph type="sldNum" sz="quarter" idx="5"/>
+          </p:nvPr>
+        </p:nvSpPr>
+        <p:spPr/>
+        <p:txBody>
+          <a:bodyPr/>
+          <a:lstStyle/>
+          <a:p>
+            <a:fld id="{921C2B62-7AD3-4CC8-B860-286BDF158BEF}" type="slidenum">
+              <a:rPr lang="en-GB" smtClean="0"/>
+              <a:t>14</a:t>
+            </a:fld>
+            <a:endParaRPr lang="en-GB"/>
+          </a:p>
+        </p:txBody>
+      </p:sp>
+    </p:spTree>
+    <p:extLst>
+      <p:ext uri="{BB962C8B-B14F-4D97-AF65-F5344CB8AC3E}">
+        <p14:creationId xmlns:p14="http://schemas.microsoft.com/office/powerpoint/2010/main" val="1007816905"/>
       </p:ext>
     </p:extLst>
   </p:cSld>
@@ -1294,7 +1465,7 @@
           <a:p>
             <a:fld id="{E9F9C37B-1D36-470B-8223-D6C91242EC14}" type="datetimeFigureOut">
               <a:rPr lang="en-US" dirty="0"/>
-              <a:t>1/25/2020</a:t>
+              <a:t>1/27/2020</a:t>
             </a:fld>
             <a:endParaRPr lang="en-US" dirty="0"/>
           </a:p>
@@ -1493,7 +1664,7 @@
           <a:p>
             <a:fld id="{67C6F52A-A82B-47A2-A83A-8C4C91F2D59F}" type="datetimeFigureOut">
               <a:rPr lang="en-US" dirty="0"/>
-              <a:t>1/25/2020</a:t>
+              <a:t>1/27/2020</a:t>
             </a:fld>
             <a:endParaRPr lang="en-US" dirty="0"/>
           </a:p>
@@ -1714,7 +1885,7 @@
           <a:p>
             <a:fld id="{377E3AE9-0F60-4E9A-B5C8-17FADBDCB6EA}" type="datetimeFigureOut">
               <a:rPr lang="en-GB" smtClean="0"/>
-              <a:t>25/01/2020</a:t>
+              <a:t>27/01/2020</a:t>
             </a:fld>
             <a:endParaRPr lang="en-GB"/>
           </a:p>
@@ -1914,7 +2085,7 @@
           <a:p>
             <a:fld id="{377E3AE9-0F60-4E9A-B5C8-17FADBDCB6EA}" type="datetimeFigureOut">
               <a:rPr lang="en-GB" smtClean="0"/>
-              <a:t>25/01/2020</a:t>
+              <a:t>27/01/2020</a:t>
             </a:fld>
             <a:endParaRPr lang="en-GB"/>
           </a:p>
@@ -2190,7 +2361,7 @@
           <a:p>
             <a:fld id="{377E3AE9-0F60-4E9A-B5C8-17FADBDCB6EA}" type="datetimeFigureOut">
               <a:rPr lang="en-GB" smtClean="0"/>
-              <a:t>25/01/2020</a:t>
+              <a:t>27/01/2020</a:t>
             </a:fld>
             <a:endParaRPr lang="en-GB"/>
           </a:p>
@@ -2458,7 +2629,7 @@
           <a:p>
             <a:fld id="{377E3AE9-0F60-4E9A-B5C8-17FADBDCB6EA}" type="datetimeFigureOut">
               <a:rPr lang="en-GB" smtClean="0"/>
-              <a:t>25/01/2020</a:t>
+              <a:t>27/01/2020</a:t>
             </a:fld>
             <a:endParaRPr lang="en-GB"/>
           </a:p>
@@ -2873,7 +3044,7 @@
           <a:p>
             <a:fld id="{377E3AE9-0F60-4E9A-B5C8-17FADBDCB6EA}" type="datetimeFigureOut">
               <a:rPr lang="en-GB" smtClean="0"/>
-              <a:t>25/01/2020</a:t>
+              <a:t>27/01/2020</a:t>
             </a:fld>
             <a:endParaRPr lang="en-GB"/>
           </a:p>
@@ -3015,7 +3186,7 @@
           <a:p>
             <a:fld id="{377E3AE9-0F60-4E9A-B5C8-17FADBDCB6EA}" type="datetimeFigureOut">
               <a:rPr lang="en-GB" smtClean="0"/>
-              <a:t>25/01/2020</a:t>
+              <a:t>27/01/2020</a:t>
             </a:fld>
             <a:endParaRPr lang="en-GB"/>
           </a:p>
@@ -3128,7 +3299,7 @@
           <a:p>
             <a:fld id="{377E3AE9-0F60-4E9A-B5C8-17FADBDCB6EA}" type="datetimeFigureOut">
               <a:rPr lang="en-GB" smtClean="0"/>
-              <a:t>25/01/2020</a:t>
+              <a:t>27/01/2020</a:t>
             </a:fld>
             <a:endParaRPr lang="en-GB"/>
           </a:p>
@@ -3441,7 +3612,7 @@
           <a:p>
             <a:fld id="{377E3AE9-0F60-4E9A-B5C8-17FADBDCB6EA}" type="datetimeFigureOut">
               <a:rPr lang="en-GB" smtClean="0"/>
-              <a:t>25/01/2020</a:t>
+              <a:t>27/01/2020</a:t>
             </a:fld>
             <a:endParaRPr lang="en-GB"/>
           </a:p>
@@ -3631,7 +3802,7 @@
           <a:p>
             <a:fld id="{F070A7B3-6521-4DCA-87E5-044747A908C1}" type="datetimeFigureOut">
               <a:rPr lang="en-US" dirty="0"/>
-              <a:t>1/25/2020</a:t>
+              <a:t>1/27/2020</a:t>
             </a:fld>
             <a:endParaRPr lang="en-US" dirty="0"/>
           </a:p>
@@ -3920,7 +4091,7 @@
           <a:p>
             <a:fld id="{377E3AE9-0F60-4E9A-B5C8-17FADBDCB6EA}" type="datetimeFigureOut">
               <a:rPr lang="en-GB" smtClean="0"/>
-              <a:t>25/01/2020</a:t>
+              <a:t>27/01/2020</a:t>
             </a:fld>
             <a:endParaRPr lang="en-GB"/>
           </a:p>
@@ -4120,7 +4291,7 @@
           <a:p>
             <a:fld id="{377E3AE9-0F60-4E9A-B5C8-17FADBDCB6EA}" type="datetimeFigureOut">
               <a:rPr lang="en-GB" smtClean="0"/>
-              <a:t>25/01/2020</a:t>
+              <a:t>27/01/2020</a:t>
             </a:fld>
             <a:endParaRPr lang="en-GB"/>
           </a:p>
@@ -4330,7 +4501,7 @@
           <a:p>
             <a:fld id="{377E3AE9-0F60-4E9A-B5C8-17FADBDCB6EA}" type="datetimeFigureOut">
               <a:rPr lang="en-GB" smtClean="0"/>
-              <a:t>25/01/2020</a:t>
+              <a:t>27/01/2020</a:t>
             </a:fld>
             <a:endParaRPr lang="en-GB"/>
           </a:p>
@@ -4597,7 +4768,7 @@
                 <a:tabLst/>
                 <a:defRPr/>
               </a:pPr>
-              <a:t>1/25/2020</a:t>
+              <a:t>1/27/2020</a:t>
             </a:fld>
             <a:endParaRPr kumimoji="0" lang="en-US" sz="1800" b="0" i="0" u="none" strike="noStrike" kern="1200" cap="none" spc="0" normalizeH="0" baseline="0" noProof="0" dirty="0">
               <a:ln>
@@ -5031,7 +5202,7 @@
                 <a:tabLst/>
                 <a:defRPr/>
               </a:pPr>
-              <a:t>1/25/2020</a:t>
+              <a:t>1/27/2020</a:t>
             </a:fld>
             <a:endParaRPr kumimoji="0" lang="en-US" sz="1800" b="0" i="0" u="none" strike="noStrike" kern="1200" cap="none" spc="0" normalizeH="0" baseline="0" noProof="0" dirty="0">
               <a:ln>
@@ -5437,7 +5608,7 @@
                 <a:tabLst/>
                 <a:defRPr/>
               </a:pPr>
-              <a:t>1/25/2020</a:t>
+              <a:t>1/27/2020</a:t>
             </a:fld>
             <a:endParaRPr kumimoji="0" lang="en-US" sz="1800" b="0" i="0" u="none" strike="noStrike" kern="1200" cap="none" spc="0" normalizeH="0" baseline="0" noProof="0" dirty="0">
               <a:ln>
@@ -5966,7 +6137,7 @@
                 <a:tabLst/>
                 <a:defRPr/>
               </a:pPr>
-              <a:t>1/25/2020</a:t>
+              <a:t>1/27/2020</a:t>
             </a:fld>
             <a:endParaRPr kumimoji="0" lang="en-US" sz="1800" b="0" i="0" u="none" strike="noStrike" kern="1200" cap="none" spc="0" normalizeH="0" baseline="0" noProof="0" dirty="0">
               <a:ln>
@@ -6281,7 +6452,7 @@
                 <a:tabLst/>
                 <a:defRPr/>
               </a:pPr>
-              <a:t>1/25/2020</a:t>
+              <a:t>1/27/2020</a:t>
             </a:fld>
             <a:endParaRPr kumimoji="0" lang="en-US" sz="1800" b="0" i="0" u="none" strike="noStrike" kern="1200" cap="none" spc="0" normalizeH="0" baseline="0" noProof="0" dirty="0">
               <a:ln>
@@ -6550,7 +6721,7 @@
                 <a:tabLst/>
                 <a:defRPr/>
               </a:pPr>
-              <a:t>1/25/2020</a:t>
+              <a:t>1/27/2020</a:t>
             </a:fld>
             <a:endParaRPr kumimoji="0" lang="en-US" sz="1800" b="0" i="0" u="none" strike="noStrike" kern="1200" cap="none" spc="0" normalizeH="0" baseline="0" noProof="0" dirty="0">
               <a:ln>
@@ -6937,7 +7108,7 @@
           <a:p>
             <a:fld id="{1160EA64-D806-43AC-9DF2-F8C432F32B4C}" type="datetimeFigureOut">
               <a:rPr lang="en-US" dirty="0"/>
-              <a:t>1/25/2020</a:t>
+              <a:t>1/27/2020</a:t>
             </a:fld>
             <a:endParaRPr lang="en-US" dirty="0"/>
           </a:p>
@@ -7361,7 +7532,7 @@
                 <a:tabLst/>
                 <a:defRPr/>
               </a:pPr>
-              <a:t>1/25/2020</a:t>
+              <a:t>1/27/2020</a:t>
             </a:fld>
             <a:endParaRPr kumimoji="0" lang="en-US" sz="1800" b="0" i="0" u="none" strike="noStrike" kern="1200" cap="none" spc="0" normalizeH="0" baseline="0" noProof="0" dirty="0">
               <a:ln>
@@ -7896,7 +8067,7 @@
                 <a:tabLst/>
                 <a:defRPr/>
               </a:pPr>
-              <a:t>1/25/2020</a:t>
+              <a:t>1/27/2020</a:t>
             </a:fld>
             <a:endParaRPr kumimoji="0" lang="en-US" sz="1800" b="0" i="0" u="none" strike="noStrike" kern="1200" cap="none" spc="0" normalizeH="0" baseline="0" noProof="0" dirty="0">
               <a:ln>
@@ -8260,7 +8431,7 @@
                 <a:tabLst/>
                 <a:defRPr/>
               </a:pPr>
-              <a:t>1/25/2020</a:t>
+              <a:t>1/27/2020</a:t>
             </a:fld>
             <a:endParaRPr kumimoji="0" lang="en-US" sz="1800" b="0" i="0" u="none" strike="noStrike" kern="1200" cap="none" spc="0" normalizeH="0" baseline="0" noProof="0" dirty="0">
               <a:ln>
@@ -8614,7 +8785,7 @@
                 <a:tabLst/>
                 <a:defRPr/>
               </a:pPr>
-              <a:t>1/25/2020</a:t>
+              <a:t>1/27/2020</a:t>
             </a:fld>
             <a:endParaRPr kumimoji="0" lang="en-US" sz="1800" b="0" i="0" u="none" strike="noStrike" kern="1200" cap="none" spc="0" normalizeH="0" baseline="0" noProof="0" dirty="0">
               <a:ln>
@@ -8941,7 +9112,7 @@
           <a:p>
             <a:fld id="{F070A7B3-6521-4DCA-87E5-044747A908C1}" type="datetimeFigureOut">
               <a:rPr lang="en-US" dirty="0"/>
-              <a:t>1/25/2020</a:t>
+              <a:t>1/27/2020</a:t>
             </a:fld>
             <a:endParaRPr lang="en-US" dirty="0"/>
           </a:p>
@@ -9226,7 +9397,7 @@
           <a:p>
             <a:fld id="{1160EA64-D806-43AC-9DF2-F8C432F32B4C}" type="datetimeFigureOut">
               <a:rPr lang="en-US" dirty="0"/>
-              <a:t>1/25/2020</a:t>
+              <a:t>1/27/2020</a:t>
             </a:fld>
             <a:endParaRPr lang="en-US" dirty="0"/>
           </a:p>
@@ -9483,7 +9654,7 @@
           <a:p>
             <a:fld id="{AB134690-1557-4C89-A502-4959FE7FAD70}" type="datetimeFigureOut">
               <a:rPr lang="en-US" dirty="0"/>
-              <a:t>1/25/2020</a:t>
+              <a:t>1/27/2020</a:t>
             </a:fld>
             <a:endParaRPr lang="en-US" dirty="0"/>
           </a:p>
@@ -9862,7 +10033,7 @@
           <a:p>
             <a:fld id="{4F7D4976-E339-4826-83B7-FBD03F55ECF8}" type="datetimeFigureOut">
               <a:rPr lang="en-US" dirty="0"/>
-              <a:t>1/25/2020</a:t>
+              <a:t>1/27/2020</a:t>
             </a:fld>
             <a:endParaRPr lang="en-US" dirty="0"/>
           </a:p>
@@ -10027,7 +10198,7 @@
           <a:p>
             <a:fld id="{E1037C31-9E7A-4F99-8774-A0E530DE1A42}" type="datetimeFigureOut">
               <a:rPr lang="en-US" dirty="0"/>
-              <a:t>1/25/2020</a:t>
+              <a:t>1/27/2020</a:t>
             </a:fld>
             <a:endParaRPr lang="en-US" dirty="0"/>
           </a:p>
@@ -10283,7 +10454,7 @@
           <a:p>
             <a:fld id="{AB134690-1557-4C89-A502-4959FE7FAD70}" type="datetimeFigureOut">
               <a:rPr lang="en-US" dirty="0"/>
-              <a:t>1/25/2020</a:t>
+              <a:t>1/27/2020</a:t>
             </a:fld>
             <a:endParaRPr lang="en-US" dirty="0"/>
           </a:p>
@@ -10397,7 +10568,7 @@
           <a:p>
             <a:fld id="{C278504F-A551-4DE0-9316-4DCD1D8CC752}" type="datetimeFigureOut">
               <a:rPr lang="en-US" dirty="0"/>
-              <a:t>1/25/2020</a:t>
+              <a:t>1/27/2020</a:t>
             </a:fld>
             <a:endParaRPr lang="en-US" dirty="0"/>
           </a:p>
@@ -10778,7 +10949,7 @@
           <a:p>
             <a:fld id="{1160EA64-D806-43AC-9DF2-F8C432F32B4C}" type="datetimeFigureOut">
               <a:rPr lang="en-US" dirty="0"/>
-              <a:t>1/25/2020</a:t>
+              <a:t>1/27/2020</a:t>
             </a:fld>
             <a:endParaRPr lang="en-US" dirty="0"/>
           </a:p>
@@ -11155,7 +11326,7 @@
             <a:fld id="{1160EA64-D806-43AC-9DF2-F8C432F32B4C}" type="datetimeFigureOut">
               <a:rPr lang="en-US" dirty="0"/>
               <a:pPr/>
-              <a:t>1/25/2020</a:t>
+              <a:t>1/27/2020</a:t>
             </a:fld>
             <a:endParaRPr lang="en-US" dirty="0"/>
           </a:p>
@@ -11360,7 +11531,7 @@
           <a:p>
             <a:fld id="{E9F9C37B-1D36-470B-8223-D6C91242EC14}" type="datetimeFigureOut">
               <a:rPr lang="en-US" dirty="0"/>
-              <a:t>1/25/2020</a:t>
+              <a:t>1/27/2020</a:t>
             </a:fld>
             <a:endParaRPr lang="en-US" dirty="0"/>
           </a:p>
@@ -11564,7 +11735,7 @@
           <a:p>
             <a:fld id="{67C6F52A-A82B-47A2-A83A-8C4C91F2D59F}" type="datetimeFigureOut">
               <a:rPr lang="en-US" dirty="0"/>
-              <a:t>1/25/2020</a:t>
+              <a:t>1/27/2020</a:t>
             </a:fld>
             <a:endParaRPr lang="en-US" dirty="0"/>
           </a:p>
@@ -11835,7 +12006,7 @@
                 <a:tabLst/>
                 <a:defRPr/>
               </a:pPr>
-              <a:t>1/25/2020</a:t>
+              <a:t>1/27/2020</a:t>
             </a:fld>
             <a:endParaRPr kumimoji="0" lang="en-US" sz="1800" b="0" i="0" u="none" strike="noStrike" kern="1200" cap="none" spc="0" normalizeH="0" baseline="0" noProof="0" dirty="0">
               <a:ln>
@@ -12269,7 +12440,7 @@
                 <a:tabLst/>
                 <a:defRPr/>
               </a:pPr>
-              <a:t>1/25/2020</a:t>
+              <a:t>1/27/2020</a:t>
             </a:fld>
             <a:endParaRPr kumimoji="0" lang="en-US" sz="1800" b="0" i="0" u="none" strike="noStrike" kern="1200" cap="none" spc="0" normalizeH="0" baseline="0" noProof="0" dirty="0">
               <a:ln>
@@ -12675,7 +12846,7 @@
                 <a:tabLst/>
                 <a:defRPr/>
               </a:pPr>
-              <a:t>1/25/2020</a:t>
+              <a:t>1/27/2020</a:t>
             </a:fld>
             <a:endParaRPr kumimoji="0" lang="en-US" sz="1800" b="0" i="0" u="none" strike="noStrike" kern="1200" cap="none" spc="0" normalizeH="0" baseline="0" noProof="0" dirty="0">
               <a:ln>
@@ -13204,7 +13375,7 @@
                 <a:tabLst/>
                 <a:defRPr/>
               </a:pPr>
-              <a:t>1/25/2020</a:t>
+              <a:t>1/27/2020</a:t>
             </a:fld>
             <a:endParaRPr kumimoji="0" lang="en-US" sz="1800" b="0" i="0" u="none" strike="noStrike" kern="1200" cap="none" spc="0" normalizeH="0" baseline="0" noProof="0" dirty="0">
               <a:ln>
@@ -13709,7 +13880,7 @@
           <a:p>
             <a:fld id="{4F7D4976-E339-4826-83B7-FBD03F55ECF8}" type="datetimeFigureOut">
               <a:rPr lang="en-US" dirty="0"/>
-              <a:t>1/25/2020</a:t>
+              <a:t>1/27/2020</a:t>
             </a:fld>
             <a:endParaRPr lang="en-US" dirty="0"/>
           </a:p>
@@ -13916,7 +14087,7 @@
                 <a:tabLst/>
                 <a:defRPr/>
               </a:pPr>
-              <a:t>1/25/2020</a:t>
+              <a:t>1/27/2020</a:t>
             </a:fld>
             <a:endParaRPr kumimoji="0" lang="en-US" sz="1800" b="0" i="0" u="none" strike="noStrike" kern="1200" cap="none" spc="0" normalizeH="0" baseline="0" noProof="0" dirty="0">
               <a:ln>
@@ -14185,7 +14356,7 @@
                 <a:tabLst/>
                 <a:defRPr/>
               </a:pPr>
-              <a:t>1/25/2020</a:t>
+              <a:t>1/27/2020</a:t>
             </a:fld>
             <a:endParaRPr kumimoji="0" lang="en-US" sz="1800" b="0" i="0" u="none" strike="noStrike" kern="1200" cap="none" spc="0" normalizeH="0" baseline="0" noProof="0" dirty="0">
               <a:ln>
@@ -14716,7 +14887,7 @@
                 <a:tabLst/>
                 <a:defRPr/>
               </a:pPr>
-              <a:t>1/25/2020</a:t>
+              <a:t>1/27/2020</a:t>
             </a:fld>
             <a:endParaRPr kumimoji="0" lang="en-US" sz="1800" b="0" i="0" u="none" strike="noStrike" kern="1200" cap="none" spc="0" normalizeH="0" baseline="0" noProof="0" dirty="0">
               <a:ln>
@@ -15251,7 +15422,7 @@
                 <a:tabLst/>
                 <a:defRPr/>
               </a:pPr>
-              <a:t>1/25/2020</a:t>
+              <a:t>1/27/2020</a:t>
             </a:fld>
             <a:endParaRPr kumimoji="0" lang="en-US" sz="1800" b="0" i="0" u="none" strike="noStrike" kern="1200" cap="none" spc="0" normalizeH="0" baseline="0" noProof="0" dirty="0">
               <a:ln>
@@ -15615,7 +15786,7 @@
                 <a:tabLst/>
                 <a:defRPr/>
               </a:pPr>
-              <a:t>1/25/2020</a:t>
+              <a:t>1/27/2020</a:t>
             </a:fld>
             <a:endParaRPr kumimoji="0" lang="en-US" sz="1800" b="0" i="0" u="none" strike="noStrike" kern="1200" cap="none" spc="0" normalizeH="0" baseline="0" noProof="0" dirty="0">
               <a:ln>
@@ -15969,7 +16140,7 @@
                 <a:tabLst/>
                 <a:defRPr/>
               </a:pPr>
-              <a:t>1/25/2020</a:t>
+              <a:t>1/27/2020</a:t>
             </a:fld>
             <a:endParaRPr kumimoji="0" lang="en-US" sz="1800" b="0" i="0" u="none" strike="noStrike" kern="1200" cap="none" spc="0" normalizeH="0" baseline="0" noProof="0" dirty="0">
               <a:ln>
@@ -16214,7 +16385,7 @@
           <a:p>
             <a:fld id="{E1037C31-9E7A-4F99-8774-A0E530DE1A42}" type="datetimeFigureOut">
               <a:rPr lang="en-US" dirty="0"/>
-              <a:t>1/25/2020</a:t>
+              <a:t>1/27/2020</a:t>
             </a:fld>
             <a:endParaRPr lang="en-US" dirty="0"/>
           </a:p>
@@ -16328,7 +16499,7 @@
           <a:p>
             <a:fld id="{C278504F-A551-4DE0-9316-4DCD1D8CC752}" type="datetimeFigureOut">
               <a:rPr lang="en-US" dirty="0"/>
-              <a:t>1/25/2020</a:t>
+              <a:t>1/27/2020</a:t>
             </a:fld>
             <a:endParaRPr lang="en-US" dirty="0"/>
           </a:p>
@@ -16704,7 +16875,7 @@
           <a:p>
             <a:fld id="{1160EA64-D806-43AC-9DF2-F8C432F32B4C}" type="datetimeFigureOut">
               <a:rPr lang="en-US" dirty="0"/>
-              <a:t>1/25/2020</a:t>
+              <a:t>1/27/2020</a:t>
             </a:fld>
             <a:endParaRPr lang="en-US" dirty="0"/>
           </a:p>
@@ -17076,7 +17247,7 @@
             <a:fld id="{1160EA64-D806-43AC-9DF2-F8C432F32B4C}" type="datetimeFigureOut">
               <a:rPr lang="en-US" dirty="0"/>
               <a:pPr/>
-              <a:t>1/25/2020</a:t>
+              <a:t>1/27/2020</a:t>
             </a:fld>
             <a:endParaRPr lang="en-US" dirty="0"/>
           </a:p>
@@ -17870,7 +18041,7 @@
           <a:p>
             <a:fld id="{377E3AE9-0F60-4E9A-B5C8-17FADBDCB6EA}" type="datetimeFigureOut">
               <a:rPr lang="en-GB" smtClean="0"/>
-              <a:t>25/01/2020</a:t>
+              <a:t>27/01/2020</a:t>
             </a:fld>
             <a:endParaRPr lang="en-GB"/>
           </a:p>
@@ -20391,7 +20562,7 @@
           <p:cNvPr id="3" name="Immagine 2" descr="Immagine che contiene testo&#10;&#10;Descrizione generata automaticamente">
             <a:extLst>
               <a:ext uri="{FF2B5EF4-FFF2-40B4-BE49-F238E27FC236}">
-                <a16:creationId xmlns:a16="http://schemas.microsoft.com/office/drawing/2014/main" id="{3B6E799F-5B16-4D17-9B2D-BC6928CC321B}"/>
+                <a16:creationId xmlns:a16="http://schemas.microsoft.com/office/drawing/2014/main" id="{DABCBF3C-6803-4280-9EBA-2B61A50AA94A}"/>
               </a:ext>
             </a:extLst>
           </p:cNvPr>
@@ -20408,8 +20579,8 @@
         </p:blipFill>
         <p:spPr>
           <a:xfrm>
-            <a:off x="412852" y="561433"/>
-            <a:ext cx="10202878" cy="5972162"/>
+            <a:off x="309674" y="1065368"/>
+            <a:ext cx="10575708" cy="6195815"/>
           </a:xfrm>
           <a:prstGeom prst="rect">
             <a:avLst/>
@@ -20464,8 +20635,8 @@
         </p:nvSpPr>
         <p:spPr>
           <a:xfrm>
-            <a:off x="0" y="1219200"/>
-            <a:ext cx="12192000" cy="5717457"/>
+            <a:off x="0" y="924232"/>
+            <a:ext cx="12192000" cy="6012425"/>
           </a:xfrm>
           <a:ln>
             <a:noFill/>
@@ -20478,76 +20649,6 @@
             <a:r>
               <a:rPr lang="it-IT" dirty="0"/>
               <a:t> </a:t>
-            </a:r>
-            <a:endParaRPr lang="en-GB" dirty="0"/>
-          </a:p>
-        </p:txBody>
-      </p:sp>
-      <p:sp>
-        <p:nvSpPr>
-          <p:cNvPr id="21" name="Titolo 6">
-            <a:extLst>
-              <a:ext uri="{FF2B5EF4-FFF2-40B4-BE49-F238E27FC236}">
-                <a16:creationId xmlns:a16="http://schemas.microsoft.com/office/drawing/2014/main" id="{49243CB4-EAC5-4512-917A-CDFEC65C8DC4}"/>
-              </a:ext>
-            </a:extLst>
-          </p:cNvPr>
-          <p:cNvSpPr txBox="1">
-            <a:spLocks/>
-          </p:cNvSpPr>
-          <p:nvPr/>
-        </p:nvSpPr>
-        <p:spPr>
-          <a:xfrm>
-            <a:off x="2372032" y="789039"/>
-            <a:ext cx="7447935" cy="860322"/>
-          </a:xfrm>
-          <a:prstGeom prst="rect">
-            <a:avLst/>
-          </a:prstGeom>
-          <a:solidFill>
-            <a:schemeClr val="bg1"/>
-          </a:solidFill>
-          <a:ln w="15875" cap="sq">
-            <a:solidFill>
-              <a:schemeClr val="tx1">
-                <a:lumMod val="75000"/>
-                <a:lumOff val="25000"/>
-              </a:schemeClr>
-            </a:solidFill>
-            <a:miter lim="800000"/>
-          </a:ln>
-        </p:spPr>
-        <p:txBody>
-          <a:bodyPr vert="horz" lIns="182880" tIns="182880" rIns="182880" bIns="182880" rtlCol="0" anchor="ctr">
-            <a:normAutofit/>
-          </a:bodyPr>
-          <a:lstStyle>
-            <a:lvl1pPr algn="ctr" defTabSz="914400" rtl="0" eaLnBrk="1" latinLnBrk="0" hangingPunct="1">
-              <a:lnSpc>
-                <a:spcPct val="90000"/>
-              </a:lnSpc>
-              <a:spcBef>
-                <a:spcPct val="0"/>
-              </a:spcBef>
-              <a:buNone/>
-              <a:defRPr sz="2800" kern="1200" cap="all" spc="200" baseline="0">
-                <a:solidFill>
-                  <a:schemeClr val="tx1">
-                    <a:lumMod val="85000"/>
-                    <a:lumOff val="15000"/>
-                  </a:schemeClr>
-                </a:solidFill>
-                <a:latin typeface="+mj-lt"/>
-                <a:ea typeface="+mj-ea"/>
-                <a:cs typeface="+mj-cs"/>
-              </a:defRPr>
-            </a:lvl1pPr>
-          </a:lstStyle>
-          <a:p>
-            <a:r>
-              <a:rPr lang="it-IT" dirty="0"/>
-              <a:t>Meaningful interactions</a:t>
             </a:r>
             <a:endParaRPr lang="en-GB" dirty="0"/>
           </a:p>
@@ -20644,6 +20745,76 @@
           </a:prstGeom>
         </p:spPr>
       </p:pic>
+      <p:sp>
+        <p:nvSpPr>
+          <p:cNvPr id="7" name="Titolo 6">
+            <a:extLst>
+              <a:ext uri="{FF2B5EF4-FFF2-40B4-BE49-F238E27FC236}">
+                <a16:creationId xmlns:a16="http://schemas.microsoft.com/office/drawing/2014/main" id="{FA17E5C4-15D2-4F39-B893-E35D941E71D1}"/>
+              </a:ext>
+            </a:extLst>
+          </p:cNvPr>
+          <p:cNvSpPr txBox="1">
+            <a:spLocks/>
+          </p:cNvSpPr>
+          <p:nvPr/>
+        </p:nvSpPr>
+        <p:spPr>
+          <a:xfrm>
+            <a:off x="3519947" y="604186"/>
+            <a:ext cx="5152103" cy="640091"/>
+          </a:xfrm>
+          <a:prstGeom prst="rect">
+            <a:avLst/>
+          </a:prstGeom>
+          <a:solidFill>
+            <a:schemeClr val="bg1"/>
+          </a:solidFill>
+          <a:ln w="15875" cap="sq">
+            <a:solidFill>
+              <a:schemeClr val="tx1">
+                <a:lumMod val="75000"/>
+                <a:lumOff val="25000"/>
+              </a:schemeClr>
+            </a:solidFill>
+            <a:miter lim="800000"/>
+          </a:ln>
+        </p:spPr>
+        <p:txBody>
+          <a:bodyPr vert="horz" lIns="182880" tIns="182880" rIns="182880" bIns="182880" rtlCol="0" anchor="ctr">
+            <a:normAutofit fontScale="85000" lnSpcReduction="20000"/>
+          </a:bodyPr>
+          <a:lstStyle>
+            <a:lvl1pPr algn="ctr" defTabSz="914400" rtl="0" eaLnBrk="1" latinLnBrk="0" hangingPunct="1">
+              <a:lnSpc>
+                <a:spcPct val="90000"/>
+              </a:lnSpc>
+              <a:spcBef>
+                <a:spcPct val="0"/>
+              </a:spcBef>
+              <a:buNone/>
+              <a:defRPr sz="2800" kern="1200" cap="all" spc="200" baseline="0">
+                <a:solidFill>
+                  <a:schemeClr val="tx1">
+                    <a:lumMod val="85000"/>
+                    <a:lumOff val="15000"/>
+                  </a:schemeClr>
+                </a:solidFill>
+                <a:latin typeface="+mj-lt"/>
+                <a:ea typeface="+mj-ea"/>
+                <a:cs typeface="+mj-cs"/>
+              </a:defRPr>
+            </a:lvl1pPr>
+          </a:lstStyle>
+          <a:p>
+            <a:r>
+              <a:rPr lang="it-IT" dirty="0"/>
+              <a:t>MEANINGFUL INTERACTIONS</a:t>
+            </a:r>
+            <a:endParaRPr lang="en-GB" dirty="0"/>
+          </a:p>
+        </p:txBody>
+      </p:sp>
     </p:spTree>
     <p:extLst>
       <p:ext uri="{BB962C8B-B14F-4D97-AF65-F5344CB8AC3E}">
@@ -20658,6 +20829,234 @@
 </file>
 
 <file path=ppt/slides/slide12.xml><?xml version="1.0" encoding="utf-8"?>
+<p:sld xmlns:a="http://schemas.openxmlformats.org/drawingml/2006/main" xmlns:r="http://schemas.openxmlformats.org/officeDocument/2006/relationships" xmlns:p="http://schemas.openxmlformats.org/presentationml/2006/main">
+  <p:cSld>
+    <p:spTree>
+      <p:nvGrpSpPr>
+        <p:cNvPr id="1" name=""/>
+        <p:cNvGrpSpPr/>
+        <p:nvPr/>
+      </p:nvGrpSpPr>
+      <p:grpSpPr>
+        <a:xfrm>
+          <a:off x="0" y="0"/>
+          <a:ext cx="0" cy="0"/>
+          <a:chOff x="0" y="0"/>
+          <a:chExt cx="0" cy="0"/>
+        </a:xfrm>
+      </p:grpSpPr>
+      <p:sp>
+        <p:nvSpPr>
+          <p:cNvPr id="19" name="Titolo 18">
+            <a:extLst>
+              <a:ext uri="{FF2B5EF4-FFF2-40B4-BE49-F238E27FC236}">
+                <a16:creationId xmlns:a16="http://schemas.microsoft.com/office/drawing/2014/main" id="{5159A273-870F-45B5-9101-1CA02121DC26}"/>
+              </a:ext>
+            </a:extLst>
+          </p:cNvPr>
+          <p:cNvSpPr>
+            <a:spLocks noGrp="1"/>
+          </p:cNvSpPr>
+          <p:nvPr>
+            <p:ph type="title"/>
+          </p:nvPr>
+        </p:nvSpPr>
+        <p:spPr>
+          <a:xfrm>
+            <a:off x="0" y="924232"/>
+            <a:ext cx="12192000" cy="6012425"/>
+          </a:xfrm>
+          <a:ln>
+            <a:noFill/>
+          </a:ln>
+        </p:spPr>
+        <p:txBody>
+          <a:bodyPr/>
+          <a:lstStyle/>
+          <a:p>
+            <a:r>
+              <a:rPr lang="it-IT" dirty="0"/>
+              <a:t> </a:t>
+            </a:r>
+            <a:endParaRPr lang="en-GB" dirty="0"/>
+          </a:p>
+        </p:txBody>
+      </p:sp>
+      <p:sp>
+        <p:nvSpPr>
+          <p:cNvPr id="7" name="Titolo 6">
+            <a:extLst>
+              <a:ext uri="{FF2B5EF4-FFF2-40B4-BE49-F238E27FC236}">
+                <a16:creationId xmlns:a16="http://schemas.microsoft.com/office/drawing/2014/main" id="{FA17E5C4-15D2-4F39-B893-E35D941E71D1}"/>
+              </a:ext>
+            </a:extLst>
+          </p:cNvPr>
+          <p:cNvSpPr txBox="1">
+            <a:spLocks/>
+          </p:cNvSpPr>
+          <p:nvPr/>
+        </p:nvSpPr>
+        <p:spPr>
+          <a:xfrm>
+            <a:off x="3519947" y="604186"/>
+            <a:ext cx="5152103" cy="640091"/>
+          </a:xfrm>
+          <a:prstGeom prst="rect">
+            <a:avLst/>
+          </a:prstGeom>
+          <a:solidFill>
+            <a:schemeClr val="bg1"/>
+          </a:solidFill>
+          <a:ln w="15875" cap="sq">
+            <a:solidFill>
+              <a:schemeClr val="tx1">
+                <a:lumMod val="75000"/>
+                <a:lumOff val="25000"/>
+              </a:schemeClr>
+            </a:solidFill>
+            <a:miter lim="800000"/>
+          </a:ln>
+        </p:spPr>
+        <p:txBody>
+          <a:bodyPr vert="horz" lIns="182880" tIns="182880" rIns="182880" bIns="182880" rtlCol="0" anchor="ctr">
+            <a:normAutofit fontScale="85000" lnSpcReduction="20000"/>
+          </a:bodyPr>
+          <a:lstStyle>
+            <a:lvl1pPr algn="ctr" defTabSz="914400" rtl="0" eaLnBrk="1" latinLnBrk="0" hangingPunct="1">
+              <a:lnSpc>
+                <a:spcPct val="90000"/>
+              </a:lnSpc>
+              <a:spcBef>
+                <a:spcPct val="0"/>
+              </a:spcBef>
+              <a:buNone/>
+              <a:defRPr sz="2800" kern="1200" cap="all" spc="200" baseline="0">
+                <a:solidFill>
+                  <a:schemeClr val="tx1">
+                    <a:lumMod val="85000"/>
+                    <a:lumOff val="15000"/>
+                  </a:schemeClr>
+                </a:solidFill>
+                <a:latin typeface="+mj-lt"/>
+                <a:ea typeface="+mj-ea"/>
+                <a:cs typeface="+mj-cs"/>
+              </a:defRPr>
+            </a:lvl1pPr>
+          </a:lstStyle>
+          <a:p>
+            <a:r>
+              <a:rPr lang="it-IT" dirty="0"/>
+              <a:t>MEANINGFUL INTERACTIONS</a:t>
+            </a:r>
+            <a:endParaRPr lang="en-GB" dirty="0"/>
+          </a:p>
+        </p:txBody>
+      </p:sp>
+      <p:pic>
+        <p:nvPicPr>
+          <p:cNvPr id="6" name="Immagine 5" descr="Immagine che contiene screenshot&#10;&#10;Descrizione generata automaticamente">
+            <a:extLst>
+              <a:ext uri="{FF2B5EF4-FFF2-40B4-BE49-F238E27FC236}">
+                <a16:creationId xmlns:a16="http://schemas.microsoft.com/office/drawing/2014/main" id="{0EAD317E-7A7C-4C78-9986-9BC4E7973FD3}"/>
+              </a:ext>
+            </a:extLst>
+          </p:cNvPr>
+          <p:cNvPicPr>
+            <a:picLocks noChangeAspect="1"/>
+          </p:cNvPicPr>
+          <p:nvPr/>
+        </p:nvPicPr>
+        <p:blipFill>
+          <a:blip r:embed="rId3"/>
+          <a:stretch>
+            <a:fillRect/>
+          </a:stretch>
+        </p:blipFill>
+        <p:spPr>
+          <a:xfrm>
+            <a:off x="119600" y="1818611"/>
+            <a:ext cx="11972801" cy="4572357"/>
+          </a:xfrm>
+          <a:prstGeom prst="rect">
+            <a:avLst/>
+          </a:prstGeom>
+        </p:spPr>
+      </p:pic>
+      <p:sp>
+        <p:nvSpPr>
+          <p:cNvPr id="24" name="Ovale 23">
+            <a:extLst>
+              <a:ext uri="{FF2B5EF4-FFF2-40B4-BE49-F238E27FC236}">
+                <a16:creationId xmlns:a16="http://schemas.microsoft.com/office/drawing/2014/main" id="{543BAF3E-8D53-4EB3-9D0C-75E34D6C44CC}"/>
+              </a:ext>
+            </a:extLst>
+          </p:cNvPr>
+          <p:cNvSpPr/>
+          <p:nvPr/>
+        </p:nvSpPr>
+        <p:spPr>
+          <a:xfrm>
+            <a:off x="10895215" y="5502161"/>
+            <a:ext cx="1230110" cy="1230110"/>
+          </a:xfrm>
+          <a:prstGeom prst="ellipse">
+            <a:avLst/>
+          </a:prstGeom>
+          <a:blipFill>
+            <a:blip r:embed="rId4">
+              <a:extLst>
+                <a:ext uri="{837473B0-CC2E-450A-ABE3-18F120FF3D39}">
+                  <a1611:picAttrSrcUrl xmlns:a1611="http://schemas.microsoft.com/office/drawing/2016/11/main" r:id="rId5"/>
+                </a:ext>
+              </a:extLst>
+            </a:blip>
+            <a:stretch>
+              <a:fillRect/>
+            </a:stretch>
+          </a:blipFill>
+          <a:ln>
+            <a:noFill/>
+          </a:ln>
+        </p:spPr>
+        <p:style>
+          <a:lnRef idx="2">
+            <a:schemeClr val="accent1">
+              <a:shade val="50000"/>
+            </a:schemeClr>
+          </a:lnRef>
+          <a:fillRef idx="1">
+            <a:schemeClr val="accent1"/>
+          </a:fillRef>
+          <a:effectRef idx="0">
+            <a:schemeClr val="accent1"/>
+          </a:effectRef>
+          <a:fontRef idx="minor">
+            <a:schemeClr val="lt1"/>
+          </a:fontRef>
+        </p:style>
+        <p:txBody>
+          <a:bodyPr rtlCol="0" anchor="ctr"/>
+          <a:lstStyle/>
+          <a:p>
+            <a:pPr algn="ctr"/>
+            <a:endParaRPr lang="en-GB"/>
+          </a:p>
+        </p:txBody>
+      </p:sp>
+    </p:spTree>
+    <p:extLst>
+      <p:ext uri="{BB962C8B-B14F-4D97-AF65-F5344CB8AC3E}">
+        <p14:creationId xmlns:p14="http://schemas.microsoft.com/office/powerpoint/2010/main" val="4174258434"/>
+      </p:ext>
+    </p:extLst>
+  </p:cSld>
+  <p:clrMapOvr>
+    <a:masterClrMapping/>
+  </p:clrMapOvr>
+</p:sld>
+</file>
+
+<file path=ppt/slides/slide13.xml><?xml version="1.0" encoding="utf-8"?>
 <p:sld xmlns:a="http://schemas.openxmlformats.org/drawingml/2006/main" xmlns:r="http://schemas.openxmlformats.org/officeDocument/2006/relationships" xmlns:p="http://schemas.openxmlformats.org/presentationml/2006/main">
   <p:cSld>
     <p:bg>
@@ -20886,7 +21285,7 @@
         </p:nvSpPr>
         <p:spPr>
           <a:xfrm>
-            <a:off x="5263895" y="577881"/>
+            <a:off x="5245741" y="1114278"/>
             <a:ext cx="5826919" cy="4924280"/>
           </a:xfrm>
         </p:spPr>
@@ -21231,6 +21630,1006 @@
     <p:extLst>
       <p:ext uri="{BB962C8B-B14F-4D97-AF65-F5344CB8AC3E}">
         <p14:creationId xmlns:p14="http://schemas.microsoft.com/office/powerpoint/2010/main" val="521419445"/>
+      </p:ext>
+    </p:extLst>
+  </p:cSld>
+  <p:clrMapOvr>
+    <a:overrideClrMapping bg1="dk1" tx1="lt1" bg2="dk2" tx2="lt2" accent1="accent1" accent2="accent2" accent3="accent3" accent4="accent4" accent5="accent5" accent6="accent6" hlink="hlink" folHlink="folHlink"/>
+  </p:clrMapOvr>
+</p:sld>
+</file>
+
+<file path=ppt/slides/slide14.xml><?xml version="1.0" encoding="utf-8"?>
+<p:sld xmlns:a="http://schemas.openxmlformats.org/drawingml/2006/main" xmlns:r="http://schemas.openxmlformats.org/officeDocument/2006/relationships" xmlns:p="http://schemas.openxmlformats.org/presentationml/2006/main">
+  <p:cSld>
+    <p:bg>
+      <p:bgPr>
+        <a:solidFill>
+          <a:schemeClr val="tx1"/>
+        </a:solidFill>
+        <a:effectLst/>
+      </p:bgPr>
+    </p:bg>
+    <p:spTree>
+      <p:nvGrpSpPr>
+        <p:cNvPr id="1" name=""/>
+        <p:cNvGrpSpPr/>
+        <p:nvPr/>
+      </p:nvGrpSpPr>
+      <p:grpSpPr>
+        <a:xfrm>
+          <a:off x="0" y="0"/>
+          <a:ext cx="0" cy="0"/>
+          <a:chOff x="0" y="0"/>
+          <a:chExt cx="0" cy="0"/>
+        </a:xfrm>
+      </p:grpSpPr>
+      <p:sp>
+        <p:nvSpPr>
+          <p:cNvPr id="31" name="Rectangle 30">
+            <a:extLst>
+              <a:ext uri="{FF2B5EF4-FFF2-40B4-BE49-F238E27FC236}">
+                <a16:creationId xmlns:a16="http://schemas.microsoft.com/office/drawing/2014/main" id="{9A3764AE-D7B7-4CB5-A0E1-2885E4598A09}"/>
+              </a:ext>
+              <a:ext uri="{C183D7F6-B498-43B3-948B-1728B52AA6E4}">
+                <adec:decorative xmlns:adec="http://schemas.microsoft.com/office/drawing/2017/decorative" val="1"/>
+              </a:ext>
+            </a:extLst>
+          </p:cNvPr>
+          <p:cNvSpPr>
+            <a:spLocks noGrp="1" noRot="1" noChangeAspect="1" noMove="1" noResize="1" noEditPoints="1" noAdjustHandles="1" noChangeArrowheads="1" noChangeShapeType="1" noTextEdit="1"/>
+          </p:cNvSpPr>
+          <p:nvPr>
+            <p:extLst>
+              <p:ext uri="{386F3935-93C4-4BCD-93E2-E3B085C9AB24}">
+                <p16:designElem xmlns:p16="http://schemas.microsoft.com/office/powerpoint/2015/main" val="1"/>
+              </p:ext>
+            </p:extLst>
+          </p:nvPr>
+        </p:nvSpPr>
+        <p:spPr>
+          <a:xfrm>
+            <a:off x="0" y="0"/>
+            <a:ext cx="4654296" cy="6858000"/>
+          </a:xfrm>
+          <a:prstGeom prst="rect">
+            <a:avLst/>
+          </a:prstGeom>
+          <a:solidFill>
+            <a:schemeClr val="accent2"/>
+          </a:solidFill>
+          <a:ln>
+            <a:noFill/>
+          </a:ln>
+        </p:spPr>
+        <p:style>
+          <a:lnRef idx="2">
+            <a:schemeClr val="accent1">
+              <a:shade val="50000"/>
+            </a:schemeClr>
+          </a:lnRef>
+          <a:fillRef idx="1">
+            <a:schemeClr val="accent1"/>
+          </a:fillRef>
+          <a:effectRef idx="0">
+            <a:schemeClr val="accent1"/>
+          </a:effectRef>
+          <a:fontRef idx="minor">
+            <a:schemeClr val="lt1"/>
+          </a:fontRef>
+        </p:style>
+        <p:txBody>
+          <a:bodyPr rtlCol="0" anchor="ctr"/>
+          <a:lstStyle/>
+          <a:p>
+            <a:pPr algn="ctr"/>
+            <a:endParaRPr lang="en-US"/>
+          </a:p>
+        </p:txBody>
+      </p:sp>
+      <p:sp>
+        <p:nvSpPr>
+          <p:cNvPr id="2" name="Titolo 1">
+            <a:extLst>
+              <a:ext uri="{FF2B5EF4-FFF2-40B4-BE49-F238E27FC236}">
+                <a16:creationId xmlns:a16="http://schemas.microsoft.com/office/drawing/2014/main" id="{80DD2196-2D68-4FB7-B303-165526AAB8D2}"/>
+              </a:ext>
+            </a:extLst>
+          </p:cNvPr>
+          <p:cNvSpPr>
+            <a:spLocks noGrp="1"/>
+          </p:cNvSpPr>
+          <p:nvPr>
+            <p:ph type="title"/>
+          </p:nvPr>
+        </p:nvSpPr>
+        <p:spPr>
+          <a:xfrm>
+            <a:off x="609599" y="1851257"/>
+            <a:ext cx="3425530" cy="3155486"/>
+          </a:xfrm>
+          <a:prstGeom prst="ellipse">
+            <a:avLst/>
+          </a:prstGeom>
+          <a:noFill/>
+          <a:ln w="69850">
+            <a:solidFill>
+              <a:schemeClr val="tx1">
+                <a:lumMod val="85000"/>
+                <a:lumOff val="15000"/>
+              </a:schemeClr>
+            </a:solidFill>
+          </a:ln>
+        </p:spPr>
+        <p:txBody>
+          <a:bodyPr>
+            <a:normAutofit/>
+          </a:bodyPr>
+          <a:lstStyle/>
+          <a:p>
+            <a:pPr algn="l"/>
+            <a:r>
+              <a:rPr lang="it-IT" sz="3600" dirty="0">
+                <a:solidFill>
+                  <a:schemeClr val="tx1">
+                    <a:lumMod val="95000"/>
+                    <a:lumOff val="5000"/>
+                  </a:schemeClr>
+                </a:solidFill>
+              </a:rPr>
+              <a:t> </a:t>
+            </a:r>
+            <a:endParaRPr lang="en-GB" sz="3600" dirty="0">
+              <a:solidFill>
+                <a:schemeClr val="tx1">
+                  <a:lumMod val="95000"/>
+                  <a:lumOff val="5000"/>
+                </a:schemeClr>
+              </a:solidFill>
+            </a:endParaRPr>
+          </a:p>
+        </p:txBody>
+      </p:sp>
+      <p:sp useBgFill="1">
+        <p:nvSpPr>
+          <p:cNvPr id="33" name="Rectangle 32">
+            <a:extLst>
+              <a:ext uri="{FF2B5EF4-FFF2-40B4-BE49-F238E27FC236}">
+                <a16:creationId xmlns:a16="http://schemas.microsoft.com/office/drawing/2014/main" id="{329C095C-3AB6-49D8-9436-3672566FEEDB}"/>
+              </a:ext>
+              <a:ext uri="{C183D7F6-B498-43B3-948B-1728B52AA6E4}">
+                <adec:decorative xmlns:adec="http://schemas.microsoft.com/office/drawing/2017/decorative" val="1"/>
+              </a:ext>
+            </a:extLst>
+          </p:cNvPr>
+          <p:cNvSpPr>
+            <a:spLocks noGrp="1" noRot="1" noChangeAspect="1" noMove="1" noResize="1" noEditPoints="1" noAdjustHandles="1" noChangeArrowheads="1" noChangeShapeType="1" noTextEdit="1"/>
+          </p:cNvSpPr>
+          <p:nvPr>
+            <p:extLst>
+              <p:ext uri="{386F3935-93C4-4BCD-93E2-E3B085C9AB24}">
+                <p16:designElem xmlns:p16="http://schemas.microsoft.com/office/powerpoint/2015/main" val="1"/>
+              </p:ext>
+            </p:extLst>
+          </p:nvPr>
+        </p:nvSpPr>
+        <p:spPr>
+          <a:xfrm>
+            <a:off x="4654296" y="0"/>
+            <a:ext cx="7537704" cy="6858000"/>
+          </a:xfrm>
+          <a:prstGeom prst="rect">
+            <a:avLst/>
+          </a:prstGeom>
+          <a:ln>
+            <a:noFill/>
+          </a:ln>
+        </p:spPr>
+        <p:style>
+          <a:lnRef idx="2">
+            <a:schemeClr val="accent1">
+              <a:shade val="50000"/>
+            </a:schemeClr>
+          </a:lnRef>
+          <a:fillRef idx="1">
+            <a:schemeClr val="accent1"/>
+          </a:fillRef>
+          <a:effectRef idx="0">
+            <a:schemeClr val="accent1"/>
+          </a:effectRef>
+          <a:fontRef idx="minor">
+            <a:schemeClr val="lt1"/>
+          </a:fontRef>
+        </p:style>
+        <p:txBody>
+          <a:bodyPr rtlCol="0" anchor="ctr"/>
+          <a:lstStyle/>
+          <a:p>
+            <a:pPr algn="ctr"/>
+            <a:endParaRPr lang="en-US"/>
+          </a:p>
+        </p:txBody>
+      </p:sp>
+      <p:sp>
+        <p:nvSpPr>
+          <p:cNvPr id="3" name="Segnaposto contenuto 2">
+            <a:extLst>
+              <a:ext uri="{FF2B5EF4-FFF2-40B4-BE49-F238E27FC236}">
+                <a16:creationId xmlns:a16="http://schemas.microsoft.com/office/drawing/2014/main" id="{33A2C5F9-CE3B-46EC-B8C1-3925BEFF9C65}"/>
+              </a:ext>
+            </a:extLst>
+          </p:cNvPr>
+          <p:cNvSpPr>
+            <a:spLocks noGrp="1"/>
+          </p:cNvSpPr>
+          <p:nvPr>
+            <p:ph idx="1"/>
+          </p:nvPr>
+        </p:nvSpPr>
+        <p:spPr>
+          <a:xfrm>
+            <a:off x="5263895" y="819310"/>
+            <a:ext cx="5826919" cy="1402781"/>
+          </a:xfrm>
+        </p:spPr>
+        <p:txBody>
+          <a:bodyPr anchor="ctr">
+            <a:normAutofit fontScale="92500" lnSpcReduction="20000"/>
+          </a:bodyPr>
+          <a:lstStyle/>
+          <a:p>
+            <a:pPr marL="0" indent="0">
+              <a:lnSpc>
+                <a:spcPct val="90000"/>
+              </a:lnSpc>
+              <a:buNone/>
+            </a:pPr>
+            <a:r>
+              <a:rPr lang="it-IT" sz="1700" b="1" dirty="0">
+                <a:solidFill>
+                  <a:srgbClr val="4D4D4D"/>
+                </a:solidFill>
+              </a:rPr>
+              <a:t>Bottom-up approach:</a:t>
+            </a:r>
+          </a:p>
+          <a:p>
+            <a:pPr>
+              <a:lnSpc>
+                <a:spcPct val="90000"/>
+              </a:lnSpc>
+            </a:pPr>
+            <a:r>
+              <a:rPr lang="en-GB" sz="1700" dirty="0">
+                <a:solidFill>
+                  <a:srgbClr val="4D4D4D"/>
+                </a:solidFill>
+              </a:rPr>
+              <a:t>As a first step, implementation and testing of single component of the same subsystem.</a:t>
+            </a:r>
+          </a:p>
+          <a:p>
+            <a:pPr>
+              <a:lnSpc>
+                <a:spcPct val="90000"/>
+              </a:lnSpc>
+            </a:pPr>
+            <a:r>
+              <a:rPr lang="en-GB" sz="1700" dirty="0">
+                <a:solidFill>
+                  <a:srgbClr val="4D4D4D"/>
+                </a:solidFill>
+              </a:rPr>
+              <a:t>The subsystems will be integrated and tested together.</a:t>
+            </a:r>
+          </a:p>
+          <a:p>
+            <a:pPr>
+              <a:lnSpc>
+                <a:spcPct val="90000"/>
+              </a:lnSpc>
+            </a:pPr>
+            <a:r>
+              <a:rPr lang="en-GB" sz="1700" dirty="0">
+                <a:solidFill>
+                  <a:srgbClr val="4D4D4D"/>
+                </a:solidFill>
+              </a:rPr>
+              <a:t>Testing the correct behaviour of the system.</a:t>
+            </a:r>
+            <a:endParaRPr lang="it-IT" sz="1700" dirty="0">
+              <a:solidFill>
+                <a:srgbClr val="4D4D4D"/>
+              </a:solidFill>
+            </a:endParaRPr>
+          </a:p>
+          <a:p>
+            <a:pPr marL="0" indent="0">
+              <a:lnSpc>
+                <a:spcPct val="90000"/>
+              </a:lnSpc>
+              <a:buNone/>
+            </a:pPr>
+            <a:endParaRPr lang="it-IT" sz="1700" b="1" dirty="0">
+              <a:solidFill>
+                <a:srgbClr val="4D4D4D"/>
+              </a:solidFill>
+            </a:endParaRPr>
+          </a:p>
+          <a:p>
+            <a:pPr marL="0" indent="0">
+              <a:lnSpc>
+                <a:spcPct val="90000"/>
+              </a:lnSpc>
+              <a:buNone/>
+            </a:pPr>
+            <a:endParaRPr lang="en-GB" sz="1700" dirty="0">
+              <a:solidFill>
+                <a:srgbClr val="4D4D4D"/>
+              </a:solidFill>
+            </a:endParaRPr>
+          </a:p>
+          <a:p>
+            <a:pPr marL="0" indent="0">
+              <a:lnSpc>
+                <a:spcPct val="90000"/>
+              </a:lnSpc>
+              <a:buNone/>
+            </a:pPr>
+            <a:endParaRPr lang="en-GB" sz="1700" dirty="0">
+              <a:solidFill>
+                <a:srgbClr val="4D4D4D"/>
+              </a:solidFill>
+            </a:endParaRPr>
+          </a:p>
+        </p:txBody>
+      </p:sp>
+      <p:sp>
+        <p:nvSpPr>
+          <p:cNvPr id="4" name="CasellaDiTesto 3">
+            <a:extLst>
+              <a:ext uri="{FF2B5EF4-FFF2-40B4-BE49-F238E27FC236}">
+                <a16:creationId xmlns:a16="http://schemas.microsoft.com/office/drawing/2014/main" id="{D78C28F9-DBA6-425F-9081-7FCC67233918}"/>
+              </a:ext>
+            </a:extLst>
+          </p:cNvPr>
+          <p:cNvSpPr txBox="1"/>
+          <p:nvPr/>
+        </p:nvSpPr>
+        <p:spPr>
+          <a:xfrm flipH="1">
+            <a:off x="1008989" y="3113105"/>
+            <a:ext cx="2626750" cy="769441"/>
+          </a:xfrm>
+          <a:prstGeom prst="rect">
+            <a:avLst/>
+          </a:prstGeom>
+          <a:noFill/>
+        </p:spPr>
+        <p:txBody>
+          <a:bodyPr wrap="square" rtlCol="0">
+            <a:spAutoFit/>
+          </a:bodyPr>
+          <a:lstStyle/>
+          <a:p>
+            <a:pPr algn="ctr"/>
+            <a:r>
+              <a:rPr lang="en-GB" sz="2200" dirty="0"/>
+              <a:t>IMPLEMENTATION PLAN</a:t>
+            </a:r>
+          </a:p>
+        </p:txBody>
+      </p:sp>
+      <p:pic>
+        <p:nvPicPr>
+          <p:cNvPr id="10" name="Immagine 9" descr="Immagine che contiene screenshot&#10;&#10;Descrizione generata automaticamente">
+            <a:extLst>
+              <a:ext uri="{FF2B5EF4-FFF2-40B4-BE49-F238E27FC236}">
+                <a16:creationId xmlns:a16="http://schemas.microsoft.com/office/drawing/2014/main" id="{0CC7D472-1768-4F7D-8B50-834C4D494266}"/>
+              </a:ext>
+            </a:extLst>
+          </p:cNvPr>
+          <p:cNvPicPr>
+            <a:picLocks noChangeAspect="1"/>
+          </p:cNvPicPr>
+          <p:nvPr/>
+        </p:nvPicPr>
+        <p:blipFill>
+          <a:blip r:embed="rId3"/>
+          <a:stretch>
+            <a:fillRect/>
+          </a:stretch>
+        </p:blipFill>
+        <p:spPr>
+          <a:xfrm>
+            <a:off x="4803415" y="2251750"/>
+            <a:ext cx="6973240" cy="3309541"/>
+          </a:xfrm>
+          <a:prstGeom prst="rect">
+            <a:avLst/>
+          </a:prstGeom>
+        </p:spPr>
+      </p:pic>
+      <p:sp>
+        <p:nvSpPr>
+          <p:cNvPr id="14" name="Ovale 13">
+            <a:extLst>
+              <a:ext uri="{FF2B5EF4-FFF2-40B4-BE49-F238E27FC236}">
+                <a16:creationId xmlns:a16="http://schemas.microsoft.com/office/drawing/2014/main" id="{90C0C7F5-0759-4054-8B60-0C49B44E02BF}"/>
+              </a:ext>
+            </a:extLst>
+          </p:cNvPr>
+          <p:cNvSpPr/>
+          <p:nvPr/>
+        </p:nvSpPr>
+        <p:spPr>
+          <a:xfrm>
+            <a:off x="10895215" y="5502161"/>
+            <a:ext cx="1230110" cy="1230110"/>
+          </a:xfrm>
+          <a:prstGeom prst="ellipse">
+            <a:avLst/>
+          </a:prstGeom>
+          <a:blipFill>
+            <a:blip r:embed="rId4">
+              <a:extLst>
+                <a:ext uri="{837473B0-CC2E-450A-ABE3-18F120FF3D39}">
+                  <a1611:picAttrSrcUrl xmlns:a1611="http://schemas.microsoft.com/office/drawing/2016/11/main" r:id="rId5"/>
+                </a:ext>
+              </a:extLst>
+            </a:blip>
+            <a:stretch>
+              <a:fillRect/>
+            </a:stretch>
+          </a:blipFill>
+          <a:ln>
+            <a:noFill/>
+          </a:ln>
+        </p:spPr>
+        <p:style>
+          <a:lnRef idx="2">
+            <a:schemeClr val="accent1">
+              <a:shade val="50000"/>
+            </a:schemeClr>
+          </a:lnRef>
+          <a:fillRef idx="1">
+            <a:schemeClr val="accent1"/>
+          </a:fillRef>
+          <a:effectRef idx="0">
+            <a:schemeClr val="accent1"/>
+          </a:effectRef>
+          <a:fontRef idx="minor">
+            <a:schemeClr val="lt1"/>
+          </a:fontRef>
+        </p:style>
+        <p:txBody>
+          <a:bodyPr rtlCol="0" anchor="ctr"/>
+          <a:lstStyle/>
+          <a:p>
+            <a:pPr algn="ctr"/>
+            <a:endParaRPr lang="en-GB"/>
+          </a:p>
+        </p:txBody>
+      </p:sp>
+    </p:spTree>
+    <p:extLst>
+      <p:ext uri="{BB962C8B-B14F-4D97-AF65-F5344CB8AC3E}">
+        <p14:creationId xmlns:p14="http://schemas.microsoft.com/office/powerpoint/2010/main" val="1795572697"/>
+      </p:ext>
+    </p:extLst>
+  </p:cSld>
+  <p:clrMapOvr>
+    <a:overrideClrMapping bg1="dk1" tx1="lt1" bg2="dk2" tx2="lt2" accent1="accent1" accent2="accent2" accent3="accent3" accent4="accent4" accent5="accent5" accent6="accent6" hlink="hlink" folHlink="folHlink"/>
+  </p:clrMapOvr>
+</p:sld>
+</file>
+
+<file path=ppt/slides/slide15.xml><?xml version="1.0" encoding="utf-8"?>
+<p:sld xmlns:a="http://schemas.openxmlformats.org/drawingml/2006/main" xmlns:r="http://schemas.openxmlformats.org/officeDocument/2006/relationships" xmlns:p="http://schemas.openxmlformats.org/presentationml/2006/main">
+  <p:cSld>
+    <p:bg>
+      <p:bgPr>
+        <a:solidFill>
+          <a:schemeClr val="tx1"/>
+        </a:solidFill>
+        <a:effectLst/>
+      </p:bgPr>
+    </p:bg>
+    <p:spTree>
+      <p:nvGrpSpPr>
+        <p:cNvPr id="1" name=""/>
+        <p:cNvGrpSpPr/>
+        <p:nvPr/>
+      </p:nvGrpSpPr>
+      <p:grpSpPr>
+        <a:xfrm>
+          <a:off x="0" y="0"/>
+          <a:ext cx="0" cy="0"/>
+          <a:chOff x="0" y="0"/>
+          <a:chExt cx="0" cy="0"/>
+        </a:xfrm>
+      </p:grpSpPr>
+      <p:sp>
+        <p:nvSpPr>
+          <p:cNvPr id="31" name="Rectangle 30">
+            <a:extLst>
+              <a:ext uri="{FF2B5EF4-FFF2-40B4-BE49-F238E27FC236}">
+                <a16:creationId xmlns:a16="http://schemas.microsoft.com/office/drawing/2014/main" id="{9A3764AE-D7B7-4CB5-A0E1-2885E4598A09}"/>
+              </a:ext>
+              <a:ext uri="{C183D7F6-B498-43B3-948B-1728B52AA6E4}">
+                <adec:decorative xmlns:adec="http://schemas.microsoft.com/office/drawing/2017/decorative" val="1"/>
+              </a:ext>
+            </a:extLst>
+          </p:cNvPr>
+          <p:cNvSpPr>
+            <a:spLocks noGrp="1" noRot="1" noChangeAspect="1" noMove="1" noResize="1" noEditPoints="1" noAdjustHandles="1" noChangeArrowheads="1" noChangeShapeType="1" noTextEdit="1"/>
+          </p:cNvSpPr>
+          <p:nvPr>
+            <p:extLst>
+              <p:ext uri="{386F3935-93C4-4BCD-93E2-E3B085C9AB24}">
+                <p16:designElem xmlns:p16="http://schemas.microsoft.com/office/powerpoint/2015/main" val="1"/>
+              </p:ext>
+            </p:extLst>
+          </p:nvPr>
+        </p:nvSpPr>
+        <p:spPr>
+          <a:xfrm>
+            <a:off x="0" y="0"/>
+            <a:ext cx="4654296" cy="6858000"/>
+          </a:xfrm>
+          <a:prstGeom prst="rect">
+            <a:avLst/>
+          </a:prstGeom>
+          <a:solidFill>
+            <a:schemeClr val="accent2"/>
+          </a:solidFill>
+          <a:ln>
+            <a:noFill/>
+          </a:ln>
+        </p:spPr>
+        <p:style>
+          <a:lnRef idx="2">
+            <a:schemeClr val="accent1">
+              <a:shade val="50000"/>
+            </a:schemeClr>
+          </a:lnRef>
+          <a:fillRef idx="1">
+            <a:schemeClr val="accent1"/>
+          </a:fillRef>
+          <a:effectRef idx="0">
+            <a:schemeClr val="accent1"/>
+          </a:effectRef>
+          <a:fontRef idx="minor">
+            <a:schemeClr val="lt1"/>
+          </a:fontRef>
+        </p:style>
+        <p:txBody>
+          <a:bodyPr rtlCol="0" anchor="ctr"/>
+          <a:lstStyle/>
+          <a:p>
+            <a:pPr algn="ctr"/>
+            <a:endParaRPr lang="en-US"/>
+          </a:p>
+        </p:txBody>
+      </p:sp>
+      <p:sp>
+        <p:nvSpPr>
+          <p:cNvPr id="2" name="Titolo 1">
+            <a:extLst>
+              <a:ext uri="{FF2B5EF4-FFF2-40B4-BE49-F238E27FC236}">
+                <a16:creationId xmlns:a16="http://schemas.microsoft.com/office/drawing/2014/main" id="{80DD2196-2D68-4FB7-B303-165526AAB8D2}"/>
+              </a:ext>
+            </a:extLst>
+          </p:cNvPr>
+          <p:cNvSpPr>
+            <a:spLocks noGrp="1"/>
+          </p:cNvSpPr>
+          <p:nvPr>
+            <p:ph type="title"/>
+          </p:nvPr>
+        </p:nvSpPr>
+        <p:spPr>
+          <a:xfrm>
+            <a:off x="609599" y="1851257"/>
+            <a:ext cx="3425530" cy="3155486"/>
+          </a:xfrm>
+          <a:prstGeom prst="ellipse">
+            <a:avLst/>
+          </a:prstGeom>
+          <a:noFill/>
+          <a:ln w="69850">
+            <a:solidFill>
+              <a:schemeClr val="tx1">
+                <a:lumMod val="85000"/>
+                <a:lumOff val="15000"/>
+              </a:schemeClr>
+            </a:solidFill>
+          </a:ln>
+        </p:spPr>
+        <p:txBody>
+          <a:bodyPr>
+            <a:normAutofit/>
+          </a:bodyPr>
+          <a:lstStyle/>
+          <a:p>
+            <a:pPr algn="l"/>
+            <a:r>
+              <a:rPr lang="it-IT" sz="3600" dirty="0">
+                <a:solidFill>
+                  <a:schemeClr val="tx1">
+                    <a:lumMod val="95000"/>
+                    <a:lumOff val="5000"/>
+                  </a:schemeClr>
+                </a:solidFill>
+              </a:rPr>
+              <a:t> </a:t>
+            </a:r>
+            <a:endParaRPr lang="en-GB" sz="3600" dirty="0">
+              <a:solidFill>
+                <a:schemeClr val="tx1">
+                  <a:lumMod val="95000"/>
+                  <a:lumOff val="5000"/>
+                </a:schemeClr>
+              </a:solidFill>
+            </a:endParaRPr>
+          </a:p>
+        </p:txBody>
+      </p:sp>
+      <p:sp useBgFill="1">
+        <p:nvSpPr>
+          <p:cNvPr id="33" name="Rectangle 32">
+            <a:extLst>
+              <a:ext uri="{FF2B5EF4-FFF2-40B4-BE49-F238E27FC236}">
+                <a16:creationId xmlns:a16="http://schemas.microsoft.com/office/drawing/2014/main" id="{329C095C-3AB6-49D8-9436-3672566FEEDB}"/>
+              </a:ext>
+              <a:ext uri="{C183D7F6-B498-43B3-948B-1728B52AA6E4}">
+                <adec:decorative xmlns:adec="http://schemas.microsoft.com/office/drawing/2017/decorative" val="1"/>
+              </a:ext>
+            </a:extLst>
+          </p:cNvPr>
+          <p:cNvSpPr>
+            <a:spLocks noGrp="1" noRot="1" noChangeAspect="1" noMove="1" noResize="1" noEditPoints="1" noAdjustHandles="1" noChangeArrowheads="1" noChangeShapeType="1" noTextEdit="1"/>
+          </p:cNvSpPr>
+          <p:nvPr>
+            <p:extLst>
+              <p:ext uri="{386F3935-93C4-4BCD-93E2-E3B085C9AB24}">
+                <p16:designElem xmlns:p16="http://schemas.microsoft.com/office/powerpoint/2015/main" val="1"/>
+              </p:ext>
+            </p:extLst>
+          </p:nvPr>
+        </p:nvSpPr>
+        <p:spPr>
+          <a:xfrm>
+            <a:off x="4654296" y="0"/>
+            <a:ext cx="7537704" cy="6858000"/>
+          </a:xfrm>
+          <a:prstGeom prst="rect">
+            <a:avLst/>
+          </a:prstGeom>
+          <a:ln>
+            <a:noFill/>
+          </a:ln>
+        </p:spPr>
+        <p:style>
+          <a:lnRef idx="2">
+            <a:schemeClr val="accent1">
+              <a:shade val="50000"/>
+            </a:schemeClr>
+          </a:lnRef>
+          <a:fillRef idx="1">
+            <a:schemeClr val="accent1"/>
+          </a:fillRef>
+          <a:effectRef idx="0">
+            <a:schemeClr val="accent1"/>
+          </a:effectRef>
+          <a:fontRef idx="minor">
+            <a:schemeClr val="lt1"/>
+          </a:fontRef>
+        </p:style>
+        <p:txBody>
+          <a:bodyPr rtlCol="0" anchor="ctr"/>
+          <a:lstStyle/>
+          <a:p>
+            <a:pPr algn="ctr"/>
+            <a:endParaRPr lang="en-US"/>
+          </a:p>
+        </p:txBody>
+      </p:sp>
+      <p:sp>
+        <p:nvSpPr>
+          <p:cNvPr id="3" name="Segnaposto contenuto 2">
+            <a:extLst>
+              <a:ext uri="{FF2B5EF4-FFF2-40B4-BE49-F238E27FC236}">
+                <a16:creationId xmlns:a16="http://schemas.microsoft.com/office/drawing/2014/main" id="{33A2C5F9-CE3B-46EC-B8C1-3925BEFF9C65}"/>
+              </a:ext>
+            </a:extLst>
+          </p:cNvPr>
+          <p:cNvSpPr>
+            <a:spLocks noGrp="1"/>
+          </p:cNvSpPr>
+          <p:nvPr>
+            <p:ph idx="1"/>
+          </p:nvPr>
+        </p:nvSpPr>
+        <p:spPr>
+          <a:xfrm>
+            <a:off x="5263895" y="819310"/>
+            <a:ext cx="5826919" cy="1402781"/>
+          </a:xfrm>
+        </p:spPr>
+        <p:txBody>
+          <a:bodyPr anchor="ctr">
+            <a:normAutofit fontScale="92500" lnSpcReduction="20000"/>
+          </a:bodyPr>
+          <a:lstStyle/>
+          <a:p>
+            <a:pPr marL="0" indent="0">
+              <a:lnSpc>
+                <a:spcPct val="90000"/>
+              </a:lnSpc>
+              <a:buNone/>
+            </a:pPr>
+            <a:r>
+              <a:rPr lang="it-IT" sz="1700" b="1" dirty="0">
+                <a:solidFill>
+                  <a:srgbClr val="4D4D4D"/>
+                </a:solidFill>
+              </a:rPr>
+              <a:t>Bottom-up approach:</a:t>
+            </a:r>
+          </a:p>
+          <a:p>
+            <a:pPr>
+              <a:lnSpc>
+                <a:spcPct val="90000"/>
+              </a:lnSpc>
+            </a:pPr>
+            <a:r>
+              <a:rPr lang="en-GB" sz="1700" dirty="0">
+                <a:solidFill>
+                  <a:srgbClr val="4D4D4D"/>
+                </a:solidFill>
+              </a:rPr>
+              <a:t>As a first step, implementation and testing of single component of the same subsystem.</a:t>
+            </a:r>
+          </a:p>
+          <a:p>
+            <a:pPr>
+              <a:lnSpc>
+                <a:spcPct val="90000"/>
+              </a:lnSpc>
+            </a:pPr>
+            <a:r>
+              <a:rPr lang="en-GB" sz="1700" dirty="0">
+                <a:solidFill>
+                  <a:srgbClr val="4D4D4D"/>
+                </a:solidFill>
+              </a:rPr>
+              <a:t>The subsystems will be integrated and tested together.</a:t>
+            </a:r>
+          </a:p>
+          <a:p>
+            <a:pPr>
+              <a:lnSpc>
+                <a:spcPct val="90000"/>
+              </a:lnSpc>
+            </a:pPr>
+            <a:r>
+              <a:rPr lang="en-GB" sz="1700" dirty="0">
+                <a:solidFill>
+                  <a:srgbClr val="4D4D4D"/>
+                </a:solidFill>
+              </a:rPr>
+              <a:t>Testing the correct behaviour of the system.</a:t>
+            </a:r>
+            <a:endParaRPr lang="it-IT" sz="1700" dirty="0">
+              <a:solidFill>
+                <a:srgbClr val="4D4D4D"/>
+              </a:solidFill>
+            </a:endParaRPr>
+          </a:p>
+          <a:p>
+            <a:pPr marL="0" indent="0">
+              <a:lnSpc>
+                <a:spcPct val="90000"/>
+              </a:lnSpc>
+              <a:buNone/>
+            </a:pPr>
+            <a:endParaRPr lang="it-IT" sz="1700" b="1" dirty="0">
+              <a:solidFill>
+                <a:srgbClr val="4D4D4D"/>
+              </a:solidFill>
+            </a:endParaRPr>
+          </a:p>
+          <a:p>
+            <a:pPr marL="0" indent="0">
+              <a:lnSpc>
+                <a:spcPct val="90000"/>
+              </a:lnSpc>
+              <a:buNone/>
+            </a:pPr>
+            <a:endParaRPr lang="en-GB" sz="1700" dirty="0">
+              <a:solidFill>
+                <a:srgbClr val="4D4D4D"/>
+              </a:solidFill>
+            </a:endParaRPr>
+          </a:p>
+          <a:p>
+            <a:pPr marL="0" indent="0">
+              <a:lnSpc>
+                <a:spcPct val="90000"/>
+              </a:lnSpc>
+              <a:buNone/>
+            </a:pPr>
+            <a:endParaRPr lang="en-GB" sz="1700" dirty="0">
+              <a:solidFill>
+                <a:srgbClr val="4D4D4D"/>
+              </a:solidFill>
+            </a:endParaRPr>
+          </a:p>
+        </p:txBody>
+      </p:sp>
+      <p:sp>
+        <p:nvSpPr>
+          <p:cNvPr id="4" name="CasellaDiTesto 3">
+            <a:extLst>
+              <a:ext uri="{FF2B5EF4-FFF2-40B4-BE49-F238E27FC236}">
+                <a16:creationId xmlns:a16="http://schemas.microsoft.com/office/drawing/2014/main" id="{D78C28F9-DBA6-425F-9081-7FCC67233918}"/>
+              </a:ext>
+            </a:extLst>
+          </p:cNvPr>
+          <p:cNvSpPr txBox="1"/>
+          <p:nvPr/>
+        </p:nvSpPr>
+        <p:spPr>
+          <a:xfrm flipH="1">
+            <a:off x="1008989" y="3113105"/>
+            <a:ext cx="2626750" cy="769441"/>
+          </a:xfrm>
+          <a:prstGeom prst="rect">
+            <a:avLst/>
+          </a:prstGeom>
+          <a:noFill/>
+        </p:spPr>
+        <p:txBody>
+          <a:bodyPr wrap="square" rtlCol="0">
+            <a:spAutoFit/>
+          </a:bodyPr>
+          <a:lstStyle/>
+          <a:p>
+            <a:pPr algn="ctr"/>
+            <a:r>
+              <a:rPr lang="en-GB" sz="2200" dirty="0"/>
+              <a:t>IMPLEMENTATION PLAN</a:t>
+            </a:r>
+          </a:p>
+        </p:txBody>
+      </p:sp>
+      <p:pic>
+        <p:nvPicPr>
+          <p:cNvPr id="9" name="Immagine 8" descr="Immagine che contiene mappa, screenshot&#10;&#10;Descrizione generata automaticamente">
+            <a:extLst>
+              <a:ext uri="{FF2B5EF4-FFF2-40B4-BE49-F238E27FC236}">
+                <a16:creationId xmlns:a16="http://schemas.microsoft.com/office/drawing/2014/main" id="{0F068155-E641-4C11-96B0-D8E5BF0F1565}"/>
+              </a:ext>
+            </a:extLst>
+          </p:cNvPr>
+          <p:cNvPicPr>
+            <a:picLocks noChangeAspect="1"/>
+          </p:cNvPicPr>
+          <p:nvPr/>
+        </p:nvPicPr>
+        <p:blipFill>
+          <a:blip r:embed="rId3"/>
+          <a:stretch>
+            <a:fillRect/>
+          </a:stretch>
+        </p:blipFill>
+        <p:spPr>
+          <a:xfrm>
+            <a:off x="5523053" y="2058844"/>
+            <a:ext cx="5438775" cy="2095500"/>
+          </a:xfrm>
+          <a:prstGeom prst="rect">
+            <a:avLst/>
+          </a:prstGeom>
+        </p:spPr>
+      </p:pic>
+      <p:sp>
+        <p:nvSpPr>
+          <p:cNvPr id="14" name="Ovale 13">
+            <a:extLst>
+              <a:ext uri="{FF2B5EF4-FFF2-40B4-BE49-F238E27FC236}">
+                <a16:creationId xmlns:a16="http://schemas.microsoft.com/office/drawing/2014/main" id="{90C0C7F5-0759-4054-8B60-0C49B44E02BF}"/>
+              </a:ext>
+            </a:extLst>
+          </p:cNvPr>
+          <p:cNvSpPr/>
+          <p:nvPr/>
+        </p:nvSpPr>
+        <p:spPr>
+          <a:xfrm>
+            <a:off x="10895215" y="5502161"/>
+            <a:ext cx="1230110" cy="1230110"/>
+          </a:xfrm>
+          <a:prstGeom prst="ellipse">
+            <a:avLst/>
+          </a:prstGeom>
+          <a:blipFill>
+            <a:blip r:embed="rId4">
+              <a:extLst>
+                <a:ext uri="{837473B0-CC2E-450A-ABE3-18F120FF3D39}">
+                  <a1611:picAttrSrcUrl xmlns:a1611="http://schemas.microsoft.com/office/drawing/2016/11/main" r:id="rId5"/>
+                </a:ext>
+              </a:extLst>
+            </a:blip>
+            <a:stretch>
+              <a:fillRect/>
+            </a:stretch>
+          </a:blipFill>
+          <a:ln>
+            <a:noFill/>
+          </a:ln>
+        </p:spPr>
+        <p:style>
+          <a:lnRef idx="2">
+            <a:schemeClr val="accent1">
+              <a:shade val="50000"/>
+            </a:schemeClr>
+          </a:lnRef>
+          <a:fillRef idx="1">
+            <a:schemeClr val="accent1"/>
+          </a:fillRef>
+          <a:effectRef idx="0">
+            <a:schemeClr val="accent1"/>
+          </a:effectRef>
+          <a:fontRef idx="minor">
+            <a:schemeClr val="lt1"/>
+          </a:fontRef>
+        </p:style>
+        <p:txBody>
+          <a:bodyPr rtlCol="0" anchor="ctr"/>
+          <a:lstStyle/>
+          <a:p>
+            <a:pPr algn="ctr"/>
+            <a:endParaRPr lang="en-GB"/>
+          </a:p>
+        </p:txBody>
+      </p:sp>
+      <p:pic>
+        <p:nvPicPr>
+          <p:cNvPr id="6" name="Immagine 5" descr="Immagine che contiene mappa&#10;&#10;Descrizione generata automaticamente">
+            <a:extLst>
+              <a:ext uri="{FF2B5EF4-FFF2-40B4-BE49-F238E27FC236}">
+                <a16:creationId xmlns:a16="http://schemas.microsoft.com/office/drawing/2014/main" id="{91BF272D-51A1-4DE0-B496-3C5A04D8BEF3}"/>
+              </a:ext>
+            </a:extLst>
+          </p:cNvPr>
+          <p:cNvPicPr>
+            <a:picLocks noChangeAspect="1"/>
+          </p:cNvPicPr>
+          <p:nvPr/>
+        </p:nvPicPr>
+        <p:blipFill>
+          <a:blip r:embed="rId6"/>
+          <a:stretch>
+            <a:fillRect/>
+          </a:stretch>
+        </p:blipFill>
+        <p:spPr>
+          <a:xfrm>
+            <a:off x="5523052" y="4328682"/>
+            <a:ext cx="5438775" cy="2095500"/>
+          </a:xfrm>
+          <a:prstGeom prst="rect">
+            <a:avLst/>
+          </a:prstGeom>
+        </p:spPr>
+      </p:pic>
+    </p:spTree>
+    <p:extLst>
+      <p:ext uri="{BB962C8B-B14F-4D97-AF65-F5344CB8AC3E}">
+        <p14:creationId xmlns:p14="http://schemas.microsoft.com/office/powerpoint/2010/main" val="3808666371"/>
       </p:ext>
     </p:extLst>
   </p:cSld>
@@ -21468,13 +22867,13 @@
         </p:nvSpPr>
         <p:spPr>
           <a:xfrm>
-            <a:off x="5297763" y="973600"/>
-            <a:ext cx="5826919" cy="4924280"/>
+            <a:off x="5297763" y="973599"/>
+            <a:ext cx="5826919" cy="5395669"/>
           </a:xfrm>
         </p:spPr>
         <p:txBody>
           <a:bodyPr anchor="ctr">
-            <a:normAutofit/>
+            <a:normAutofit lnSpcReduction="10000"/>
           </a:bodyPr>
           <a:lstStyle/>
           <a:p>
@@ -21506,7 +22905,7 @@
                   <a:srgbClr val="4D4D4D"/>
                 </a:solidFill>
               </a:rPr>
-              <a:t>[G.1] </a:t>
+              <a:t>[G.2] </a:t>
             </a:r>
             <a:r>
               <a:rPr lang="it-IT" sz="1700" dirty="0">
@@ -21530,7 +22929,7 @@
                   <a:srgbClr val="4D4D4D"/>
                 </a:solidFill>
               </a:rPr>
-              <a:t>[G.2] </a:t>
+              <a:t>[G.3] </a:t>
             </a:r>
             <a:r>
               <a:rPr lang="it-IT" sz="1700" dirty="0">
@@ -21583,7 +22982,7 @@
                   <a:srgbClr val="4D4D4D"/>
                 </a:solidFill>
               </a:rPr>
-              <a:t>[G.3]</a:t>
+              <a:t>[G.4]</a:t>
             </a:r>
             <a:r>
               <a:rPr lang="en-GB" sz="1700" dirty="0">
@@ -21607,7 +23006,7 @@
                   <a:srgbClr val="4D4D4D"/>
                 </a:solidFill>
               </a:rPr>
-              <a:t>[G.4] </a:t>
+              <a:t>[G.5] </a:t>
             </a:r>
             <a:r>
               <a:rPr lang="en-GB" sz="1700" dirty="0">
@@ -21631,7 +23030,7 @@
                   <a:srgbClr val="4D4D4D"/>
                 </a:solidFill>
               </a:rPr>
-              <a:t>[G.5] </a:t>
+              <a:t>[G.6] </a:t>
             </a:r>
             <a:r>
               <a:rPr lang="en-GB" sz="1700" dirty="0">
@@ -21684,7 +23083,36 @@
                   <a:srgbClr val="4D4D4D"/>
                 </a:solidFill>
               </a:rPr>
-              <a:t>[G.6] </a:t>
+              <a:t>[G.1] </a:t>
+            </a:r>
+            <a:r>
+              <a:rPr lang="en-GB" sz="1700" dirty="0">
+                <a:solidFill>
+                  <a:srgbClr val="4D4D4D"/>
+                </a:solidFill>
+              </a:rPr>
+              <a:t>Access the functionalities of the application from different locations and devices.</a:t>
+            </a:r>
+            <a:endParaRPr lang="en-GB" sz="1700" b="1" dirty="0">
+              <a:solidFill>
+                <a:srgbClr val="4D4D4D"/>
+              </a:solidFill>
+            </a:endParaRPr>
+          </a:p>
+          <a:p>
+            <a:pPr marL="0" indent="0">
+              <a:lnSpc>
+                <a:spcPct val="90000"/>
+              </a:lnSpc>
+              <a:buNone/>
+            </a:pPr>
+            <a:r>
+              <a:rPr lang="en-GB" sz="1700" b="1" dirty="0">
+                <a:solidFill>
+                  <a:srgbClr val="4D4D4D"/>
+                </a:solidFill>
+              </a:rPr>
+              <a:t>[G.7] </a:t>
             </a:r>
             <a:r>
               <a:rPr lang="en-GB" sz="1700" dirty="0">
@@ -21708,7 +23136,7 @@
                   <a:srgbClr val="4D4D4D"/>
                 </a:solidFill>
               </a:rPr>
-              <a:t>[G.7] </a:t>
+              <a:t>[G.8] </a:t>
             </a:r>
             <a:r>
               <a:rPr lang="en-GB" sz="1700" dirty="0">
@@ -21732,7 +23160,7 @@
                   <a:srgbClr val="4D4D4D"/>
                 </a:solidFill>
               </a:rPr>
-              <a:t>[G.8] </a:t>
+              <a:t>[G.9] </a:t>
             </a:r>
             <a:r>
               <a:rPr lang="en-GB" sz="1700" dirty="0">
@@ -24179,7 +25607,7 @@
                   <a:srgbClr val="4D4D4D"/>
                 </a:solidFill>
               </a:rPr>
-              <a:t>Is assumed that the municipality offers an API to access their urban mobility data.</a:t>
+              <a:t>Is assumed that the Municipality offers an API to access their urban mobility data.</a:t>
             </a:r>
           </a:p>
         </p:txBody>
@@ -24297,14 +25725,6 @@
 <file path=ppt/slides/slide8.xml><?xml version="1.0" encoding="utf-8"?>
 <p:sld xmlns:a="http://schemas.openxmlformats.org/drawingml/2006/main" xmlns:r="http://schemas.openxmlformats.org/officeDocument/2006/relationships" xmlns:p="http://schemas.openxmlformats.org/presentationml/2006/main">
   <p:cSld>
-    <p:bg>
-      <p:bgPr>
-        <a:solidFill>
-          <a:schemeClr val="tx1"/>
-        </a:solidFill>
-        <a:effectLst/>
-      </p:bgPr>
-    </p:bg>
     <p:spTree>
       <p:nvGrpSpPr>
         <p:cNvPr id="1" name=""/>
@@ -24321,38 +25741,143 @@
       </p:grpSpPr>
       <p:sp>
         <p:nvSpPr>
-          <p:cNvPr id="31" name="Rectangle 30">
+          <p:cNvPr id="19" name="Titolo 18">
             <a:extLst>
               <a:ext uri="{FF2B5EF4-FFF2-40B4-BE49-F238E27FC236}">
-                <a16:creationId xmlns:a16="http://schemas.microsoft.com/office/drawing/2014/main" id="{9A3764AE-D7B7-4CB5-A0E1-2885E4598A09}"/>
-              </a:ext>
-              <a:ext uri="{C183D7F6-B498-43B3-948B-1728B52AA6E4}">
-                <adec:decorative xmlns:adec="http://schemas.microsoft.com/office/drawing/2017/decorative" val="1"/>
+                <a16:creationId xmlns:a16="http://schemas.microsoft.com/office/drawing/2014/main" id="{5159A273-870F-45B5-9101-1CA02121DC26}"/>
               </a:ext>
             </a:extLst>
           </p:cNvPr>
           <p:cNvSpPr>
-            <a:spLocks noGrp="1" noRot="1" noChangeAspect="1" noMove="1" noResize="1" noEditPoints="1" noAdjustHandles="1" noChangeArrowheads="1" noChangeShapeType="1" noTextEdit="1"/>
-          </p:cNvSpPr>
-          <p:nvPr>
-            <p:extLst>
-              <p:ext uri="{386F3935-93C4-4BCD-93E2-E3B085C9AB24}">
-                <p16:designElem xmlns:p16="http://schemas.microsoft.com/office/powerpoint/2015/main" val="1"/>
-              </p:ext>
-            </p:extLst>
-          </p:nvPr>
-        </p:nvSpPr>
-        <p:spPr>
-          <a:xfrm>
-            <a:off x="0" y="0"/>
-            <a:ext cx="4654296" cy="6858000"/>
+            <a:spLocks noGrp="1"/>
+          </p:cNvSpPr>
+          <p:nvPr>
+            <p:ph type="title"/>
+          </p:nvPr>
+        </p:nvSpPr>
+        <p:spPr>
+          <a:xfrm>
+            <a:off x="0" y="875072"/>
+            <a:ext cx="12192000" cy="6071746"/>
+          </a:xfrm>
+          <a:ln>
+            <a:noFill/>
+          </a:ln>
+        </p:spPr>
+        <p:txBody>
+          <a:bodyPr/>
+          <a:lstStyle/>
+          <a:p>
+            <a:r>
+              <a:rPr lang="it-IT" dirty="0"/>
+              <a:t> </a:t>
+            </a:r>
+            <a:endParaRPr lang="en-GB" dirty="0"/>
+          </a:p>
+        </p:txBody>
+      </p:sp>
+      <p:sp>
+        <p:nvSpPr>
+          <p:cNvPr id="21" name="Titolo 6">
+            <a:extLst>
+              <a:ext uri="{FF2B5EF4-FFF2-40B4-BE49-F238E27FC236}">
+                <a16:creationId xmlns:a16="http://schemas.microsoft.com/office/drawing/2014/main" id="{49243CB4-EAC5-4512-917A-CDFEC65C8DC4}"/>
+              </a:ext>
+            </a:extLst>
+          </p:cNvPr>
+          <p:cNvSpPr txBox="1">
+            <a:spLocks/>
+          </p:cNvSpPr>
+          <p:nvPr/>
+        </p:nvSpPr>
+        <p:spPr>
+          <a:xfrm>
+            <a:off x="3218016" y="527883"/>
+            <a:ext cx="5755968" cy="592994"/>
           </a:xfrm>
           <a:prstGeom prst="rect">
             <a:avLst/>
           </a:prstGeom>
           <a:solidFill>
-            <a:schemeClr val="accent2"/>
+            <a:schemeClr val="bg1"/>
           </a:solidFill>
+          <a:ln w="15875" cap="sq">
+            <a:solidFill>
+              <a:schemeClr val="tx1">
+                <a:lumMod val="75000"/>
+                <a:lumOff val="25000"/>
+              </a:schemeClr>
+            </a:solidFill>
+            <a:miter lim="800000"/>
+          </a:ln>
+        </p:spPr>
+        <p:txBody>
+          <a:bodyPr vert="horz" lIns="182880" tIns="182880" rIns="182880" bIns="182880" rtlCol="0" anchor="ctr">
+            <a:noAutofit/>
+          </a:bodyPr>
+          <a:lstStyle>
+            <a:lvl1pPr algn="ctr" defTabSz="914400" rtl="0" eaLnBrk="1" latinLnBrk="0" hangingPunct="1">
+              <a:lnSpc>
+                <a:spcPct val="90000"/>
+              </a:lnSpc>
+              <a:spcBef>
+                <a:spcPct val="0"/>
+              </a:spcBef>
+              <a:buNone/>
+              <a:defRPr sz="2800" kern="1200" cap="all" spc="200" baseline="0">
+                <a:solidFill>
+                  <a:schemeClr val="tx1">
+                    <a:lumMod val="85000"/>
+                    <a:lumOff val="15000"/>
+                  </a:schemeClr>
+                </a:solidFill>
+                <a:latin typeface="+mj-lt"/>
+                <a:ea typeface="+mj-ea"/>
+                <a:cs typeface="+mj-cs"/>
+              </a:defRPr>
+            </a:lvl1pPr>
+          </a:lstStyle>
+          <a:p>
+            <a:r>
+              <a:rPr lang="it-IT" dirty="0"/>
+              <a:t>ALLOY</a:t>
+            </a:r>
+            <a:endParaRPr lang="en-GB" dirty="0"/>
+          </a:p>
+        </p:txBody>
+      </p:sp>
+      <p:sp>
+        <p:nvSpPr>
+          <p:cNvPr id="24" name="Ovale 23">
+            <a:extLst>
+              <a:ext uri="{FF2B5EF4-FFF2-40B4-BE49-F238E27FC236}">
+                <a16:creationId xmlns:a16="http://schemas.microsoft.com/office/drawing/2014/main" id="{543BAF3E-8D53-4EB3-9D0C-75E34D6C44CC}"/>
+              </a:ext>
+            </a:extLst>
+          </p:cNvPr>
+          <p:cNvSpPr/>
+          <p:nvPr/>
+        </p:nvSpPr>
+        <p:spPr>
+          <a:xfrm>
+            <a:off x="10895215" y="5502161"/>
+            <a:ext cx="1230110" cy="1230110"/>
+          </a:xfrm>
+          <a:prstGeom prst="ellipse">
+            <a:avLst/>
+          </a:prstGeom>
+          <a:blipFill>
+            <a:blip r:embed="rId2">
+              <a:extLst>
+                <a:ext uri="{837473B0-CC2E-450A-ABE3-18F120FF3D39}">
+                  <a1611:picAttrSrcUrl xmlns:a1611="http://schemas.microsoft.com/office/drawing/2016/11/main" r:id="rId3"/>
+                </a:ext>
+              </a:extLst>
+            </a:blip>
+            <a:stretch>
+              <a:fillRect/>
+            </a:stretch>
+          </a:blipFill>
           <a:ln>
             <a:noFill/>
           </a:ln>
@@ -24378,615 +25903,48 @@
           <a:lstStyle/>
           <a:p>
             <a:pPr algn="ctr"/>
-            <a:endParaRPr lang="en-US"/>
-          </a:p>
-        </p:txBody>
-      </p:sp>
-      <p:sp>
-        <p:nvSpPr>
-          <p:cNvPr id="2" name="Titolo 1">
+            <a:endParaRPr lang="en-GB"/>
+          </a:p>
+        </p:txBody>
+      </p:sp>
+      <p:pic>
+        <p:nvPicPr>
+          <p:cNvPr id="6" name="Segnaposto contenuto 5" descr="Immagine che contiene testo, mappa&#10;&#10;Descrizione generata automaticamente">
             <a:extLst>
               <a:ext uri="{FF2B5EF4-FFF2-40B4-BE49-F238E27FC236}">
-                <a16:creationId xmlns:a16="http://schemas.microsoft.com/office/drawing/2014/main" id="{80DD2196-2D68-4FB7-B303-165526AAB8D2}"/>
+                <a16:creationId xmlns:a16="http://schemas.microsoft.com/office/drawing/2014/main" id="{4778B3A4-908D-478E-A020-2109CFF6F8F9}"/>
               </a:ext>
             </a:extLst>
           </p:cNvPr>
-          <p:cNvSpPr>
-            <a:spLocks noGrp="1"/>
-          </p:cNvSpPr>
-          <p:nvPr>
-            <p:ph type="title"/>
-          </p:nvPr>
-        </p:nvSpPr>
-        <p:spPr>
-          <a:xfrm>
-            <a:off x="609599" y="1851257"/>
-            <a:ext cx="3425530" cy="3155486"/>
-          </a:xfrm>
-          <a:prstGeom prst="ellipse">
-            <a:avLst/>
-          </a:prstGeom>
-          <a:noFill/>
-          <a:ln w="69850">
-            <a:solidFill>
-              <a:schemeClr val="tx1">
-                <a:lumMod val="85000"/>
-                <a:lumOff val="15000"/>
-              </a:schemeClr>
-            </a:solidFill>
-          </a:ln>
-        </p:spPr>
-        <p:txBody>
-          <a:bodyPr>
-            <a:normAutofit/>
-          </a:bodyPr>
-          <a:lstStyle/>
-          <a:p>
-            <a:pPr algn="l"/>
-            <a:r>
-              <a:rPr lang="it-IT" sz="3600" dirty="0">
-                <a:solidFill>
-                  <a:schemeClr val="tx1">
-                    <a:lumMod val="95000"/>
-                    <a:lumOff val="5000"/>
-                  </a:schemeClr>
-                </a:solidFill>
-              </a:rPr>
-              <a:t> </a:t>
-            </a:r>
-            <a:endParaRPr lang="en-GB" sz="3600" dirty="0">
-              <a:solidFill>
-                <a:schemeClr val="tx1">
-                  <a:lumMod val="95000"/>
-                  <a:lumOff val="5000"/>
-                </a:schemeClr>
-              </a:solidFill>
-            </a:endParaRPr>
-          </a:p>
-        </p:txBody>
-      </p:sp>
-      <p:sp useBgFill="1">
-        <p:nvSpPr>
-          <p:cNvPr id="33" name="Rectangle 32">
-            <a:extLst>
-              <a:ext uri="{FF2B5EF4-FFF2-40B4-BE49-F238E27FC236}">
-                <a16:creationId xmlns:a16="http://schemas.microsoft.com/office/drawing/2014/main" id="{329C095C-3AB6-49D8-9436-3672566FEEDB}"/>
-              </a:ext>
-              <a:ext uri="{C183D7F6-B498-43B3-948B-1728B52AA6E4}">
-                <adec:decorative xmlns:adec="http://schemas.microsoft.com/office/drawing/2017/decorative" val="1"/>
-              </a:ext>
-            </a:extLst>
-          </p:cNvPr>
-          <p:cNvSpPr>
-            <a:spLocks noGrp="1" noRot="1" noChangeAspect="1" noMove="1" noResize="1" noEditPoints="1" noAdjustHandles="1" noChangeArrowheads="1" noChangeShapeType="1" noTextEdit="1"/>
-          </p:cNvSpPr>
-          <p:nvPr>
-            <p:extLst>
-              <p:ext uri="{386F3935-93C4-4BCD-93E2-E3B085C9AB24}">
-                <p16:designElem xmlns:p16="http://schemas.microsoft.com/office/powerpoint/2015/main" val="1"/>
-              </p:ext>
-            </p:extLst>
-          </p:nvPr>
-        </p:nvSpPr>
-        <p:spPr>
-          <a:xfrm>
-            <a:off x="4654296" y="0"/>
-            <a:ext cx="7537704" cy="6858000"/>
-          </a:xfrm>
-          <a:prstGeom prst="rect">
-            <a:avLst/>
-          </a:prstGeom>
-          <a:ln>
-            <a:noFill/>
-          </a:ln>
-        </p:spPr>
-        <p:style>
-          <a:lnRef idx="2">
-            <a:schemeClr val="accent1">
-              <a:shade val="50000"/>
-            </a:schemeClr>
-          </a:lnRef>
-          <a:fillRef idx="1">
-            <a:schemeClr val="accent1"/>
-          </a:fillRef>
-          <a:effectRef idx="0">
-            <a:schemeClr val="accent1"/>
-          </a:effectRef>
-          <a:fontRef idx="minor">
-            <a:schemeClr val="lt1"/>
-          </a:fontRef>
-        </p:style>
-        <p:txBody>
-          <a:bodyPr rtlCol="0" anchor="ctr"/>
-          <a:lstStyle/>
-          <a:p>
-            <a:pPr algn="ctr"/>
-            <a:endParaRPr lang="en-US"/>
-          </a:p>
-        </p:txBody>
-      </p:sp>
-      <p:sp>
-        <p:nvSpPr>
-          <p:cNvPr id="3" name="Segnaposto contenuto 2">
-            <a:extLst>
-              <a:ext uri="{FF2B5EF4-FFF2-40B4-BE49-F238E27FC236}">
-                <a16:creationId xmlns:a16="http://schemas.microsoft.com/office/drawing/2014/main" id="{33A2C5F9-CE3B-46EC-B8C1-3925BEFF9C65}"/>
-              </a:ext>
-            </a:extLst>
-          </p:cNvPr>
-          <p:cNvSpPr>
-            <a:spLocks noGrp="1"/>
-          </p:cNvSpPr>
+          <p:cNvPicPr>
+            <a:picLocks noGrp="1" noChangeAspect="1"/>
+          </p:cNvPicPr>
           <p:nvPr>
             <p:ph idx="1"/>
           </p:nvPr>
-        </p:nvSpPr>
-        <p:spPr>
-          <a:xfrm>
-            <a:off x="5263895" y="577881"/>
-            <a:ext cx="5826919" cy="4924280"/>
-          </a:xfrm>
-        </p:spPr>
-        <p:txBody>
-          <a:bodyPr anchor="ctr">
-            <a:normAutofit/>
-          </a:bodyPr>
-          <a:lstStyle/>
-          <a:p>
-            <a:pPr marL="0" indent="0">
-              <a:lnSpc>
-                <a:spcPct val="90000"/>
-              </a:lnSpc>
-              <a:buNone/>
-            </a:pPr>
-            <a:r>
-              <a:rPr lang="it-IT" sz="1700" b="1" dirty="0">
-                <a:solidFill>
-                  <a:srgbClr val="4D4D4D"/>
-                </a:solidFill>
-              </a:rPr>
-              <a:t>--  Report </a:t>
-            </a:r>
-            <a:r>
-              <a:rPr lang="it-IT" sz="1700" b="1" dirty="0" err="1">
-                <a:solidFill>
-                  <a:srgbClr val="4D4D4D"/>
-                </a:solidFill>
-              </a:rPr>
-              <a:t>can't</a:t>
-            </a:r>
-            <a:r>
-              <a:rPr lang="it-IT" sz="1700" b="1" dirty="0">
-                <a:solidFill>
-                  <a:srgbClr val="4D4D4D"/>
-                </a:solidFill>
-              </a:rPr>
-              <a:t> stay </a:t>
-            </a:r>
-            <a:r>
-              <a:rPr lang="it-IT" sz="1700" b="1" dirty="0" err="1">
-                <a:solidFill>
-                  <a:srgbClr val="4D4D4D"/>
-                </a:solidFill>
-              </a:rPr>
-              <a:t>into</a:t>
-            </a:r>
-            <a:r>
-              <a:rPr lang="it-IT" sz="1700" b="1" dirty="0">
-                <a:solidFill>
-                  <a:srgbClr val="4D4D4D"/>
-                </a:solidFill>
-              </a:rPr>
-              <a:t> </a:t>
-            </a:r>
-            <a:r>
-              <a:rPr lang="it-IT" sz="1700" b="1" dirty="0" err="1">
-                <a:solidFill>
-                  <a:srgbClr val="4D4D4D"/>
-                </a:solidFill>
-              </a:rPr>
-              <a:t>different</a:t>
-            </a:r>
-            <a:r>
-              <a:rPr lang="it-IT" sz="1700" b="1" dirty="0">
-                <a:solidFill>
-                  <a:srgbClr val="4D4D4D"/>
-                </a:solidFill>
-              </a:rPr>
-              <a:t> TrafficTicket --</a:t>
-            </a:r>
-            <a:r>
-              <a:rPr lang="it-IT" sz="1700" b="1" dirty="0" err="1">
-                <a:solidFill>
-                  <a:srgbClr val="4D4D4D"/>
-                </a:solidFill>
-              </a:rPr>
-              <a:t>fact</a:t>
-            </a:r>
-            <a:r>
-              <a:rPr lang="it-IT" sz="1700" b="1" dirty="0">
-                <a:solidFill>
-                  <a:srgbClr val="4D4D4D"/>
-                </a:solidFill>
-              </a:rPr>
-              <a:t> </a:t>
-            </a:r>
-            <a:r>
-              <a:rPr lang="it-IT" sz="1700" b="1" dirty="0" err="1">
-                <a:solidFill>
-                  <a:srgbClr val="4D4D4D"/>
-                </a:solidFill>
-              </a:rPr>
-              <a:t>trafficTicketReport</a:t>
-            </a:r>
-            <a:r>
-              <a:rPr lang="it-IT" sz="1700" b="1" dirty="0">
-                <a:solidFill>
-                  <a:srgbClr val="4D4D4D"/>
-                </a:solidFill>
-              </a:rPr>
-              <a:t>{</a:t>
-            </a:r>
-            <a:br>
-              <a:rPr lang="it-IT" sz="1700" b="1" dirty="0">
-                <a:solidFill>
-                  <a:srgbClr val="4D4D4D"/>
-                </a:solidFill>
-              </a:rPr>
-            </a:br>
-            <a:r>
-              <a:rPr lang="it-IT" sz="1700" b="1" dirty="0">
-                <a:solidFill>
-                  <a:srgbClr val="4D4D4D"/>
-                </a:solidFill>
-              </a:rPr>
-              <a:t>all r: Report |no </a:t>
-            </a:r>
-            <a:r>
-              <a:rPr lang="it-IT" sz="1700" b="1" dirty="0" err="1">
-                <a:solidFill>
-                  <a:srgbClr val="4D4D4D"/>
-                </a:solidFill>
-              </a:rPr>
-              <a:t>disj</a:t>
-            </a:r>
-            <a:r>
-              <a:rPr lang="it-IT" sz="1700" b="1" dirty="0">
-                <a:solidFill>
-                  <a:srgbClr val="4D4D4D"/>
-                </a:solidFill>
-              </a:rPr>
-              <a:t> tt1, tt2: TrafficTicket | r = tt1.report </a:t>
-            </a:r>
-            <a:r>
-              <a:rPr lang="it-IT" sz="1700" b="1" dirty="0" err="1">
-                <a:solidFill>
-                  <a:srgbClr val="4D4D4D"/>
-                </a:solidFill>
-              </a:rPr>
-              <a:t>andr</a:t>
-            </a:r>
-            <a:r>
-              <a:rPr lang="it-IT" sz="1700" b="1" dirty="0">
-                <a:solidFill>
-                  <a:srgbClr val="4D4D4D"/>
-                </a:solidFill>
-              </a:rPr>
-              <a:t> = tt2.report</a:t>
-            </a:r>
-            <a:br>
-              <a:rPr lang="it-IT" sz="1700" b="1" dirty="0">
-                <a:solidFill>
-                  <a:srgbClr val="4D4D4D"/>
-                </a:solidFill>
-              </a:rPr>
-            </a:br>
-            <a:r>
-              <a:rPr lang="it-IT" sz="1700" b="1" dirty="0">
-                <a:solidFill>
-                  <a:srgbClr val="4D4D4D"/>
-                </a:solidFill>
-              </a:rPr>
-              <a:t>}</a:t>
-            </a:r>
-          </a:p>
-          <a:p>
-            <a:pPr marL="0" indent="0">
-              <a:lnSpc>
-                <a:spcPct val="90000"/>
-              </a:lnSpc>
-              <a:buNone/>
-            </a:pPr>
-            <a:endParaRPr lang="it-IT" sz="1700" b="1" dirty="0">
-              <a:solidFill>
-                <a:srgbClr val="4D4D4D"/>
-              </a:solidFill>
-            </a:endParaRPr>
-          </a:p>
-          <a:p>
-            <a:pPr marL="0" indent="0">
-              <a:lnSpc>
-                <a:spcPct val="90000"/>
-              </a:lnSpc>
-              <a:buNone/>
-            </a:pPr>
-            <a:r>
-              <a:rPr lang="en-GB" sz="1700" dirty="0">
-                <a:solidFill>
-                  <a:srgbClr val="4D4D4D"/>
-                </a:solidFill>
-              </a:rPr>
-              <a:t>fact </a:t>
-            </a:r>
-            <a:r>
-              <a:rPr lang="en-GB" sz="1700" dirty="0" err="1">
-                <a:solidFill>
-                  <a:srgbClr val="4D4D4D"/>
-                </a:solidFill>
-              </a:rPr>
-              <a:t>checkAuthorityZone</a:t>
-            </a:r>
-            <a:r>
-              <a:rPr lang="en-GB" sz="1700" dirty="0">
-                <a:solidFill>
-                  <a:srgbClr val="4D4D4D"/>
-                </a:solidFill>
-              </a:rPr>
-              <a:t>{all </a:t>
-            </a:r>
-            <a:r>
-              <a:rPr lang="en-GB" sz="1700" dirty="0" err="1">
-                <a:solidFill>
-                  <a:srgbClr val="4D4D4D"/>
-                </a:solidFill>
-              </a:rPr>
-              <a:t>tt</a:t>
-            </a:r>
-            <a:r>
-              <a:rPr lang="en-GB" sz="1700" dirty="0">
-                <a:solidFill>
-                  <a:srgbClr val="4D4D4D"/>
-                </a:solidFill>
-              </a:rPr>
-              <a:t>: TrafficTicket |one r: Report |r = </a:t>
-            </a:r>
-            <a:r>
-              <a:rPr lang="en-GB" sz="1700" dirty="0" err="1">
-                <a:solidFill>
-                  <a:srgbClr val="4D4D4D"/>
-                </a:solidFill>
-              </a:rPr>
-              <a:t>tt.report</a:t>
-            </a:r>
-            <a:r>
-              <a:rPr lang="en-GB" sz="1700" dirty="0">
-                <a:solidFill>
-                  <a:srgbClr val="4D4D4D"/>
-                </a:solidFill>
-              </a:rPr>
-              <a:t> and </a:t>
-            </a:r>
-            <a:r>
-              <a:rPr lang="en-GB" sz="1700" dirty="0" err="1">
-                <a:solidFill>
-                  <a:srgbClr val="4D4D4D"/>
-                </a:solidFill>
-              </a:rPr>
-              <a:t>tt.municipality</a:t>
-            </a:r>
-            <a:r>
-              <a:rPr lang="en-GB" sz="1700" dirty="0">
-                <a:solidFill>
-                  <a:srgbClr val="4D4D4D"/>
-                </a:solidFill>
-              </a:rPr>
-              <a:t> =</a:t>
-            </a:r>
-            <a:r>
-              <a:rPr lang="en-GB" sz="1700" dirty="0" err="1">
-                <a:solidFill>
-                  <a:srgbClr val="4D4D4D"/>
-                </a:solidFill>
-              </a:rPr>
-              <a:t>r.location.municipalityall</a:t>
-            </a:r>
-            <a:r>
-              <a:rPr lang="en-GB" sz="1700" dirty="0">
-                <a:solidFill>
-                  <a:srgbClr val="4D4D4D"/>
-                </a:solidFill>
-              </a:rPr>
-              <a:t> </a:t>
-            </a:r>
-            <a:r>
-              <a:rPr lang="en-GB" sz="1700" dirty="0" err="1">
-                <a:solidFill>
-                  <a:srgbClr val="4D4D4D"/>
-                </a:solidFill>
-              </a:rPr>
-              <a:t>tt</a:t>
-            </a:r>
-            <a:r>
-              <a:rPr lang="en-GB" sz="1700" dirty="0">
-                <a:solidFill>
-                  <a:srgbClr val="4D4D4D"/>
-                </a:solidFill>
-              </a:rPr>
-              <a:t>: TrafficTicket |one a: Authority |</a:t>
-            </a:r>
-            <a:r>
-              <a:rPr lang="en-GB" sz="1700" dirty="0" err="1">
-                <a:solidFill>
-                  <a:srgbClr val="4D4D4D"/>
-                </a:solidFill>
-              </a:rPr>
-              <a:t>tt</a:t>
-            </a:r>
-            <a:r>
-              <a:rPr lang="en-GB" sz="1700" dirty="0">
-                <a:solidFill>
-                  <a:srgbClr val="4D4D4D"/>
-                </a:solidFill>
-              </a:rPr>
-              <a:t> in </a:t>
-            </a:r>
-            <a:r>
-              <a:rPr lang="en-GB" sz="1700" dirty="0" err="1">
-                <a:solidFill>
-                  <a:srgbClr val="4D4D4D"/>
-                </a:solidFill>
-              </a:rPr>
-              <a:t>a.trafficTickets</a:t>
-            </a:r>
-            <a:r>
-              <a:rPr lang="en-GB" sz="1700" dirty="0">
-                <a:solidFill>
-                  <a:srgbClr val="4D4D4D"/>
-                </a:solidFill>
-              </a:rPr>
-              <a:t> and </a:t>
-            </a:r>
-            <a:r>
-              <a:rPr lang="en-GB" sz="1700" dirty="0" err="1">
-                <a:solidFill>
-                  <a:srgbClr val="4D4D4D"/>
-                </a:solidFill>
-              </a:rPr>
-              <a:t>a.municipality</a:t>
-            </a:r>
-            <a:r>
-              <a:rPr lang="en-GB" sz="1700" dirty="0">
-                <a:solidFill>
-                  <a:srgbClr val="4D4D4D"/>
-                </a:solidFill>
-              </a:rPr>
-              <a:t> =</a:t>
-            </a:r>
-            <a:r>
-              <a:rPr lang="en-GB" sz="1700" dirty="0" err="1">
-                <a:solidFill>
-                  <a:srgbClr val="4D4D4D"/>
-                </a:solidFill>
-              </a:rPr>
-              <a:t>tt.municipality</a:t>
-            </a:r>
-            <a:r>
-              <a:rPr lang="en-GB" sz="1700" dirty="0">
-                <a:solidFill>
-                  <a:srgbClr val="4D4D4D"/>
-                </a:solidFill>
-              </a:rPr>
-              <a:t>}</a:t>
-            </a:r>
-          </a:p>
-        </p:txBody>
-      </p:sp>
-      <p:sp>
-        <p:nvSpPr>
-          <p:cNvPr id="14" name="Ovale 13">
-            <a:extLst>
-              <a:ext uri="{FF2B5EF4-FFF2-40B4-BE49-F238E27FC236}">
-                <a16:creationId xmlns:a16="http://schemas.microsoft.com/office/drawing/2014/main" id="{90C0C7F5-0759-4054-8B60-0C49B44E02BF}"/>
-              </a:ext>
-            </a:extLst>
-          </p:cNvPr>
-          <p:cNvSpPr/>
-          <p:nvPr/>
-        </p:nvSpPr>
-        <p:spPr>
-          <a:xfrm>
-            <a:off x="10895215" y="5502161"/>
-            <a:ext cx="1230110" cy="1230110"/>
-          </a:xfrm>
-          <a:prstGeom prst="ellipse">
-            <a:avLst/>
-          </a:prstGeom>
-          <a:blipFill>
-            <a:blip r:embed="rId3">
-              <a:extLst>
-                <a:ext uri="{837473B0-CC2E-450A-ABE3-18F120FF3D39}">
-                  <a1611:picAttrSrcUrl xmlns:a1611="http://schemas.microsoft.com/office/drawing/2016/11/main" r:id="rId4"/>
-                </a:ext>
-              </a:extLst>
-            </a:blip>
-            <a:stretch>
-              <a:fillRect/>
-            </a:stretch>
-          </a:blipFill>
-          <a:ln>
-            <a:noFill/>
-          </a:ln>
-        </p:spPr>
-        <p:style>
-          <a:lnRef idx="2">
-            <a:schemeClr val="accent1">
-              <a:shade val="50000"/>
-            </a:schemeClr>
-          </a:lnRef>
-          <a:fillRef idx="1">
-            <a:schemeClr val="accent1"/>
-          </a:fillRef>
-          <a:effectRef idx="0">
-            <a:schemeClr val="accent1"/>
-          </a:effectRef>
-          <a:fontRef idx="minor">
-            <a:schemeClr val="lt1"/>
-          </a:fontRef>
-        </p:style>
-        <p:txBody>
-          <a:bodyPr rtlCol="0" anchor="ctr"/>
-          <a:lstStyle/>
-          <a:p>
-            <a:pPr algn="ctr"/>
-            <a:endParaRPr lang="en-GB"/>
-          </a:p>
-        </p:txBody>
-      </p:sp>
-      <p:sp>
-        <p:nvSpPr>
-          <p:cNvPr id="4" name="CasellaDiTesto 3">
-            <a:extLst>
-              <a:ext uri="{FF2B5EF4-FFF2-40B4-BE49-F238E27FC236}">
-                <a16:creationId xmlns:a16="http://schemas.microsoft.com/office/drawing/2014/main" id="{D78C28F9-DBA6-425F-9081-7FCC67233918}"/>
-              </a:ext>
-            </a:extLst>
-          </p:cNvPr>
-          <p:cNvSpPr txBox="1"/>
-          <p:nvPr/>
-        </p:nvSpPr>
-        <p:spPr>
-          <a:xfrm flipH="1">
-            <a:off x="1554396" y="3121223"/>
-            <a:ext cx="1535935" cy="615553"/>
-          </a:xfrm>
-          <a:prstGeom prst="rect">
-            <a:avLst/>
-          </a:prstGeom>
-          <a:noFill/>
-        </p:spPr>
-        <p:txBody>
-          <a:bodyPr wrap="square" rtlCol="0">
-            <a:spAutoFit/>
-          </a:bodyPr>
-          <a:lstStyle/>
-          <a:p>
-            <a:r>
-              <a:rPr lang="it-IT" sz="3400" dirty="0"/>
-              <a:t>ALLOY</a:t>
-            </a:r>
-            <a:endParaRPr lang="en-GB" sz="3400" dirty="0"/>
-          </a:p>
-        </p:txBody>
-      </p:sp>
+        </p:nvPicPr>
+        <p:blipFill>
+          <a:blip r:embed="rId4"/>
+          <a:stretch>
+            <a:fillRect/>
+          </a:stretch>
+        </p:blipFill>
+        <p:spPr>
+          <a:xfrm>
+            <a:off x="684552" y="1254024"/>
+            <a:ext cx="9714518" cy="5478247"/>
+          </a:xfrm>
+        </p:spPr>
+      </p:pic>
     </p:spTree>
     <p:extLst>
       <p:ext uri="{BB962C8B-B14F-4D97-AF65-F5344CB8AC3E}">
-        <p14:creationId xmlns:p14="http://schemas.microsoft.com/office/powerpoint/2010/main" val="3602207338"/>
+        <p14:creationId xmlns:p14="http://schemas.microsoft.com/office/powerpoint/2010/main" val="200783361"/>
       </p:ext>
     </p:extLst>
   </p:cSld>
   <p:clrMapOvr>
-    <a:overrideClrMapping bg1="dk1" tx1="lt1" bg2="dk2" tx2="lt2" accent1="accent1" accent2="accent2" accent3="accent3" accent4="accent4" accent5="accent5" accent6="accent6" hlink="hlink" folHlink="folHlink"/>
+    <a:masterClrMapping/>
   </p:clrMapOvr>
 </p:sld>
 </file>
@@ -25209,7 +26167,7 @@
     </p:spTree>
     <p:extLst>
       <p:ext uri="{BB962C8B-B14F-4D97-AF65-F5344CB8AC3E}">
-        <p14:creationId xmlns:p14="http://schemas.microsoft.com/office/powerpoint/2010/main" val="200783361"/>
+        <p14:creationId xmlns:p14="http://schemas.microsoft.com/office/powerpoint/2010/main" val="3640819673"/>
       </p:ext>
     </p:extLst>
   </p:cSld>

--- a/Presentazione standard3.pptx
+++ b/Presentazione standard3.pptx
@@ -9,7 +9,7 @@
     <p:sldMasterId id="2147483744" r:id="rId5"/>
   </p:sldMasterIdLst>
   <p:notesMasterIdLst>
-    <p:notesMasterId r:id="rId21"/>
+    <p:notesMasterId r:id="rId23"/>
   </p:notesMasterIdLst>
   <p:sldIdLst>
     <p:sldId id="256" r:id="rId6"/>
@@ -27,6 +27,8 @@
     <p:sldId id="268" r:id="rId18"/>
     <p:sldId id="271" r:id="rId19"/>
     <p:sldId id="272" r:id="rId20"/>
+    <p:sldId id="273" r:id="rId21"/>
+    <p:sldId id="274" r:id="rId22"/>
   </p:sldIdLst>
   <p:sldSz cx="12192000" cy="6858000"/>
   <p:notesSz cx="6858000" cy="9144000"/>
@@ -215,7 +217,7 @@
           <a:p>
             <a:fld id="{E3977F68-DE9B-454A-A7A9-04D83F603B49}" type="datetimeFigureOut">
               <a:rPr lang="en-GB" smtClean="0"/>
-              <a:t>27/01/2020</a:t>
+              <a:t>28/01/2020</a:t>
             </a:fld>
             <a:endParaRPr lang="en-GB"/>
           </a:p>
@@ -651,6 +653,174 @@
 </p:notes>
 </file>
 
+<file path=ppt/notesSlides/notesSlide11.xml><?xml version="1.0" encoding="utf-8"?>
+<p:notes xmlns:a="http://schemas.openxmlformats.org/drawingml/2006/main" xmlns:r="http://schemas.openxmlformats.org/officeDocument/2006/relationships" xmlns:p="http://schemas.openxmlformats.org/presentationml/2006/main">
+  <p:cSld>
+    <p:spTree>
+      <p:nvGrpSpPr>
+        <p:cNvPr id="1" name=""/>
+        <p:cNvGrpSpPr/>
+        <p:nvPr/>
+      </p:nvGrpSpPr>
+      <p:grpSpPr>
+        <a:xfrm>
+          <a:off x="0" y="0"/>
+          <a:ext cx="0" cy="0"/>
+          <a:chOff x="0" y="0"/>
+          <a:chExt cx="0" cy="0"/>
+        </a:xfrm>
+      </p:grpSpPr>
+      <p:sp>
+        <p:nvSpPr>
+          <p:cNvPr id="2" name="Segnaposto immagine diapositiva 1"/>
+          <p:cNvSpPr>
+            <a:spLocks noGrp="1" noRot="1" noChangeAspect="1"/>
+          </p:cNvSpPr>
+          <p:nvPr>
+            <p:ph type="sldImg"/>
+          </p:nvPr>
+        </p:nvSpPr>
+        <p:spPr/>
+      </p:sp>
+      <p:sp>
+        <p:nvSpPr>
+          <p:cNvPr id="3" name="Segnaposto note 2"/>
+          <p:cNvSpPr>
+            <a:spLocks noGrp="1"/>
+          </p:cNvSpPr>
+          <p:nvPr>
+            <p:ph type="body" idx="1"/>
+          </p:nvPr>
+        </p:nvSpPr>
+        <p:spPr/>
+        <p:txBody>
+          <a:bodyPr/>
+          <a:lstStyle/>
+          <a:p>
+            <a:endParaRPr lang="en-GB" dirty="0"/>
+          </a:p>
+        </p:txBody>
+      </p:sp>
+      <p:sp>
+        <p:nvSpPr>
+          <p:cNvPr id="4" name="Segnaposto numero diapositiva 3"/>
+          <p:cNvSpPr>
+            <a:spLocks noGrp="1"/>
+          </p:cNvSpPr>
+          <p:nvPr>
+            <p:ph type="sldNum" sz="quarter" idx="5"/>
+          </p:nvPr>
+        </p:nvSpPr>
+        <p:spPr/>
+        <p:txBody>
+          <a:bodyPr/>
+          <a:lstStyle/>
+          <a:p>
+            <a:fld id="{921C2B62-7AD3-4CC8-B860-286BDF158BEF}" type="slidenum">
+              <a:rPr lang="en-GB" smtClean="0"/>
+              <a:t>16</a:t>
+            </a:fld>
+            <a:endParaRPr lang="en-GB"/>
+          </a:p>
+        </p:txBody>
+      </p:sp>
+    </p:spTree>
+    <p:extLst>
+      <p:ext uri="{BB962C8B-B14F-4D97-AF65-F5344CB8AC3E}">
+        <p14:creationId xmlns:p14="http://schemas.microsoft.com/office/powerpoint/2010/main" val="256420907"/>
+      </p:ext>
+    </p:extLst>
+  </p:cSld>
+  <p:clrMapOvr>
+    <a:masterClrMapping/>
+  </p:clrMapOvr>
+</p:notes>
+</file>
+
+<file path=ppt/notesSlides/notesSlide12.xml><?xml version="1.0" encoding="utf-8"?>
+<p:notes xmlns:a="http://schemas.openxmlformats.org/drawingml/2006/main" xmlns:r="http://schemas.openxmlformats.org/officeDocument/2006/relationships" xmlns:p="http://schemas.openxmlformats.org/presentationml/2006/main">
+  <p:cSld>
+    <p:spTree>
+      <p:nvGrpSpPr>
+        <p:cNvPr id="1" name=""/>
+        <p:cNvGrpSpPr/>
+        <p:nvPr/>
+      </p:nvGrpSpPr>
+      <p:grpSpPr>
+        <a:xfrm>
+          <a:off x="0" y="0"/>
+          <a:ext cx="0" cy="0"/>
+          <a:chOff x="0" y="0"/>
+          <a:chExt cx="0" cy="0"/>
+        </a:xfrm>
+      </p:grpSpPr>
+      <p:sp>
+        <p:nvSpPr>
+          <p:cNvPr id="2" name="Segnaposto immagine diapositiva 1"/>
+          <p:cNvSpPr>
+            <a:spLocks noGrp="1" noRot="1" noChangeAspect="1"/>
+          </p:cNvSpPr>
+          <p:nvPr>
+            <p:ph type="sldImg"/>
+          </p:nvPr>
+        </p:nvSpPr>
+        <p:spPr/>
+      </p:sp>
+      <p:sp>
+        <p:nvSpPr>
+          <p:cNvPr id="3" name="Segnaposto note 2"/>
+          <p:cNvSpPr>
+            <a:spLocks noGrp="1"/>
+          </p:cNvSpPr>
+          <p:nvPr>
+            <p:ph type="body" idx="1"/>
+          </p:nvPr>
+        </p:nvSpPr>
+        <p:spPr/>
+        <p:txBody>
+          <a:bodyPr/>
+          <a:lstStyle/>
+          <a:p>
+            <a:endParaRPr lang="en-GB" dirty="0"/>
+          </a:p>
+        </p:txBody>
+      </p:sp>
+      <p:sp>
+        <p:nvSpPr>
+          <p:cNvPr id="4" name="Segnaposto numero diapositiva 3"/>
+          <p:cNvSpPr>
+            <a:spLocks noGrp="1"/>
+          </p:cNvSpPr>
+          <p:nvPr>
+            <p:ph type="sldNum" sz="quarter" idx="5"/>
+          </p:nvPr>
+        </p:nvSpPr>
+        <p:spPr/>
+        <p:txBody>
+          <a:bodyPr/>
+          <a:lstStyle/>
+          <a:p>
+            <a:fld id="{921C2B62-7AD3-4CC8-B860-286BDF158BEF}" type="slidenum">
+              <a:rPr lang="en-GB" smtClean="0"/>
+              <a:t>17</a:t>
+            </a:fld>
+            <a:endParaRPr lang="en-GB"/>
+          </a:p>
+        </p:txBody>
+      </p:sp>
+    </p:spTree>
+    <p:extLst>
+      <p:ext uri="{BB962C8B-B14F-4D97-AF65-F5344CB8AC3E}">
+        <p14:creationId xmlns:p14="http://schemas.microsoft.com/office/powerpoint/2010/main" val="433439972"/>
+      </p:ext>
+    </p:extLst>
+  </p:cSld>
+  <p:clrMapOvr>
+    <a:masterClrMapping/>
+  </p:clrMapOvr>
+</p:notes>
+</file>
+
 <file path=ppt/notesSlides/notesSlide2.xml><?xml version="1.0" encoding="utf-8"?>
 <p:notes xmlns:a="http://schemas.openxmlformats.org/drawingml/2006/main" xmlns:r="http://schemas.openxmlformats.org/officeDocument/2006/relationships" xmlns:p="http://schemas.openxmlformats.org/presentationml/2006/main">
   <p:cSld>
@@ -1463,9 +1633,9 @@
           <a:bodyPr/>
           <a:lstStyle/>
           <a:p>
-            <a:fld id="{E9F9C37B-1D36-470B-8223-D6C91242EC14}" type="datetimeFigureOut">
-              <a:rPr lang="en-US" dirty="0"/>
-              <a:t>1/27/2020</a:t>
+            <a:fld id="{5324DE25-44CA-4D21-B05B-72F80FB80CDF}" type="datetime1">
+              <a:rPr lang="en-US" smtClean="0"/>
+              <a:t>1/28/2020</a:t>
             </a:fld>
             <a:endParaRPr lang="en-US" dirty="0"/>
           </a:p>
@@ -1662,9 +1832,9 @@
           <a:bodyPr/>
           <a:lstStyle/>
           <a:p>
-            <a:fld id="{67C6F52A-A82B-47A2-A83A-8C4C91F2D59F}" type="datetimeFigureOut">
-              <a:rPr lang="en-US" dirty="0"/>
-              <a:t>1/27/2020</a:t>
+            <a:fld id="{2B6F3389-AFA6-4C34-8E6E-E8640B531D63}" type="datetime1">
+              <a:rPr lang="en-US" smtClean="0"/>
+              <a:t>1/28/2020</a:t>
             </a:fld>
             <a:endParaRPr lang="en-US" dirty="0"/>
           </a:p>
@@ -1883,9 +2053,9 @@
           <a:bodyPr/>
           <a:lstStyle/>
           <a:p>
-            <a:fld id="{377E3AE9-0F60-4E9A-B5C8-17FADBDCB6EA}" type="datetimeFigureOut">
-              <a:rPr lang="en-GB" smtClean="0"/>
-              <a:t>27/01/2020</a:t>
+            <a:fld id="{0D9BDFFE-FEDA-4CB9-A2C7-495319A82474}" type="datetime1">
+              <a:rPr lang="en-US" smtClean="0"/>
+              <a:t>1/28/2020</a:t>
             </a:fld>
             <a:endParaRPr lang="en-GB"/>
           </a:p>
@@ -2083,9 +2253,9 @@
           <a:bodyPr/>
           <a:lstStyle/>
           <a:p>
-            <a:fld id="{377E3AE9-0F60-4E9A-B5C8-17FADBDCB6EA}" type="datetimeFigureOut">
-              <a:rPr lang="en-GB" smtClean="0"/>
-              <a:t>27/01/2020</a:t>
+            <a:fld id="{16172834-DB18-485D-8790-F573ACD7FE56}" type="datetime1">
+              <a:rPr lang="en-US" smtClean="0"/>
+              <a:t>1/28/2020</a:t>
             </a:fld>
             <a:endParaRPr lang="en-GB"/>
           </a:p>
@@ -2359,9 +2529,9 @@
           <a:bodyPr/>
           <a:lstStyle/>
           <a:p>
-            <a:fld id="{377E3AE9-0F60-4E9A-B5C8-17FADBDCB6EA}" type="datetimeFigureOut">
-              <a:rPr lang="en-GB" smtClean="0"/>
-              <a:t>27/01/2020</a:t>
+            <a:fld id="{CCE7EADE-441F-4F9E-8DD7-7C6DFDF35AF2}" type="datetime1">
+              <a:rPr lang="en-US" smtClean="0"/>
+              <a:t>1/28/2020</a:t>
             </a:fld>
             <a:endParaRPr lang="en-GB"/>
           </a:p>
@@ -2627,9 +2797,9 @@
           <a:bodyPr/>
           <a:lstStyle/>
           <a:p>
-            <a:fld id="{377E3AE9-0F60-4E9A-B5C8-17FADBDCB6EA}" type="datetimeFigureOut">
-              <a:rPr lang="en-GB" smtClean="0"/>
-              <a:t>27/01/2020</a:t>
+            <a:fld id="{00188D49-2973-4676-BB35-824D7DC0C4CE}" type="datetime1">
+              <a:rPr lang="en-US" smtClean="0"/>
+              <a:t>1/28/2020</a:t>
             </a:fld>
             <a:endParaRPr lang="en-GB"/>
           </a:p>
@@ -3042,9 +3212,9 @@
           <a:bodyPr/>
           <a:lstStyle/>
           <a:p>
-            <a:fld id="{377E3AE9-0F60-4E9A-B5C8-17FADBDCB6EA}" type="datetimeFigureOut">
-              <a:rPr lang="en-GB" smtClean="0"/>
-              <a:t>27/01/2020</a:t>
+            <a:fld id="{47A140F1-5309-4136-AE9B-B8482A5E3386}" type="datetime1">
+              <a:rPr lang="en-US" smtClean="0"/>
+              <a:t>1/28/2020</a:t>
             </a:fld>
             <a:endParaRPr lang="en-GB"/>
           </a:p>
@@ -3184,9 +3354,9 @@
           <a:bodyPr/>
           <a:lstStyle/>
           <a:p>
-            <a:fld id="{377E3AE9-0F60-4E9A-B5C8-17FADBDCB6EA}" type="datetimeFigureOut">
-              <a:rPr lang="en-GB" smtClean="0"/>
-              <a:t>27/01/2020</a:t>
+            <a:fld id="{39F88A62-023D-4D3B-9F09-4A8EF2F086D7}" type="datetime1">
+              <a:rPr lang="en-US" smtClean="0"/>
+              <a:t>1/28/2020</a:t>
             </a:fld>
             <a:endParaRPr lang="en-GB"/>
           </a:p>
@@ -3297,9 +3467,9 @@
           <a:bodyPr/>
           <a:lstStyle/>
           <a:p>
-            <a:fld id="{377E3AE9-0F60-4E9A-B5C8-17FADBDCB6EA}" type="datetimeFigureOut">
-              <a:rPr lang="en-GB" smtClean="0"/>
-              <a:t>27/01/2020</a:t>
+            <a:fld id="{AB931CC8-D3C1-4AE2-88B4-DF0DF7BF07D9}" type="datetime1">
+              <a:rPr lang="en-US" smtClean="0"/>
+              <a:t>1/28/2020</a:t>
             </a:fld>
             <a:endParaRPr lang="en-GB"/>
           </a:p>
@@ -3610,9 +3780,9 @@
           <a:bodyPr/>
           <a:lstStyle/>
           <a:p>
-            <a:fld id="{377E3AE9-0F60-4E9A-B5C8-17FADBDCB6EA}" type="datetimeFigureOut">
-              <a:rPr lang="en-GB" smtClean="0"/>
-              <a:t>27/01/2020</a:t>
+            <a:fld id="{B93F0B07-2FD8-443D-8635-52DF0E1F85D2}" type="datetime1">
+              <a:rPr lang="en-US" smtClean="0"/>
+              <a:t>1/28/2020</a:t>
             </a:fld>
             <a:endParaRPr lang="en-GB"/>
           </a:p>
@@ -3800,9 +3970,9 @@
           <a:bodyPr/>
           <a:lstStyle/>
           <a:p>
-            <a:fld id="{F070A7B3-6521-4DCA-87E5-044747A908C1}" type="datetimeFigureOut">
-              <a:rPr lang="en-US" dirty="0"/>
-              <a:t>1/27/2020</a:t>
+            <a:fld id="{7A08EA2C-B015-4E4F-BF8F-0FFCC7CF6585}" type="datetime1">
+              <a:rPr lang="en-US" smtClean="0"/>
+              <a:t>1/28/2020</a:t>
             </a:fld>
             <a:endParaRPr lang="en-US" dirty="0"/>
           </a:p>
@@ -4089,9 +4259,9 @@
           <a:bodyPr/>
           <a:lstStyle/>
           <a:p>
-            <a:fld id="{377E3AE9-0F60-4E9A-B5C8-17FADBDCB6EA}" type="datetimeFigureOut">
-              <a:rPr lang="en-GB" smtClean="0"/>
-              <a:t>27/01/2020</a:t>
+            <a:fld id="{765D76AB-9DDB-4A5B-B652-8699FFAE584F}" type="datetime1">
+              <a:rPr lang="en-US" smtClean="0"/>
+              <a:t>1/28/2020</a:t>
             </a:fld>
             <a:endParaRPr lang="en-GB"/>
           </a:p>
@@ -4289,9 +4459,9 @@
           <a:bodyPr/>
           <a:lstStyle/>
           <a:p>
-            <a:fld id="{377E3AE9-0F60-4E9A-B5C8-17FADBDCB6EA}" type="datetimeFigureOut">
-              <a:rPr lang="en-GB" smtClean="0"/>
-              <a:t>27/01/2020</a:t>
+            <a:fld id="{AE6E93B8-478A-4AFD-9BAF-F4A1938509A5}" type="datetime1">
+              <a:rPr lang="en-US" smtClean="0"/>
+              <a:t>1/28/2020</a:t>
             </a:fld>
             <a:endParaRPr lang="en-GB"/>
           </a:p>
@@ -4499,9 +4669,9 @@
           <a:bodyPr/>
           <a:lstStyle/>
           <a:p>
-            <a:fld id="{377E3AE9-0F60-4E9A-B5C8-17FADBDCB6EA}" type="datetimeFigureOut">
-              <a:rPr lang="en-GB" smtClean="0"/>
-              <a:t>27/01/2020</a:t>
+            <a:fld id="{3AE4F883-8CC2-4974-93B3-F01EA011B9B1}" type="datetime1">
+              <a:rPr lang="en-US" smtClean="0"/>
+              <a:t>1/28/2020</a:t>
             </a:fld>
             <a:endParaRPr lang="en-GB"/>
           </a:p>
@@ -4736,8 +4906,8 @@
               <a:tabLst/>
               <a:defRPr/>
             </a:pPr>
-            <a:fld id="{F070A7B3-6521-4DCA-87E5-044747A908C1}" type="datetimeFigureOut">
-              <a:rPr kumimoji="0" lang="en-US" sz="1800" b="0" i="0" u="none" strike="noStrike" kern="1200" cap="none" spc="0" normalizeH="0" baseline="0" noProof="0" dirty="0">
+            <a:fld id="{0909E78F-48A4-44E3-95B6-82A5F2A62D20}" type="datetime1">
+              <a:rPr kumimoji="0" lang="en-US" sz="1800" b="0" i="0" u="none" strike="noStrike" kern="1200" cap="none" spc="0" normalizeH="0" baseline="0" noProof="0" smtClean="0">
                 <a:ln>
                   <a:noFill/>
                 </a:ln>
@@ -4751,24 +4921,7 @@
                 <a:ea typeface="+mn-ea"/>
                 <a:cs typeface="+mn-cs"/>
               </a:rPr>
-              <a:pPr marL="0" marR="0" lvl="0" indent="0" algn="l" defTabSz="457200" rtl="0" eaLnBrk="1" fontAlgn="auto" latinLnBrk="0" hangingPunct="1">
-                <a:lnSpc>
-                  <a:spcPct val="100000"/>
-                </a:lnSpc>
-                <a:spcBef>
-                  <a:spcPts val="0"/>
-                </a:spcBef>
-                <a:spcAft>
-                  <a:spcPts val="0"/>
-                </a:spcAft>
-                <a:buClrTx/>
-                <a:buSzTx/>
-                <a:buFontTx/>
-                <a:buNone/>
-                <a:tabLst/>
-                <a:defRPr/>
-              </a:pPr>
-              <a:t>1/27/2020</a:t>
+              <a:t>1/28/2020</a:t>
             </a:fld>
             <a:endParaRPr kumimoji="0" lang="en-US" sz="1800" b="0" i="0" u="none" strike="noStrike" kern="1200" cap="none" spc="0" normalizeH="0" baseline="0" noProof="0" dirty="0">
               <a:ln>
@@ -5170,8 +5323,8 @@
               <a:tabLst/>
               <a:defRPr/>
             </a:pPr>
-            <a:fld id="{1160EA64-D806-43AC-9DF2-F8C432F32B4C}" type="datetimeFigureOut">
-              <a:rPr kumimoji="0" lang="en-US" sz="1800" b="0" i="0" u="none" strike="noStrike" kern="1200" cap="none" spc="0" normalizeH="0" baseline="0" noProof="0" dirty="0">
+            <a:fld id="{978E6D21-2388-4EAD-9480-278B9E57BC8C}" type="datetime1">
+              <a:rPr kumimoji="0" lang="en-US" sz="1800" b="0" i="0" u="none" strike="noStrike" kern="1200" cap="none" spc="0" normalizeH="0" baseline="0" noProof="0" smtClean="0">
                 <a:ln>
                   <a:noFill/>
                 </a:ln>
@@ -5185,24 +5338,7 @@
                 <a:ea typeface="+mn-ea"/>
                 <a:cs typeface="+mn-cs"/>
               </a:rPr>
-              <a:pPr marL="0" marR="0" lvl="0" indent="0" algn="l" defTabSz="457200" rtl="0" eaLnBrk="1" fontAlgn="auto" latinLnBrk="0" hangingPunct="1">
-                <a:lnSpc>
-                  <a:spcPct val="100000"/>
-                </a:lnSpc>
-                <a:spcBef>
-                  <a:spcPts val="0"/>
-                </a:spcBef>
-                <a:spcAft>
-                  <a:spcPts val="0"/>
-                </a:spcAft>
-                <a:buClrTx/>
-                <a:buSzTx/>
-                <a:buFontTx/>
-                <a:buNone/>
-                <a:tabLst/>
-                <a:defRPr/>
-              </a:pPr>
-              <a:t>1/27/2020</a:t>
+              <a:t>1/28/2020</a:t>
             </a:fld>
             <a:endParaRPr kumimoji="0" lang="en-US" sz="1800" b="0" i="0" u="none" strike="noStrike" kern="1200" cap="none" spc="0" normalizeH="0" baseline="0" noProof="0" dirty="0">
               <a:ln>
@@ -5576,8 +5712,8 @@
               <a:tabLst/>
               <a:defRPr/>
             </a:pPr>
-            <a:fld id="{AB134690-1557-4C89-A502-4959FE7FAD70}" type="datetimeFigureOut">
-              <a:rPr kumimoji="0" lang="en-US" sz="1800" b="0" i="0" u="none" strike="noStrike" kern="1200" cap="none" spc="0" normalizeH="0" baseline="0" noProof="0" dirty="0">
+            <a:fld id="{54B041CB-85A8-41F3-9BAA-9405489F0EC2}" type="datetime1">
+              <a:rPr kumimoji="0" lang="en-US" sz="1800" b="0" i="0" u="none" strike="noStrike" kern="1200" cap="none" spc="0" normalizeH="0" baseline="0" noProof="0" smtClean="0">
                 <a:ln>
                   <a:noFill/>
                 </a:ln>
@@ -5591,24 +5727,7 @@
                 <a:ea typeface="+mn-ea"/>
                 <a:cs typeface="+mn-cs"/>
               </a:rPr>
-              <a:pPr marL="0" marR="0" lvl="0" indent="0" algn="l" defTabSz="457200" rtl="0" eaLnBrk="1" fontAlgn="auto" latinLnBrk="0" hangingPunct="1">
-                <a:lnSpc>
-                  <a:spcPct val="100000"/>
-                </a:lnSpc>
-                <a:spcBef>
-                  <a:spcPts val="0"/>
-                </a:spcBef>
-                <a:spcAft>
-                  <a:spcPts val="0"/>
-                </a:spcAft>
-                <a:buClrTx/>
-                <a:buSzTx/>
-                <a:buFontTx/>
-                <a:buNone/>
-                <a:tabLst/>
-                <a:defRPr/>
-              </a:pPr>
-              <a:t>1/27/2020</a:t>
+              <a:t>1/28/2020</a:t>
             </a:fld>
             <a:endParaRPr kumimoji="0" lang="en-US" sz="1800" b="0" i="0" u="none" strike="noStrike" kern="1200" cap="none" spc="0" normalizeH="0" baseline="0" noProof="0" dirty="0">
               <a:ln>
@@ -6105,8 +6224,8 @@
               <a:tabLst/>
               <a:defRPr/>
             </a:pPr>
-            <a:fld id="{4F7D4976-E339-4826-83B7-FBD03F55ECF8}" type="datetimeFigureOut">
-              <a:rPr kumimoji="0" lang="en-US" sz="1800" b="0" i="0" u="none" strike="noStrike" kern="1200" cap="none" spc="0" normalizeH="0" baseline="0" noProof="0" dirty="0">
+            <a:fld id="{07A34A4F-2D76-4EEE-A841-FE56862C84B6}" type="datetime1">
+              <a:rPr kumimoji="0" lang="en-US" sz="1800" b="0" i="0" u="none" strike="noStrike" kern="1200" cap="none" spc="0" normalizeH="0" baseline="0" noProof="0" smtClean="0">
                 <a:ln>
                   <a:noFill/>
                 </a:ln>
@@ -6120,24 +6239,7 @@
                 <a:ea typeface="+mn-ea"/>
                 <a:cs typeface="+mn-cs"/>
               </a:rPr>
-              <a:pPr marL="0" marR="0" lvl="0" indent="0" algn="l" defTabSz="457200" rtl="0" eaLnBrk="1" fontAlgn="auto" latinLnBrk="0" hangingPunct="1">
-                <a:lnSpc>
-                  <a:spcPct val="100000"/>
-                </a:lnSpc>
-                <a:spcBef>
-                  <a:spcPts val="0"/>
-                </a:spcBef>
-                <a:spcAft>
-                  <a:spcPts val="0"/>
-                </a:spcAft>
-                <a:buClrTx/>
-                <a:buSzTx/>
-                <a:buFontTx/>
-                <a:buNone/>
-                <a:tabLst/>
-                <a:defRPr/>
-              </a:pPr>
-              <a:t>1/27/2020</a:t>
+              <a:t>1/28/2020</a:t>
             </a:fld>
             <a:endParaRPr kumimoji="0" lang="en-US" sz="1800" b="0" i="0" u="none" strike="noStrike" kern="1200" cap="none" spc="0" normalizeH="0" baseline="0" noProof="0" dirty="0">
               <a:ln>
@@ -6420,8 +6522,8 @@
               <a:tabLst/>
               <a:defRPr/>
             </a:pPr>
-            <a:fld id="{E1037C31-9E7A-4F99-8774-A0E530DE1A42}" type="datetimeFigureOut">
-              <a:rPr kumimoji="0" lang="en-US" sz="1800" b="0" i="0" u="none" strike="noStrike" kern="1200" cap="none" spc="0" normalizeH="0" baseline="0" noProof="0" dirty="0">
+            <a:fld id="{CD309EC8-E24B-461C-BB58-46D83AC4908F}" type="datetime1">
+              <a:rPr kumimoji="0" lang="en-US" sz="1800" b="0" i="0" u="none" strike="noStrike" kern="1200" cap="none" spc="0" normalizeH="0" baseline="0" noProof="0" smtClean="0">
                 <a:ln>
                   <a:noFill/>
                 </a:ln>
@@ -6435,24 +6537,7 @@
                 <a:ea typeface="+mn-ea"/>
                 <a:cs typeface="+mn-cs"/>
               </a:rPr>
-              <a:pPr marL="0" marR="0" lvl="0" indent="0" algn="l" defTabSz="457200" rtl="0" eaLnBrk="1" fontAlgn="auto" latinLnBrk="0" hangingPunct="1">
-                <a:lnSpc>
-                  <a:spcPct val="100000"/>
-                </a:lnSpc>
-                <a:spcBef>
-                  <a:spcPts val="0"/>
-                </a:spcBef>
-                <a:spcAft>
-                  <a:spcPts val="0"/>
-                </a:spcAft>
-                <a:buClrTx/>
-                <a:buSzTx/>
-                <a:buFontTx/>
-                <a:buNone/>
-                <a:tabLst/>
-                <a:defRPr/>
-              </a:pPr>
-              <a:t>1/27/2020</a:t>
+              <a:t>1/28/2020</a:t>
             </a:fld>
             <a:endParaRPr kumimoji="0" lang="en-US" sz="1800" b="0" i="0" u="none" strike="noStrike" kern="1200" cap="none" spc="0" normalizeH="0" baseline="0" noProof="0" dirty="0">
               <a:ln>
@@ -6689,8 +6774,8 @@
               <a:tabLst/>
               <a:defRPr/>
             </a:pPr>
-            <a:fld id="{C278504F-A551-4DE0-9316-4DCD1D8CC752}" type="datetimeFigureOut">
-              <a:rPr kumimoji="0" lang="en-US" sz="1800" b="0" i="0" u="none" strike="noStrike" kern="1200" cap="none" spc="0" normalizeH="0" baseline="0" noProof="0" dirty="0">
+            <a:fld id="{24A829FE-6CD8-4F05-9007-ADD1814BD13D}" type="datetime1">
+              <a:rPr kumimoji="0" lang="en-US" sz="1800" b="0" i="0" u="none" strike="noStrike" kern="1200" cap="none" spc="0" normalizeH="0" baseline="0" noProof="0" smtClean="0">
                 <a:ln>
                   <a:noFill/>
                 </a:ln>
@@ -6704,24 +6789,7 @@
                 <a:ea typeface="+mn-ea"/>
                 <a:cs typeface="+mn-cs"/>
               </a:rPr>
-              <a:pPr marL="0" marR="0" lvl="0" indent="0" algn="l" defTabSz="457200" rtl="0" eaLnBrk="1" fontAlgn="auto" latinLnBrk="0" hangingPunct="1">
-                <a:lnSpc>
-                  <a:spcPct val="100000"/>
-                </a:lnSpc>
-                <a:spcBef>
-                  <a:spcPts val="0"/>
-                </a:spcBef>
-                <a:spcAft>
-                  <a:spcPts val="0"/>
-                </a:spcAft>
-                <a:buClrTx/>
-                <a:buSzTx/>
-                <a:buFontTx/>
-                <a:buNone/>
-                <a:tabLst/>
-                <a:defRPr/>
-              </a:pPr>
-              <a:t>1/27/2020</a:t>
+              <a:t>1/28/2020</a:t>
             </a:fld>
             <a:endParaRPr kumimoji="0" lang="en-US" sz="1800" b="0" i="0" u="none" strike="noStrike" kern="1200" cap="none" spc="0" normalizeH="0" baseline="0" noProof="0" dirty="0">
               <a:ln>
@@ -7106,9 +7174,9 @@
           <a:bodyPr/>
           <a:lstStyle/>
           <a:p>
-            <a:fld id="{1160EA64-D806-43AC-9DF2-F8C432F32B4C}" type="datetimeFigureOut">
-              <a:rPr lang="en-US" dirty="0"/>
-              <a:t>1/27/2020</a:t>
+            <a:fld id="{E0C1B550-7D3B-401B-AD44-0282B9A3BC3B}" type="datetime1">
+              <a:rPr lang="en-US" smtClean="0"/>
+              <a:t>1/28/2020</a:t>
             </a:fld>
             <a:endParaRPr lang="en-US" dirty="0"/>
           </a:p>
@@ -7500,8 +7568,8 @@
               <a:tabLst/>
               <a:defRPr/>
             </a:pPr>
-            <a:fld id="{1160EA64-D806-43AC-9DF2-F8C432F32B4C}" type="datetimeFigureOut">
-              <a:rPr kumimoji="0" lang="en-US" sz="1800" b="0" i="0" u="none" strike="noStrike" kern="1200" cap="none" spc="0" normalizeH="0" baseline="0" noProof="0" dirty="0">
+            <a:fld id="{FC53A674-5E74-4298-8BA4-088FFAE3C382}" type="datetime1">
+              <a:rPr kumimoji="0" lang="en-US" sz="1800" b="0" i="0" u="none" strike="noStrike" kern="1200" cap="none" spc="0" normalizeH="0" baseline="0" noProof="0" smtClean="0">
                 <a:ln>
                   <a:noFill/>
                 </a:ln>
@@ -7515,24 +7583,7 @@
                 <a:ea typeface="+mn-ea"/>
                 <a:cs typeface="+mn-cs"/>
               </a:rPr>
-              <a:pPr marL="0" marR="0" lvl="0" indent="0" algn="l" defTabSz="457200" rtl="0" eaLnBrk="1" fontAlgn="auto" latinLnBrk="0" hangingPunct="1">
-                <a:lnSpc>
-                  <a:spcPct val="100000"/>
-                </a:lnSpc>
-                <a:spcBef>
-                  <a:spcPts val="0"/>
-                </a:spcBef>
-                <a:spcAft>
-                  <a:spcPts val="0"/>
-                </a:spcAft>
-                <a:buClrTx/>
-                <a:buSzTx/>
-                <a:buFontTx/>
-                <a:buNone/>
-                <a:tabLst/>
-                <a:defRPr/>
-              </a:pPr>
-              <a:t>1/27/2020</a:t>
+              <a:t>1/28/2020</a:t>
             </a:fld>
             <a:endParaRPr kumimoji="0" lang="en-US" sz="1800" b="0" i="0" u="none" strike="noStrike" kern="1200" cap="none" spc="0" normalizeH="0" baseline="0" noProof="0" dirty="0">
               <a:ln>
@@ -8027,8 +8078,8 @@
               <a:tabLst/>
               <a:defRPr/>
             </a:pPr>
-            <a:fld id="{1160EA64-D806-43AC-9DF2-F8C432F32B4C}" type="datetimeFigureOut">
-              <a:rPr kumimoji="0" lang="en-US" sz="1800" b="0" i="0" u="none" strike="noStrike" kern="1200" cap="none" spc="0" normalizeH="0" baseline="0" noProof="0" dirty="0">
+            <a:fld id="{860209AA-9B31-48CF-BE3B-311A384EFFF6}" type="datetime1">
+              <a:rPr kumimoji="0" lang="en-US" sz="1800" b="0" i="0" u="none" strike="noStrike" kern="1200" cap="none" spc="0" normalizeH="0" baseline="0" noProof="0" smtClean="0">
                 <a:ln>
                   <a:noFill/>
                 </a:ln>
@@ -8050,24 +8101,7 @@
                 <a:ea typeface="+mn-ea"/>
                 <a:cs typeface="+mn-cs"/>
               </a:rPr>
-              <a:pPr marL="0" marR="0" lvl="0" indent="0" algn="l" defTabSz="457200" rtl="0" eaLnBrk="1" fontAlgn="auto" latinLnBrk="0" hangingPunct="1">
-                <a:lnSpc>
-                  <a:spcPct val="100000"/>
-                </a:lnSpc>
-                <a:spcBef>
-                  <a:spcPts val="0"/>
-                </a:spcBef>
-                <a:spcAft>
-                  <a:spcPts val="0"/>
-                </a:spcAft>
-                <a:buClrTx/>
-                <a:buSzTx/>
-                <a:buFontTx/>
-                <a:buNone/>
-                <a:tabLst/>
-                <a:defRPr/>
-              </a:pPr>
-              <a:t>1/27/2020</a:t>
+              <a:t>1/28/2020</a:t>
             </a:fld>
             <a:endParaRPr kumimoji="0" lang="en-US" sz="1800" b="0" i="0" u="none" strike="noStrike" kern="1200" cap="none" spc="0" normalizeH="0" baseline="0" noProof="0" dirty="0">
               <a:ln>
@@ -8399,8 +8433,8 @@
               <a:tabLst/>
               <a:defRPr/>
             </a:pPr>
-            <a:fld id="{E9F9C37B-1D36-470B-8223-D6C91242EC14}" type="datetimeFigureOut">
-              <a:rPr kumimoji="0" lang="en-US" sz="1800" b="0" i="0" u="none" strike="noStrike" kern="1200" cap="none" spc="0" normalizeH="0" baseline="0" noProof="0" dirty="0">
+            <a:fld id="{B6A1A4A3-A6FF-4C14-A59E-284247719B6F}" type="datetime1">
+              <a:rPr kumimoji="0" lang="en-US" sz="1800" b="0" i="0" u="none" strike="noStrike" kern="1200" cap="none" spc="0" normalizeH="0" baseline="0" noProof="0" smtClean="0">
                 <a:ln>
                   <a:noFill/>
                 </a:ln>
@@ -8414,24 +8448,7 @@
                 <a:ea typeface="+mn-ea"/>
                 <a:cs typeface="+mn-cs"/>
               </a:rPr>
-              <a:pPr marL="0" marR="0" lvl="0" indent="0" algn="l" defTabSz="457200" rtl="0" eaLnBrk="1" fontAlgn="auto" latinLnBrk="0" hangingPunct="1">
-                <a:lnSpc>
-                  <a:spcPct val="100000"/>
-                </a:lnSpc>
-                <a:spcBef>
-                  <a:spcPts val="0"/>
-                </a:spcBef>
-                <a:spcAft>
-                  <a:spcPts val="0"/>
-                </a:spcAft>
-                <a:buClrTx/>
-                <a:buSzTx/>
-                <a:buFontTx/>
-                <a:buNone/>
-                <a:tabLst/>
-                <a:defRPr/>
-              </a:pPr>
-              <a:t>1/27/2020</a:t>
+              <a:t>1/28/2020</a:t>
             </a:fld>
             <a:endParaRPr kumimoji="0" lang="en-US" sz="1800" b="0" i="0" u="none" strike="noStrike" kern="1200" cap="none" spc="0" normalizeH="0" baseline="0" noProof="0" dirty="0">
               <a:ln>
@@ -8753,8 +8770,8 @@
               <a:tabLst/>
               <a:defRPr/>
             </a:pPr>
-            <a:fld id="{67C6F52A-A82B-47A2-A83A-8C4C91F2D59F}" type="datetimeFigureOut">
-              <a:rPr kumimoji="0" lang="en-US" sz="1800" b="0" i="0" u="none" strike="noStrike" kern="1200" cap="none" spc="0" normalizeH="0" baseline="0" noProof="0" dirty="0">
+            <a:fld id="{87D839CC-F961-466A-9AC3-D3A254FF25DF}" type="datetime1">
+              <a:rPr kumimoji="0" lang="en-US" sz="1800" b="0" i="0" u="none" strike="noStrike" kern="1200" cap="none" spc="0" normalizeH="0" baseline="0" noProof="0" smtClean="0">
                 <a:ln>
                   <a:noFill/>
                 </a:ln>
@@ -8768,24 +8785,7 @@
                 <a:ea typeface="+mn-ea"/>
                 <a:cs typeface="+mn-cs"/>
               </a:rPr>
-              <a:pPr marL="0" marR="0" lvl="0" indent="0" algn="l" defTabSz="457200" rtl="0" eaLnBrk="1" fontAlgn="auto" latinLnBrk="0" hangingPunct="1">
-                <a:lnSpc>
-                  <a:spcPct val="100000"/>
-                </a:lnSpc>
-                <a:spcBef>
-                  <a:spcPts val="0"/>
-                </a:spcBef>
-                <a:spcAft>
-                  <a:spcPts val="0"/>
-                </a:spcAft>
-                <a:buClrTx/>
-                <a:buSzTx/>
-                <a:buFontTx/>
-                <a:buNone/>
-                <a:tabLst/>
-                <a:defRPr/>
-              </a:pPr>
-              <a:t>1/27/2020</a:t>
+              <a:t>1/28/2020</a:t>
             </a:fld>
             <a:endParaRPr kumimoji="0" lang="en-US" sz="1800" b="0" i="0" u="none" strike="noStrike" kern="1200" cap="none" spc="0" normalizeH="0" baseline="0" noProof="0" dirty="0">
               <a:ln>
@@ -9110,9 +9110,9 @@
           <a:bodyPr/>
           <a:lstStyle/>
           <a:p>
-            <a:fld id="{F070A7B3-6521-4DCA-87E5-044747A908C1}" type="datetimeFigureOut">
-              <a:rPr lang="en-US" dirty="0"/>
-              <a:t>1/27/2020</a:t>
+            <a:fld id="{68FB55B8-9970-4A09-A6A6-73D2122FBA4D}" type="datetime1">
+              <a:rPr lang="en-US" smtClean="0"/>
+              <a:t>1/28/2020</a:t>
             </a:fld>
             <a:endParaRPr lang="en-US" dirty="0"/>
           </a:p>
@@ -9395,9 +9395,9 @@
           <a:bodyPr/>
           <a:lstStyle/>
           <a:p>
-            <a:fld id="{1160EA64-D806-43AC-9DF2-F8C432F32B4C}" type="datetimeFigureOut">
-              <a:rPr lang="en-US" dirty="0"/>
-              <a:t>1/27/2020</a:t>
+            <a:fld id="{90D9EA7A-B793-4C69-A2AC-4D3DF0248288}" type="datetime1">
+              <a:rPr lang="en-US" smtClean="0"/>
+              <a:t>1/28/2020</a:t>
             </a:fld>
             <a:endParaRPr lang="en-US" dirty="0"/>
           </a:p>
@@ -9652,9 +9652,9 @@
           <a:bodyPr/>
           <a:lstStyle/>
           <a:p>
-            <a:fld id="{AB134690-1557-4C89-A502-4959FE7FAD70}" type="datetimeFigureOut">
-              <a:rPr lang="en-US" dirty="0"/>
-              <a:t>1/27/2020</a:t>
+            <a:fld id="{52049766-F3B9-452F-A446-A18816B35A82}" type="datetime1">
+              <a:rPr lang="en-US" smtClean="0"/>
+              <a:t>1/28/2020</a:t>
             </a:fld>
             <a:endParaRPr lang="en-US" dirty="0"/>
           </a:p>
@@ -10031,9 +10031,9 @@
           <a:bodyPr/>
           <a:lstStyle/>
           <a:p>
-            <a:fld id="{4F7D4976-E339-4826-83B7-FBD03F55ECF8}" type="datetimeFigureOut">
-              <a:rPr lang="en-US" dirty="0"/>
-              <a:t>1/27/2020</a:t>
+            <a:fld id="{F1A94159-AF8F-41BD-B297-ADAF66EFA296}" type="datetime1">
+              <a:rPr lang="en-US" smtClean="0"/>
+              <a:t>1/28/2020</a:t>
             </a:fld>
             <a:endParaRPr lang="en-US" dirty="0"/>
           </a:p>
@@ -10196,9 +10196,9 @@
           <a:bodyPr/>
           <a:lstStyle/>
           <a:p>
-            <a:fld id="{E1037C31-9E7A-4F99-8774-A0E530DE1A42}" type="datetimeFigureOut">
-              <a:rPr lang="en-US" dirty="0"/>
-              <a:t>1/27/2020</a:t>
+            <a:fld id="{39C3CB84-F12C-4106-8CEC-AA041F6FF976}" type="datetime1">
+              <a:rPr lang="en-US" smtClean="0"/>
+              <a:t>1/28/2020</a:t>
             </a:fld>
             <a:endParaRPr lang="en-US" dirty="0"/>
           </a:p>
@@ -10452,9 +10452,9 @@
           <a:bodyPr/>
           <a:lstStyle/>
           <a:p>
-            <a:fld id="{AB134690-1557-4C89-A502-4959FE7FAD70}" type="datetimeFigureOut">
-              <a:rPr lang="en-US" dirty="0"/>
-              <a:t>1/27/2020</a:t>
+            <a:fld id="{A87B12D9-B58D-4923-82F2-54CB866DD991}" type="datetime1">
+              <a:rPr lang="en-US" smtClean="0"/>
+              <a:t>1/28/2020</a:t>
             </a:fld>
             <a:endParaRPr lang="en-US" dirty="0"/>
           </a:p>
@@ -10566,9 +10566,9 @@
           <a:bodyPr/>
           <a:lstStyle/>
           <a:p>
-            <a:fld id="{C278504F-A551-4DE0-9316-4DCD1D8CC752}" type="datetimeFigureOut">
-              <a:rPr lang="en-US" dirty="0"/>
-              <a:t>1/27/2020</a:t>
+            <a:fld id="{E301888E-68A8-42C2-88FB-F2D93B722A62}" type="datetime1">
+              <a:rPr lang="en-US" smtClean="0"/>
+              <a:t>1/28/2020</a:t>
             </a:fld>
             <a:endParaRPr lang="en-US" dirty="0"/>
           </a:p>
@@ -10947,9 +10947,9 @@
           <a:bodyPr/>
           <a:lstStyle/>
           <a:p>
-            <a:fld id="{1160EA64-D806-43AC-9DF2-F8C432F32B4C}" type="datetimeFigureOut">
-              <a:rPr lang="en-US" dirty="0"/>
-              <a:t>1/27/2020</a:t>
+            <a:fld id="{F0BD8D49-E46E-4199-86E1-2B6A83A6D390}" type="datetime1">
+              <a:rPr lang="en-US" smtClean="0"/>
+              <a:t>1/28/2020</a:t>
             </a:fld>
             <a:endParaRPr lang="en-US" dirty="0"/>
           </a:p>
@@ -11323,10 +11323,9 @@
             </a:lvl1pPr>
           </a:lstStyle>
           <a:p>
-            <a:fld id="{1160EA64-D806-43AC-9DF2-F8C432F32B4C}" type="datetimeFigureOut">
-              <a:rPr lang="en-US" dirty="0"/>
-              <a:pPr/>
-              <a:t>1/27/2020</a:t>
+            <a:fld id="{ABC3A5D7-3665-42B8-9BA9-9441424803C7}" type="datetime1">
+              <a:rPr lang="en-US" smtClean="0"/>
+              <a:t>1/28/2020</a:t>
             </a:fld>
             <a:endParaRPr lang="en-US" dirty="0"/>
           </a:p>
@@ -11529,9 +11528,9 @@
           <a:bodyPr/>
           <a:lstStyle/>
           <a:p>
-            <a:fld id="{E9F9C37B-1D36-470B-8223-D6C91242EC14}" type="datetimeFigureOut">
-              <a:rPr lang="en-US" dirty="0"/>
-              <a:t>1/27/2020</a:t>
+            <a:fld id="{C7C52034-7E23-414C-ACD8-26BC9370B708}" type="datetime1">
+              <a:rPr lang="en-US" smtClean="0"/>
+              <a:t>1/28/2020</a:t>
             </a:fld>
             <a:endParaRPr lang="en-US" dirty="0"/>
           </a:p>
@@ -11733,9 +11732,9 @@
           <a:bodyPr/>
           <a:lstStyle/>
           <a:p>
-            <a:fld id="{67C6F52A-A82B-47A2-A83A-8C4C91F2D59F}" type="datetimeFigureOut">
-              <a:rPr lang="en-US" dirty="0"/>
-              <a:t>1/27/2020</a:t>
+            <a:fld id="{4DF39DDD-AE9E-4401-894A-77CF3E01C470}" type="datetime1">
+              <a:rPr lang="en-US" smtClean="0"/>
+              <a:t>1/28/2020</a:t>
             </a:fld>
             <a:endParaRPr lang="en-US" dirty="0"/>
           </a:p>
@@ -11974,8 +11973,8 @@
               <a:tabLst/>
               <a:defRPr/>
             </a:pPr>
-            <a:fld id="{F070A7B3-6521-4DCA-87E5-044747A908C1}" type="datetimeFigureOut">
-              <a:rPr kumimoji="0" lang="en-US" sz="1800" b="0" i="0" u="none" strike="noStrike" kern="1200" cap="none" spc="0" normalizeH="0" baseline="0" noProof="0" dirty="0">
+            <a:fld id="{F2AEB9DE-18EF-40D0-BC43-E3673540A5A7}" type="datetime1">
+              <a:rPr kumimoji="0" lang="en-US" sz="1800" b="0" i="0" u="none" strike="noStrike" kern="1200" cap="none" spc="0" normalizeH="0" baseline="0" noProof="0" smtClean="0">
                 <a:ln>
                   <a:noFill/>
                 </a:ln>
@@ -11989,24 +11988,7 @@
                 <a:ea typeface="+mn-ea"/>
                 <a:cs typeface="+mn-cs"/>
               </a:rPr>
-              <a:pPr marL="0" marR="0" lvl="0" indent="0" algn="l" defTabSz="457200" rtl="0" eaLnBrk="1" fontAlgn="auto" latinLnBrk="0" hangingPunct="1">
-                <a:lnSpc>
-                  <a:spcPct val="100000"/>
-                </a:lnSpc>
-                <a:spcBef>
-                  <a:spcPts val="0"/>
-                </a:spcBef>
-                <a:spcAft>
-                  <a:spcPts val="0"/>
-                </a:spcAft>
-                <a:buClrTx/>
-                <a:buSzTx/>
-                <a:buFontTx/>
-                <a:buNone/>
-                <a:tabLst/>
-                <a:defRPr/>
-              </a:pPr>
-              <a:t>1/27/2020</a:t>
+              <a:t>1/28/2020</a:t>
             </a:fld>
             <a:endParaRPr kumimoji="0" lang="en-US" sz="1800" b="0" i="0" u="none" strike="noStrike" kern="1200" cap="none" spc="0" normalizeH="0" baseline="0" noProof="0" dirty="0">
               <a:ln>
@@ -12408,8 +12390,8 @@
               <a:tabLst/>
               <a:defRPr/>
             </a:pPr>
-            <a:fld id="{1160EA64-D806-43AC-9DF2-F8C432F32B4C}" type="datetimeFigureOut">
-              <a:rPr kumimoji="0" lang="en-US" sz="1800" b="0" i="0" u="none" strike="noStrike" kern="1200" cap="none" spc="0" normalizeH="0" baseline="0" noProof="0" dirty="0">
+            <a:fld id="{A662800F-52A7-4400-82EE-3CC6E11CBF44}" type="datetime1">
+              <a:rPr kumimoji="0" lang="en-US" sz="1800" b="0" i="0" u="none" strike="noStrike" kern="1200" cap="none" spc="0" normalizeH="0" baseline="0" noProof="0" smtClean="0">
                 <a:ln>
                   <a:noFill/>
                 </a:ln>
@@ -12423,24 +12405,7 @@
                 <a:ea typeface="+mn-ea"/>
                 <a:cs typeface="+mn-cs"/>
               </a:rPr>
-              <a:pPr marL="0" marR="0" lvl="0" indent="0" algn="l" defTabSz="457200" rtl="0" eaLnBrk="1" fontAlgn="auto" latinLnBrk="0" hangingPunct="1">
-                <a:lnSpc>
-                  <a:spcPct val="100000"/>
-                </a:lnSpc>
-                <a:spcBef>
-                  <a:spcPts val="0"/>
-                </a:spcBef>
-                <a:spcAft>
-                  <a:spcPts val="0"/>
-                </a:spcAft>
-                <a:buClrTx/>
-                <a:buSzTx/>
-                <a:buFontTx/>
-                <a:buNone/>
-                <a:tabLst/>
-                <a:defRPr/>
-              </a:pPr>
-              <a:t>1/27/2020</a:t>
+              <a:t>1/28/2020</a:t>
             </a:fld>
             <a:endParaRPr kumimoji="0" lang="en-US" sz="1800" b="0" i="0" u="none" strike="noStrike" kern="1200" cap="none" spc="0" normalizeH="0" baseline="0" noProof="0" dirty="0">
               <a:ln>
@@ -12814,8 +12779,8 @@
               <a:tabLst/>
               <a:defRPr/>
             </a:pPr>
-            <a:fld id="{AB134690-1557-4C89-A502-4959FE7FAD70}" type="datetimeFigureOut">
-              <a:rPr kumimoji="0" lang="en-US" sz="1800" b="0" i="0" u="none" strike="noStrike" kern="1200" cap="none" spc="0" normalizeH="0" baseline="0" noProof="0" dirty="0">
+            <a:fld id="{B6A37290-126C-44FE-94CB-4EC108EBD58C}" type="datetime1">
+              <a:rPr kumimoji="0" lang="en-US" sz="1800" b="0" i="0" u="none" strike="noStrike" kern="1200" cap="none" spc="0" normalizeH="0" baseline="0" noProof="0" smtClean="0">
                 <a:ln>
                   <a:noFill/>
                 </a:ln>
@@ -12829,24 +12794,7 @@
                 <a:ea typeface="+mn-ea"/>
                 <a:cs typeface="+mn-cs"/>
               </a:rPr>
-              <a:pPr marL="0" marR="0" lvl="0" indent="0" algn="l" defTabSz="457200" rtl="0" eaLnBrk="1" fontAlgn="auto" latinLnBrk="0" hangingPunct="1">
-                <a:lnSpc>
-                  <a:spcPct val="100000"/>
-                </a:lnSpc>
-                <a:spcBef>
-                  <a:spcPts val="0"/>
-                </a:spcBef>
-                <a:spcAft>
-                  <a:spcPts val="0"/>
-                </a:spcAft>
-                <a:buClrTx/>
-                <a:buSzTx/>
-                <a:buFontTx/>
-                <a:buNone/>
-                <a:tabLst/>
-                <a:defRPr/>
-              </a:pPr>
-              <a:t>1/27/2020</a:t>
+              <a:t>1/28/2020</a:t>
             </a:fld>
             <a:endParaRPr kumimoji="0" lang="en-US" sz="1800" b="0" i="0" u="none" strike="noStrike" kern="1200" cap="none" spc="0" normalizeH="0" baseline="0" noProof="0" dirty="0">
               <a:ln>
@@ -13343,8 +13291,8 @@
               <a:tabLst/>
               <a:defRPr/>
             </a:pPr>
-            <a:fld id="{4F7D4976-E339-4826-83B7-FBD03F55ECF8}" type="datetimeFigureOut">
-              <a:rPr kumimoji="0" lang="en-US" sz="1800" b="0" i="0" u="none" strike="noStrike" kern="1200" cap="none" spc="0" normalizeH="0" baseline="0" noProof="0" dirty="0">
+            <a:fld id="{57027960-AF04-4009-B06C-0D083F1CC501}" type="datetime1">
+              <a:rPr kumimoji="0" lang="en-US" sz="1800" b="0" i="0" u="none" strike="noStrike" kern="1200" cap="none" spc="0" normalizeH="0" baseline="0" noProof="0" smtClean="0">
                 <a:ln>
                   <a:noFill/>
                 </a:ln>
@@ -13358,24 +13306,7 @@
                 <a:ea typeface="+mn-ea"/>
                 <a:cs typeface="+mn-cs"/>
               </a:rPr>
-              <a:pPr marL="0" marR="0" lvl="0" indent="0" algn="l" defTabSz="457200" rtl="0" eaLnBrk="1" fontAlgn="auto" latinLnBrk="0" hangingPunct="1">
-                <a:lnSpc>
-                  <a:spcPct val="100000"/>
-                </a:lnSpc>
-                <a:spcBef>
-                  <a:spcPts val="0"/>
-                </a:spcBef>
-                <a:spcAft>
-                  <a:spcPts val="0"/>
-                </a:spcAft>
-                <a:buClrTx/>
-                <a:buSzTx/>
-                <a:buFontTx/>
-                <a:buNone/>
-                <a:tabLst/>
-                <a:defRPr/>
-              </a:pPr>
-              <a:t>1/27/2020</a:t>
+              <a:t>1/28/2020</a:t>
             </a:fld>
             <a:endParaRPr kumimoji="0" lang="en-US" sz="1800" b="0" i="0" u="none" strike="noStrike" kern="1200" cap="none" spc="0" normalizeH="0" baseline="0" noProof="0" dirty="0">
               <a:ln>
@@ -13878,9 +13809,9 @@
           <a:bodyPr/>
           <a:lstStyle/>
           <a:p>
-            <a:fld id="{4F7D4976-E339-4826-83B7-FBD03F55ECF8}" type="datetimeFigureOut">
-              <a:rPr lang="en-US" dirty="0"/>
-              <a:t>1/27/2020</a:t>
+            <a:fld id="{BC61C91F-1EDD-457F-B0A8-460A84C6CF7B}" type="datetime1">
+              <a:rPr lang="en-US" smtClean="0"/>
+              <a:t>1/28/2020</a:t>
             </a:fld>
             <a:endParaRPr lang="en-US" dirty="0"/>
           </a:p>
@@ -14055,8 +13986,8 @@
               <a:tabLst/>
               <a:defRPr/>
             </a:pPr>
-            <a:fld id="{E1037C31-9E7A-4F99-8774-A0E530DE1A42}" type="datetimeFigureOut">
-              <a:rPr kumimoji="0" lang="en-US" sz="1800" b="0" i="0" u="none" strike="noStrike" kern="1200" cap="none" spc="0" normalizeH="0" baseline="0" noProof="0" dirty="0">
+            <a:fld id="{833C8224-B401-4FEC-95E4-021230F719C4}" type="datetime1">
+              <a:rPr kumimoji="0" lang="en-US" sz="1800" b="0" i="0" u="none" strike="noStrike" kern="1200" cap="none" spc="0" normalizeH="0" baseline="0" noProof="0" smtClean="0">
                 <a:ln>
                   <a:noFill/>
                 </a:ln>
@@ -14070,24 +14001,7 @@
                 <a:ea typeface="+mn-ea"/>
                 <a:cs typeface="+mn-cs"/>
               </a:rPr>
-              <a:pPr marL="0" marR="0" lvl="0" indent="0" algn="l" defTabSz="457200" rtl="0" eaLnBrk="1" fontAlgn="auto" latinLnBrk="0" hangingPunct="1">
-                <a:lnSpc>
-                  <a:spcPct val="100000"/>
-                </a:lnSpc>
-                <a:spcBef>
-                  <a:spcPts val="0"/>
-                </a:spcBef>
-                <a:spcAft>
-                  <a:spcPts val="0"/>
-                </a:spcAft>
-                <a:buClrTx/>
-                <a:buSzTx/>
-                <a:buFontTx/>
-                <a:buNone/>
-                <a:tabLst/>
-                <a:defRPr/>
-              </a:pPr>
-              <a:t>1/27/2020</a:t>
+              <a:t>1/28/2020</a:t>
             </a:fld>
             <a:endParaRPr kumimoji="0" lang="en-US" sz="1800" b="0" i="0" u="none" strike="noStrike" kern="1200" cap="none" spc="0" normalizeH="0" baseline="0" noProof="0" dirty="0">
               <a:ln>
@@ -14324,8 +14238,8 @@
               <a:tabLst/>
               <a:defRPr/>
             </a:pPr>
-            <a:fld id="{C278504F-A551-4DE0-9316-4DCD1D8CC752}" type="datetimeFigureOut">
-              <a:rPr kumimoji="0" lang="en-US" sz="1800" b="0" i="0" u="none" strike="noStrike" kern="1200" cap="none" spc="0" normalizeH="0" baseline="0" noProof="0" dirty="0">
+            <a:fld id="{09C73004-7E45-460F-BB1D-AA98DDD50757}" type="datetime1">
+              <a:rPr kumimoji="0" lang="en-US" sz="1800" b="0" i="0" u="none" strike="noStrike" kern="1200" cap="none" spc="0" normalizeH="0" baseline="0" noProof="0" smtClean="0">
                 <a:ln>
                   <a:noFill/>
                 </a:ln>
@@ -14339,24 +14253,7 @@
                 <a:ea typeface="+mn-ea"/>
                 <a:cs typeface="+mn-cs"/>
               </a:rPr>
-              <a:pPr marL="0" marR="0" lvl="0" indent="0" algn="l" defTabSz="457200" rtl="0" eaLnBrk="1" fontAlgn="auto" latinLnBrk="0" hangingPunct="1">
-                <a:lnSpc>
-                  <a:spcPct val="100000"/>
-                </a:lnSpc>
-                <a:spcBef>
-                  <a:spcPts val="0"/>
-                </a:spcBef>
-                <a:spcAft>
-                  <a:spcPts val="0"/>
-                </a:spcAft>
-                <a:buClrTx/>
-                <a:buSzTx/>
-                <a:buFontTx/>
-                <a:buNone/>
-                <a:tabLst/>
-                <a:defRPr/>
-              </a:pPr>
-              <a:t>1/27/2020</a:t>
+              <a:t>1/28/2020</a:t>
             </a:fld>
             <a:endParaRPr kumimoji="0" lang="en-US" sz="1800" b="0" i="0" u="none" strike="noStrike" kern="1200" cap="none" spc="0" normalizeH="0" baseline="0" noProof="0" dirty="0">
               <a:ln>
@@ -14855,8 +14752,8 @@
               <a:tabLst/>
               <a:defRPr/>
             </a:pPr>
-            <a:fld id="{1160EA64-D806-43AC-9DF2-F8C432F32B4C}" type="datetimeFigureOut">
-              <a:rPr kumimoji="0" lang="en-US" sz="1800" b="0" i="0" u="none" strike="noStrike" kern="1200" cap="none" spc="0" normalizeH="0" baseline="0" noProof="0" dirty="0">
+            <a:fld id="{29B70895-1D8C-4A95-9B9F-C01145E18419}" type="datetime1">
+              <a:rPr kumimoji="0" lang="en-US" sz="1800" b="0" i="0" u="none" strike="noStrike" kern="1200" cap="none" spc="0" normalizeH="0" baseline="0" noProof="0" smtClean="0">
                 <a:ln>
                   <a:noFill/>
                 </a:ln>
@@ -14870,24 +14767,7 @@
                 <a:ea typeface="+mn-ea"/>
                 <a:cs typeface="+mn-cs"/>
               </a:rPr>
-              <a:pPr marL="0" marR="0" lvl="0" indent="0" algn="l" defTabSz="457200" rtl="0" eaLnBrk="1" fontAlgn="auto" latinLnBrk="0" hangingPunct="1">
-                <a:lnSpc>
-                  <a:spcPct val="100000"/>
-                </a:lnSpc>
-                <a:spcBef>
-                  <a:spcPts val="0"/>
-                </a:spcBef>
-                <a:spcAft>
-                  <a:spcPts val="0"/>
-                </a:spcAft>
-                <a:buClrTx/>
-                <a:buSzTx/>
-                <a:buFontTx/>
-                <a:buNone/>
-                <a:tabLst/>
-                <a:defRPr/>
-              </a:pPr>
-              <a:t>1/27/2020</a:t>
+              <a:t>1/28/2020</a:t>
             </a:fld>
             <a:endParaRPr kumimoji="0" lang="en-US" sz="1800" b="0" i="0" u="none" strike="noStrike" kern="1200" cap="none" spc="0" normalizeH="0" baseline="0" noProof="0" dirty="0">
               <a:ln>
@@ -15382,8 +15262,8 @@
               <a:tabLst/>
               <a:defRPr/>
             </a:pPr>
-            <a:fld id="{1160EA64-D806-43AC-9DF2-F8C432F32B4C}" type="datetimeFigureOut">
-              <a:rPr kumimoji="0" lang="en-US" sz="1800" b="0" i="0" u="none" strike="noStrike" kern="1200" cap="none" spc="0" normalizeH="0" baseline="0" noProof="0" dirty="0">
+            <a:fld id="{55961FAE-3127-4538-92E0-724C77C32EAF}" type="datetime1">
+              <a:rPr kumimoji="0" lang="en-US" sz="1800" b="0" i="0" u="none" strike="noStrike" kern="1200" cap="none" spc="0" normalizeH="0" baseline="0" noProof="0" smtClean="0">
                 <a:ln>
                   <a:noFill/>
                 </a:ln>
@@ -15405,24 +15285,7 @@
                 <a:ea typeface="+mn-ea"/>
                 <a:cs typeface="+mn-cs"/>
               </a:rPr>
-              <a:pPr marL="0" marR="0" lvl="0" indent="0" algn="l" defTabSz="457200" rtl="0" eaLnBrk="1" fontAlgn="auto" latinLnBrk="0" hangingPunct="1">
-                <a:lnSpc>
-                  <a:spcPct val="100000"/>
-                </a:lnSpc>
-                <a:spcBef>
-                  <a:spcPts val="0"/>
-                </a:spcBef>
-                <a:spcAft>
-                  <a:spcPts val="0"/>
-                </a:spcAft>
-                <a:buClrTx/>
-                <a:buSzTx/>
-                <a:buFontTx/>
-                <a:buNone/>
-                <a:tabLst/>
-                <a:defRPr/>
-              </a:pPr>
-              <a:t>1/27/2020</a:t>
+              <a:t>1/28/2020</a:t>
             </a:fld>
             <a:endParaRPr kumimoji="0" lang="en-US" sz="1800" b="0" i="0" u="none" strike="noStrike" kern="1200" cap="none" spc="0" normalizeH="0" baseline="0" noProof="0" dirty="0">
               <a:ln>
@@ -15754,8 +15617,8 @@
               <a:tabLst/>
               <a:defRPr/>
             </a:pPr>
-            <a:fld id="{E9F9C37B-1D36-470B-8223-D6C91242EC14}" type="datetimeFigureOut">
-              <a:rPr kumimoji="0" lang="en-US" sz="1800" b="0" i="0" u="none" strike="noStrike" kern="1200" cap="none" spc="0" normalizeH="0" baseline="0" noProof="0" dirty="0">
+            <a:fld id="{5EEDDA4B-BEB3-462A-8543-2386196F072E}" type="datetime1">
+              <a:rPr kumimoji="0" lang="en-US" sz="1800" b="0" i="0" u="none" strike="noStrike" kern="1200" cap="none" spc="0" normalizeH="0" baseline="0" noProof="0" smtClean="0">
                 <a:ln>
                   <a:noFill/>
                 </a:ln>
@@ -15769,24 +15632,7 @@
                 <a:ea typeface="+mn-ea"/>
                 <a:cs typeface="+mn-cs"/>
               </a:rPr>
-              <a:pPr marL="0" marR="0" lvl="0" indent="0" algn="l" defTabSz="457200" rtl="0" eaLnBrk="1" fontAlgn="auto" latinLnBrk="0" hangingPunct="1">
-                <a:lnSpc>
-                  <a:spcPct val="100000"/>
-                </a:lnSpc>
-                <a:spcBef>
-                  <a:spcPts val="0"/>
-                </a:spcBef>
-                <a:spcAft>
-                  <a:spcPts val="0"/>
-                </a:spcAft>
-                <a:buClrTx/>
-                <a:buSzTx/>
-                <a:buFontTx/>
-                <a:buNone/>
-                <a:tabLst/>
-                <a:defRPr/>
-              </a:pPr>
-              <a:t>1/27/2020</a:t>
+              <a:t>1/28/2020</a:t>
             </a:fld>
             <a:endParaRPr kumimoji="0" lang="en-US" sz="1800" b="0" i="0" u="none" strike="noStrike" kern="1200" cap="none" spc="0" normalizeH="0" baseline="0" noProof="0" dirty="0">
               <a:ln>
@@ -16108,8 +15954,8 @@
               <a:tabLst/>
               <a:defRPr/>
             </a:pPr>
-            <a:fld id="{67C6F52A-A82B-47A2-A83A-8C4C91F2D59F}" type="datetimeFigureOut">
-              <a:rPr kumimoji="0" lang="en-US" sz="1800" b="0" i="0" u="none" strike="noStrike" kern="1200" cap="none" spc="0" normalizeH="0" baseline="0" noProof="0" dirty="0">
+            <a:fld id="{39B23B94-0A8F-4430-81C2-CE597216A456}" type="datetime1">
+              <a:rPr kumimoji="0" lang="en-US" sz="1800" b="0" i="0" u="none" strike="noStrike" kern="1200" cap="none" spc="0" normalizeH="0" baseline="0" noProof="0" smtClean="0">
                 <a:ln>
                   <a:noFill/>
                 </a:ln>
@@ -16123,24 +15969,7 @@
                 <a:ea typeface="+mn-ea"/>
                 <a:cs typeface="+mn-cs"/>
               </a:rPr>
-              <a:pPr marL="0" marR="0" lvl="0" indent="0" algn="l" defTabSz="457200" rtl="0" eaLnBrk="1" fontAlgn="auto" latinLnBrk="0" hangingPunct="1">
-                <a:lnSpc>
-                  <a:spcPct val="100000"/>
-                </a:lnSpc>
-                <a:spcBef>
-                  <a:spcPts val="0"/>
-                </a:spcBef>
-                <a:spcAft>
-                  <a:spcPts val="0"/>
-                </a:spcAft>
-                <a:buClrTx/>
-                <a:buSzTx/>
-                <a:buFontTx/>
-                <a:buNone/>
-                <a:tabLst/>
-                <a:defRPr/>
-              </a:pPr>
-              <a:t>1/27/2020</a:t>
+              <a:t>1/28/2020</a:t>
             </a:fld>
             <a:endParaRPr kumimoji="0" lang="en-US" sz="1800" b="0" i="0" u="none" strike="noStrike" kern="1200" cap="none" spc="0" normalizeH="0" baseline="0" noProof="0" dirty="0">
               <a:ln>
@@ -16383,9 +16212,9 @@
           <a:bodyPr/>
           <a:lstStyle/>
           <a:p>
-            <a:fld id="{E1037C31-9E7A-4F99-8774-A0E530DE1A42}" type="datetimeFigureOut">
-              <a:rPr lang="en-US" dirty="0"/>
-              <a:t>1/27/2020</a:t>
+            <a:fld id="{D2970B9C-7D16-4FAF-B3EB-D6784F747DAA}" type="datetime1">
+              <a:rPr lang="en-US" smtClean="0"/>
+              <a:t>1/28/2020</a:t>
             </a:fld>
             <a:endParaRPr lang="en-US" dirty="0"/>
           </a:p>
@@ -16497,9 +16326,9 @@
           <a:bodyPr/>
           <a:lstStyle/>
           <a:p>
-            <a:fld id="{C278504F-A551-4DE0-9316-4DCD1D8CC752}" type="datetimeFigureOut">
-              <a:rPr lang="en-US" dirty="0"/>
-              <a:t>1/27/2020</a:t>
+            <a:fld id="{E20AAC54-6428-4C85-BFB9-B2746ED92438}" type="datetime1">
+              <a:rPr lang="en-US" smtClean="0"/>
+              <a:t>1/28/2020</a:t>
             </a:fld>
             <a:endParaRPr lang="en-US" dirty="0"/>
           </a:p>
@@ -16873,9 +16702,9 @@
           <a:bodyPr/>
           <a:lstStyle/>
           <a:p>
-            <a:fld id="{1160EA64-D806-43AC-9DF2-F8C432F32B4C}" type="datetimeFigureOut">
-              <a:rPr lang="en-US" dirty="0"/>
-              <a:t>1/27/2020</a:t>
+            <a:fld id="{8BC41058-14D7-4828-99ED-4868656C8D95}" type="datetime1">
+              <a:rPr lang="en-US" smtClean="0"/>
+              <a:t>1/28/2020</a:t>
             </a:fld>
             <a:endParaRPr lang="en-US" dirty="0"/>
           </a:p>
@@ -17244,10 +17073,9 @@
             </a:lvl1pPr>
           </a:lstStyle>
           <a:p>
-            <a:fld id="{1160EA64-D806-43AC-9DF2-F8C432F32B4C}" type="datetimeFigureOut">
-              <a:rPr lang="en-US" dirty="0"/>
-              <a:pPr/>
-              <a:t>1/27/2020</a:t>
+            <a:fld id="{A72234D1-E3DE-4010-8558-FC58E847D354}" type="datetime1">
+              <a:rPr lang="en-US" smtClean="0"/>
+              <a:t>1/28/2020</a:t>
             </a:fld>
             <a:endParaRPr lang="en-US" dirty="0"/>
           </a:p>
@@ -18039,9 +17867,9 @@
             </a:lvl1pPr>
           </a:lstStyle>
           <a:p>
-            <a:fld id="{377E3AE9-0F60-4E9A-B5C8-17FADBDCB6EA}" type="datetimeFigureOut">
-              <a:rPr lang="en-GB" smtClean="0"/>
-              <a:t>27/01/2020</a:t>
+            <a:fld id="{5A19D752-9F68-495B-8845-C87F2D6E92B8}" type="datetime1">
+              <a:rPr lang="en-US" smtClean="0"/>
+              <a:t>1/28/2020</a:t>
             </a:fld>
             <a:endParaRPr lang="en-GB"/>
           </a:p>
@@ -18158,6 +17986,7 @@
     <p:sldLayoutId id="2147483718" r:id="rId10"/>
     <p:sldLayoutId id="2147483719" r:id="rId11"/>
   </p:sldLayoutIdLst>
+  <p:hf sldNum="0" hdr="0" ftr="0" dt="0"/>
   <p:txStyles>
     <p:titleStyle>
       <a:lvl1pPr algn="l" defTabSz="914400" rtl="0" eaLnBrk="1" latinLnBrk="0" hangingPunct="1">
@@ -20407,7 +20236,7 @@
         </p:nvSpPr>
         <p:spPr>
           <a:xfrm>
-            <a:off x="0" y="648930"/>
+            <a:off x="0" y="679410"/>
             <a:ext cx="12192000" cy="6287728"/>
           </a:xfrm>
           <a:ln>
@@ -20496,6 +20325,36 @@
           </a:p>
         </p:txBody>
       </p:sp>
+      <p:pic>
+        <p:nvPicPr>
+          <p:cNvPr id="3" name="Immagine 2" descr="Immagine che contiene testo&#10;&#10;Descrizione generata automaticamente">
+            <a:extLst>
+              <a:ext uri="{FF2B5EF4-FFF2-40B4-BE49-F238E27FC236}">
+                <a16:creationId xmlns:a16="http://schemas.microsoft.com/office/drawing/2014/main" id="{DABCBF3C-6803-4280-9EBA-2B61A50AA94A}"/>
+              </a:ext>
+            </a:extLst>
+          </p:cNvPr>
+          <p:cNvPicPr>
+            <a:picLocks noChangeAspect="1"/>
+          </p:cNvPicPr>
+          <p:nvPr/>
+        </p:nvPicPr>
+        <p:blipFill>
+          <a:blip r:embed="rId3"/>
+          <a:stretch>
+            <a:fillRect/>
+          </a:stretch>
+        </p:blipFill>
+        <p:spPr>
+          <a:xfrm>
+            <a:off x="518119" y="1137205"/>
+            <a:ext cx="10509033" cy="5799453"/>
+          </a:xfrm>
+          <a:prstGeom prst="rect">
+            <a:avLst/>
+          </a:prstGeom>
+        </p:spPr>
+      </p:pic>
       <p:sp>
         <p:nvSpPr>
           <p:cNvPr id="24" name="Ovale 23">
@@ -20517,10 +20376,10 @@
             <a:avLst/>
           </a:prstGeom>
           <a:blipFill>
-            <a:blip r:embed="rId3">
+            <a:blip r:embed="rId4">
               <a:extLst>
                 <a:ext uri="{837473B0-CC2E-450A-ABE3-18F120FF3D39}">
-                  <a1611:picAttrSrcUrl xmlns:a1611="http://schemas.microsoft.com/office/drawing/2016/11/main" r:id="rId4"/>
+                  <a1611:picAttrSrcUrl xmlns:a1611="http://schemas.microsoft.com/office/drawing/2016/11/main" r:id="rId5"/>
                 </a:ext>
               </a:extLst>
             </a:blip>
@@ -20557,36 +20416,6 @@
           </a:p>
         </p:txBody>
       </p:sp>
-      <p:pic>
-        <p:nvPicPr>
-          <p:cNvPr id="3" name="Immagine 2" descr="Immagine che contiene testo&#10;&#10;Descrizione generata automaticamente">
-            <a:extLst>
-              <a:ext uri="{FF2B5EF4-FFF2-40B4-BE49-F238E27FC236}">
-                <a16:creationId xmlns:a16="http://schemas.microsoft.com/office/drawing/2014/main" id="{DABCBF3C-6803-4280-9EBA-2B61A50AA94A}"/>
-              </a:ext>
-            </a:extLst>
-          </p:cNvPr>
-          <p:cNvPicPr>
-            <a:picLocks noChangeAspect="1"/>
-          </p:cNvPicPr>
-          <p:nvPr/>
-        </p:nvPicPr>
-        <p:blipFill>
-          <a:blip r:embed="rId5"/>
-          <a:stretch>
-            <a:fillRect/>
-          </a:stretch>
-        </p:blipFill>
-        <p:spPr>
-          <a:xfrm>
-            <a:off x="309674" y="1065368"/>
-            <a:ext cx="10575708" cy="6195815"/>
-          </a:xfrm>
-          <a:prstGeom prst="rect">
-            <a:avLst/>
-          </a:prstGeom>
-        </p:spPr>
-      </p:pic>
     </p:spTree>
     <p:extLst>
       <p:ext uri="{BB962C8B-B14F-4D97-AF65-F5344CB8AC3E}">
@@ -22535,6 +22364,36 @@
           </a:prstGeom>
         </p:spPr>
       </p:pic>
+      <p:pic>
+        <p:nvPicPr>
+          <p:cNvPr id="6" name="Immagine 5" descr="Immagine che contiene mappa&#10;&#10;Descrizione generata automaticamente">
+            <a:extLst>
+              <a:ext uri="{FF2B5EF4-FFF2-40B4-BE49-F238E27FC236}">
+                <a16:creationId xmlns:a16="http://schemas.microsoft.com/office/drawing/2014/main" id="{91BF272D-51A1-4DE0-B496-3C5A04D8BEF3}"/>
+              </a:ext>
+            </a:extLst>
+          </p:cNvPr>
+          <p:cNvPicPr>
+            <a:picLocks noChangeAspect="1"/>
+          </p:cNvPicPr>
+          <p:nvPr/>
+        </p:nvPicPr>
+        <p:blipFill>
+          <a:blip r:embed="rId4"/>
+          <a:stretch>
+            <a:fillRect/>
+          </a:stretch>
+        </p:blipFill>
+        <p:spPr>
+          <a:xfrm>
+            <a:off x="5523052" y="4328682"/>
+            <a:ext cx="5438775" cy="2095500"/>
+          </a:xfrm>
+          <a:prstGeom prst="rect">
+            <a:avLst/>
+          </a:prstGeom>
+        </p:spPr>
+      </p:pic>
       <p:sp>
         <p:nvSpPr>
           <p:cNvPr id="14" name="Ovale 13">
@@ -22556,10 +22415,10 @@
             <a:avLst/>
           </a:prstGeom>
           <a:blipFill>
-            <a:blip r:embed="rId4">
+            <a:blip r:embed="rId5">
               <a:extLst>
                 <a:ext uri="{837473B0-CC2E-450A-ABE3-18F120FF3D39}">
-                  <a1611:picAttrSrcUrl xmlns:a1611="http://schemas.microsoft.com/office/drawing/2016/11/main" r:id="rId5"/>
+                  <a1611:picAttrSrcUrl xmlns:a1611="http://schemas.microsoft.com/office/drawing/2016/11/main" r:id="rId6"/>
                 </a:ext>
               </a:extLst>
             </a:blip>
@@ -22596,36 +22455,6 @@
           </a:p>
         </p:txBody>
       </p:sp>
-      <p:pic>
-        <p:nvPicPr>
-          <p:cNvPr id="6" name="Immagine 5" descr="Immagine che contiene mappa&#10;&#10;Descrizione generata automaticamente">
-            <a:extLst>
-              <a:ext uri="{FF2B5EF4-FFF2-40B4-BE49-F238E27FC236}">
-                <a16:creationId xmlns:a16="http://schemas.microsoft.com/office/drawing/2014/main" id="{91BF272D-51A1-4DE0-B496-3C5A04D8BEF3}"/>
-              </a:ext>
-            </a:extLst>
-          </p:cNvPr>
-          <p:cNvPicPr>
-            <a:picLocks noChangeAspect="1"/>
-          </p:cNvPicPr>
-          <p:nvPr/>
-        </p:nvPicPr>
-        <p:blipFill>
-          <a:blip r:embed="rId6"/>
-          <a:stretch>
-            <a:fillRect/>
-          </a:stretch>
-        </p:blipFill>
-        <p:spPr>
-          <a:xfrm>
-            <a:off x="5523052" y="4328682"/>
-            <a:ext cx="5438775" cy="2095500"/>
-          </a:xfrm>
-          <a:prstGeom prst="rect">
-            <a:avLst/>
-          </a:prstGeom>
-        </p:spPr>
-      </p:pic>
     </p:spTree>
     <p:extLst>
       <p:ext uri="{BB962C8B-B14F-4D97-AF65-F5344CB8AC3E}">
@@ -22635,6 +22464,868 @@
   </p:cSld>
   <p:clrMapOvr>
     <a:overrideClrMapping bg1="dk1" tx1="lt1" bg2="dk2" tx2="lt2" accent1="accent1" accent2="accent2" accent3="accent3" accent4="accent4" accent5="accent5" accent6="accent6" hlink="hlink" folHlink="folHlink"/>
+  </p:clrMapOvr>
+</p:sld>
+</file>
+
+<file path=ppt/slides/slide16.xml><?xml version="1.0" encoding="utf-8"?>
+<p:sld xmlns:a="http://schemas.openxmlformats.org/drawingml/2006/main" xmlns:r="http://schemas.openxmlformats.org/officeDocument/2006/relationships" xmlns:p="http://schemas.openxmlformats.org/presentationml/2006/main">
+  <p:cSld>
+    <p:spTree>
+      <p:nvGrpSpPr>
+        <p:cNvPr id="1" name=""/>
+        <p:cNvGrpSpPr/>
+        <p:nvPr/>
+      </p:nvGrpSpPr>
+      <p:grpSpPr>
+        <a:xfrm>
+          <a:off x="0" y="0"/>
+          <a:ext cx="0" cy="0"/>
+          <a:chOff x="0" y="0"/>
+          <a:chExt cx="0" cy="0"/>
+        </a:xfrm>
+      </p:grpSpPr>
+      <p:sp>
+        <p:nvSpPr>
+          <p:cNvPr id="19" name="Titolo 18">
+            <a:extLst>
+              <a:ext uri="{FF2B5EF4-FFF2-40B4-BE49-F238E27FC236}">
+                <a16:creationId xmlns:a16="http://schemas.microsoft.com/office/drawing/2014/main" id="{5159A273-870F-45B5-9101-1CA02121DC26}"/>
+              </a:ext>
+            </a:extLst>
+          </p:cNvPr>
+          <p:cNvSpPr>
+            <a:spLocks noGrp="1"/>
+          </p:cNvSpPr>
+          <p:nvPr>
+            <p:ph type="title"/>
+          </p:nvPr>
+        </p:nvSpPr>
+        <p:spPr>
+          <a:xfrm>
+            <a:off x="0" y="924232"/>
+            <a:ext cx="12192000" cy="6012425"/>
+          </a:xfrm>
+          <a:ln>
+            <a:noFill/>
+          </a:ln>
+        </p:spPr>
+        <p:txBody>
+          <a:bodyPr/>
+          <a:lstStyle/>
+          <a:p>
+            <a:r>
+              <a:rPr lang="it-IT" dirty="0"/>
+              <a:t> </a:t>
+            </a:r>
+            <a:endParaRPr lang="en-GB" dirty="0"/>
+          </a:p>
+        </p:txBody>
+      </p:sp>
+      <p:sp>
+        <p:nvSpPr>
+          <p:cNvPr id="7" name="Titolo 6">
+            <a:extLst>
+              <a:ext uri="{FF2B5EF4-FFF2-40B4-BE49-F238E27FC236}">
+                <a16:creationId xmlns:a16="http://schemas.microsoft.com/office/drawing/2014/main" id="{FA17E5C4-15D2-4F39-B893-E35D941E71D1}"/>
+              </a:ext>
+            </a:extLst>
+          </p:cNvPr>
+          <p:cNvSpPr txBox="1">
+            <a:spLocks/>
+          </p:cNvSpPr>
+          <p:nvPr/>
+        </p:nvSpPr>
+        <p:spPr>
+          <a:xfrm>
+            <a:off x="3519947" y="604186"/>
+            <a:ext cx="5152103" cy="640091"/>
+          </a:xfrm>
+          <a:prstGeom prst="rect">
+            <a:avLst/>
+          </a:prstGeom>
+          <a:solidFill>
+            <a:schemeClr val="bg1"/>
+          </a:solidFill>
+          <a:ln w="15875" cap="sq">
+            <a:solidFill>
+              <a:schemeClr val="tx1">
+                <a:lumMod val="75000"/>
+                <a:lumOff val="25000"/>
+              </a:schemeClr>
+            </a:solidFill>
+            <a:miter lim="800000"/>
+          </a:ln>
+        </p:spPr>
+        <p:txBody>
+          <a:bodyPr vert="horz" lIns="182880" tIns="182880" rIns="182880" bIns="182880" rtlCol="0" anchor="ctr">
+            <a:normAutofit fontScale="85000" lnSpcReduction="20000"/>
+          </a:bodyPr>
+          <a:lstStyle>
+            <a:lvl1pPr algn="ctr" defTabSz="914400" rtl="0" eaLnBrk="1" latinLnBrk="0" hangingPunct="1">
+              <a:lnSpc>
+                <a:spcPct val="90000"/>
+              </a:lnSpc>
+              <a:spcBef>
+                <a:spcPct val="0"/>
+              </a:spcBef>
+              <a:buNone/>
+              <a:defRPr sz="2800" kern="1200" cap="all" spc="200" baseline="0">
+                <a:solidFill>
+                  <a:schemeClr val="tx1">
+                    <a:lumMod val="85000"/>
+                    <a:lumOff val="15000"/>
+                  </a:schemeClr>
+                </a:solidFill>
+                <a:latin typeface="+mj-lt"/>
+                <a:ea typeface="+mj-ea"/>
+                <a:cs typeface="+mj-cs"/>
+              </a:defRPr>
+            </a:lvl1pPr>
+          </a:lstStyle>
+          <a:p>
+            <a:r>
+              <a:rPr lang="it-IT" dirty="0"/>
+              <a:t>IMPLEMENTATION PLAN</a:t>
+            </a:r>
+            <a:endParaRPr lang="en-GB" dirty="0"/>
+          </a:p>
+        </p:txBody>
+      </p:sp>
+      <p:sp>
+        <p:nvSpPr>
+          <p:cNvPr id="24" name="Ovale 23">
+            <a:extLst>
+              <a:ext uri="{FF2B5EF4-FFF2-40B4-BE49-F238E27FC236}">
+                <a16:creationId xmlns:a16="http://schemas.microsoft.com/office/drawing/2014/main" id="{543BAF3E-8D53-4EB3-9D0C-75E34D6C44CC}"/>
+              </a:ext>
+            </a:extLst>
+          </p:cNvPr>
+          <p:cNvSpPr/>
+          <p:nvPr/>
+        </p:nvSpPr>
+        <p:spPr>
+          <a:xfrm>
+            <a:off x="10895215" y="5502161"/>
+            <a:ext cx="1230110" cy="1230110"/>
+          </a:xfrm>
+          <a:prstGeom prst="ellipse">
+            <a:avLst/>
+          </a:prstGeom>
+          <a:blipFill>
+            <a:blip r:embed="rId3">
+              <a:extLst>
+                <a:ext uri="{837473B0-CC2E-450A-ABE3-18F120FF3D39}">
+                  <a1611:picAttrSrcUrl xmlns:a1611="http://schemas.microsoft.com/office/drawing/2016/11/main" r:id="rId4"/>
+                </a:ext>
+              </a:extLst>
+            </a:blip>
+            <a:stretch>
+              <a:fillRect/>
+            </a:stretch>
+          </a:blipFill>
+          <a:ln>
+            <a:noFill/>
+          </a:ln>
+        </p:spPr>
+        <p:style>
+          <a:lnRef idx="2">
+            <a:schemeClr val="accent1">
+              <a:shade val="50000"/>
+            </a:schemeClr>
+          </a:lnRef>
+          <a:fillRef idx="1">
+            <a:schemeClr val="accent1"/>
+          </a:fillRef>
+          <a:effectRef idx="0">
+            <a:schemeClr val="accent1"/>
+          </a:effectRef>
+          <a:fontRef idx="minor">
+            <a:schemeClr val="lt1"/>
+          </a:fontRef>
+        </p:style>
+        <p:txBody>
+          <a:bodyPr rtlCol="0" anchor="ctr"/>
+          <a:lstStyle/>
+          <a:p>
+            <a:pPr algn="ctr"/>
+            <a:endParaRPr lang="en-GB"/>
+          </a:p>
+        </p:txBody>
+      </p:sp>
+      <p:graphicFrame>
+        <p:nvGraphicFramePr>
+          <p:cNvPr id="2" name="Tabella 2">
+            <a:extLst>
+              <a:ext uri="{FF2B5EF4-FFF2-40B4-BE49-F238E27FC236}">
+                <a16:creationId xmlns:a16="http://schemas.microsoft.com/office/drawing/2014/main" id="{0D66FDFF-C3BD-45C6-A413-AA8C2031C998}"/>
+              </a:ext>
+            </a:extLst>
+          </p:cNvPr>
+          <p:cNvGraphicFramePr>
+            <a:graphicFrameLocks noGrp="1"/>
+          </p:cNvGraphicFramePr>
+          <p:nvPr>
+            <p:extLst>
+              <p:ext uri="{D42A27DB-BD31-4B8C-83A1-F6EECF244321}">
+                <p14:modId xmlns:p14="http://schemas.microsoft.com/office/powerpoint/2010/main" val="85752540"/>
+              </p:ext>
+            </p:extLst>
+          </p:nvPr>
+        </p:nvGraphicFramePr>
+        <p:xfrm>
+          <a:off x="1687870" y="1889704"/>
+          <a:ext cx="9140669" cy="4216125"/>
+        </p:xfrm>
+        <a:graphic>
+          <a:graphicData uri="http://schemas.openxmlformats.org/drawingml/2006/table">
+            <a:tbl>
+              <a:tblPr firstRow="1" bandRow="1">
+                <a:tableStyleId>{21E4AEA4-8DFA-4A89-87EB-49C32662AFE0}</a:tableStyleId>
+              </a:tblPr>
+              <a:tblGrid>
+                <a:gridCol w="2452254">
+                  <a:extLst>
+                    <a:ext uri="{9D8B030D-6E8A-4147-A177-3AD203B41FA5}">
+                      <a16:colId xmlns:a16="http://schemas.microsoft.com/office/drawing/2014/main" val="3907162729"/>
+                    </a:ext>
+                  </a:extLst>
+                </a:gridCol>
+                <a:gridCol w="3641525">
+                  <a:extLst>
+                    <a:ext uri="{9D8B030D-6E8A-4147-A177-3AD203B41FA5}">
+                      <a16:colId xmlns:a16="http://schemas.microsoft.com/office/drawing/2014/main" val="710595246"/>
+                    </a:ext>
+                  </a:extLst>
+                </a:gridCol>
+                <a:gridCol w="3046890">
+                  <a:extLst>
+                    <a:ext uri="{9D8B030D-6E8A-4147-A177-3AD203B41FA5}">
+                      <a16:colId xmlns:a16="http://schemas.microsoft.com/office/drawing/2014/main" val="2033336294"/>
+                    </a:ext>
+                  </a:extLst>
+                </a:gridCol>
+              </a:tblGrid>
+              <a:tr h="941901">
+                <a:tc>
+                  <a:txBody>
+                    <a:bodyPr/>
+                    <a:lstStyle/>
+                    <a:p>
+                      <a:pPr algn="ctr"/>
+                      <a:r>
+                        <a:rPr lang="it-IT" dirty="0" err="1"/>
+                        <a:t>Functionality</a:t>
+                      </a:r>
+                      <a:endParaRPr lang="en-GB" dirty="0"/>
+                    </a:p>
+                  </a:txBody>
+                  <a:tcPr/>
+                </a:tc>
+                <a:tc>
+                  <a:txBody>
+                    <a:bodyPr/>
+                    <a:lstStyle/>
+                    <a:p>
+                      <a:pPr algn="ctr"/>
+                      <a:r>
+                        <a:rPr lang="it-IT" dirty="0" err="1"/>
+                        <a:t>Importance</a:t>
+                      </a:r>
+                      <a:r>
+                        <a:rPr lang="it-IT" dirty="0"/>
+                        <a:t> for the customer</a:t>
+                      </a:r>
+                      <a:endParaRPr lang="en-GB" dirty="0"/>
+                    </a:p>
+                  </a:txBody>
+                  <a:tcPr/>
+                </a:tc>
+                <a:tc>
+                  <a:txBody>
+                    <a:bodyPr/>
+                    <a:lstStyle/>
+                    <a:p>
+                      <a:pPr algn="ctr"/>
+                      <a:r>
+                        <a:rPr lang="it-IT" dirty="0" err="1"/>
+                        <a:t>Difficulty</a:t>
+                      </a:r>
+                      <a:r>
+                        <a:rPr lang="it-IT" dirty="0"/>
+                        <a:t> of </a:t>
+                      </a:r>
+                      <a:r>
+                        <a:rPr lang="it-IT" dirty="0" err="1"/>
+                        <a:t>implementation</a:t>
+                      </a:r>
+                      <a:endParaRPr lang="it-IT" dirty="0"/>
+                    </a:p>
+                  </a:txBody>
+                  <a:tcPr/>
+                </a:tc>
+                <a:extLst>
+                  <a:ext uri="{0D108BD9-81ED-4DB2-BD59-A6C34878D82A}">
+                    <a16:rowId xmlns:a16="http://schemas.microsoft.com/office/drawing/2014/main" val="3818316347"/>
+                  </a:ext>
+                </a:extLst>
+              </a:tr>
+              <a:tr h="545704">
+                <a:tc>
+                  <a:txBody>
+                    <a:bodyPr/>
+                    <a:lstStyle/>
+                    <a:p>
+                      <a:r>
+                        <a:rPr lang="it-IT" dirty="0" err="1"/>
+                        <a:t>Sign</a:t>
+                      </a:r>
+                      <a:r>
+                        <a:rPr lang="it-IT" dirty="0"/>
+                        <a:t> up and login</a:t>
+                      </a:r>
+                      <a:endParaRPr lang="en-GB" dirty="0"/>
+                    </a:p>
+                  </a:txBody>
+                  <a:tcPr/>
+                </a:tc>
+                <a:tc>
+                  <a:txBody>
+                    <a:bodyPr/>
+                    <a:lstStyle/>
+                    <a:p>
+                      <a:pPr algn="ctr"/>
+                      <a:r>
+                        <a:rPr lang="it-IT" dirty="0"/>
+                        <a:t>low</a:t>
+                      </a:r>
+                      <a:endParaRPr lang="en-GB" dirty="0"/>
+                    </a:p>
+                  </a:txBody>
+                  <a:tcPr/>
+                </a:tc>
+                <a:tc>
+                  <a:txBody>
+                    <a:bodyPr/>
+                    <a:lstStyle/>
+                    <a:p>
+                      <a:pPr algn="ctr"/>
+                      <a:r>
+                        <a:rPr lang="it-IT" dirty="0"/>
+                        <a:t>low</a:t>
+                      </a:r>
+                      <a:endParaRPr lang="en-GB" dirty="0"/>
+                    </a:p>
+                  </a:txBody>
+                  <a:tcPr/>
+                </a:tc>
+                <a:extLst>
+                  <a:ext uri="{0D108BD9-81ED-4DB2-BD59-A6C34878D82A}">
+                    <a16:rowId xmlns:a16="http://schemas.microsoft.com/office/drawing/2014/main" val="1358837412"/>
+                  </a:ext>
+                </a:extLst>
+              </a:tr>
+              <a:tr h="545704">
+                <a:tc>
+                  <a:txBody>
+                    <a:bodyPr/>
+                    <a:lstStyle/>
+                    <a:p>
+                      <a:r>
+                        <a:rPr lang="it-IT" dirty="0"/>
+                        <a:t>Report a violation</a:t>
+                      </a:r>
+                      <a:endParaRPr lang="en-GB" dirty="0"/>
+                    </a:p>
+                  </a:txBody>
+                  <a:tcPr/>
+                </a:tc>
+                <a:tc>
+                  <a:txBody>
+                    <a:bodyPr/>
+                    <a:lstStyle/>
+                    <a:p>
+                      <a:pPr algn="ctr"/>
+                      <a:r>
+                        <a:rPr lang="it-IT" dirty="0"/>
+                        <a:t>high</a:t>
+                      </a:r>
+                      <a:endParaRPr lang="en-GB" dirty="0"/>
+                    </a:p>
+                  </a:txBody>
+                  <a:tcPr/>
+                </a:tc>
+                <a:tc>
+                  <a:txBody>
+                    <a:bodyPr/>
+                    <a:lstStyle/>
+                    <a:p>
+                      <a:pPr algn="ctr"/>
+                      <a:r>
+                        <a:rPr lang="it-IT" dirty="0"/>
+                        <a:t>high</a:t>
+                      </a:r>
+                      <a:endParaRPr lang="en-GB" dirty="0"/>
+                    </a:p>
+                  </a:txBody>
+                  <a:tcPr/>
+                </a:tc>
+                <a:extLst>
+                  <a:ext uri="{0D108BD9-81ED-4DB2-BD59-A6C34878D82A}">
+                    <a16:rowId xmlns:a16="http://schemas.microsoft.com/office/drawing/2014/main" val="3102548052"/>
+                  </a:ext>
+                </a:extLst>
+              </a:tr>
+              <a:tr h="545704">
+                <a:tc>
+                  <a:txBody>
+                    <a:bodyPr/>
+                    <a:lstStyle/>
+                    <a:p>
+                      <a:r>
+                        <a:rPr lang="it-IT" dirty="0" err="1"/>
+                        <a:t>View</a:t>
+                      </a:r>
+                      <a:r>
+                        <a:rPr lang="it-IT" dirty="0"/>
+                        <a:t> </a:t>
+                      </a:r>
+                      <a:r>
+                        <a:rPr lang="it-IT" dirty="0" err="1"/>
+                        <a:t>old</a:t>
+                      </a:r>
+                      <a:r>
+                        <a:rPr lang="it-IT" dirty="0"/>
+                        <a:t> reports</a:t>
+                      </a:r>
+                      <a:endParaRPr lang="en-GB" dirty="0"/>
+                    </a:p>
+                  </a:txBody>
+                  <a:tcPr/>
+                </a:tc>
+                <a:tc>
+                  <a:txBody>
+                    <a:bodyPr/>
+                    <a:lstStyle/>
+                    <a:p>
+                      <a:pPr algn="ctr"/>
+                      <a:r>
+                        <a:rPr lang="it-IT" dirty="0"/>
+                        <a:t>medium</a:t>
+                      </a:r>
+                      <a:endParaRPr lang="en-GB" dirty="0"/>
+                    </a:p>
+                  </a:txBody>
+                  <a:tcPr/>
+                </a:tc>
+                <a:tc>
+                  <a:txBody>
+                    <a:bodyPr/>
+                    <a:lstStyle/>
+                    <a:p>
+                      <a:pPr algn="ctr"/>
+                      <a:r>
+                        <a:rPr lang="it-IT" dirty="0"/>
+                        <a:t>low</a:t>
+                      </a:r>
+                      <a:endParaRPr lang="en-GB" dirty="0"/>
+                    </a:p>
+                  </a:txBody>
+                  <a:tcPr/>
+                </a:tc>
+                <a:extLst>
+                  <a:ext uri="{0D108BD9-81ED-4DB2-BD59-A6C34878D82A}">
+                    <a16:rowId xmlns:a16="http://schemas.microsoft.com/office/drawing/2014/main" val="4233757909"/>
+                  </a:ext>
+                </a:extLst>
+              </a:tr>
+              <a:tr h="545704">
+                <a:tc>
+                  <a:txBody>
+                    <a:bodyPr/>
+                    <a:lstStyle/>
+                    <a:p>
+                      <a:r>
+                        <a:rPr lang="it-IT" dirty="0" err="1"/>
+                        <a:t>View</a:t>
+                      </a:r>
+                      <a:r>
+                        <a:rPr lang="it-IT" dirty="0"/>
+                        <a:t> Statistics</a:t>
+                      </a:r>
+                      <a:endParaRPr lang="en-GB" dirty="0"/>
+                    </a:p>
+                  </a:txBody>
+                  <a:tcPr/>
+                </a:tc>
+                <a:tc>
+                  <a:txBody>
+                    <a:bodyPr/>
+                    <a:lstStyle/>
+                    <a:p>
+                      <a:pPr algn="ctr"/>
+                      <a:r>
+                        <a:rPr lang="it-IT" dirty="0"/>
+                        <a:t>low</a:t>
+                      </a:r>
+                      <a:endParaRPr lang="en-GB" dirty="0"/>
+                    </a:p>
+                  </a:txBody>
+                  <a:tcPr/>
+                </a:tc>
+                <a:tc>
+                  <a:txBody>
+                    <a:bodyPr/>
+                    <a:lstStyle/>
+                    <a:p>
+                      <a:pPr algn="ctr"/>
+                      <a:r>
+                        <a:rPr lang="it-IT" dirty="0"/>
+                        <a:t>medium</a:t>
+                      </a:r>
+                      <a:endParaRPr lang="en-GB" dirty="0"/>
+                    </a:p>
+                  </a:txBody>
+                  <a:tcPr/>
+                </a:tc>
+                <a:extLst>
+                  <a:ext uri="{0D108BD9-81ED-4DB2-BD59-A6C34878D82A}">
+                    <a16:rowId xmlns:a16="http://schemas.microsoft.com/office/drawing/2014/main" val="1124668811"/>
+                  </a:ext>
+                </a:extLst>
+              </a:tr>
+              <a:tr h="545704">
+                <a:tc>
+                  <a:txBody>
+                    <a:bodyPr/>
+                    <a:lstStyle/>
+                    <a:p>
+                      <a:r>
+                        <a:rPr lang="it-IT" dirty="0" err="1"/>
+                        <a:t>View</a:t>
+                      </a:r>
+                      <a:r>
+                        <a:rPr lang="it-IT" dirty="0"/>
+                        <a:t> </a:t>
+                      </a:r>
+                      <a:r>
+                        <a:rPr lang="it-IT" dirty="0" err="1"/>
+                        <a:t>Suggestions</a:t>
+                      </a:r>
+                      <a:endParaRPr lang="en-GB" dirty="0"/>
+                    </a:p>
+                  </a:txBody>
+                  <a:tcPr/>
+                </a:tc>
+                <a:tc>
+                  <a:txBody>
+                    <a:bodyPr/>
+                    <a:lstStyle/>
+                    <a:p>
+                      <a:pPr algn="ctr"/>
+                      <a:r>
+                        <a:rPr lang="it-IT" dirty="0"/>
+                        <a:t>medium</a:t>
+                      </a:r>
+                      <a:endParaRPr lang="en-GB" dirty="0"/>
+                    </a:p>
+                  </a:txBody>
+                  <a:tcPr/>
+                </a:tc>
+                <a:tc>
+                  <a:txBody>
+                    <a:bodyPr/>
+                    <a:lstStyle/>
+                    <a:p>
+                      <a:pPr algn="ctr"/>
+                      <a:r>
+                        <a:rPr lang="it-IT" dirty="0"/>
+                        <a:t>high</a:t>
+                      </a:r>
+                      <a:endParaRPr lang="en-GB" dirty="0"/>
+                    </a:p>
+                  </a:txBody>
+                  <a:tcPr/>
+                </a:tc>
+                <a:extLst>
+                  <a:ext uri="{0D108BD9-81ED-4DB2-BD59-A6C34878D82A}">
+                    <a16:rowId xmlns:a16="http://schemas.microsoft.com/office/drawing/2014/main" val="365159751"/>
+                  </a:ext>
+                </a:extLst>
+              </a:tr>
+              <a:tr h="545704">
+                <a:tc>
+                  <a:txBody>
+                    <a:bodyPr/>
+                    <a:lstStyle/>
+                    <a:p>
+                      <a:r>
+                        <a:rPr lang="it-IT" dirty="0" err="1"/>
+                        <a:t>View</a:t>
+                      </a:r>
+                      <a:r>
+                        <a:rPr lang="it-IT" dirty="0"/>
+                        <a:t> Safe/Unsafe areas</a:t>
+                      </a:r>
+                      <a:endParaRPr lang="en-GB" dirty="0"/>
+                    </a:p>
+                  </a:txBody>
+                  <a:tcPr/>
+                </a:tc>
+                <a:tc>
+                  <a:txBody>
+                    <a:bodyPr/>
+                    <a:lstStyle/>
+                    <a:p>
+                      <a:pPr algn="ctr"/>
+                      <a:r>
+                        <a:rPr lang="it-IT" dirty="0"/>
+                        <a:t>high</a:t>
+                      </a:r>
+                      <a:endParaRPr lang="en-GB" dirty="0"/>
+                    </a:p>
+                  </a:txBody>
+                  <a:tcPr/>
+                </a:tc>
+                <a:tc>
+                  <a:txBody>
+                    <a:bodyPr/>
+                    <a:lstStyle/>
+                    <a:p>
+                      <a:pPr algn="ctr"/>
+                      <a:r>
+                        <a:rPr lang="it-IT" dirty="0"/>
+                        <a:t>medium</a:t>
+                      </a:r>
+                      <a:endParaRPr lang="en-GB" dirty="0"/>
+                    </a:p>
+                  </a:txBody>
+                  <a:tcPr/>
+                </a:tc>
+                <a:extLst>
+                  <a:ext uri="{0D108BD9-81ED-4DB2-BD59-A6C34878D82A}">
+                    <a16:rowId xmlns:a16="http://schemas.microsoft.com/office/drawing/2014/main" val="3178725019"/>
+                  </a:ext>
+                </a:extLst>
+              </a:tr>
+            </a:tbl>
+          </a:graphicData>
+        </a:graphic>
+      </p:graphicFrame>
+    </p:spTree>
+    <p:extLst>
+      <p:ext uri="{BB962C8B-B14F-4D97-AF65-F5344CB8AC3E}">
+        <p14:creationId xmlns:p14="http://schemas.microsoft.com/office/powerpoint/2010/main" val="3010064149"/>
+      </p:ext>
+    </p:extLst>
+  </p:cSld>
+  <p:clrMapOvr>
+    <a:masterClrMapping/>
+  </p:clrMapOvr>
+</p:sld>
+</file>
+
+<file path=ppt/slides/slide17.xml><?xml version="1.0" encoding="utf-8"?>
+<p:sld xmlns:a="http://schemas.openxmlformats.org/drawingml/2006/main" xmlns:r="http://schemas.openxmlformats.org/officeDocument/2006/relationships" xmlns:p="http://schemas.openxmlformats.org/presentationml/2006/main">
+  <p:cSld>
+    <p:spTree>
+      <p:nvGrpSpPr>
+        <p:cNvPr id="1" name=""/>
+        <p:cNvGrpSpPr/>
+        <p:nvPr/>
+      </p:nvGrpSpPr>
+      <p:grpSpPr>
+        <a:xfrm>
+          <a:off x="0" y="0"/>
+          <a:ext cx="0" cy="0"/>
+          <a:chOff x="0" y="0"/>
+          <a:chExt cx="0" cy="0"/>
+        </a:xfrm>
+      </p:grpSpPr>
+      <p:sp>
+        <p:nvSpPr>
+          <p:cNvPr id="19" name="Titolo 18">
+            <a:extLst>
+              <a:ext uri="{FF2B5EF4-FFF2-40B4-BE49-F238E27FC236}">
+                <a16:creationId xmlns:a16="http://schemas.microsoft.com/office/drawing/2014/main" id="{5159A273-870F-45B5-9101-1CA02121DC26}"/>
+              </a:ext>
+            </a:extLst>
+          </p:cNvPr>
+          <p:cNvSpPr>
+            <a:spLocks noGrp="1"/>
+          </p:cNvSpPr>
+          <p:nvPr>
+            <p:ph type="title"/>
+          </p:nvPr>
+        </p:nvSpPr>
+        <p:spPr>
+          <a:xfrm>
+            <a:off x="0" y="884904"/>
+            <a:ext cx="12192000" cy="6012425"/>
+          </a:xfrm>
+          <a:ln>
+            <a:noFill/>
+          </a:ln>
+        </p:spPr>
+        <p:txBody>
+          <a:bodyPr/>
+          <a:lstStyle/>
+          <a:p>
+            <a:r>
+              <a:rPr lang="it-IT" dirty="0"/>
+              <a:t> </a:t>
+            </a:r>
+            <a:endParaRPr lang="en-GB" dirty="0"/>
+          </a:p>
+        </p:txBody>
+      </p:sp>
+      <p:sp>
+        <p:nvSpPr>
+          <p:cNvPr id="7" name="Titolo 6">
+            <a:extLst>
+              <a:ext uri="{FF2B5EF4-FFF2-40B4-BE49-F238E27FC236}">
+                <a16:creationId xmlns:a16="http://schemas.microsoft.com/office/drawing/2014/main" id="{FA17E5C4-15D2-4F39-B893-E35D941E71D1}"/>
+              </a:ext>
+            </a:extLst>
+          </p:cNvPr>
+          <p:cNvSpPr txBox="1">
+            <a:spLocks/>
+          </p:cNvSpPr>
+          <p:nvPr/>
+        </p:nvSpPr>
+        <p:spPr>
+          <a:xfrm>
+            <a:off x="1145412" y="2813945"/>
+            <a:ext cx="9901176" cy="1230110"/>
+          </a:xfrm>
+          <a:prstGeom prst="rect">
+            <a:avLst/>
+          </a:prstGeom>
+          <a:solidFill>
+            <a:schemeClr val="bg1"/>
+          </a:solidFill>
+          <a:ln w="15875" cap="sq">
+            <a:noFill/>
+            <a:miter lim="800000"/>
+          </a:ln>
+        </p:spPr>
+        <p:txBody>
+          <a:bodyPr vert="horz" lIns="182880" tIns="182880" rIns="182880" bIns="182880" rtlCol="0" anchor="ctr">
+            <a:normAutofit/>
+          </a:bodyPr>
+          <a:lstStyle>
+            <a:lvl1pPr algn="ctr" defTabSz="914400" rtl="0" eaLnBrk="1" latinLnBrk="0" hangingPunct="1">
+              <a:lnSpc>
+                <a:spcPct val="90000"/>
+              </a:lnSpc>
+              <a:spcBef>
+                <a:spcPct val="0"/>
+              </a:spcBef>
+              <a:buNone/>
+              <a:defRPr sz="2800" kern="1200" cap="all" spc="200" baseline="0">
+                <a:solidFill>
+                  <a:schemeClr val="tx1">
+                    <a:lumMod val="85000"/>
+                    <a:lumOff val="15000"/>
+                  </a:schemeClr>
+                </a:solidFill>
+                <a:latin typeface="+mj-lt"/>
+                <a:ea typeface="+mj-ea"/>
+                <a:cs typeface="+mj-cs"/>
+              </a:defRPr>
+            </a:lvl1pPr>
+          </a:lstStyle>
+          <a:p>
+            <a:r>
+              <a:rPr lang="it-IT" dirty="0"/>
+              <a:t>Thanks for </a:t>
+            </a:r>
+            <a:r>
+              <a:rPr lang="it-IT" dirty="0" err="1"/>
+              <a:t>your</a:t>
+            </a:r>
+            <a:r>
+              <a:rPr lang="it-IT" dirty="0"/>
+              <a:t> </a:t>
+            </a:r>
+            <a:r>
+              <a:rPr lang="it-IT" dirty="0" err="1"/>
+              <a:t>attention</a:t>
+            </a:r>
+            <a:endParaRPr lang="en-GB" dirty="0"/>
+          </a:p>
+        </p:txBody>
+      </p:sp>
+      <p:sp>
+        <p:nvSpPr>
+          <p:cNvPr id="24" name="Ovale 23">
+            <a:extLst>
+              <a:ext uri="{FF2B5EF4-FFF2-40B4-BE49-F238E27FC236}">
+                <a16:creationId xmlns:a16="http://schemas.microsoft.com/office/drawing/2014/main" id="{543BAF3E-8D53-4EB3-9D0C-75E34D6C44CC}"/>
+              </a:ext>
+            </a:extLst>
+          </p:cNvPr>
+          <p:cNvSpPr/>
+          <p:nvPr/>
+        </p:nvSpPr>
+        <p:spPr>
+          <a:xfrm>
+            <a:off x="10895215" y="5502161"/>
+            <a:ext cx="1230110" cy="1230110"/>
+          </a:xfrm>
+          <a:prstGeom prst="ellipse">
+            <a:avLst/>
+          </a:prstGeom>
+          <a:blipFill>
+            <a:blip r:embed="rId3">
+              <a:extLst>
+                <a:ext uri="{837473B0-CC2E-450A-ABE3-18F120FF3D39}">
+                  <a1611:picAttrSrcUrl xmlns:a1611="http://schemas.microsoft.com/office/drawing/2016/11/main" r:id="rId4"/>
+                </a:ext>
+              </a:extLst>
+            </a:blip>
+            <a:stretch>
+              <a:fillRect/>
+            </a:stretch>
+          </a:blipFill>
+          <a:ln>
+            <a:noFill/>
+          </a:ln>
+        </p:spPr>
+        <p:style>
+          <a:lnRef idx="2">
+            <a:schemeClr val="accent1">
+              <a:shade val="50000"/>
+            </a:schemeClr>
+          </a:lnRef>
+          <a:fillRef idx="1">
+            <a:schemeClr val="accent1"/>
+          </a:fillRef>
+          <a:effectRef idx="0">
+            <a:schemeClr val="accent1"/>
+          </a:effectRef>
+          <a:fontRef idx="minor">
+            <a:schemeClr val="lt1"/>
+          </a:fontRef>
+        </p:style>
+        <p:txBody>
+          <a:bodyPr rtlCol="0" anchor="ctr"/>
+          <a:lstStyle/>
+          <a:p>
+            <a:pPr algn="ctr"/>
+            <a:endParaRPr lang="en-GB"/>
+          </a:p>
+        </p:txBody>
+      </p:sp>
+    </p:spTree>
+    <p:extLst>
+      <p:ext uri="{BB962C8B-B14F-4D97-AF65-F5344CB8AC3E}">
+        <p14:creationId xmlns:p14="http://schemas.microsoft.com/office/powerpoint/2010/main" val="3821116472"/>
+      </p:ext>
+    </p:extLst>
+  </p:cSld>
+  <p:clrMapOvr>
+    <a:masterClrMapping/>
   </p:clrMapOvr>
 </p:sld>
 </file>
@@ -22867,7 +23558,7 @@
         </p:nvSpPr>
         <p:spPr>
           <a:xfrm>
-            <a:off x="5297763" y="973599"/>
+            <a:off x="5297763" y="934269"/>
             <a:ext cx="5826919" cy="5395669"/>
           </a:xfrm>
         </p:spPr>

--- a/Presentazione standard3.pptx
+++ b/Presentazione standard3.pptx
@@ -26600,10 +26600,10 @@
       </p:sp>
       <p:pic>
         <p:nvPicPr>
-          <p:cNvPr id="6" name="Segnaposto contenuto 5" descr="Immagine che contiene testo, mappa&#10;&#10;Descrizione generata automaticamente">
+          <p:cNvPr id="5" name="Segnaposto contenuto 4" descr="Immagine che contiene testo, mappa&#10;&#10;Descrizione generata automaticamente">
             <a:extLst>
               <a:ext uri="{FF2B5EF4-FFF2-40B4-BE49-F238E27FC236}">
-                <a16:creationId xmlns:a16="http://schemas.microsoft.com/office/drawing/2014/main" id="{4778B3A4-908D-478E-A020-2109CFF6F8F9}"/>
+                <a16:creationId xmlns:a16="http://schemas.microsoft.com/office/drawing/2014/main" id="{80AA1A31-CEB4-4C51-817D-4E5E322674C5}"/>
               </a:ext>
             </a:extLst>
           </p:cNvPr>
@@ -26611,7 +26611,7 @@
             <a:picLocks noGrp="1" noChangeAspect="1"/>
           </p:cNvPicPr>
           <p:nvPr>
-            <p:ph idx="1"/>
+            <p:ph sz="half" idx="1"/>
           </p:nvPr>
         </p:nvPicPr>
         <p:blipFill>
@@ -26622,8 +26622,8 @@
         </p:blipFill>
         <p:spPr>
           <a:xfrm>
-            <a:off x="684552" y="1254024"/>
-            <a:ext cx="9714518" cy="5478247"/>
+            <a:off x="1808213" y="1413346"/>
+            <a:ext cx="8575573" cy="5318925"/>
           </a:xfrm>
         </p:spPr>
       </p:pic>

--- a/Presentazione standard3.pptx
+++ b/Presentazione standard3.pptx
@@ -18,7 +18,7 @@
     <p:sldId id="259" r:id="rId9"/>
     <p:sldId id="260" r:id="rId10"/>
     <p:sldId id="262" r:id="rId11"/>
-    <p:sldId id="263" r:id="rId12"/>
+    <p:sldId id="276" r:id="rId12"/>
     <p:sldId id="265" r:id="rId13"/>
     <p:sldId id="269" r:id="rId14"/>
     <p:sldId id="266" r:id="rId15"/>
@@ -217,7 +217,7 @@
           <a:p>
             <a:fld id="{E3977F68-DE9B-454A-A7A9-04D83F603B49}" type="datetimeFigureOut">
               <a:rPr lang="en-GB" smtClean="0"/>
-              <a:t>28/01/2020</a:t>
+              <a:t>30/01/2020</a:t>
             </a:fld>
             <a:endParaRPr lang="en-GB"/>
           </a:p>
@@ -1063,7 +1063,7 @@
     </p:spTree>
     <p:extLst>
       <p:ext uri="{BB962C8B-B14F-4D97-AF65-F5344CB8AC3E}">
-        <p14:creationId xmlns:p14="http://schemas.microsoft.com/office/powerpoint/2010/main" val="3856623997"/>
+        <p14:creationId xmlns:p14="http://schemas.microsoft.com/office/powerpoint/2010/main" val="1996044692"/>
       </p:ext>
     </p:extLst>
   </p:cSld>
@@ -1635,7 +1635,7 @@
           <a:p>
             <a:fld id="{5324DE25-44CA-4D21-B05B-72F80FB80CDF}" type="datetime1">
               <a:rPr lang="en-US" smtClean="0"/>
-              <a:t>1/28/2020</a:t>
+              <a:t>1/30/2020</a:t>
             </a:fld>
             <a:endParaRPr lang="en-US" dirty="0"/>
           </a:p>
@@ -1834,7 +1834,7 @@
           <a:p>
             <a:fld id="{2B6F3389-AFA6-4C34-8E6E-E8640B531D63}" type="datetime1">
               <a:rPr lang="en-US" smtClean="0"/>
-              <a:t>1/28/2020</a:t>
+              <a:t>1/30/2020</a:t>
             </a:fld>
             <a:endParaRPr lang="en-US" dirty="0"/>
           </a:p>
@@ -2055,7 +2055,7 @@
           <a:p>
             <a:fld id="{0D9BDFFE-FEDA-4CB9-A2C7-495319A82474}" type="datetime1">
               <a:rPr lang="en-US" smtClean="0"/>
-              <a:t>1/28/2020</a:t>
+              <a:t>1/30/2020</a:t>
             </a:fld>
             <a:endParaRPr lang="en-GB"/>
           </a:p>
@@ -2255,7 +2255,7 @@
           <a:p>
             <a:fld id="{16172834-DB18-485D-8790-F573ACD7FE56}" type="datetime1">
               <a:rPr lang="en-US" smtClean="0"/>
-              <a:t>1/28/2020</a:t>
+              <a:t>1/30/2020</a:t>
             </a:fld>
             <a:endParaRPr lang="en-GB"/>
           </a:p>
@@ -2531,7 +2531,7 @@
           <a:p>
             <a:fld id="{CCE7EADE-441F-4F9E-8DD7-7C6DFDF35AF2}" type="datetime1">
               <a:rPr lang="en-US" smtClean="0"/>
-              <a:t>1/28/2020</a:t>
+              <a:t>1/30/2020</a:t>
             </a:fld>
             <a:endParaRPr lang="en-GB"/>
           </a:p>
@@ -2799,7 +2799,7 @@
           <a:p>
             <a:fld id="{00188D49-2973-4676-BB35-824D7DC0C4CE}" type="datetime1">
               <a:rPr lang="en-US" smtClean="0"/>
-              <a:t>1/28/2020</a:t>
+              <a:t>1/30/2020</a:t>
             </a:fld>
             <a:endParaRPr lang="en-GB"/>
           </a:p>
@@ -3214,7 +3214,7 @@
           <a:p>
             <a:fld id="{47A140F1-5309-4136-AE9B-B8482A5E3386}" type="datetime1">
               <a:rPr lang="en-US" smtClean="0"/>
-              <a:t>1/28/2020</a:t>
+              <a:t>1/30/2020</a:t>
             </a:fld>
             <a:endParaRPr lang="en-GB"/>
           </a:p>
@@ -3356,7 +3356,7 @@
           <a:p>
             <a:fld id="{39F88A62-023D-4D3B-9F09-4A8EF2F086D7}" type="datetime1">
               <a:rPr lang="en-US" smtClean="0"/>
-              <a:t>1/28/2020</a:t>
+              <a:t>1/30/2020</a:t>
             </a:fld>
             <a:endParaRPr lang="en-GB"/>
           </a:p>
@@ -3469,7 +3469,7 @@
           <a:p>
             <a:fld id="{AB931CC8-D3C1-4AE2-88B4-DF0DF7BF07D9}" type="datetime1">
               <a:rPr lang="en-US" smtClean="0"/>
-              <a:t>1/28/2020</a:t>
+              <a:t>1/30/2020</a:t>
             </a:fld>
             <a:endParaRPr lang="en-GB"/>
           </a:p>
@@ -3782,7 +3782,7 @@
           <a:p>
             <a:fld id="{B93F0B07-2FD8-443D-8635-52DF0E1F85D2}" type="datetime1">
               <a:rPr lang="en-US" smtClean="0"/>
-              <a:t>1/28/2020</a:t>
+              <a:t>1/30/2020</a:t>
             </a:fld>
             <a:endParaRPr lang="en-GB"/>
           </a:p>
@@ -3972,7 +3972,7 @@
           <a:p>
             <a:fld id="{7A08EA2C-B015-4E4F-BF8F-0FFCC7CF6585}" type="datetime1">
               <a:rPr lang="en-US" smtClean="0"/>
-              <a:t>1/28/2020</a:t>
+              <a:t>1/30/2020</a:t>
             </a:fld>
             <a:endParaRPr lang="en-US" dirty="0"/>
           </a:p>
@@ -4261,7 +4261,7 @@
           <a:p>
             <a:fld id="{765D76AB-9DDB-4A5B-B652-8699FFAE584F}" type="datetime1">
               <a:rPr lang="en-US" smtClean="0"/>
-              <a:t>1/28/2020</a:t>
+              <a:t>1/30/2020</a:t>
             </a:fld>
             <a:endParaRPr lang="en-GB"/>
           </a:p>
@@ -4461,7 +4461,7 @@
           <a:p>
             <a:fld id="{AE6E93B8-478A-4AFD-9BAF-F4A1938509A5}" type="datetime1">
               <a:rPr lang="en-US" smtClean="0"/>
-              <a:t>1/28/2020</a:t>
+              <a:t>1/30/2020</a:t>
             </a:fld>
             <a:endParaRPr lang="en-GB"/>
           </a:p>
@@ -4671,7 +4671,7 @@
           <a:p>
             <a:fld id="{3AE4F883-8CC2-4974-93B3-F01EA011B9B1}" type="datetime1">
               <a:rPr lang="en-US" smtClean="0"/>
-              <a:t>1/28/2020</a:t>
+              <a:t>1/30/2020</a:t>
             </a:fld>
             <a:endParaRPr lang="en-GB"/>
           </a:p>
@@ -4921,7 +4921,7 @@
                 <a:ea typeface="+mn-ea"/>
                 <a:cs typeface="+mn-cs"/>
               </a:rPr>
-              <a:t>1/28/2020</a:t>
+              <a:t>1/30/2020</a:t>
             </a:fld>
             <a:endParaRPr kumimoji="0" lang="en-US" sz="1800" b="0" i="0" u="none" strike="noStrike" kern="1200" cap="none" spc="0" normalizeH="0" baseline="0" noProof="0" dirty="0">
               <a:ln>
@@ -5338,7 +5338,7 @@
                 <a:ea typeface="+mn-ea"/>
                 <a:cs typeface="+mn-cs"/>
               </a:rPr>
-              <a:t>1/28/2020</a:t>
+              <a:t>1/30/2020</a:t>
             </a:fld>
             <a:endParaRPr kumimoji="0" lang="en-US" sz="1800" b="0" i="0" u="none" strike="noStrike" kern="1200" cap="none" spc="0" normalizeH="0" baseline="0" noProof="0" dirty="0">
               <a:ln>
@@ -5727,7 +5727,7 @@
                 <a:ea typeface="+mn-ea"/>
                 <a:cs typeface="+mn-cs"/>
               </a:rPr>
-              <a:t>1/28/2020</a:t>
+              <a:t>1/30/2020</a:t>
             </a:fld>
             <a:endParaRPr kumimoji="0" lang="en-US" sz="1800" b="0" i="0" u="none" strike="noStrike" kern="1200" cap="none" spc="0" normalizeH="0" baseline="0" noProof="0" dirty="0">
               <a:ln>
@@ -6239,7 +6239,7 @@
                 <a:ea typeface="+mn-ea"/>
                 <a:cs typeface="+mn-cs"/>
               </a:rPr>
-              <a:t>1/28/2020</a:t>
+              <a:t>1/30/2020</a:t>
             </a:fld>
             <a:endParaRPr kumimoji="0" lang="en-US" sz="1800" b="0" i="0" u="none" strike="noStrike" kern="1200" cap="none" spc="0" normalizeH="0" baseline="0" noProof="0" dirty="0">
               <a:ln>
@@ -6537,7 +6537,7 @@
                 <a:ea typeface="+mn-ea"/>
                 <a:cs typeface="+mn-cs"/>
               </a:rPr>
-              <a:t>1/28/2020</a:t>
+              <a:t>1/30/2020</a:t>
             </a:fld>
             <a:endParaRPr kumimoji="0" lang="en-US" sz="1800" b="0" i="0" u="none" strike="noStrike" kern="1200" cap="none" spc="0" normalizeH="0" baseline="0" noProof="0" dirty="0">
               <a:ln>
@@ -6789,7 +6789,7 @@
                 <a:ea typeface="+mn-ea"/>
                 <a:cs typeface="+mn-cs"/>
               </a:rPr>
-              <a:t>1/28/2020</a:t>
+              <a:t>1/30/2020</a:t>
             </a:fld>
             <a:endParaRPr kumimoji="0" lang="en-US" sz="1800" b="0" i="0" u="none" strike="noStrike" kern="1200" cap="none" spc="0" normalizeH="0" baseline="0" noProof="0" dirty="0">
               <a:ln>
@@ -7176,7 +7176,7 @@
           <a:p>
             <a:fld id="{E0C1B550-7D3B-401B-AD44-0282B9A3BC3B}" type="datetime1">
               <a:rPr lang="en-US" smtClean="0"/>
-              <a:t>1/28/2020</a:t>
+              <a:t>1/30/2020</a:t>
             </a:fld>
             <a:endParaRPr lang="en-US" dirty="0"/>
           </a:p>
@@ -7583,7 +7583,7 @@
                 <a:ea typeface="+mn-ea"/>
                 <a:cs typeface="+mn-cs"/>
               </a:rPr>
-              <a:t>1/28/2020</a:t>
+              <a:t>1/30/2020</a:t>
             </a:fld>
             <a:endParaRPr kumimoji="0" lang="en-US" sz="1800" b="0" i="0" u="none" strike="noStrike" kern="1200" cap="none" spc="0" normalizeH="0" baseline="0" noProof="0" dirty="0">
               <a:ln>
@@ -8101,7 +8101,7 @@
                 <a:ea typeface="+mn-ea"/>
                 <a:cs typeface="+mn-cs"/>
               </a:rPr>
-              <a:t>1/28/2020</a:t>
+              <a:t>1/30/2020</a:t>
             </a:fld>
             <a:endParaRPr kumimoji="0" lang="en-US" sz="1800" b="0" i="0" u="none" strike="noStrike" kern="1200" cap="none" spc="0" normalizeH="0" baseline="0" noProof="0" dirty="0">
               <a:ln>
@@ -8448,7 +8448,7 @@
                 <a:ea typeface="+mn-ea"/>
                 <a:cs typeface="+mn-cs"/>
               </a:rPr>
-              <a:t>1/28/2020</a:t>
+              <a:t>1/30/2020</a:t>
             </a:fld>
             <a:endParaRPr kumimoji="0" lang="en-US" sz="1800" b="0" i="0" u="none" strike="noStrike" kern="1200" cap="none" spc="0" normalizeH="0" baseline="0" noProof="0" dirty="0">
               <a:ln>
@@ -8785,7 +8785,7 @@
                 <a:ea typeface="+mn-ea"/>
                 <a:cs typeface="+mn-cs"/>
               </a:rPr>
-              <a:t>1/28/2020</a:t>
+              <a:t>1/30/2020</a:t>
             </a:fld>
             <a:endParaRPr kumimoji="0" lang="en-US" sz="1800" b="0" i="0" u="none" strike="noStrike" kern="1200" cap="none" spc="0" normalizeH="0" baseline="0" noProof="0" dirty="0">
               <a:ln>
@@ -9112,7 +9112,7 @@
           <a:p>
             <a:fld id="{68FB55B8-9970-4A09-A6A6-73D2122FBA4D}" type="datetime1">
               <a:rPr lang="en-US" smtClean="0"/>
-              <a:t>1/28/2020</a:t>
+              <a:t>1/30/2020</a:t>
             </a:fld>
             <a:endParaRPr lang="en-US" dirty="0"/>
           </a:p>
@@ -9397,7 +9397,7 @@
           <a:p>
             <a:fld id="{90D9EA7A-B793-4C69-A2AC-4D3DF0248288}" type="datetime1">
               <a:rPr lang="en-US" smtClean="0"/>
-              <a:t>1/28/2020</a:t>
+              <a:t>1/30/2020</a:t>
             </a:fld>
             <a:endParaRPr lang="en-US" dirty="0"/>
           </a:p>
@@ -9654,7 +9654,7 @@
           <a:p>
             <a:fld id="{52049766-F3B9-452F-A446-A18816B35A82}" type="datetime1">
               <a:rPr lang="en-US" smtClean="0"/>
-              <a:t>1/28/2020</a:t>
+              <a:t>1/30/2020</a:t>
             </a:fld>
             <a:endParaRPr lang="en-US" dirty="0"/>
           </a:p>
@@ -10033,7 +10033,7 @@
           <a:p>
             <a:fld id="{F1A94159-AF8F-41BD-B297-ADAF66EFA296}" type="datetime1">
               <a:rPr lang="en-US" smtClean="0"/>
-              <a:t>1/28/2020</a:t>
+              <a:t>1/30/2020</a:t>
             </a:fld>
             <a:endParaRPr lang="en-US" dirty="0"/>
           </a:p>
@@ -10198,7 +10198,7 @@
           <a:p>
             <a:fld id="{39C3CB84-F12C-4106-8CEC-AA041F6FF976}" type="datetime1">
               <a:rPr lang="en-US" smtClean="0"/>
-              <a:t>1/28/2020</a:t>
+              <a:t>1/30/2020</a:t>
             </a:fld>
             <a:endParaRPr lang="en-US" dirty="0"/>
           </a:p>
@@ -10454,7 +10454,7 @@
           <a:p>
             <a:fld id="{A87B12D9-B58D-4923-82F2-54CB866DD991}" type="datetime1">
               <a:rPr lang="en-US" smtClean="0"/>
-              <a:t>1/28/2020</a:t>
+              <a:t>1/30/2020</a:t>
             </a:fld>
             <a:endParaRPr lang="en-US" dirty="0"/>
           </a:p>
@@ -10568,7 +10568,7 @@
           <a:p>
             <a:fld id="{E301888E-68A8-42C2-88FB-F2D93B722A62}" type="datetime1">
               <a:rPr lang="en-US" smtClean="0"/>
-              <a:t>1/28/2020</a:t>
+              <a:t>1/30/2020</a:t>
             </a:fld>
             <a:endParaRPr lang="en-US" dirty="0"/>
           </a:p>
@@ -10949,7 +10949,7 @@
           <a:p>
             <a:fld id="{F0BD8D49-E46E-4199-86E1-2B6A83A6D390}" type="datetime1">
               <a:rPr lang="en-US" smtClean="0"/>
-              <a:t>1/28/2020</a:t>
+              <a:t>1/30/2020</a:t>
             </a:fld>
             <a:endParaRPr lang="en-US" dirty="0"/>
           </a:p>
@@ -11325,7 +11325,7 @@
           <a:p>
             <a:fld id="{ABC3A5D7-3665-42B8-9BA9-9441424803C7}" type="datetime1">
               <a:rPr lang="en-US" smtClean="0"/>
-              <a:t>1/28/2020</a:t>
+              <a:t>1/30/2020</a:t>
             </a:fld>
             <a:endParaRPr lang="en-US" dirty="0"/>
           </a:p>
@@ -11530,7 +11530,7 @@
           <a:p>
             <a:fld id="{C7C52034-7E23-414C-ACD8-26BC9370B708}" type="datetime1">
               <a:rPr lang="en-US" smtClean="0"/>
-              <a:t>1/28/2020</a:t>
+              <a:t>1/30/2020</a:t>
             </a:fld>
             <a:endParaRPr lang="en-US" dirty="0"/>
           </a:p>
@@ -11734,7 +11734,7 @@
           <a:p>
             <a:fld id="{4DF39DDD-AE9E-4401-894A-77CF3E01C470}" type="datetime1">
               <a:rPr lang="en-US" smtClean="0"/>
-              <a:t>1/28/2020</a:t>
+              <a:t>1/30/2020</a:t>
             </a:fld>
             <a:endParaRPr lang="en-US" dirty="0"/>
           </a:p>
@@ -11988,7 +11988,7 @@
                 <a:ea typeface="+mn-ea"/>
                 <a:cs typeface="+mn-cs"/>
               </a:rPr>
-              <a:t>1/28/2020</a:t>
+              <a:t>1/30/2020</a:t>
             </a:fld>
             <a:endParaRPr kumimoji="0" lang="en-US" sz="1800" b="0" i="0" u="none" strike="noStrike" kern="1200" cap="none" spc="0" normalizeH="0" baseline="0" noProof="0" dirty="0">
               <a:ln>
@@ -12405,7 +12405,7 @@
                 <a:ea typeface="+mn-ea"/>
                 <a:cs typeface="+mn-cs"/>
               </a:rPr>
-              <a:t>1/28/2020</a:t>
+              <a:t>1/30/2020</a:t>
             </a:fld>
             <a:endParaRPr kumimoji="0" lang="en-US" sz="1800" b="0" i="0" u="none" strike="noStrike" kern="1200" cap="none" spc="0" normalizeH="0" baseline="0" noProof="0" dirty="0">
               <a:ln>
@@ -12794,7 +12794,7 @@
                 <a:ea typeface="+mn-ea"/>
                 <a:cs typeface="+mn-cs"/>
               </a:rPr>
-              <a:t>1/28/2020</a:t>
+              <a:t>1/30/2020</a:t>
             </a:fld>
             <a:endParaRPr kumimoji="0" lang="en-US" sz="1800" b="0" i="0" u="none" strike="noStrike" kern="1200" cap="none" spc="0" normalizeH="0" baseline="0" noProof="0" dirty="0">
               <a:ln>
@@ -13306,7 +13306,7 @@
                 <a:ea typeface="+mn-ea"/>
                 <a:cs typeface="+mn-cs"/>
               </a:rPr>
-              <a:t>1/28/2020</a:t>
+              <a:t>1/30/2020</a:t>
             </a:fld>
             <a:endParaRPr kumimoji="0" lang="en-US" sz="1800" b="0" i="0" u="none" strike="noStrike" kern="1200" cap="none" spc="0" normalizeH="0" baseline="0" noProof="0" dirty="0">
               <a:ln>
@@ -13811,7 +13811,7 @@
           <a:p>
             <a:fld id="{BC61C91F-1EDD-457F-B0A8-460A84C6CF7B}" type="datetime1">
               <a:rPr lang="en-US" smtClean="0"/>
-              <a:t>1/28/2020</a:t>
+              <a:t>1/30/2020</a:t>
             </a:fld>
             <a:endParaRPr lang="en-US" dirty="0"/>
           </a:p>
@@ -14001,7 +14001,7 @@
                 <a:ea typeface="+mn-ea"/>
                 <a:cs typeface="+mn-cs"/>
               </a:rPr>
-              <a:t>1/28/2020</a:t>
+              <a:t>1/30/2020</a:t>
             </a:fld>
             <a:endParaRPr kumimoji="0" lang="en-US" sz="1800" b="0" i="0" u="none" strike="noStrike" kern="1200" cap="none" spc="0" normalizeH="0" baseline="0" noProof="0" dirty="0">
               <a:ln>
@@ -14253,7 +14253,7 @@
                 <a:ea typeface="+mn-ea"/>
                 <a:cs typeface="+mn-cs"/>
               </a:rPr>
-              <a:t>1/28/2020</a:t>
+              <a:t>1/30/2020</a:t>
             </a:fld>
             <a:endParaRPr kumimoji="0" lang="en-US" sz="1800" b="0" i="0" u="none" strike="noStrike" kern="1200" cap="none" spc="0" normalizeH="0" baseline="0" noProof="0" dirty="0">
               <a:ln>
@@ -14767,7 +14767,7 @@
                 <a:ea typeface="+mn-ea"/>
                 <a:cs typeface="+mn-cs"/>
               </a:rPr>
-              <a:t>1/28/2020</a:t>
+              <a:t>1/30/2020</a:t>
             </a:fld>
             <a:endParaRPr kumimoji="0" lang="en-US" sz="1800" b="0" i="0" u="none" strike="noStrike" kern="1200" cap="none" spc="0" normalizeH="0" baseline="0" noProof="0" dirty="0">
               <a:ln>
@@ -15285,7 +15285,7 @@
                 <a:ea typeface="+mn-ea"/>
                 <a:cs typeface="+mn-cs"/>
               </a:rPr>
-              <a:t>1/28/2020</a:t>
+              <a:t>1/30/2020</a:t>
             </a:fld>
             <a:endParaRPr kumimoji="0" lang="en-US" sz="1800" b="0" i="0" u="none" strike="noStrike" kern="1200" cap="none" spc="0" normalizeH="0" baseline="0" noProof="0" dirty="0">
               <a:ln>
@@ -15632,7 +15632,7 @@
                 <a:ea typeface="+mn-ea"/>
                 <a:cs typeface="+mn-cs"/>
               </a:rPr>
-              <a:t>1/28/2020</a:t>
+              <a:t>1/30/2020</a:t>
             </a:fld>
             <a:endParaRPr kumimoji="0" lang="en-US" sz="1800" b="0" i="0" u="none" strike="noStrike" kern="1200" cap="none" spc="0" normalizeH="0" baseline="0" noProof="0" dirty="0">
               <a:ln>
@@ -15969,7 +15969,7 @@
                 <a:ea typeface="+mn-ea"/>
                 <a:cs typeface="+mn-cs"/>
               </a:rPr>
-              <a:t>1/28/2020</a:t>
+              <a:t>1/30/2020</a:t>
             </a:fld>
             <a:endParaRPr kumimoji="0" lang="en-US" sz="1800" b="0" i="0" u="none" strike="noStrike" kern="1200" cap="none" spc="0" normalizeH="0" baseline="0" noProof="0" dirty="0">
               <a:ln>
@@ -16214,7 +16214,7 @@
           <a:p>
             <a:fld id="{D2970B9C-7D16-4FAF-B3EB-D6784F747DAA}" type="datetime1">
               <a:rPr lang="en-US" smtClean="0"/>
-              <a:t>1/28/2020</a:t>
+              <a:t>1/30/2020</a:t>
             </a:fld>
             <a:endParaRPr lang="en-US" dirty="0"/>
           </a:p>
@@ -16328,7 +16328,7 @@
           <a:p>
             <a:fld id="{E20AAC54-6428-4C85-BFB9-B2746ED92438}" type="datetime1">
               <a:rPr lang="en-US" smtClean="0"/>
-              <a:t>1/28/2020</a:t>
+              <a:t>1/30/2020</a:t>
             </a:fld>
             <a:endParaRPr lang="en-US" dirty="0"/>
           </a:p>
@@ -16704,7 +16704,7 @@
           <a:p>
             <a:fld id="{8BC41058-14D7-4828-99ED-4868656C8D95}" type="datetime1">
               <a:rPr lang="en-US" smtClean="0"/>
-              <a:t>1/28/2020</a:t>
+              <a:t>1/30/2020</a:t>
             </a:fld>
             <a:endParaRPr lang="en-US" dirty="0"/>
           </a:p>
@@ -17075,7 +17075,7 @@
           <a:p>
             <a:fld id="{A72234D1-E3DE-4010-8558-FC58E847D354}" type="datetime1">
               <a:rPr lang="en-US" smtClean="0"/>
-              <a:t>1/28/2020</a:t>
+              <a:t>1/30/2020</a:t>
             </a:fld>
             <a:endParaRPr lang="en-US" dirty="0"/>
           </a:p>
@@ -17292,10 +17292,10 @@
       </p:sp>
       <p:sp>
         <p:nvSpPr>
-          <p:cNvPr id="8" name="Ovale 7">
+          <p:cNvPr id="7" name="Ovale 6">
             <a:extLst>
               <a:ext uri="{FF2B5EF4-FFF2-40B4-BE49-F238E27FC236}">
-                <a16:creationId xmlns:a16="http://schemas.microsoft.com/office/drawing/2014/main" id="{6418B328-B1C4-4F36-8E83-7CA972BB29CB}"/>
+                <a16:creationId xmlns:a16="http://schemas.microsoft.com/office/drawing/2014/main" id="{7C3D2D44-B961-4ADB-B032-9EE2DC0903A5}"/>
               </a:ext>
             </a:extLst>
           </p:cNvPr>
@@ -17304,14 +17304,15 @@
         </p:nvSpPr>
         <p:spPr>
           <a:xfrm>
-            <a:off x="10895215" y="5502161"/>
-            <a:ext cx="1230110" cy="1230110"/>
+            <a:off x="11046588" y="5786438"/>
+            <a:ext cx="1071562" cy="1071562"/>
           </a:xfrm>
           <a:prstGeom prst="ellipse">
             <a:avLst/>
           </a:prstGeom>
           <a:blipFill>
             <a:blip r:embed="rId13">
+              <a:alphaModFix amt="70000"/>
               <a:extLst>
                 <a:ext uri="{837473B0-CC2E-450A-ABE3-18F120FF3D39}">
                   <a1611:picAttrSrcUrl xmlns:a1611="http://schemas.microsoft.com/office/drawing/2016/11/main" r:id="rId14"/>
@@ -17347,7 +17348,7 @@
           <a:lstStyle/>
           <a:p>
             <a:pPr algn="ctr"/>
-            <a:endParaRPr lang="en-GB"/>
+            <a:endParaRPr lang="en-GB" dirty="0"/>
           </a:p>
         </p:txBody>
       </p:sp>
@@ -17869,7 +17870,7 @@
           <a:p>
             <a:fld id="{5A19D752-9F68-495B-8845-C87F2D6E92B8}" type="datetime1">
               <a:rPr lang="en-US" smtClean="0"/>
-              <a:t>1/28/2020</a:t>
+              <a:t>1/30/2020</a:t>
             </a:fld>
             <a:endParaRPr lang="en-GB"/>
           </a:p>
@@ -20357,10 +20358,10 @@
       </p:pic>
       <p:sp>
         <p:nvSpPr>
-          <p:cNvPr id="24" name="Ovale 23">
+          <p:cNvPr id="6" name="Ovale 5">
             <a:extLst>
               <a:ext uri="{FF2B5EF4-FFF2-40B4-BE49-F238E27FC236}">
-                <a16:creationId xmlns:a16="http://schemas.microsoft.com/office/drawing/2014/main" id="{543BAF3E-8D53-4EB3-9D0C-75E34D6C44CC}"/>
+                <a16:creationId xmlns:a16="http://schemas.microsoft.com/office/drawing/2014/main" id="{96567A8F-A3F1-4645-BA64-23A90948C42D}"/>
               </a:ext>
             </a:extLst>
           </p:cNvPr>
@@ -20369,14 +20370,15 @@
         </p:nvSpPr>
         <p:spPr>
           <a:xfrm>
-            <a:off x="10895215" y="5502161"/>
-            <a:ext cx="1230110" cy="1230110"/>
+            <a:off x="11046588" y="5786438"/>
+            <a:ext cx="1071562" cy="1071562"/>
           </a:xfrm>
           <a:prstGeom prst="ellipse">
             <a:avLst/>
           </a:prstGeom>
           <a:blipFill>
             <a:blip r:embed="rId4">
+              <a:alphaModFix amt="70000"/>
               <a:extLst>
                 <a:ext uri="{837473B0-CC2E-450A-ABE3-18F120FF3D39}">
                   <a1611:picAttrSrcUrl xmlns:a1611="http://schemas.microsoft.com/office/drawing/2016/11/main" r:id="rId5"/>
@@ -20412,7 +20414,7 @@
           <a:lstStyle/>
           <a:p>
             <a:pPr algn="ctr"/>
-            <a:endParaRPr lang="en-GB"/>
+            <a:endParaRPr lang="en-GB" dirty="0"/>
           </a:p>
         </p:txBody>
       </p:sp>
@@ -20483,12 +20485,112 @@
           </a:p>
         </p:txBody>
       </p:sp>
-      <p:sp>
-        <p:nvSpPr>
-          <p:cNvPr id="24" name="Ovale 23">
+      <p:pic>
+        <p:nvPicPr>
+          <p:cNvPr id="6" name="Immagine 5" descr="Immagine che contiene screenshot&#10;&#10;Descrizione generata automaticamente">
             <a:extLst>
               <a:ext uri="{FF2B5EF4-FFF2-40B4-BE49-F238E27FC236}">
-                <a16:creationId xmlns:a16="http://schemas.microsoft.com/office/drawing/2014/main" id="{543BAF3E-8D53-4EB3-9D0C-75E34D6C44CC}"/>
+                <a16:creationId xmlns:a16="http://schemas.microsoft.com/office/drawing/2014/main" id="{F81AA4EC-E1D1-469E-AD0E-6D9BA5A6B037}"/>
+              </a:ext>
+            </a:extLst>
+          </p:cNvPr>
+          <p:cNvPicPr>
+            <a:picLocks noChangeAspect="1"/>
+          </p:cNvPicPr>
+          <p:nvPr/>
+        </p:nvPicPr>
+        <p:blipFill>
+          <a:blip r:embed="rId3"/>
+          <a:stretch>
+            <a:fillRect/>
+          </a:stretch>
+        </p:blipFill>
+        <p:spPr>
+          <a:xfrm>
+            <a:off x="1313685" y="1818504"/>
+            <a:ext cx="9564628" cy="4518848"/>
+          </a:xfrm>
+          <a:prstGeom prst="rect">
+            <a:avLst/>
+          </a:prstGeom>
+        </p:spPr>
+      </p:pic>
+      <p:sp>
+        <p:nvSpPr>
+          <p:cNvPr id="7" name="Titolo 6">
+            <a:extLst>
+              <a:ext uri="{FF2B5EF4-FFF2-40B4-BE49-F238E27FC236}">
+                <a16:creationId xmlns:a16="http://schemas.microsoft.com/office/drawing/2014/main" id="{FA17E5C4-15D2-4F39-B893-E35D941E71D1}"/>
+              </a:ext>
+            </a:extLst>
+          </p:cNvPr>
+          <p:cNvSpPr txBox="1">
+            <a:spLocks/>
+          </p:cNvSpPr>
+          <p:nvPr/>
+        </p:nvSpPr>
+        <p:spPr>
+          <a:xfrm>
+            <a:off x="3519947" y="604186"/>
+            <a:ext cx="5152103" cy="640091"/>
+          </a:xfrm>
+          <a:prstGeom prst="rect">
+            <a:avLst/>
+          </a:prstGeom>
+          <a:solidFill>
+            <a:schemeClr val="bg1"/>
+          </a:solidFill>
+          <a:ln w="15875" cap="sq">
+            <a:solidFill>
+              <a:schemeClr val="tx1">
+                <a:lumMod val="75000"/>
+                <a:lumOff val="25000"/>
+              </a:schemeClr>
+            </a:solidFill>
+            <a:miter lim="800000"/>
+          </a:ln>
+        </p:spPr>
+        <p:txBody>
+          <a:bodyPr vert="horz" lIns="182880" tIns="182880" rIns="182880" bIns="182880" rtlCol="0" anchor="ctr">
+            <a:normAutofit fontScale="85000" lnSpcReduction="20000"/>
+          </a:bodyPr>
+          <a:lstStyle>
+            <a:lvl1pPr algn="ctr" defTabSz="914400" rtl="0" eaLnBrk="1" latinLnBrk="0" hangingPunct="1">
+              <a:lnSpc>
+                <a:spcPct val="90000"/>
+              </a:lnSpc>
+              <a:spcBef>
+                <a:spcPct val="0"/>
+              </a:spcBef>
+              <a:buNone/>
+              <a:defRPr sz="2800" kern="1200" cap="all" spc="200" baseline="0">
+                <a:solidFill>
+                  <a:schemeClr val="tx1">
+                    <a:lumMod val="85000"/>
+                    <a:lumOff val="15000"/>
+                  </a:schemeClr>
+                </a:solidFill>
+                <a:latin typeface="+mj-lt"/>
+                <a:ea typeface="+mj-ea"/>
+                <a:cs typeface="+mj-cs"/>
+              </a:defRPr>
+            </a:lvl1pPr>
+          </a:lstStyle>
+          <a:p>
+            <a:r>
+              <a:rPr lang="it-IT" dirty="0"/>
+              <a:t>MEANINGFUL INTERACTIONS</a:t>
+            </a:r>
+            <a:endParaRPr lang="en-GB" dirty="0"/>
+          </a:p>
+        </p:txBody>
+      </p:sp>
+      <p:sp>
+        <p:nvSpPr>
+          <p:cNvPr id="8" name="Ovale 7">
+            <a:extLst>
+              <a:ext uri="{FF2B5EF4-FFF2-40B4-BE49-F238E27FC236}">
+                <a16:creationId xmlns:a16="http://schemas.microsoft.com/office/drawing/2014/main" id="{44AA5271-7343-4972-A94D-61D1EFD3FDC0}"/>
               </a:ext>
             </a:extLst>
           </p:cNvPr>
@@ -20497,17 +20599,18 @@
         </p:nvSpPr>
         <p:spPr>
           <a:xfrm>
-            <a:off x="10895215" y="5502161"/>
-            <a:ext cx="1230110" cy="1230110"/>
+            <a:off x="11046588" y="5786438"/>
+            <a:ext cx="1071562" cy="1071562"/>
           </a:xfrm>
           <a:prstGeom prst="ellipse">
             <a:avLst/>
           </a:prstGeom>
           <a:blipFill>
-            <a:blip r:embed="rId3">
+            <a:blip r:embed="rId4">
+              <a:alphaModFix amt="70000"/>
               <a:extLst>
                 <a:ext uri="{837473B0-CC2E-450A-ABE3-18F120FF3D39}">
-                  <a1611:picAttrSrcUrl xmlns:a1611="http://schemas.microsoft.com/office/drawing/2016/11/main" r:id="rId4"/>
+                  <a1611:picAttrSrcUrl xmlns:a1611="http://schemas.microsoft.com/office/drawing/2016/11/main" r:id="rId5"/>
                 </a:ext>
               </a:extLst>
             </a:blip>
@@ -20540,106 +20643,6 @@
           <a:lstStyle/>
           <a:p>
             <a:pPr algn="ctr"/>
-            <a:endParaRPr lang="en-GB"/>
-          </a:p>
-        </p:txBody>
-      </p:sp>
-      <p:pic>
-        <p:nvPicPr>
-          <p:cNvPr id="6" name="Immagine 5" descr="Immagine che contiene screenshot&#10;&#10;Descrizione generata automaticamente">
-            <a:extLst>
-              <a:ext uri="{FF2B5EF4-FFF2-40B4-BE49-F238E27FC236}">
-                <a16:creationId xmlns:a16="http://schemas.microsoft.com/office/drawing/2014/main" id="{F81AA4EC-E1D1-469E-AD0E-6D9BA5A6B037}"/>
-              </a:ext>
-            </a:extLst>
-          </p:cNvPr>
-          <p:cNvPicPr>
-            <a:picLocks noChangeAspect="1"/>
-          </p:cNvPicPr>
-          <p:nvPr/>
-        </p:nvPicPr>
-        <p:blipFill>
-          <a:blip r:embed="rId5"/>
-          <a:stretch>
-            <a:fillRect/>
-          </a:stretch>
-        </p:blipFill>
-        <p:spPr>
-          <a:xfrm>
-            <a:off x="1313685" y="1818504"/>
-            <a:ext cx="9564628" cy="4518848"/>
-          </a:xfrm>
-          <a:prstGeom prst="rect">
-            <a:avLst/>
-          </a:prstGeom>
-        </p:spPr>
-      </p:pic>
-      <p:sp>
-        <p:nvSpPr>
-          <p:cNvPr id="7" name="Titolo 6">
-            <a:extLst>
-              <a:ext uri="{FF2B5EF4-FFF2-40B4-BE49-F238E27FC236}">
-                <a16:creationId xmlns:a16="http://schemas.microsoft.com/office/drawing/2014/main" id="{FA17E5C4-15D2-4F39-B893-E35D941E71D1}"/>
-              </a:ext>
-            </a:extLst>
-          </p:cNvPr>
-          <p:cNvSpPr txBox="1">
-            <a:spLocks/>
-          </p:cNvSpPr>
-          <p:nvPr/>
-        </p:nvSpPr>
-        <p:spPr>
-          <a:xfrm>
-            <a:off x="3519947" y="604186"/>
-            <a:ext cx="5152103" cy="640091"/>
-          </a:xfrm>
-          <a:prstGeom prst="rect">
-            <a:avLst/>
-          </a:prstGeom>
-          <a:solidFill>
-            <a:schemeClr val="bg1"/>
-          </a:solidFill>
-          <a:ln w="15875" cap="sq">
-            <a:solidFill>
-              <a:schemeClr val="tx1">
-                <a:lumMod val="75000"/>
-                <a:lumOff val="25000"/>
-              </a:schemeClr>
-            </a:solidFill>
-            <a:miter lim="800000"/>
-          </a:ln>
-        </p:spPr>
-        <p:txBody>
-          <a:bodyPr vert="horz" lIns="182880" tIns="182880" rIns="182880" bIns="182880" rtlCol="0" anchor="ctr">
-            <a:normAutofit fontScale="85000" lnSpcReduction="20000"/>
-          </a:bodyPr>
-          <a:lstStyle>
-            <a:lvl1pPr algn="ctr" defTabSz="914400" rtl="0" eaLnBrk="1" latinLnBrk="0" hangingPunct="1">
-              <a:lnSpc>
-                <a:spcPct val="90000"/>
-              </a:lnSpc>
-              <a:spcBef>
-                <a:spcPct val="0"/>
-              </a:spcBef>
-              <a:buNone/>
-              <a:defRPr sz="2800" kern="1200" cap="all" spc="200" baseline="0">
-                <a:solidFill>
-                  <a:schemeClr val="tx1">
-                    <a:lumMod val="85000"/>
-                    <a:lumOff val="15000"/>
-                  </a:schemeClr>
-                </a:solidFill>
-                <a:latin typeface="+mj-lt"/>
-                <a:ea typeface="+mj-ea"/>
-                <a:cs typeface="+mj-cs"/>
-              </a:defRPr>
-            </a:lvl1pPr>
-          </a:lstStyle>
-          <a:p>
-            <a:r>
-              <a:rPr lang="it-IT" dirty="0"/>
-              <a:t>MEANINGFUL INTERACTIONS</a:t>
-            </a:r>
             <a:endParaRPr lang="en-GB" dirty="0"/>
           </a:p>
         </p:txBody>
@@ -20813,10 +20816,10 @@
       </p:pic>
       <p:sp>
         <p:nvSpPr>
-          <p:cNvPr id="24" name="Ovale 23">
+          <p:cNvPr id="8" name="Ovale 7">
             <a:extLst>
               <a:ext uri="{FF2B5EF4-FFF2-40B4-BE49-F238E27FC236}">
-                <a16:creationId xmlns:a16="http://schemas.microsoft.com/office/drawing/2014/main" id="{543BAF3E-8D53-4EB3-9D0C-75E34D6C44CC}"/>
+                <a16:creationId xmlns:a16="http://schemas.microsoft.com/office/drawing/2014/main" id="{499033C7-4BEA-465E-9FCF-019088CF9552}"/>
               </a:ext>
             </a:extLst>
           </p:cNvPr>
@@ -20825,14 +20828,15 @@
         </p:nvSpPr>
         <p:spPr>
           <a:xfrm>
-            <a:off x="10895215" y="5502161"/>
-            <a:ext cx="1230110" cy="1230110"/>
+            <a:off x="11046588" y="5786438"/>
+            <a:ext cx="1071562" cy="1071562"/>
           </a:xfrm>
           <a:prstGeom prst="ellipse">
             <a:avLst/>
           </a:prstGeom>
           <a:blipFill>
             <a:blip r:embed="rId4">
+              <a:alphaModFix amt="70000"/>
               <a:extLst>
                 <a:ext uri="{837473B0-CC2E-450A-ABE3-18F120FF3D39}">
                   <a1611:picAttrSrcUrl xmlns:a1611="http://schemas.microsoft.com/office/drawing/2016/11/main" r:id="rId5"/>
@@ -20868,7 +20872,7 @@
           <a:lstStyle/>
           <a:p>
             <a:pPr algn="ctr"/>
-            <a:endParaRPr lang="en-GB"/>
+            <a:endParaRPr lang="en-GB" dirty="0"/>
           </a:p>
         </p:txBody>
       </p:sp>
@@ -21360,10 +21364,46 @@
       </p:sp>
       <p:sp>
         <p:nvSpPr>
-          <p:cNvPr id="14" name="Ovale 13">
+          <p:cNvPr id="4" name="CasellaDiTesto 3">
             <a:extLst>
               <a:ext uri="{FF2B5EF4-FFF2-40B4-BE49-F238E27FC236}">
-                <a16:creationId xmlns:a16="http://schemas.microsoft.com/office/drawing/2014/main" id="{90C0C7F5-0759-4054-8B60-0C49B44E02BF}"/>
+                <a16:creationId xmlns:a16="http://schemas.microsoft.com/office/drawing/2014/main" id="{D78C28F9-DBA6-425F-9081-7FCC67233918}"/>
+              </a:ext>
+            </a:extLst>
+          </p:cNvPr>
+          <p:cNvSpPr txBox="1"/>
+          <p:nvPr/>
+        </p:nvSpPr>
+        <p:spPr>
+          <a:xfrm flipH="1">
+            <a:off x="609599" y="2951946"/>
+            <a:ext cx="3516802" cy="954107"/>
+          </a:xfrm>
+          <a:prstGeom prst="rect">
+            <a:avLst/>
+          </a:prstGeom>
+          <a:noFill/>
+        </p:spPr>
+        <p:txBody>
+          <a:bodyPr wrap="square" rtlCol="0">
+            <a:spAutoFit/>
+          </a:bodyPr>
+          <a:lstStyle/>
+          <a:p>
+            <a:pPr algn="ctr"/>
+            <a:r>
+              <a:rPr lang="en-GB" sz="2800" dirty="0"/>
+              <a:t>DESIGN CHOICES AND PATTERNS</a:t>
+            </a:r>
+          </a:p>
+        </p:txBody>
+      </p:sp>
+      <p:sp>
+        <p:nvSpPr>
+          <p:cNvPr id="8" name="Ovale 7">
+            <a:extLst>
+              <a:ext uri="{FF2B5EF4-FFF2-40B4-BE49-F238E27FC236}">
+                <a16:creationId xmlns:a16="http://schemas.microsoft.com/office/drawing/2014/main" id="{37B82357-3E24-4183-8EC9-A7902FBD354D}"/>
               </a:ext>
             </a:extLst>
           </p:cNvPr>
@@ -21372,14 +21412,15 @@
         </p:nvSpPr>
         <p:spPr>
           <a:xfrm>
-            <a:off x="10895215" y="5502161"/>
-            <a:ext cx="1230110" cy="1230110"/>
+            <a:off x="11046588" y="5786438"/>
+            <a:ext cx="1071562" cy="1071562"/>
           </a:xfrm>
           <a:prstGeom prst="ellipse">
             <a:avLst/>
           </a:prstGeom>
           <a:blipFill>
             <a:blip r:embed="rId3">
+              <a:alphaModFix amt="70000"/>
               <a:extLst>
                 <a:ext uri="{837473B0-CC2E-450A-ABE3-18F120FF3D39}">
                   <a1611:picAttrSrcUrl xmlns:a1611="http://schemas.microsoft.com/office/drawing/2016/11/main" r:id="rId4"/>
@@ -21415,43 +21456,7 @@
           <a:lstStyle/>
           <a:p>
             <a:pPr algn="ctr"/>
-            <a:endParaRPr lang="en-GB"/>
-          </a:p>
-        </p:txBody>
-      </p:sp>
-      <p:sp>
-        <p:nvSpPr>
-          <p:cNvPr id="4" name="CasellaDiTesto 3">
-            <a:extLst>
-              <a:ext uri="{FF2B5EF4-FFF2-40B4-BE49-F238E27FC236}">
-                <a16:creationId xmlns:a16="http://schemas.microsoft.com/office/drawing/2014/main" id="{D78C28F9-DBA6-425F-9081-7FCC67233918}"/>
-              </a:ext>
-            </a:extLst>
-          </p:cNvPr>
-          <p:cNvSpPr txBox="1"/>
-          <p:nvPr/>
-        </p:nvSpPr>
-        <p:spPr>
-          <a:xfrm flipH="1">
-            <a:off x="1119340" y="3044279"/>
-            <a:ext cx="2415616" cy="769441"/>
-          </a:xfrm>
-          <a:prstGeom prst="rect">
-            <a:avLst/>
-          </a:prstGeom>
-          <a:noFill/>
-        </p:spPr>
-        <p:txBody>
-          <a:bodyPr wrap="square" rtlCol="0">
-            <a:spAutoFit/>
-          </a:bodyPr>
-          <a:lstStyle/>
-          <a:p>
-            <a:pPr algn="ctr"/>
-            <a:r>
-              <a:rPr lang="en-GB" sz="2200" dirty="0"/>
-              <a:t>DESIGN CHOICES AND PATTERNS</a:t>
-            </a:r>
+            <a:endParaRPr lang="en-GB" dirty="0"/>
           </a:p>
         </p:txBody>
       </p:sp>
@@ -21827,8 +21832,8 @@
         </p:nvSpPr>
         <p:spPr>
           <a:xfrm flipH="1">
-            <a:off x="1008989" y="3113105"/>
-            <a:ext cx="2626750" cy="769441"/>
+            <a:off x="769811" y="2952413"/>
+            <a:ext cx="3114675" cy="954107"/>
           </a:xfrm>
           <a:prstGeom prst="rect">
             <a:avLst/>
@@ -21843,7 +21848,7 @@
           <a:p>
             <a:pPr algn="ctr"/>
             <a:r>
-              <a:rPr lang="en-GB" sz="2200" dirty="0"/>
+              <a:rPr lang="en-GB" sz="2800" dirty="0"/>
               <a:t>IMPLEMENTATION PLAN</a:t>
             </a:r>
           </a:p>
@@ -21881,10 +21886,10 @@
       </p:pic>
       <p:sp>
         <p:nvSpPr>
-          <p:cNvPr id="14" name="Ovale 13">
+          <p:cNvPr id="9" name="Ovale 8">
             <a:extLst>
               <a:ext uri="{FF2B5EF4-FFF2-40B4-BE49-F238E27FC236}">
-                <a16:creationId xmlns:a16="http://schemas.microsoft.com/office/drawing/2014/main" id="{90C0C7F5-0759-4054-8B60-0C49B44E02BF}"/>
+                <a16:creationId xmlns:a16="http://schemas.microsoft.com/office/drawing/2014/main" id="{76F97695-D925-4274-B4CE-4E95679F2AA1}"/>
               </a:ext>
             </a:extLst>
           </p:cNvPr>
@@ -21893,14 +21898,15 @@
         </p:nvSpPr>
         <p:spPr>
           <a:xfrm>
-            <a:off x="10895215" y="5502161"/>
-            <a:ext cx="1230110" cy="1230110"/>
+            <a:off x="11046588" y="5786438"/>
+            <a:ext cx="1071562" cy="1071562"/>
           </a:xfrm>
           <a:prstGeom prst="ellipse">
             <a:avLst/>
           </a:prstGeom>
           <a:blipFill>
             <a:blip r:embed="rId4">
+              <a:alphaModFix amt="70000"/>
               <a:extLst>
                 <a:ext uri="{837473B0-CC2E-450A-ABE3-18F120FF3D39}">
                   <a1611:picAttrSrcUrl xmlns:a1611="http://schemas.microsoft.com/office/drawing/2016/11/main" r:id="rId5"/>
@@ -21936,7 +21942,7 @@
           <a:lstStyle/>
           <a:p>
             <a:pPr algn="ctr"/>
-            <a:endParaRPr lang="en-GB"/>
+            <a:endParaRPr lang="en-GB" dirty="0"/>
           </a:p>
         </p:txBody>
       </p:sp>
@@ -22312,8 +22318,8 @@
         </p:nvSpPr>
         <p:spPr>
           <a:xfrm flipH="1">
-            <a:off x="1008989" y="3113105"/>
-            <a:ext cx="2626750" cy="769441"/>
+            <a:off x="755740" y="2951946"/>
+            <a:ext cx="3133248" cy="954107"/>
           </a:xfrm>
           <a:prstGeom prst="rect">
             <a:avLst/>
@@ -22328,7 +22334,7 @@
           <a:p>
             <a:pPr algn="ctr"/>
             <a:r>
-              <a:rPr lang="en-GB" sz="2200" dirty="0"/>
+              <a:rPr lang="en-GB" sz="2800" dirty="0"/>
               <a:t>IMPLEMENTATION PLAN</a:t>
             </a:r>
           </a:p>
@@ -22396,10 +22402,10 @@
       </p:pic>
       <p:sp>
         <p:nvSpPr>
-          <p:cNvPr id="14" name="Ovale 13">
+          <p:cNvPr id="10" name="Ovale 9">
             <a:extLst>
               <a:ext uri="{FF2B5EF4-FFF2-40B4-BE49-F238E27FC236}">
-                <a16:creationId xmlns:a16="http://schemas.microsoft.com/office/drawing/2014/main" id="{90C0C7F5-0759-4054-8B60-0C49B44E02BF}"/>
+                <a16:creationId xmlns:a16="http://schemas.microsoft.com/office/drawing/2014/main" id="{2CCCEE7F-6BB0-4B20-9746-EF0B856E5734}"/>
               </a:ext>
             </a:extLst>
           </p:cNvPr>
@@ -22408,14 +22414,15 @@
         </p:nvSpPr>
         <p:spPr>
           <a:xfrm>
-            <a:off x="10895215" y="5502161"/>
-            <a:ext cx="1230110" cy="1230110"/>
+            <a:off x="11046588" y="5786438"/>
+            <a:ext cx="1071562" cy="1071562"/>
           </a:xfrm>
           <a:prstGeom prst="ellipse">
             <a:avLst/>
           </a:prstGeom>
           <a:blipFill>
             <a:blip r:embed="rId5">
+              <a:alphaModFix amt="70000"/>
               <a:extLst>
                 <a:ext uri="{837473B0-CC2E-450A-ABE3-18F120FF3D39}">
                   <a1611:picAttrSrcUrl xmlns:a1611="http://schemas.microsoft.com/office/drawing/2016/11/main" r:id="rId6"/>
@@ -22451,7 +22458,7 @@
           <a:lstStyle/>
           <a:p>
             <a:pPr algn="ctr"/>
-            <a:endParaRPr lang="en-GB"/>
+            <a:endParaRPr lang="en-GB" dirty="0"/>
           </a:p>
         </p:txBody>
       </p:sp>
@@ -22589,67 +22596,6 @@
               <a:t>IMPLEMENTATION PLAN</a:t>
             </a:r>
             <a:endParaRPr lang="en-GB" dirty="0"/>
-          </a:p>
-        </p:txBody>
-      </p:sp>
-      <p:sp>
-        <p:nvSpPr>
-          <p:cNvPr id="24" name="Ovale 23">
-            <a:extLst>
-              <a:ext uri="{FF2B5EF4-FFF2-40B4-BE49-F238E27FC236}">
-                <a16:creationId xmlns:a16="http://schemas.microsoft.com/office/drawing/2014/main" id="{543BAF3E-8D53-4EB3-9D0C-75E34D6C44CC}"/>
-              </a:ext>
-            </a:extLst>
-          </p:cNvPr>
-          <p:cNvSpPr/>
-          <p:nvPr/>
-        </p:nvSpPr>
-        <p:spPr>
-          <a:xfrm>
-            <a:off x="10895215" y="5502161"/>
-            <a:ext cx="1230110" cy="1230110"/>
-          </a:xfrm>
-          <a:prstGeom prst="ellipse">
-            <a:avLst/>
-          </a:prstGeom>
-          <a:blipFill>
-            <a:blip r:embed="rId3">
-              <a:extLst>
-                <a:ext uri="{837473B0-CC2E-450A-ABE3-18F120FF3D39}">
-                  <a1611:picAttrSrcUrl xmlns:a1611="http://schemas.microsoft.com/office/drawing/2016/11/main" r:id="rId4"/>
-                </a:ext>
-              </a:extLst>
-            </a:blip>
-            <a:stretch>
-              <a:fillRect/>
-            </a:stretch>
-          </a:blipFill>
-          <a:ln>
-            <a:noFill/>
-          </a:ln>
-        </p:spPr>
-        <p:style>
-          <a:lnRef idx="2">
-            <a:schemeClr val="accent1">
-              <a:shade val="50000"/>
-            </a:schemeClr>
-          </a:lnRef>
-          <a:fillRef idx="1">
-            <a:schemeClr val="accent1"/>
-          </a:fillRef>
-          <a:effectRef idx="0">
-            <a:schemeClr val="accent1"/>
-          </a:effectRef>
-          <a:fontRef idx="minor">
-            <a:schemeClr val="lt1"/>
-          </a:fontRef>
-        </p:style>
-        <p:txBody>
-          <a:bodyPr rtlCol="0" anchor="ctr"/>
-          <a:lstStyle/>
-          <a:p>
-            <a:pPr algn="ctr"/>
-            <a:endParaRPr lang="en-GB"/>
           </a:p>
         </p:txBody>
       </p:sp>
@@ -23112,6 +23058,68 @@
           </a:graphicData>
         </a:graphic>
       </p:graphicFrame>
+      <p:sp>
+        <p:nvSpPr>
+          <p:cNvPr id="9" name="Ovale 8">
+            <a:extLst>
+              <a:ext uri="{FF2B5EF4-FFF2-40B4-BE49-F238E27FC236}">
+                <a16:creationId xmlns:a16="http://schemas.microsoft.com/office/drawing/2014/main" id="{69E72551-E0C7-4622-A990-363E2B743D6B}"/>
+              </a:ext>
+            </a:extLst>
+          </p:cNvPr>
+          <p:cNvSpPr/>
+          <p:nvPr/>
+        </p:nvSpPr>
+        <p:spPr>
+          <a:xfrm>
+            <a:off x="11046588" y="5786438"/>
+            <a:ext cx="1071562" cy="1071562"/>
+          </a:xfrm>
+          <a:prstGeom prst="ellipse">
+            <a:avLst/>
+          </a:prstGeom>
+          <a:blipFill>
+            <a:blip r:embed="rId3">
+              <a:alphaModFix amt="70000"/>
+              <a:extLst>
+                <a:ext uri="{837473B0-CC2E-450A-ABE3-18F120FF3D39}">
+                  <a1611:picAttrSrcUrl xmlns:a1611="http://schemas.microsoft.com/office/drawing/2016/11/main" r:id="rId4"/>
+                </a:ext>
+              </a:extLst>
+            </a:blip>
+            <a:stretch>
+              <a:fillRect/>
+            </a:stretch>
+          </a:blipFill>
+          <a:ln>
+            <a:noFill/>
+          </a:ln>
+        </p:spPr>
+        <p:style>
+          <a:lnRef idx="2">
+            <a:schemeClr val="accent1">
+              <a:shade val="50000"/>
+            </a:schemeClr>
+          </a:lnRef>
+          <a:fillRef idx="1">
+            <a:schemeClr val="accent1"/>
+          </a:fillRef>
+          <a:effectRef idx="0">
+            <a:schemeClr val="accent1"/>
+          </a:effectRef>
+          <a:fontRef idx="minor">
+            <a:schemeClr val="lt1"/>
+          </a:fontRef>
+        </p:style>
+        <p:txBody>
+          <a:bodyPr rtlCol="0" anchor="ctr"/>
+          <a:lstStyle/>
+          <a:p>
+            <a:pPr algn="ctr"/>
+            <a:endParaRPr lang="en-GB" dirty="0"/>
+          </a:p>
+        </p:txBody>
+      </p:sp>
     </p:spTree>
     <p:extLst>
       <p:ext uri="{BB962C8B-B14F-4D97-AF65-F5344CB8AC3E}">
@@ -23238,7 +23246,7 @@
           <a:p>
             <a:r>
               <a:rPr lang="it-IT" dirty="0"/>
-              <a:t>Thanks for </a:t>
+              <a:t>Thank YOU for </a:t>
             </a:r>
             <a:r>
               <a:rPr lang="it-IT" dirty="0" err="1"/>
@@ -23270,14 +23278,15 @@
         </p:nvSpPr>
         <p:spPr>
           <a:xfrm>
-            <a:off x="10895215" y="5502161"/>
-            <a:ext cx="1230110" cy="1230110"/>
+            <a:off x="11046588" y="5786438"/>
+            <a:ext cx="1071562" cy="1071562"/>
           </a:xfrm>
           <a:prstGeom prst="ellipse">
             <a:avLst/>
           </a:prstGeom>
           <a:blipFill>
             <a:blip r:embed="rId3">
+              <a:alphaModFix amt="70000"/>
               <a:extLst>
                 <a:ext uri="{837473B0-CC2E-450A-ABE3-18F120FF3D39}">
                   <a1611:picAttrSrcUrl xmlns:a1611="http://schemas.microsoft.com/office/drawing/2016/11/main" r:id="rId4"/>
@@ -23313,7 +23322,7 @@
           <a:lstStyle/>
           <a:p>
             <a:pPr algn="ctr"/>
-            <a:endParaRPr lang="en-GB"/>
+            <a:endParaRPr lang="en-GB" dirty="0"/>
           </a:p>
         </p:txBody>
       </p:sp>
@@ -23599,12 +23608,20 @@
               <a:t>[G.2] </a:t>
             </a:r>
             <a:r>
+              <a:rPr lang="it-IT" sz="1700" dirty="0" err="1">
+                <a:solidFill>
+                  <a:srgbClr val="4D4D4D"/>
+                </a:solidFill>
+              </a:rPr>
+              <a:t>Send</a:t>
+            </a:r>
+            <a:r>
               <a:rPr lang="it-IT" sz="1700" dirty="0">
                 <a:solidFill>
                   <a:srgbClr val="4D4D4D"/>
                 </a:solidFill>
               </a:rPr>
-              <a:t>Send notification about traffic violations.</a:t>
+              <a:t> reports about traffic violations.</a:t>
             </a:r>
           </a:p>
           <a:p>
@@ -23673,7 +23690,7 @@
                   <a:srgbClr val="4D4D4D"/>
                 </a:solidFill>
               </a:rPr>
-              <a:t>[G.4]</a:t>
+              <a:t>[G.5]</a:t>
             </a:r>
             <a:r>
               <a:rPr lang="en-GB" sz="1700" dirty="0">
@@ -23697,7 +23714,7 @@
                   <a:srgbClr val="4D4D4D"/>
                 </a:solidFill>
               </a:rPr>
-              <a:t>[G.5] </a:t>
+              <a:t>[G.6] </a:t>
             </a:r>
             <a:r>
               <a:rPr lang="en-GB" sz="1700" dirty="0">
@@ -23721,7 +23738,7 @@
                   <a:srgbClr val="4D4D4D"/>
                 </a:solidFill>
               </a:rPr>
-              <a:t>[G.6] </a:t>
+              <a:t>[G.10] </a:t>
             </a:r>
             <a:r>
               <a:rPr lang="en-GB" sz="1700" dirty="0">
@@ -23811,7 +23828,7 @@
                   <a:srgbClr val="4D4D4D"/>
                 </a:solidFill>
               </a:rPr>
-              <a:t>Access information about unsafe areas.</a:t>
+              <a:t>Access information about safe/unsafe areas.</a:t>
             </a:r>
           </a:p>
           <a:p>
@@ -23879,10 +23896,10 @@
       </p:sp>
       <p:sp>
         <p:nvSpPr>
-          <p:cNvPr id="14" name="Ovale 13">
+          <p:cNvPr id="7" name="Ovale 6">
             <a:extLst>
               <a:ext uri="{FF2B5EF4-FFF2-40B4-BE49-F238E27FC236}">
-                <a16:creationId xmlns:a16="http://schemas.microsoft.com/office/drawing/2014/main" id="{90C0C7F5-0759-4054-8B60-0C49B44E02BF}"/>
+                <a16:creationId xmlns:a16="http://schemas.microsoft.com/office/drawing/2014/main" id="{F6631468-9FF3-4B71-A336-4DCF3DB8FD32}"/>
               </a:ext>
             </a:extLst>
           </p:cNvPr>
@@ -23891,14 +23908,15 @@
         </p:nvSpPr>
         <p:spPr>
           <a:xfrm>
-            <a:off x="10895215" y="5502161"/>
-            <a:ext cx="1230110" cy="1230110"/>
+            <a:off x="11046588" y="5786438"/>
+            <a:ext cx="1071562" cy="1071562"/>
           </a:xfrm>
           <a:prstGeom prst="ellipse">
             <a:avLst/>
           </a:prstGeom>
           <a:blipFill>
             <a:blip r:embed="rId3">
+              <a:alphaModFix amt="70000"/>
               <a:extLst>
                 <a:ext uri="{837473B0-CC2E-450A-ABE3-18F120FF3D39}">
                   <a1611:picAttrSrcUrl xmlns:a1611="http://schemas.microsoft.com/office/drawing/2016/11/main" r:id="rId4"/>
@@ -23934,7 +23952,7 @@
           <a:lstStyle/>
           <a:p>
             <a:pPr algn="ctr"/>
-            <a:endParaRPr lang="en-GB"/>
+            <a:endParaRPr lang="en-GB" dirty="0"/>
           </a:p>
         </p:txBody>
       </p:sp>
@@ -24284,67 +24302,6 @@
       </p:sp>
       <p:sp>
         <p:nvSpPr>
-          <p:cNvPr id="7" name="Ovale 6">
-            <a:extLst>
-              <a:ext uri="{FF2B5EF4-FFF2-40B4-BE49-F238E27FC236}">
-                <a16:creationId xmlns:a16="http://schemas.microsoft.com/office/drawing/2014/main" id="{E0E1642A-4752-4DD1-82EF-1DB9EE45ED90}"/>
-              </a:ext>
-            </a:extLst>
-          </p:cNvPr>
-          <p:cNvSpPr/>
-          <p:nvPr/>
-        </p:nvSpPr>
-        <p:spPr>
-          <a:xfrm>
-            <a:off x="11002898" y="5609844"/>
-            <a:ext cx="1122426" cy="1122426"/>
-          </a:xfrm>
-          <a:prstGeom prst="ellipse">
-            <a:avLst/>
-          </a:prstGeom>
-          <a:blipFill>
-            <a:blip r:embed="rId2">
-              <a:extLst>
-                <a:ext uri="{837473B0-CC2E-450A-ABE3-18F120FF3D39}">
-                  <a1611:picAttrSrcUrl xmlns:a1611="http://schemas.microsoft.com/office/drawing/2016/11/main" r:id="rId3"/>
-                </a:ext>
-              </a:extLst>
-            </a:blip>
-            <a:stretch>
-              <a:fillRect/>
-            </a:stretch>
-          </a:blipFill>
-          <a:ln>
-            <a:noFill/>
-          </a:ln>
-        </p:spPr>
-        <p:style>
-          <a:lnRef idx="2">
-            <a:schemeClr val="accent1">
-              <a:shade val="50000"/>
-            </a:schemeClr>
-          </a:lnRef>
-          <a:fillRef idx="1">
-            <a:schemeClr val="accent1"/>
-          </a:fillRef>
-          <a:effectRef idx="0">
-            <a:schemeClr val="accent1"/>
-          </a:effectRef>
-          <a:fontRef idx="minor">
-            <a:schemeClr val="lt1"/>
-          </a:fontRef>
-        </p:style>
-        <p:txBody>
-          <a:bodyPr rtlCol="0" anchor="ctr"/>
-          <a:lstStyle/>
-          <a:p>
-            <a:pPr algn="ctr"/>
-            <a:endParaRPr lang="en-GB"/>
-          </a:p>
-        </p:txBody>
-      </p:sp>
-      <p:sp>
-        <p:nvSpPr>
           <p:cNvPr id="9" name="Segnaposto contenuto 2">
             <a:extLst>
               <a:ext uri="{FF2B5EF4-FFF2-40B4-BE49-F238E27FC236}">
@@ -24368,7 +24325,7 @@
         </p:spPr>
         <p:txBody>
           <a:bodyPr vert="horz" lIns="91440" tIns="45720" rIns="91440" bIns="45720" rtlCol="0">
-            <a:normAutofit fontScale="85000" lnSpcReduction="20000"/>
+            <a:normAutofit/>
           </a:bodyPr>
           <a:lstStyle>
             <a:lvl1pPr marL="228600" indent="-228600" algn="l" defTabSz="914400" rtl="0" eaLnBrk="1" latinLnBrk="0" hangingPunct="1">
@@ -24581,7 +24538,7 @@
               <a:buNone/>
             </a:pPr>
             <a:r>
-              <a:rPr lang="it-IT" sz="2100" b="1" u="sng" dirty="0">
+              <a:rPr lang="it-IT" sz="1700" b="1" u="sng" dirty="0">
                 <a:solidFill>
                   <a:srgbClr val="4D4D4D"/>
                 </a:solidFill>
@@ -24591,7 +24548,7 @@
           </a:p>
           <a:p>
             <a:r>
-              <a:rPr lang="it-IT" sz="2100" dirty="0">
+              <a:rPr lang="it-IT" sz="1700" dirty="0">
                 <a:solidFill>
                   <a:srgbClr val="4D4D4D"/>
                 </a:solidFill>
@@ -24601,32 +24558,86 @@
           </a:p>
           <a:p>
             <a:r>
-              <a:rPr lang="it-IT" sz="2100" dirty="0">
+              <a:rPr lang="it-IT" sz="1700" dirty="0" err="1">
                 <a:solidFill>
                   <a:srgbClr val="4D4D4D"/>
                 </a:solidFill>
               </a:rPr>
-              <a:t>An Authority verifies a report.</a:t>
-            </a:r>
-          </a:p>
-          <a:p>
-            <a:r>
-              <a:rPr lang="it-IT" sz="2100" dirty="0">
+              <a:t>SafeStreets</a:t>
+            </a:r>
+            <a:r>
+              <a:rPr lang="it-IT" sz="1700" dirty="0">
                 <a:solidFill>
                   <a:srgbClr val="4D4D4D"/>
                 </a:solidFill>
               </a:rPr>
-              <a:t>SafeStreets shows details about a report.</a:t>
-            </a:r>
-          </a:p>
-          <a:p>
-            <a:r>
-              <a:rPr lang="it-IT" sz="2100" dirty="0">
+              <a:t> shows to a User </a:t>
+            </a:r>
+            <a:r>
+              <a:rPr lang="it-IT" sz="1700" dirty="0" err="1">
                 <a:solidFill>
                   <a:srgbClr val="4D4D4D"/>
                 </a:solidFill>
               </a:rPr>
-              <a:t>SafeStreets shows safe/unsafe areas.</a:t>
+              <a:t>his</a:t>
+            </a:r>
+            <a:r>
+              <a:rPr lang="it-IT" sz="1700" dirty="0">
+                <a:solidFill>
+                  <a:srgbClr val="4D4D4D"/>
+                </a:solidFill>
+              </a:rPr>
+              <a:t> </a:t>
+            </a:r>
+            <a:r>
+              <a:rPr lang="it-IT" sz="1700" dirty="0" err="1">
+                <a:solidFill>
+                  <a:srgbClr val="4D4D4D"/>
+                </a:solidFill>
+              </a:rPr>
+              <a:t>own</a:t>
+            </a:r>
+            <a:r>
+              <a:rPr lang="it-IT" sz="1700" dirty="0">
+                <a:solidFill>
+                  <a:srgbClr val="4D4D4D"/>
+                </a:solidFill>
+              </a:rPr>
+              <a:t> reports.</a:t>
+            </a:r>
+          </a:p>
+          <a:p>
+            <a:r>
+              <a:rPr lang="it-IT" sz="1700" dirty="0" err="1">
+                <a:solidFill>
+                  <a:srgbClr val="4D4D4D"/>
+                </a:solidFill>
+              </a:rPr>
+              <a:t>SafeStreets</a:t>
+            </a:r>
+            <a:r>
+              <a:rPr lang="it-IT" sz="1700" dirty="0">
+                <a:solidFill>
+                  <a:srgbClr val="4D4D4D"/>
+                </a:solidFill>
+              </a:rPr>
+              <a:t> shows </a:t>
+            </a:r>
+            <a:r>
+              <a:rPr lang="it-IT" sz="1700" dirty="0" err="1">
+                <a:solidFill>
+                  <a:srgbClr val="4D4D4D"/>
+                </a:solidFill>
+              </a:rPr>
+              <a:t>inferred</a:t>
+            </a:r>
+            <a:r>
+              <a:rPr lang="it-IT" sz="1700" dirty="0">
+                <a:solidFill>
+                  <a:srgbClr val="4D4D4D"/>
+                </a:solidFill>
+              </a:rPr>
+              <a:t> safe/unsafe areas.</a:t>
             </a:r>
           </a:p>
           <a:p>
@@ -24896,28 +24907,122 @@
           </a:p>
           <a:p>
             <a:r>
+              <a:rPr lang="it-IT" dirty="0" err="1">
+                <a:solidFill>
+                  <a:srgbClr val="4D4D4D"/>
+                </a:solidFill>
+              </a:rPr>
+              <a:t>SafeStreets</a:t>
+            </a:r>
+            <a:r>
               <a:rPr lang="it-IT" dirty="0">
                 <a:solidFill>
                   <a:srgbClr val="4D4D4D"/>
                 </a:solidFill>
               </a:rPr>
-              <a:t>SafeStreets computes statistics.</a:t>
-            </a:r>
-          </a:p>
-          <a:p>
+              <a:t> </a:t>
+            </a:r>
+            <a:r>
+              <a:rPr lang="it-IT" dirty="0" err="1">
+                <a:solidFill>
+                  <a:srgbClr val="4D4D4D"/>
+                </a:solidFill>
+              </a:rPr>
+              <a:t>encrypts</a:t>
+            </a:r>
             <a:r>
               <a:rPr lang="it-IT" dirty="0">
                 <a:solidFill>
                   <a:srgbClr val="4D4D4D"/>
                 </a:solidFill>
               </a:rPr>
-              <a:t>SafeStreets stores received reports.</a:t>
+              <a:t> sensitive data.</a:t>
+            </a:r>
+          </a:p>
+          <a:p>
+            <a:r>
+              <a:rPr lang="it-IT" dirty="0" err="1">
+                <a:solidFill>
+                  <a:srgbClr val="4D4D4D"/>
+                </a:solidFill>
+              </a:rPr>
+              <a:t>SafeStreets</a:t>
+            </a:r>
+            <a:r>
+              <a:rPr lang="it-IT" dirty="0">
+                <a:solidFill>
+                  <a:srgbClr val="4D4D4D"/>
+                </a:solidFill>
+              </a:rPr>
+              <a:t> stores data.</a:t>
             </a:r>
             <a:endParaRPr lang="en-GB" dirty="0">
               <a:solidFill>
                 <a:srgbClr val="4D4D4D"/>
               </a:solidFill>
             </a:endParaRPr>
+          </a:p>
+        </p:txBody>
+      </p:sp>
+      <p:sp>
+        <p:nvSpPr>
+          <p:cNvPr id="13" name="Ovale 12">
+            <a:extLst>
+              <a:ext uri="{FF2B5EF4-FFF2-40B4-BE49-F238E27FC236}">
+                <a16:creationId xmlns:a16="http://schemas.microsoft.com/office/drawing/2014/main" id="{7B975234-DF76-47DC-A8F0-C3521B0E073E}"/>
+              </a:ext>
+            </a:extLst>
+          </p:cNvPr>
+          <p:cNvSpPr/>
+          <p:nvPr/>
+        </p:nvSpPr>
+        <p:spPr>
+          <a:xfrm>
+            <a:off x="11046588" y="5786438"/>
+            <a:ext cx="1071562" cy="1071562"/>
+          </a:xfrm>
+          <a:prstGeom prst="ellipse">
+            <a:avLst/>
+          </a:prstGeom>
+          <a:blipFill>
+            <a:blip r:embed="rId2">
+              <a:alphaModFix amt="70000"/>
+              <a:extLst>
+                <a:ext uri="{837473B0-CC2E-450A-ABE3-18F120FF3D39}">
+                  <a1611:picAttrSrcUrl xmlns:a1611="http://schemas.microsoft.com/office/drawing/2016/11/main" r:id="rId3"/>
+                </a:ext>
+              </a:extLst>
+            </a:blip>
+            <a:stretch>
+              <a:fillRect/>
+            </a:stretch>
+          </a:blipFill>
+          <a:ln>
+            <a:noFill/>
+          </a:ln>
+        </p:spPr>
+        <p:style>
+          <a:lnRef idx="2">
+            <a:schemeClr val="accent1">
+              <a:shade val="50000"/>
+            </a:schemeClr>
+          </a:lnRef>
+          <a:fillRef idx="1">
+            <a:schemeClr val="accent1"/>
+          </a:fillRef>
+          <a:effectRef idx="0">
+            <a:schemeClr val="accent1"/>
+          </a:effectRef>
+          <a:fontRef idx="minor">
+            <a:schemeClr val="lt1"/>
+          </a:fontRef>
+        </p:style>
+        <p:txBody>
+          <a:bodyPr rtlCol="0" anchor="ctr"/>
+          <a:lstStyle/>
+          <a:p>
+            <a:pPr algn="ctr"/>
+            <a:endParaRPr lang="en-GB" dirty="0"/>
           </a:p>
         </p:txBody>
       </p:sp>
@@ -25090,10 +25195,10 @@
       </p:pic>
       <p:sp>
         <p:nvSpPr>
-          <p:cNvPr id="24" name="Ovale 23">
+          <p:cNvPr id="6" name="Ovale 5">
             <a:extLst>
               <a:ext uri="{FF2B5EF4-FFF2-40B4-BE49-F238E27FC236}">
-                <a16:creationId xmlns:a16="http://schemas.microsoft.com/office/drawing/2014/main" id="{543BAF3E-8D53-4EB3-9D0C-75E34D6C44CC}"/>
+                <a16:creationId xmlns:a16="http://schemas.microsoft.com/office/drawing/2014/main" id="{A65823AE-6631-4EDA-A52F-B0F6751F6D7C}"/>
               </a:ext>
             </a:extLst>
           </p:cNvPr>
@@ -25102,14 +25207,15 @@
         </p:nvSpPr>
         <p:spPr>
           <a:xfrm>
-            <a:off x="10895215" y="5502161"/>
-            <a:ext cx="1230110" cy="1230110"/>
+            <a:off x="11046588" y="5786438"/>
+            <a:ext cx="1071562" cy="1071562"/>
           </a:xfrm>
           <a:prstGeom prst="ellipse">
             <a:avLst/>
           </a:prstGeom>
           <a:blipFill>
             <a:blip r:embed="rId3">
+              <a:alphaModFix amt="70000"/>
               <a:extLst>
                 <a:ext uri="{837473B0-CC2E-450A-ABE3-18F120FF3D39}">
                   <a1611:picAttrSrcUrl xmlns:a1611="http://schemas.microsoft.com/office/drawing/2016/11/main" r:id="rId4"/>
@@ -25145,7 +25251,7 @@
           <a:lstStyle/>
           <a:p>
             <a:pPr algn="ctr"/>
-            <a:endParaRPr lang="en-GB"/>
+            <a:endParaRPr lang="en-GB" dirty="0"/>
           </a:p>
         </p:txBody>
       </p:sp>
@@ -25318,10 +25424,10 @@
       </p:pic>
       <p:sp>
         <p:nvSpPr>
-          <p:cNvPr id="24" name="Ovale 23">
+          <p:cNvPr id="6" name="Ovale 5">
             <a:extLst>
               <a:ext uri="{FF2B5EF4-FFF2-40B4-BE49-F238E27FC236}">
-                <a16:creationId xmlns:a16="http://schemas.microsoft.com/office/drawing/2014/main" id="{543BAF3E-8D53-4EB3-9D0C-75E34D6C44CC}"/>
+                <a16:creationId xmlns:a16="http://schemas.microsoft.com/office/drawing/2014/main" id="{4F499F38-45F3-4B97-8447-1141C73593FC}"/>
               </a:ext>
             </a:extLst>
           </p:cNvPr>
@@ -25330,14 +25436,15 @@
         </p:nvSpPr>
         <p:spPr>
           <a:xfrm>
-            <a:off x="10895215" y="5502161"/>
-            <a:ext cx="1230110" cy="1230110"/>
+            <a:off x="11046588" y="5786438"/>
+            <a:ext cx="1071562" cy="1071562"/>
           </a:xfrm>
           <a:prstGeom prst="ellipse">
             <a:avLst/>
           </a:prstGeom>
           <a:blipFill>
             <a:blip r:embed="rId3">
+              <a:alphaModFix amt="70000"/>
               <a:extLst>
                 <a:ext uri="{837473B0-CC2E-450A-ABE3-18F120FF3D39}">
                   <a1611:picAttrSrcUrl xmlns:a1611="http://schemas.microsoft.com/office/drawing/2016/11/main" r:id="rId4"/>
@@ -25373,7 +25480,7 @@
           <a:lstStyle/>
           <a:p>
             <a:pPr algn="ctr"/>
-            <a:endParaRPr lang="en-GB"/>
+            <a:endParaRPr lang="en-GB" dirty="0"/>
           </a:p>
         </p:txBody>
       </p:sp>
@@ -25619,8 +25726,8 @@
         </p:nvSpPr>
         <p:spPr>
           <a:xfrm>
-            <a:off x="5263895" y="577881"/>
-            <a:ext cx="5826919" cy="4924280"/>
+            <a:off x="5041901" y="759016"/>
+            <a:ext cx="6540500" cy="5969000"/>
           </a:xfrm>
         </p:spPr>
         <p:txBody>
@@ -25636,20 +25743,84 @@
               <a:buNone/>
             </a:pPr>
             <a:r>
-              <a:rPr lang="it-IT" sz="1700" b="1" dirty="0">
+              <a:rPr lang="it-IT" sz="2000" b="1" dirty="0">
                 <a:solidFill>
                   <a:srgbClr val="4D4D4D"/>
                 </a:solidFill>
               </a:rPr>
-              <a:t>[R.6] </a:t>
-            </a:r>
-            <a:r>
-              <a:rPr lang="it-IT" sz="1700" dirty="0">
+              <a:t>[G.2] </a:t>
+            </a:r>
+            <a:r>
+              <a:rPr lang="it-IT" sz="2000" dirty="0">
                 <a:solidFill>
                   <a:srgbClr val="4D4D4D"/>
                 </a:solidFill>
               </a:rPr>
-              <a:t>The System must compute the trustness of reports.</a:t>
+              <a:t>User </a:t>
+            </a:r>
+            <a:r>
+              <a:rPr lang="it-IT" sz="2000" dirty="0" err="1">
+                <a:solidFill>
+                  <a:srgbClr val="4D4D4D"/>
+                </a:solidFill>
+              </a:rPr>
+              <a:t>sends</a:t>
+            </a:r>
+            <a:r>
+              <a:rPr lang="it-IT" sz="2000" dirty="0">
+                <a:solidFill>
+                  <a:srgbClr val="4D4D4D"/>
+                </a:solidFill>
+              </a:rPr>
+              <a:t> reports </a:t>
+            </a:r>
+            <a:r>
+              <a:rPr lang="it-IT" sz="2000" dirty="0" err="1">
+                <a:solidFill>
+                  <a:srgbClr val="4D4D4D"/>
+                </a:solidFill>
+              </a:rPr>
+              <a:t>about</a:t>
+            </a:r>
+            <a:r>
+              <a:rPr lang="it-IT" sz="2000" dirty="0">
+                <a:solidFill>
+                  <a:srgbClr val="4D4D4D"/>
+                </a:solidFill>
+              </a:rPr>
+              <a:t> </a:t>
+            </a:r>
+            <a:r>
+              <a:rPr lang="it-IT" sz="2000" dirty="0" err="1">
+                <a:solidFill>
+                  <a:srgbClr val="4D4D4D"/>
+                </a:solidFill>
+              </a:rPr>
+              <a:t>traffic</a:t>
+            </a:r>
+            <a:r>
+              <a:rPr lang="it-IT" sz="2000" dirty="0">
+                <a:solidFill>
+                  <a:srgbClr val="4D4D4D"/>
+                </a:solidFill>
+              </a:rPr>
+              <a:t> </a:t>
+            </a:r>
+            <a:r>
+              <a:rPr lang="it-IT" sz="2000" dirty="0" err="1">
+                <a:solidFill>
+                  <a:srgbClr val="4D4D4D"/>
+                </a:solidFill>
+              </a:rPr>
+              <a:t>violations</a:t>
+            </a:r>
+            <a:r>
+              <a:rPr lang="it-IT" sz="2000" dirty="0">
+                <a:solidFill>
+                  <a:srgbClr val="4D4D4D"/>
+                </a:solidFill>
+              </a:rPr>
+              <a:t>.</a:t>
             </a:r>
           </a:p>
           <a:p>
@@ -25659,35 +25830,587 @@
               </a:lnSpc>
               <a:buNone/>
             </a:pPr>
-            <a:endParaRPr lang="it-IT" sz="1700" dirty="0">
+            <a:r>
+              <a:rPr lang="it-IT" sz="2000" b="1" dirty="0">
+                <a:solidFill>
+                  <a:srgbClr val="4D4D4D"/>
+                </a:solidFill>
+              </a:rPr>
+              <a:t>      </a:t>
+            </a:r>
+            <a:r>
+              <a:rPr lang="en-GB" sz="2000" b="1" dirty="0">
+                <a:solidFill>
+                  <a:srgbClr val="4D4D4D"/>
+                </a:solidFill>
+              </a:rPr>
+              <a:t>- </a:t>
+            </a:r>
+            <a:r>
+              <a:rPr lang="it-IT" sz="2000" b="1" dirty="0">
+                <a:solidFill>
+                  <a:srgbClr val="4D4D4D"/>
+                </a:solidFill>
+              </a:rPr>
+              <a:t>[R.10]</a:t>
+            </a:r>
+            <a:r>
+              <a:rPr lang="it-IT" sz="2000" dirty="0">
+                <a:solidFill>
+                  <a:srgbClr val="4D4D4D"/>
+                </a:solidFill>
+              </a:rPr>
+              <a:t> The System must </a:t>
+            </a:r>
+            <a:r>
+              <a:rPr lang="it-IT" sz="2000" dirty="0" err="1">
+                <a:solidFill>
+                  <a:srgbClr val="4D4D4D"/>
+                </a:solidFill>
+              </a:rPr>
+              <a:t>submit</a:t>
+            </a:r>
+            <a:r>
+              <a:rPr lang="it-IT" sz="2000" dirty="0">
+                <a:solidFill>
+                  <a:srgbClr val="4D4D4D"/>
+                </a:solidFill>
+              </a:rPr>
+              <a:t> the </a:t>
+            </a:r>
+            <a:r>
+              <a:rPr lang="it-IT" sz="2000" dirty="0" err="1">
+                <a:solidFill>
+                  <a:srgbClr val="4D4D4D"/>
+                </a:solidFill>
+              </a:rPr>
+              <a:t>received</a:t>
+            </a:r>
+            <a:r>
+              <a:rPr lang="it-IT" sz="2000" dirty="0">
+                <a:solidFill>
+                  <a:srgbClr val="4D4D4D"/>
+                </a:solidFill>
+              </a:rPr>
+              <a:t> reports to  	      an Authority for checking </a:t>
+            </a:r>
+            <a:r>
+              <a:rPr lang="it-IT" sz="2000" dirty="0" err="1">
+                <a:solidFill>
+                  <a:srgbClr val="4D4D4D"/>
+                </a:solidFill>
+              </a:rPr>
+              <a:t>its</a:t>
+            </a:r>
+            <a:r>
+              <a:rPr lang="it-IT" sz="2000" dirty="0">
+                <a:solidFill>
+                  <a:srgbClr val="4D4D4D"/>
+                </a:solidFill>
+              </a:rPr>
+              <a:t> </a:t>
+            </a:r>
+            <a:r>
+              <a:rPr lang="it-IT" sz="2000" dirty="0" err="1">
+                <a:solidFill>
+                  <a:srgbClr val="4D4D4D"/>
+                </a:solidFill>
+              </a:rPr>
+              <a:t>validity</a:t>
+            </a:r>
+            <a:r>
+              <a:rPr lang="it-IT" sz="2000" dirty="0">
+                <a:solidFill>
+                  <a:srgbClr val="4D4D4D"/>
+                </a:solidFill>
+              </a:rPr>
+              <a:t>.</a:t>
+            </a:r>
+          </a:p>
+          <a:p>
+            <a:pPr marL="0" indent="0">
+              <a:lnSpc>
+                <a:spcPct val="90000"/>
+              </a:lnSpc>
+              <a:buNone/>
+            </a:pPr>
+            <a:r>
+              <a:rPr lang="it-IT" sz="2000" b="1" dirty="0">
+                <a:solidFill>
+                  <a:srgbClr val="4D4D4D"/>
+                </a:solidFill>
+              </a:rPr>
+              <a:t>      </a:t>
+            </a:r>
+            <a:r>
+              <a:rPr lang="en-GB" sz="2000" b="1" dirty="0">
+                <a:solidFill>
+                  <a:srgbClr val="4D4D4D"/>
+                </a:solidFill>
+              </a:rPr>
+              <a:t>- </a:t>
+            </a:r>
+            <a:r>
+              <a:rPr lang="it-IT" sz="2000" b="1" dirty="0">
+                <a:solidFill>
+                  <a:srgbClr val="4D4D4D"/>
+                </a:solidFill>
+              </a:rPr>
+              <a:t>[R.11]</a:t>
+            </a:r>
+            <a:r>
+              <a:rPr lang="it-IT" sz="2000" dirty="0">
+                <a:solidFill>
+                  <a:srgbClr val="4D4D4D"/>
+                </a:solidFill>
+              </a:rPr>
+              <a:t> The System must </a:t>
+            </a:r>
+            <a:r>
+              <a:rPr lang="it-IT" sz="2000" dirty="0" err="1">
+                <a:solidFill>
+                  <a:srgbClr val="4D4D4D"/>
+                </a:solidFill>
+              </a:rPr>
+              <a:t>recognize</a:t>
+            </a:r>
+            <a:r>
+              <a:rPr lang="it-IT" sz="2000" dirty="0">
+                <a:solidFill>
+                  <a:srgbClr val="4D4D4D"/>
+                </a:solidFill>
+              </a:rPr>
+              <a:t> </a:t>
+            </a:r>
+            <a:r>
+              <a:rPr lang="it-IT" sz="2000" dirty="0" err="1">
+                <a:solidFill>
+                  <a:srgbClr val="4D4D4D"/>
+                </a:solidFill>
+              </a:rPr>
+              <a:t>if</a:t>
+            </a:r>
+            <a:r>
+              <a:rPr lang="it-IT" sz="2000" dirty="0">
+                <a:solidFill>
+                  <a:srgbClr val="4D4D4D"/>
+                </a:solidFill>
+              </a:rPr>
+              <a:t> a report, </a:t>
+            </a:r>
+            <a:r>
+              <a:rPr lang="it-IT" sz="2000" dirty="0" err="1">
+                <a:solidFill>
+                  <a:srgbClr val="4D4D4D"/>
+                </a:solidFill>
+              </a:rPr>
+              <a:t>that</a:t>
+            </a:r>
+            <a:r>
+              <a:rPr lang="it-IT" sz="2000" dirty="0">
+                <a:solidFill>
+                  <a:srgbClr val="4D4D4D"/>
+                </a:solidFill>
+              </a:rPr>
+              <a:t> </a:t>
+            </a:r>
+            <a:r>
+              <a:rPr lang="it-IT" sz="2000" dirty="0" err="1">
+                <a:solidFill>
+                  <a:srgbClr val="4D4D4D"/>
+                </a:solidFill>
+              </a:rPr>
+              <a:t>is</a:t>
+            </a:r>
+            <a:r>
+              <a:rPr lang="it-IT" sz="2000" dirty="0">
+                <a:solidFill>
+                  <a:srgbClr val="4D4D4D"/>
+                </a:solidFill>
+              </a:rPr>
+              <a:t> 	      </a:t>
+            </a:r>
+            <a:r>
+              <a:rPr lang="it-IT" sz="2000" dirty="0" err="1">
+                <a:solidFill>
+                  <a:srgbClr val="4D4D4D"/>
+                </a:solidFill>
+              </a:rPr>
+              <a:t>about</a:t>
+            </a:r>
+            <a:r>
+              <a:rPr lang="it-IT" sz="2000" dirty="0">
+                <a:solidFill>
+                  <a:srgbClr val="4D4D4D"/>
+                </a:solidFill>
+              </a:rPr>
+              <a:t> to be </a:t>
+            </a:r>
+            <a:r>
+              <a:rPr lang="it-IT" sz="2000" dirty="0" err="1">
+                <a:solidFill>
+                  <a:srgbClr val="4D4D4D"/>
+                </a:solidFill>
+              </a:rPr>
+              <a:t>sent</a:t>
+            </a:r>
+            <a:r>
+              <a:rPr lang="it-IT" sz="2000" dirty="0">
+                <a:solidFill>
+                  <a:srgbClr val="4D4D4D"/>
+                </a:solidFill>
+              </a:rPr>
+              <a:t>, </a:t>
+            </a:r>
+            <a:r>
+              <a:rPr lang="it-IT" sz="2000" dirty="0" err="1">
+                <a:solidFill>
+                  <a:srgbClr val="4D4D4D"/>
+                </a:solidFill>
+              </a:rPr>
+              <a:t>may</a:t>
+            </a:r>
+            <a:r>
+              <a:rPr lang="it-IT" sz="2000" dirty="0">
+                <a:solidFill>
+                  <a:srgbClr val="4D4D4D"/>
+                </a:solidFill>
+              </a:rPr>
+              <a:t> involve a </a:t>
+            </a:r>
+            <a:r>
+              <a:rPr lang="it-IT" sz="2000" dirty="0" err="1">
+                <a:solidFill>
+                  <a:srgbClr val="4D4D4D"/>
+                </a:solidFill>
+              </a:rPr>
+              <a:t>violation</a:t>
+            </a:r>
+            <a:r>
+              <a:rPr lang="it-IT" sz="2000" dirty="0">
+                <a:solidFill>
+                  <a:srgbClr val="4D4D4D"/>
+                </a:solidFill>
+              </a:rPr>
+              <a:t> </a:t>
+            </a:r>
+            <a:r>
+              <a:rPr lang="it-IT" sz="2000" dirty="0" err="1">
+                <a:solidFill>
+                  <a:srgbClr val="4D4D4D"/>
+                </a:solidFill>
+              </a:rPr>
+              <a:t>already</a:t>
+            </a:r>
+            <a:r>
+              <a:rPr lang="it-IT" sz="2000" dirty="0">
+                <a:solidFill>
+                  <a:srgbClr val="4D4D4D"/>
+                </a:solidFill>
+              </a:rPr>
+              <a:t> 	      </a:t>
+            </a:r>
+            <a:r>
+              <a:rPr lang="it-IT" sz="2000" dirty="0" err="1">
+                <a:solidFill>
+                  <a:srgbClr val="4D4D4D"/>
+                </a:solidFill>
+              </a:rPr>
+              <a:t>notified</a:t>
+            </a:r>
+            <a:r>
+              <a:rPr lang="it-IT" sz="2000" dirty="0">
+                <a:solidFill>
+                  <a:srgbClr val="4D4D4D"/>
+                </a:solidFill>
+              </a:rPr>
+              <a:t> and </a:t>
+            </a:r>
+            <a:r>
+              <a:rPr lang="it-IT" sz="2000" dirty="0" err="1">
+                <a:solidFill>
+                  <a:srgbClr val="4D4D4D"/>
+                </a:solidFill>
+              </a:rPr>
+              <a:t>alert</a:t>
+            </a:r>
+            <a:r>
+              <a:rPr lang="it-IT" sz="2000" dirty="0">
+                <a:solidFill>
+                  <a:srgbClr val="4D4D4D"/>
+                </a:solidFill>
+              </a:rPr>
+              <a:t> the User.</a:t>
+            </a:r>
+          </a:p>
+          <a:p>
+            <a:pPr marL="0" indent="0">
+              <a:lnSpc>
+                <a:spcPct val="90000"/>
+              </a:lnSpc>
+              <a:buNone/>
+            </a:pPr>
+            <a:r>
+              <a:rPr lang="it-IT" sz="2000" dirty="0">
+                <a:solidFill>
+                  <a:srgbClr val="4D4D4D"/>
+                </a:solidFill>
+              </a:rPr>
+              <a:t>      </a:t>
+            </a:r>
+            <a:r>
+              <a:rPr lang="it-IT" sz="2000" b="1" dirty="0">
+                <a:solidFill>
+                  <a:srgbClr val="4D4D4D"/>
+                </a:solidFill>
+              </a:rPr>
+              <a:t>- [D.3]</a:t>
+            </a:r>
+            <a:r>
+              <a:rPr lang="it-IT" sz="2000" dirty="0">
+                <a:solidFill>
+                  <a:srgbClr val="4D4D4D"/>
+                </a:solidFill>
+              </a:rPr>
+              <a:t> The GPS </a:t>
+            </a:r>
+            <a:r>
+              <a:rPr lang="it-IT" sz="2000" dirty="0" err="1">
+                <a:solidFill>
+                  <a:srgbClr val="4D4D4D"/>
+                </a:solidFill>
+              </a:rPr>
+              <a:t>is</a:t>
+            </a:r>
+            <a:r>
+              <a:rPr lang="it-IT" sz="2000" dirty="0">
+                <a:solidFill>
+                  <a:srgbClr val="4D4D4D"/>
+                </a:solidFill>
+              </a:rPr>
+              <a:t> </a:t>
+            </a:r>
+            <a:r>
+              <a:rPr lang="it-IT" sz="2000" dirty="0" err="1">
+                <a:solidFill>
+                  <a:srgbClr val="4D4D4D"/>
+                </a:solidFill>
+              </a:rPr>
+              <a:t>assumed</a:t>
+            </a:r>
+            <a:r>
+              <a:rPr lang="it-IT" sz="2000" dirty="0">
+                <a:solidFill>
+                  <a:srgbClr val="4D4D4D"/>
+                </a:solidFill>
+              </a:rPr>
+              <a:t> to be </a:t>
+            </a:r>
+            <a:r>
+              <a:rPr lang="it-IT" sz="2000" dirty="0" err="1">
+                <a:solidFill>
+                  <a:srgbClr val="4D4D4D"/>
+                </a:solidFill>
+              </a:rPr>
+              <a:t>subject</a:t>
+            </a:r>
+            <a:r>
+              <a:rPr lang="it-IT" sz="2000" dirty="0">
+                <a:solidFill>
+                  <a:srgbClr val="4D4D4D"/>
+                </a:solidFill>
+              </a:rPr>
+              <a:t> to a maximum 	     </a:t>
+            </a:r>
+            <a:r>
+              <a:rPr lang="it-IT" sz="2000" dirty="0" err="1">
+                <a:solidFill>
+                  <a:srgbClr val="4D4D4D"/>
+                </a:solidFill>
+              </a:rPr>
+              <a:t>error</a:t>
+            </a:r>
+            <a:r>
+              <a:rPr lang="it-IT" sz="2000" dirty="0">
+                <a:solidFill>
+                  <a:srgbClr val="4D4D4D"/>
+                </a:solidFill>
+              </a:rPr>
+              <a:t> of 20 </a:t>
+            </a:r>
+            <a:r>
+              <a:rPr lang="it-IT" sz="2000" dirty="0" err="1">
+                <a:solidFill>
+                  <a:srgbClr val="4D4D4D"/>
+                </a:solidFill>
+              </a:rPr>
+              <a:t>meters</a:t>
+            </a:r>
+            <a:r>
+              <a:rPr lang="it-IT" sz="2000" dirty="0">
+                <a:solidFill>
+                  <a:srgbClr val="4D4D4D"/>
+                </a:solidFill>
+              </a:rPr>
+              <a:t>.</a:t>
+            </a:r>
+          </a:p>
+          <a:p>
+            <a:pPr marL="0" indent="0">
+              <a:lnSpc>
+                <a:spcPct val="90000"/>
+              </a:lnSpc>
+              <a:buNone/>
+            </a:pPr>
+            <a:r>
+              <a:rPr lang="it-IT" sz="2000" b="1" dirty="0">
+                <a:solidFill>
+                  <a:srgbClr val="4D4D4D"/>
+                </a:solidFill>
+              </a:rPr>
+              <a:t>      - [D.7]</a:t>
+            </a:r>
+            <a:r>
+              <a:rPr lang="it-IT" sz="2000" dirty="0">
+                <a:solidFill>
+                  <a:srgbClr val="4D4D4D"/>
+                </a:solidFill>
+              </a:rPr>
+              <a:t> </a:t>
+            </a:r>
+            <a:r>
+              <a:rPr lang="it-IT" sz="2000" dirty="0" err="1">
+                <a:solidFill>
+                  <a:srgbClr val="4D4D4D"/>
+                </a:solidFill>
+              </a:rPr>
+              <a:t>Is</a:t>
+            </a:r>
+            <a:r>
+              <a:rPr lang="it-IT" sz="2000" dirty="0">
+                <a:solidFill>
+                  <a:srgbClr val="4D4D4D"/>
+                </a:solidFill>
+              </a:rPr>
+              <a:t> </a:t>
+            </a:r>
+            <a:r>
+              <a:rPr lang="it-IT" sz="2000" dirty="0" err="1">
+                <a:solidFill>
+                  <a:srgbClr val="4D4D4D"/>
+                </a:solidFill>
+              </a:rPr>
+              <a:t>assumed</a:t>
+            </a:r>
+            <a:r>
+              <a:rPr lang="it-IT" sz="2000" dirty="0">
+                <a:solidFill>
+                  <a:srgbClr val="4D4D4D"/>
+                </a:solidFill>
+              </a:rPr>
+              <a:t> </a:t>
+            </a:r>
+            <a:r>
+              <a:rPr lang="it-IT" sz="2000" dirty="0" err="1">
+                <a:solidFill>
+                  <a:srgbClr val="4D4D4D"/>
+                </a:solidFill>
+              </a:rPr>
+              <a:t>that</a:t>
+            </a:r>
+            <a:r>
+              <a:rPr lang="it-IT" sz="2000" dirty="0">
+                <a:solidFill>
+                  <a:srgbClr val="4D4D4D"/>
+                </a:solidFill>
+              </a:rPr>
+              <a:t> the camera </a:t>
+            </a:r>
+            <a:r>
+              <a:rPr lang="it-IT" sz="2000" dirty="0" err="1">
+                <a:solidFill>
+                  <a:srgbClr val="4D4D4D"/>
+                </a:solidFill>
+              </a:rPr>
+              <a:t>used</a:t>
+            </a:r>
+            <a:r>
+              <a:rPr lang="it-IT" sz="2000" dirty="0">
+                <a:solidFill>
+                  <a:srgbClr val="4D4D4D"/>
+                </a:solidFill>
+              </a:rPr>
+              <a:t> by the </a:t>
+            </a:r>
+            <a:r>
+              <a:rPr lang="it-IT" sz="2000" dirty="0" err="1">
+                <a:solidFill>
+                  <a:srgbClr val="4D4D4D"/>
+                </a:solidFill>
+              </a:rPr>
+              <a:t>User’s</a:t>
+            </a:r>
+            <a:r>
+              <a:rPr lang="it-IT" sz="2000" dirty="0">
+                <a:solidFill>
+                  <a:srgbClr val="4D4D4D"/>
+                </a:solidFill>
+              </a:rPr>
+              <a:t> 	     device </a:t>
+            </a:r>
+            <a:r>
+              <a:rPr lang="it-IT" sz="2000" dirty="0" err="1">
+                <a:solidFill>
+                  <a:srgbClr val="4D4D4D"/>
+                </a:solidFill>
+              </a:rPr>
+              <a:t>is</a:t>
+            </a:r>
+            <a:r>
+              <a:rPr lang="it-IT" sz="2000" dirty="0">
+                <a:solidFill>
+                  <a:srgbClr val="4D4D4D"/>
+                </a:solidFill>
+              </a:rPr>
+              <a:t> </a:t>
+            </a:r>
+            <a:r>
+              <a:rPr lang="it-IT" sz="2000" dirty="0" err="1">
+                <a:solidFill>
+                  <a:srgbClr val="4D4D4D"/>
+                </a:solidFill>
+              </a:rPr>
+              <a:t>working</a:t>
+            </a:r>
+            <a:r>
+              <a:rPr lang="it-IT" sz="2000" dirty="0">
+                <a:solidFill>
+                  <a:srgbClr val="4D4D4D"/>
+                </a:solidFill>
+              </a:rPr>
+              <a:t> </a:t>
+            </a:r>
+            <a:r>
+              <a:rPr lang="it-IT" sz="2000" dirty="0" err="1">
+                <a:solidFill>
+                  <a:srgbClr val="4D4D4D"/>
+                </a:solidFill>
+              </a:rPr>
+              <a:t>properly</a:t>
+            </a:r>
+            <a:r>
+              <a:rPr lang="it-IT" sz="2000" dirty="0">
+                <a:solidFill>
+                  <a:srgbClr val="4D4D4D"/>
+                </a:solidFill>
+              </a:rPr>
+              <a:t>.</a:t>
+            </a:r>
+            <a:endParaRPr lang="en-GB" sz="2000" dirty="0">
               <a:solidFill>
                 <a:srgbClr val="4D4D4D"/>
               </a:solidFill>
             </a:endParaRPr>
-          </a:p>
-          <a:p>
-            <a:pPr marL="0" indent="0">
-              <a:lnSpc>
-                <a:spcPct val="90000"/>
-              </a:lnSpc>
-              <a:buNone/>
-            </a:pPr>
-            <a:r>
-              <a:rPr lang="en-GB" sz="1700" b="1" dirty="0">
-                <a:solidFill>
-                  <a:srgbClr val="4D4D4D"/>
-                </a:solidFill>
-              </a:rPr>
-              <a:t>[R.20]</a:t>
-            </a:r>
-            <a:r>
-              <a:rPr lang="en-GB" sz="1700" dirty="0">
-                <a:solidFill>
-                  <a:srgbClr val="4D4D4D"/>
-                </a:solidFill>
-              </a:rPr>
-              <a:t> The System must communicate with the Authority TrafficTicket Service in order to generate a traffic ticket.</a:t>
-            </a:r>
           </a:p>
           <a:p>
             <a:pPr marL="0" indent="0">
@@ -25702,120 +26425,51 @@
               </a:solidFill>
             </a:endParaRPr>
           </a:p>
-          <a:p>
-            <a:pPr marL="0" indent="0">
-              <a:lnSpc>
-                <a:spcPct val="90000"/>
-              </a:lnSpc>
-              <a:buNone/>
-            </a:pPr>
-            <a:r>
-              <a:rPr lang="it-IT" sz="1700" b="1" dirty="0">
-                <a:solidFill>
-                  <a:srgbClr val="4D4D4D"/>
-                </a:solidFill>
-              </a:rPr>
-              <a:t>[R.21] </a:t>
-            </a:r>
-            <a:r>
-              <a:rPr lang="en-GB" sz="1700" dirty="0">
-                <a:solidFill>
-                  <a:srgbClr val="4D4D4D"/>
-                </a:solidFill>
-              </a:rPr>
-              <a:t>The System shall allow the User to send taken pictures by accessing the camera from the SafeStreets application</a:t>
-            </a:r>
-            <a:r>
-              <a:rPr lang="it-IT" sz="1700" dirty="0">
-                <a:solidFill>
-                  <a:srgbClr val="4D4D4D"/>
-                </a:solidFill>
-              </a:rPr>
-              <a:t>. </a:t>
-            </a:r>
-          </a:p>
-          <a:p>
-            <a:pPr marL="0" indent="0">
-              <a:lnSpc>
-                <a:spcPct val="90000"/>
-              </a:lnSpc>
-              <a:buNone/>
-            </a:pPr>
-            <a:endParaRPr lang="en-GB" sz="1700" b="1" dirty="0">
-              <a:solidFill>
-                <a:srgbClr val="4D4D4D"/>
-              </a:solidFill>
-            </a:endParaRPr>
-          </a:p>
-          <a:p>
-            <a:pPr marL="0" indent="0">
-              <a:lnSpc>
-                <a:spcPct val="90000"/>
-              </a:lnSpc>
-              <a:buNone/>
-            </a:pPr>
-            <a:r>
-              <a:rPr lang="en-GB" sz="1700" b="1" dirty="0">
-                <a:solidFill>
-                  <a:srgbClr val="4D4D4D"/>
-                </a:solidFill>
-              </a:rPr>
-              <a:t>[R.22] </a:t>
-            </a:r>
-            <a:r>
-              <a:rPr lang="en-GB" sz="1700" dirty="0">
-                <a:solidFill>
-                  <a:srgbClr val="4D4D4D"/>
-                </a:solidFill>
-              </a:rPr>
-              <a:t>The System must keep its information about statistics up-to-date with all the reports it received.</a:t>
-            </a:r>
-          </a:p>
-          <a:p>
-            <a:pPr marL="0" indent="0">
-              <a:lnSpc>
-                <a:spcPct val="90000"/>
-              </a:lnSpc>
-              <a:buNone/>
-            </a:pPr>
-            <a:endParaRPr lang="en-GB" sz="1700" b="1" dirty="0">
-              <a:solidFill>
-                <a:srgbClr val="4D4D4D"/>
-              </a:solidFill>
-            </a:endParaRPr>
-          </a:p>
-          <a:p>
-            <a:pPr marL="0" indent="0">
-              <a:lnSpc>
-                <a:spcPct val="90000"/>
-              </a:lnSpc>
-              <a:buNone/>
-            </a:pPr>
-            <a:r>
-              <a:rPr lang="en-GB" sz="1700" b="1" dirty="0">
-                <a:solidFill>
-                  <a:srgbClr val="4D4D4D"/>
-                </a:solidFill>
-              </a:rPr>
-              <a:t>[R.23] </a:t>
-            </a:r>
-            <a:r>
-              <a:rPr lang="en-GB" sz="1700" dirty="0">
-                <a:solidFill>
-                  <a:srgbClr val="4D4D4D"/>
-                </a:solidFill>
-              </a:rPr>
-              <a:t>The  System  must  generate  suggestions  based  on  the actual information and the actual urban situation.</a:t>
-            </a:r>
-          </a:p>
-        </p:txBody>
-      </p:sp>
-      <p:sp>
-        <p:nvSpPr>
-          <p:cNvPr id="14" name="Ovale 13">
+        </p:txBody>
+      </p:sp>
+      <p:sp>
+        <p:nvSpPr>
+          <p:cNvPr id="4" name="CasellaDiTesto 3">
             <a:extLst>
               <a:ext uri="{FF2B5EF4-FFF2-40B4-BE49-F238E27FC236}">
-                <a16:creationId xmlns:a16="http://schemas.microsoft.com/office/drawing/2014/main" id="{90C0C7F5-0759-4054-8B60-0C49B44E02BF}"/>
+                <a16:creationId xmlns:a16="http://schemas.microsoft.com/office/drawing/2014/main" id="{D78C28F9-DBA6-425F-9081-7FCC67233918}"/>
+              </a:ext>
+            </a:extLst>
+          </p:cNvPr>
+          <p:cNvSpPr txBox="1"/>
+          <p:nvPr/>
+        </p:nvSpPr>
+        <p:spPr>
+          <a:xfrm flipH="1">
+            <a:off x="609599" y="2644170"/>
+            <a:ext cx="3425528" cy="1569660"/>
+          </a:xfrm>
+          <a:prstGeom prst="rect">
+            <a:avLst/>
+          </a:prstGeom>
+          <a:noFill/>
+        </p:spPr>
+        <p:txBody>
+          <a:bodyPr wrap="square" rtlCol="0">
+            <a:spAutoFit/>
+          </a:bodyPr>
+          <a:lstStyle/>
+          <a:p>
+            <a:pPr algn="ctr"/>
+            <a:r>
+              <a:rPr lang="it-IT" sz="3200" dirty="0"/>
+              <a:t>GOALS MAPPING ON REQUIREMENTS</a:t>
+            </a:r>
+            <a:endParaRPr lang="en-GB" sz="3200" dirty="0"/>
+          </a:p>
+        </p:txBody>
+      </p:sp>
+      <p:sp>
+        <p:nvSpPr>
+          <p:cNvPr id="8" name="Ovale 7">
+            <a:extLst>
+              <a:ext uri="{FF2B5EF4-FFF2-40B4-BE49-F238E27FC236}">
+                <a16:creationId xmlns:a16="http://schemas.microsoft.com/office/drawing/2014/main" id="{2DB98D43-854D-466F-BF2F-FA3341022623}"/>
               </a:ext>
             </a:extLst>
           </p:cNvPr>
@@ -25824,14 +26478,15 @@
         </p:nvSpPr>
         <p:spPr>
           <a:xfrm>
-            <a:off x="10895215" y="5502161"/>
-            <a:ext cx="1230110" cy="1230110"/>
+            <a:off x="11046588" y="5786438"/>
+            <a:ext cx="1071562" cy="1071562"/>
           </a:xfrm>
           <a:prstGeom prst="ellipse">
             <a:avLst/>
           </a:prstGeom>
           <a:blipFill>
             <a:blip r:embed="rId3">
+              <a:alphaModFix amt="70000"/>
               <a:extLst>
                 <a:ext uri="{837473B0-CC2E-450A-ABE3-18F120FF3D39}">
                   <a1611:picAttrSrcUrl xmlns:a1611="http://schemas.microsoft.com/office/drawing/2016/11/main" r:id="rId4"/>
@@ -25867,43 +26522,7 @@
           <a:lstStyle/>
           <a:p>
             <a:pPr algn="ctr"/>
-            <a:endParaRPr lang="en-GB"/>
-          </a:p>
-        </p:txBody>
-      </p:sp>
-      <p:sp>
-        <p:nvSpPr>
-          <p:cNvPr id="4" name="CasellaDiTesto 3">
-            <a:extLst>
-              <a:ext uri="{FF2B5EF4-FFF2-40B4-BE49-F238E27FC236}">
-                <a16:creationId xmlns:a16="http://schemas.microsoft.com/office/drawing/2014/main" id="{D78C28F9-DBA6-425F-9081-7FCC67233918}"/>
-              </a:ext>
-            </a:extLst>
-          </p:cNvPr>
-          <p:cNvSpPr txBox="1"/>
-          <p:nvPr/>
-        </p:nvSpPr>
-        <p:spPr>
-          <a:xfrm flipH="1">
-            <a:off x="698564" y="3127963"/>
-            <a:ext cx="3257169" cy="615553"/>
-          </a:xfrm>
-          <a:prstGeom prst="rect">
-            <a:avLst/>
-          </a:prstGeom>
-          <a:noFill/>
-        </p:spPr>
-        <p:txBody>
-          <a:bodyPr wrap="square" rtlCol="0">
-            <a:spAutoFit/>
-          </a:bodyPr>
-          <a:lstStyle/>
-          <a:p>
-            <a:r>
-              <a:rPr lang="it-IT" sz="3400" dirty="0"/>
-              <a:t>REQUIREMENTS</a:t>
-            </a:r>
-            <a:endParaRPr lang="en-GB" sz="3400" dirty="0"/>
+            <a:endParaRPr lang="en-GB" dirty="0"/>
           </a:p>
         </p:txBody>
       </p:sp>
@@ -26149,8 +26768,8 @@
         </p:nvSpPr>
         <p:spPr>
           <a:xfrm>
-            <a:off x="5263895" y="577881"/>
-            <a:ext cx="5826919" cy="4924280"/>
+            <a:off x="5152898" y="330391"/>
+            <a:ext cx="6540500" cy="5969000"/>
           </a:xfrm>
         </p:spPr>
         <p:txBody>
@@ -26166,20 +26785,84 @@
               <a:buNone/>
             </a:pPr>
             <a:r>
-              <a:rPr lang="it-IT" sz="1700" b="1" dirty="0">
+              <a:rPr lang="it-IT" b="1" dirty="0">
                 <a:solidFill>
                   <a:srgbClr val="4D4D4D"/>
                 </a:solidFill>
               </a:rPr>
-              <a:t>[D.3] </a:t>
-            </a:r>
-            <a:r>
-              <a:rPr lang="en-GB" sz="1700" dirty="0">
+              <a:t>[G.2] </a:t>
+            </a:r>
+            <a:r>
+              <a:rPr lang="it-IT" dirty="0">
                 <a:solidFill>
                   <a:srgbClr val="4D4D4D"/>
                 </a:solidFill>
               </a:rPr>
-              <a:t>The  GPS  is  assumed  to  be  subject  to  a  maximum  error  of  20meters.</a:t>
+              <a:t>User </a:t>
+            </a:r>
+            <a:r>
+              <a:rPr lang="it-IT" dirty="0" err="1">
+                <a:solidFill>
+                  <a:srgbClr val="4D4D4D"/>
+                </a:solidFill>
+              </a:rPr>
+              <a:t>sends</a:t>
+            </a:r>
+            <a:r>
+              <a:rPr lang="it-IT" dirty="0">
+                <a:solidFill>
+                  <a:srgbClr val="4D4D4D"/>
+                </a:solidFill>
+              </a:rPr>
+              <a:t> reports </a:t>
+            </a:r>
+            <a:r>
+              <a:rPr lang="it-IT" dirty="0" err="1">
+                <a:solidFill>
+                  <a:srgbClr val="4D4D4D"/>
+                </a:solidFill>
+              </a:rPr>
+              <a:t>about</a:t>
+            </a:r>
+            <a:r>
+              <a:rPr lang="it-IT" dirty="0">
+                <a:solidFill>
+                  <a:srgbClr val="4D4D4D"/>
+                </a:solidFill>
+              </a:rPr>
+              <a:t> </a:t>
+            </a:r>
+            <a:r>
+              <a:rPr lang="it-IT" dirty="0" err="1">
+                <a:solidFill>
+                  <a:srgbClr val="4D4D4D"/>
+                </a:solidFill>
+              </a:rPr>
+              <a:t>traffic</a:t>
+            </a:r>
+            <a:r>
+              <a:rPr lang="it-IT" dirty="0">
+                <a:solidFill>
+                  <a:srgbClr val="4D4D4D"/>
+                </a:solidFill>
+              </a:rPr>
+              <a:t> </a:t>
+            </a:r>
+            <a:r>
+              <a:rPr lang="it-IT" dirty="0" err="1">
+                <a:solidFill>
+                  <a:srgbClr val="4D4D4D"/>
+                </a:solidFill>
+              </a:rPr>
+              <a:t>violations</a:t>
+            </a:r>
+            <a:r>
+              <a:rPr lang="it-IT" dirty="0">
+                <a:solidFill>
+                  <a:srgbClr val="4D4D4D"/>
+                </a:solidFill>
+              </a:rPr>
+              <a:t>.</a:t>
             </a:r>
           </a:p>
           <a:p>
@@ -26189,7 +26872,591 @@
               </a:lnSpc>
               <a:buNone/>
             </a:pPr>
-            <a:endParaRPr lang="it-IT" sz="1700" dirty="0">
+            <a:r>
+              <a:rPr lang="it-IT" b="1" dirty="0">
+                <a:solidFill>
+                  <a:srgbClr val="4D4D4D"/>
+                </a:solidFill>
+              </a:rPr>
+              <a:t>      </a:t>
+            </a:r>
+            <a:r>
+              <a:rPr lang="en-GB" b="1" dirty="0">
+                <a:solidFill>
+                  <a:srgbClr val="4D4D4D"/>
+                </a:solidFill>
+              </a:rPr>
+              <a:t>- </a:t>
+            </a:r>
+            <a:r>
+              <a:rPr lang="it-IT" b="1" dirty="0">
+                <a:solidFill>
+                  <a:srgbClr val="4D4D4D"/>
+                </a:solidFill>
+              </a:rPr>
+              <a:t>[R.10]</a:t>
+            </a:r>
+            <a:r>
+              <a:rPr lang="it-IT" dirty="0">
+                <a:solidFill>
+                  <a:srgbClr val="4D4D4D"/>
+                </a:solidFill>
+              </a:rPr>
+              <a:t> The System must </a:t>
+            </a:r>
+            <a:r>
+              <a:rPr lang="it-IT" dirty="0" err="1">
+                <a:solidFill>
+                  <a:srgbClr val="4D4D4D"/>
+                </a:solidFill>
+              </a:rPr>
+              <a:t>submit</a:t>
+            </a:r>
+            <a:r>
+              <a:rPr lang="it-IT" dirty="0">
+                <a:solidFill>
+                  <a:srgbClr val="4D4D4D"/>
+                </a:solidFill>
+              </a:rPr>
+              <a:t> the </a:t>
+            </a:r>
+            <a:r>
+              <a:rPr lang="it-IT" dirty="0" err="1">
+                <a:solidFill>
+                  <a:srgbClr val="4D4D4D"/>
+                </a:solidFill>
+              </a:rPr>
+              <a:t>received</a:t>
+            </a:r>
+            <a:r>
+              <a:rPr lang="it-IT" dirty="0">
+                <a:solidFill>
+                  <a:srgbClr val="4D4D4D"/>
+                </a:solidFill>
+              </a:rPr>
+              <a:t> reports to  	      an Authority for checking </a:t>
+            </a:r>
+            <a:r>
+              <a:rPr lang="it-IT" dirty="0" err="1">
+                <a:solidFill>
+                  <a:srgbClr val="4D4D4D"/>
+                </a:solidFill>
+              </a:rPr>
+              <a:t>its</a:t>
+            </a:r>
+            <a:r>
+              <a:rPr lang="it-IT" dirty="0">
+                <a:solidFill>
+                  <a:srgbClr val="4D4D4D"/>
+                </a:solidFill>
+              </a:rPr>
+              <a:t> </a:t>
+            </a:r>
+            <a:r>
+              <a:rPr lang="it-IT" dirty="0" err="1">
+                <a:solidFill>
+                  <a:srgbClr val="4D4D4D"/>
+                </a:solidFill>
+              </a:rPr>
+              <a:t>validity</a:t>
+            </a:r>
+            <a:r>
+              <a:rPr lang="it-IT" dirty="0">
+                <a:solidFill>
+                  <a:srgbClr val="4D4D4D"/>
+                </a:solidFill>
+              </a:rPr>
+              <a:t>.</a:t>
+            </a:r>
+          </a:p>
+          <a:p>
+            <a:pPr marL="0" indent="0">
+              <a:lnSpc>
+                <a:spcPct val="90000"/>
+              </a:lnSpc>
+              <a:buNone/>
+            </a:pPr>
+            <a:r>
+              <a:rPr lang="it-IT" b="1" dirty="0">
+                <a:solidFill>
+                  <a:srgbClr val="4D4D4D"/>
+                </a:solidFill>
+              </a:rPr>
+              <a:t>      </a:t>
+            </a:r>
+            <a:r>
+              <a:rPr lang="en-GB" b="1" dirty="0">
+                <a:solidFill>
+                  <a:srgbClr val="4D4D4D"/>
+                </a:solidFill>
+              </a:rPr>
+              <a:t>- </a:t>
+            </a:r>
+            <a:r>
+              <a:rPr lang="it-IT" b="1" dirty="0">
+                <a:solidFill>
+                  <a:srgbClr val="4D4D4D"/>
+                </a:solidFill>
+              </a:rPr>
+              <a:t>[R.11]</a:t>
+            </a:r>
+            <a:r>
+              <a:rPr lang="it-IT" dirty="0">
+                <a:solidFill>
+                  <a:srgbClr val="4D4D4D"/>
+                </a:solidFill>
+              </a:rPr>
+              <a:t> The System must </a:t>
+            </a:r>
+            <a:r>
+              <a:rPr lang="it-IT" dirty="0" err="1">
+                <a:solidFill>
+                  <a:srgbClr val="4D4D4D"/>
+                </a:solidFill>
+              </a:rPr>
+              <a:t>recognize</a:t>
+            </a:r>
+            <a:r>
+              <a:rPr lang="it-IT" dirty="0">
+                <a:solidFill>
+                  <a:srgbClr val="4D4D4D"/>
+                </a:solidFill>
+              </a:rPr>
+              <a:t> </a:t>
+            </a:r>
+            <a:r>
+              <a:rPr lang="it-IT" dirty="0" err="1">
+                <a:solidFill>
+                  <a:srgbClr val="4D4D4D"/>
+                </a:solidFill>
+              </a:rPr>
+              <a:t>if</a:t>
+            </a:r>
+            <a:r>
+              <a:rPr lang="it-IT" dirty="0">
+                <a:solidFill>
+                  <a:srgbClr val="4D4D4D"/>
+                </a:solidFill>
+              </a:rPr>
+              <a:t> a report, </a:t>
+            </a:r>
+            <a:r>
+              <a:rPr lang="it-IT" dirty="0" err="1">
+                <a:solidFill>
+                  <a:srgbClr val="4D4D4D"/>
+                </a:solidFill>
+              </a:rPr>
+              <a:t>that</a:t>
+            </a:r>
+            <a:r>
+              <a:rPr lang="it-IT" dirty="0">
+                <a:solidFill>
+                  <a:srgbClr val="4D4D4D"/>
+                </a:solidFill>
+              </a:rPr>
+              <a:t> </a:t>
+            </a:r>
+            <a:r>
+              <a:rPr lang="it-IT" dirty="0" err="1">
+                <a:solidFill>
+                  <a:srgbClr val="4D4D4D"/>
+                </a:solidFill>
+              </a:rPr>
+              <a:t>is</a:t>
+            </a:r>
+            <a:r>
+              <a:rPr lang="it-IT" dirty="0">
+                <a:solidFill>
+                  <a:srgbClr val="4D4D4D"/>
+                </a:solidFill>
+              </a:rPr>
+              <a:t> 	      </a:t>
+            </a:r>
+            <a:r>
+              <a:rPr lang="it-IT" dirty="0" err="1">
+                <a:solidFill>
+                  <a:srgbClr val="4D4D4D"/>
+                </a:solidFill>
+              </a:rPr>
+              <a:t>about</a:t>
+            </a:r>
+            <a:r>
+              <a:rPr lang="it-IT" dirty="0">
+                <a:solidFill>
+                  <a:srgbClr val="4D4D4D"/>
+                </a:solidFill>
+              </a:rPr>
+              <a:t> to be </a:t>
+            </a:r>
+            <a:r>
+              <a:rPr lang="it-IT" dirty="0" err="1">
+                <a:solidFill>
+                  <a:srgbClr val="4D4D4D"/>
+                </a:solidFill>
+              </a:rPr>
+              <a:t>sent</a:t>
+            </a:r>
+            <a:r>
+              <a:rPr lang="it-IT" dirty="0">
+                <a:solidFill>
+                  <a:srgbClr val="4D4D4D"/>
+                </a:solidFill>
+              </a:rPr>
+              <a:t>, </a:t>
+            </a:r>
+            <a:r>
+              <a:rPr lang="it-IT" dirty="0" err="1">
+                <a:solidFill>
+                  <a:srgbClr val="4D4D4D"/>
+                </a:solidFill>
+              </a:rPr>
+              <a:t>may</a:t>
+            </a:r>
+            <a:r>
+              <a:rPr lang="it-IT" dirty="0">
+                <a:solidFill>
+                  <a:srgbClr val="4D4D4D"/>
+                </a:solidFill>
+              </a:rPr>
+              <a:t> involve a </a:t>
+            </a:r>
+            <a:r>
+              <a:rPr lang="it-IT" dirty="0" err="1">
+                <a:solidFill>
+                  <a:srgbClr val="4D4D4D"/>
+                </a:solidFill>
+              </a:rPr>
+              <a:t>violation</a:t>
+            </a:r>
+            <a:r>
+              <a:rPr lang="it-IT" dirty="0">
+                <a:solidFill>
+                  <a:srgbClr val="4D4D4D"/>
+                </a:solidFill>
+              </a:rPr>
+              <a:t> </a:t>
+            </a:r>
+            <a:r>
+              <a:rPr lang="it-IT" dirty="0" err="1">
+                <a:solidFill>
+                  <a:srgbClr val="4D4D4D"/>
+                </a:solidFill>
+              </a:rPr>
+              <a:t>already</a:t>
+            </a:r>
+            <a:r>
+              <a:rPr lang="it-IT" dirty="0">
+                <a:solidFill>
+                  <a:srgbClr val="4D4D4D"/>
+                </a:solidFill>
+              </a:rPr>
+              <a:t> 	      </a:t>
+            </a:r>
+            <a:r>
+              <a:rPr lang="it-IT" dirty="0" err="1">
+                <a:solidFill>
+                  <a:srgbClr val="4D4D4D"/>
+                </a:solidFill>
+              </a:rPr>
+              <a:t>notified</a:t>
+            </a:r>
+            <a:r>
+              <a:rPr lang="it-IT" dirty="0">
+                <a:solidFill>
+                  <a:srgbClr val="4D4D4D"/>
+                </a:solidFill>
+              </a:rPr>
+              <a:t> and </a:t>
+            </a:r>
+            <a:r>
+              <a:rPr lang="it-IT" dirty="0" err="1">
+                <a:solidFill>
+                  <a:srgbClr val="4D4D4D"/>
+                </a:solidFill>
+              </a:rPr>
+              <a:t>alert</a:t>
+            </a:r>
+            <a:r>
+              <a:rPr lang="it-IT" dirty="0">
+                <a:solidFill>
+                  <a:srgbClr val="4D4D4D"/>
+                </a:solidFill>
+              </a:rPr>
+              <a:t> the User.</a:t>
+            </a:r>
+          </a:p>
+          <a:p>
+            <a:pPr marL="0" indent="0">
+              <a:lnSpc>
+                <a:spcPct val="90000"/>
+              </a:lnSpc>
+              <a:buNone/>
+            </a:pPr>
+            <a:r>
+              <a:rPr lang="it-IT" dirty="0">
+                <a:solidFill>
+                  <a:srgbClr val="4D4D4D"/>
+                </a:solidFill>
+              </a:rPr>
+              <a:t>      </a:t>
+            </a:r>
+            <a:r>
+              <a:rPr lang="it-IT" b="1" dirty="0">
+                <a:solidFill>
+                  <a:srgbClr val="4D4D4D"/>
+                </a:solidFill>
+              </a:rPr>
+              <a:t>- [D.3]</a:t>
+            </a:r>
+            <a:r>
+              <a:rPr lang="it-IT" dirty="0">
+                <a:solidFill>
+                  <a:srgbClr val="4D4D4D"/>
+                </a:solidFill>
+              </a:rPr>
+              <a:t> The GPS </a:t>
+            </a:r>
+            <a:r>
+              <a:rPr lang="it-IT" dirty="0" err="1">
+                <a:solidFill>
+                  <a:srgbClr val="4D4D4D"/>
+                </a:solidFill>
+              </a:rPr>
+              <a:t>is</a:t>
+            </a:r>
+            <a:r>
+              <a:rPr lang="it-IT" dirty="0">
+                <a:solidFill>
+                  <a:srgbClr val="4D4D4D"/>
+                </a:solidFill>
+              </a:rPr>
+              <a:t> </a:t>
+            </a:r>
+            <a:r>
+              <a:rPr lang="it-IT" dirty="0" err="1">
+                <a:solidFill>
+                  <a:srgbClr val="4D4D4D"/>
+                </a:solidFill>
+              </a:rPr>
+              <a:t>assumed</a:t>
+            </a:r>
+            <a:r>
+              <a:rPr lang="it-IT" dirty="0">
+                <a:solidFill>
+                  <a:srgbClr val="4D4D4D"/>
+                </a:solidFill>
+              </a:rPr>
+              <a:t> to be </a:t>
+            </a:r>
+            <a:r>
+              <a:rPr lang="it-IT" dirty="0" err="1">
+                <a:solidFill>
+                  <a:srgbClr val="4D4D4D"/>
+                </a:solidFill>
+              </a:rPr>
+              <a:t>subject</a:t>
+            </a:r>
+            <a:r>
+              <a:rPr lang="it-IT" dirty="0">
+                <a:solidFill>
+                  <a:srgbClr val="4D4D4D"/>
+                </a:solidFill>
+              </a:rPr>
+              <a:t> to a maximum 	     </a:t>
+            </a:r>
+            <a:r>
+              <a:rPr lang="it-IT" dirty="0" err="1">
+                <a:solidFill>
+                  <a:srgbClr val="4D4D4D"/>
+                </a:solidFill>
+              </a:rPr>
+              <a:t>error</a:t>
+            </a:r>
+            <a:r>
+              <a:rPr lang="it-IT" dirty="0">
+                <a:solidFill>
+                  <a:srgbClr val="4D4D4D"/>
+                </a:solidFill>
+              </a:rPr>
+              <a:t> of 20 </a:t>
+            </a:r>
+            <a:r>
+              <a:rPr lang="it-IT" dirty="0" err="1">
+                <a:solidFill>
+                  <a:srgbClr val="4D4D4D"/>
+                </a:solidFill>
+              </a:rPr>
+              <a:t>meters</a:t>
+            </a:r>
+            <a:r>
+              <a:rPr lang="it-IT" dirty="0">
+                <a:solidFill>
+                  <a:srgbClr val="4D4D4D"/>
+                </a:solidFill>
+              </a:rPr>
+              <a:t>.</a:t>
+            </a:r>
+          </a:p>
+          <a:p>
+            <a:pPr marL="0" indent="0">
+              <a:lnSpc>
+                <a:spcPct val="90000"/>
+              </a:lnSpc>
+              <a:buNone/>
+            </a:pPr>
+            <a:r>
+              <a:rPr lang="it-IT" b="1" dirty="0">
+                <a:solidFill>
+                  <a:srgbClr val="4D4D4D"/>
+                </a:solidFill>
+              </a:rPr>
+              <a:t>      - [D.7]</a:t>
+            </a:r>
+            <a:r>
+              <a:rPr lang="it-IT" dirty="0">
+                <a:solidFill>
+                  <a:srgbClr val="4D4D4D"/>
+                </a:solidFill>
+              </a:rPr>
+              <a:t> </a:t>
+            </a:r>
+            <a:r>
+              <a:rPr lang="it-IT" dirty="0" err="1">
+                <a:solidFill>
+                  <a:srgbClr val="4D4D4D"/>
+                </a:solidFill>
+              </a:rPr>
+              <a:t>Is</a:t>
+            </a:r>
+            <a:r>
+              <a:rPr lang="it-IT" dirty="0">
+                <a:solidFill>
+                  <a:srgbClr val="4D4D4D"/>
+                </a:solidFill>
+              </a:rPr>
+              <a:t> </a:t>
+            </a:r>
+            <a:r>
+              <a:rPr lang="it-IT" dirty="0" err="1">
+                <a:solidFill>
+                  <a:srgbClr val="4D4D4D"/>
+                </a:solidFill>
+              </a:rPr>
+              <a:t>assumed</a:t>
+            </a:r>
+            <a:r>
+              <a:rPr lang="it-IT" dirty="0">
+                <a:solidFill>
+                  <a:srgbClr val="4D4D4D"/>
+                </a:solidFill>
+              </a:rPr>
+              <a:t> </a:t>
+            </a:r>
+            <a:r>
+              <a:rPr lang="it-IT" dirty="0" err="1">
+                <a:solidFill>
+                  <a:srgbClr val="4D4D4D"/>
+                </a:solidFill>
+              </a:rPr>
+              <a:t>that</a:t>
+            </a:r>
+            <a:r>
+              <a:rPr lang="it-IT" dirty="0">
+                <a:solidFill>
+                  <a:srgbClr val="4D4D4D"/>
+                </a:solidFill>
+              </a:rPr>
+              <a:t> the camera </a:t>
+            </a:r>
+            <a:r>
+              <a:rPr lang="it-IT" dirty="0" err="1">
+                <a:solidFill>
+                  <a:srgbClr val="4D4D4D"/>
+                </a:solidFill>
+              </a:rPr>
+              <a:t>used</a:t>
+            </a:r>
+            <a:r>
+              <a:rPr lang="it-IT" dirty="0">
+                <a:solidFill>
+                  <a:srgbClr val="4D4D4D"/>
+                </a:solidFill>
+              </a:rPr>
+              <a:t> by the </a:t>
+            </a:r>
+            <a:r>
+              <a:rPr lang="it-IT" dirty="0" err="1">
+                <a:solidFill>
+                  <a:srgbClr val="4D4D4D"/>
+                </a:solidFill>
+              </a:rPr>
+              <a:t>User’s</a:t>
+            </a:r>
+            <a:r>
+              <a:rPr lang="it-IT" dirty="0">
+                <a:solidFill>
+                  <a:srgbClr val="4D4D4D"/>
+                </a:solidFill>
+              </a:rPr>
+              <a:t> 	     	    device </a:t>
+            </a:r>
+            <a:r>
+              <a:rPr lang="it-IT" dirty="0" err="1">
+                <a:solidFill>
+                  <a:srgbClr val="4D4D4D"/>
+                </a:solidFill>
+              </a:rPr>
+              <a:t>is</a:t>
+            </a:r>
+            <a:r>
+              <a:rPr lang="it-IT" dirty="0">
+                <a:solidFill>
+                  <a:srgbClr val="4D4D4D"/>
+                </a:solidFill>
+              </a:rPr>
+              <a:t> </a:t>
+            </a:r>
+            <a:r>
+              <a:rPr lang="it-IT" dirty="0" err="1">
+                <a:solidFill>
+                  <a:srgbClr val="4D4D4D"/>
+                </a:solidFill>
+              </a:rPr>
+              <a:t>working</a:t>
+            </a:r>
+            <a:r>
+              <a:rPr lang="it-IT" dirty="0">
+                <a:solidFill>
+                  <a:srgbClr val="4D4D4D"/>
+                </a:solidFill>
+              </a:rPr>
+              <a:t> </a:t>
+            </a:r>
+            <a:r>
+              <a:rPr lang="it-IT" dirty="0" err="1">
+                <a:solidFill>
+                  <a:srgbClr val="4D4D4D"/>
+                </a:solidFill>
+              </a:rPr>
+              <a:t>properly</a:t>
+            </a:r>
+            <a:r>
+              <a:rPr lang="it-IT" dirty="0">
+                <a:solidFill>
+                  <a:srgbClr val="4D4D4D"/>
+                </a:solidFill>
+              </a:rPr>
+              <a:t>.</a:t>
+            </a:r>
+          </a:p>
+          <a:p>
+            <a:pPr marL="0" indent="0">
+              <a:lnSpc>
+                <a:spcPct val="90000"/>
+              </a:lnSpc>
+              <a:buNone/>
+            </a:pPr>
+            <a:endParaRPr lang="it-IT" dirty="0">
               <a:solidFill>
                 <a:srgbClr val="4D4D4D"/>
               </a:solidFill>
@@ -26203,20 +27470,20 @@
               <a:buNone/>
             </a:pPr>
             <a:r>
-              <a:rPr lang="en-GB" sz="1700" b="1" dirty="0">
+              <a:rPr lang="en-GB" b="1" dirty="0">
                 <a:solidFill>
                   <a:srgbClr val="4D4D4D"/>
                 </a:solidFill>
               </a:rPr>
-              <a:t>[D.5]</a:t>
-            </a:r>
-            <a:r>
-              <a:rPr lang="en-GB" sz="1700" dirty="0">
+              <a:t>[G.10] </a:t>
+            </a:r>
+            <a:r>
+              <a:rPr lang="en-GB" dirty="0">
                 <a:solidFill>
                   <a:srgbClr val="4D4D4D"/>
                 </a:solidFill>
               </a:rPr>
-              <a:t> Information obtained by Municipality are supposed to be correct.</a:t>
+              <a:t>Authority get suggestions about how to improve urban mobility.</a:t>
             </a:r>
           </a:p>
           <a:p>
@@ -26226,89 +27493,276 @@
               </a:lnSpc>
               <a:buNone/>
             </a:pPr>
-            <a:endParaRPr lang="en-GB" sz="1700" b="1" dirty="0">
+            <a:r>
+              <a:rPr lang="it-IT" b="1" dirty="0">
+                <a:solidFill>
+                  <a:srgbClr val="4D4D4D"/>
+                </a:solidFill>
+              </a:rPr>
+              <a:t>      </a:t>
+            </a:r>
+            <a:r>
+              <a:rPr lang="en-GB" b="1" dirty="0">
+                <a:solidFill>
+                  <a:srgbClr val="4D4D4D"/>
+                </a:solidFill>
+              </a:rPr>
+              <a:t>- </a:t>
+            </a:r>
+            <a:r>
+              <a:rPr lang="it-IT" b="1" dirty="0">
+                <a:solidFill>
+                  <a:srgbClr val="4D4D4D"/>
+                </a:solidFill>
+              </a:rPr>
+              <a:t>[R.27]</a:t>
+            </a:r>
+            <a:r>
+              <a:rPr lang="it-IT" dirty="0">
+                <a:solidFill>
+                  <a:srgbClr val="4D4D4D"/>
+                </a:solidFill>
+              </a:rPr>
+              <a:t> The System must cross </a:t>
+            </a:r>
+            <a:r>
+              <a:rPr lang="it-IT" dirty="0" err="1">
+                <a:solidFill>
+                  <a:srgbClr val="4D4D4D"/>
+                </a:solidFill>
+              </a:rPr>
+              <a:t>its</a:t>
+            </a:r>
+            <a:r>
+              <a:rPr lang="it-IT" dirty="0">
+                <a:solidFill>
+                  <a:srgbClr val="4D4D4D"/>
+                </a:solidFill>
+              </a:rPr>
+              <a:t> data with the </a:t>
+            </a:r>
+            <a:r>
+              <a:rPr lang="it-IT" dirty="0" err="1">
+                <a:solidFill>
+                  <a:srgbClr val="4D4D4D"/>
+                </a:solidFill>
+              </a:rPr>
+              <a:t>municipality</a:t>
+            </a:r>
+            <a:r>
+              <a:rPr lang="it-IT" dirty="0">
+                <a:solidFill>
+                  <a:srgbClr val="4D4D4D"/>
+                </a:solidFill>
+              </a:rPr>
+              <a:t> 	     </a:t>
+            </a:r>
+            <a:r>
+              <a:rPr lang="it-IT" dirty="0" err="1">
+                <a:solidFill>
+                  <a:srgbClr val="4D4D4D"/>
+                </a:solidFill>
+              </a:rPr>
+              <a:t>ones</a:t>
+            </a:r>
+            <a:r>
+              <a:rPr lang="it-IT" dirty="0">
+                <a:solidFill>
+                  <a:srgbClr val="4D4D4D"/>
+                </a:solidFill>
+              </a:rPr>
+              <a:t>.</a:t>
+            </a:r>
+          </a:p>
+          <a:p>
+            <a:pPr marL="0" indent="0">
+              <a:lnSpc>
+                <a:spcPct val="90000"/>
+              </a:lnSpc>
+              <a:buNone/>
+            </a:pPr>
+            <a:r>
+              <a:rPr lang="it-IT" b="1" dirty="0">
+                <a:solidFill>
+                  <a:srgbClr val="4D4D4D"/>
+                </a:solidFill>
+              </a:rPr>
+              <a:t>      </a:t>
+            </a:r>
+            <a:r>
+              <a:rPr lang="en-GB" b="1" dirty="0">
+                <a:solidFill>
+                  <a:srgbClr val="4D4D4D"/>
+                </a:solidFill>
+              </a:rPr>
+              <a:t>- </a:t>
+            </a:r>
+            <a:r>
+              <a:rPr lang="it-IT" b="1" dirty="0">
+                <a:solidFill>
+                  <a:srgbClr val="4D4D4D"/>
+                </a:solidFill>
+              </a:rPr>
+              <a:t>[D.9]</a:t>
+            </a:r>
+            <a:r>
+              <a:rPr lang="it-IT" dirty="0">
+                <a:solidFill>
+                  <a:srgbClr val="4D4D4D"/>
+                </a:solidFill>
+              </a:rPr>
+              <a:t> </a:t>
+            </a:r>
+            <a:r>
+              <a:rPr lang="it-IT" dirty="0" err="1">
+                <a:solidFill>
+                  <a:srgbClr val="4D4D4D"/>
+                </a:solidFill>
+              </a:rPr>
+              <a:t>Is</a:t>
+            </a:r>
+            <a:r>
+              <a:rPr lang="it-IT" dirty="0">
+                <a:solidFill>
+                  <a:srgbClr val="4D4D4D"/>
+                </a:solidFill>
+              </a:rPr>
+              <a:t> </a:t>
+            </a:r>
+            <a:r>
+              <a:rPr lang="it-IT" dirty="0" err="1">
+                <a:solidFill>
+                  <a:srgbClr val="4D4D4D"/>
+                </a:solidFill>
+              </a:rPr>
+              <a:t>assumed</a:t>
+            </a:r>
+            <a:r>
+              <a:rPr lang="it-IT" dirty="0">
+                <a:solidFill>
+                  <a:srgbClr val="4D4D4D"/>
+                </a:solidFill>
+              </a:rPr>
+              <a:t> </a:t>
+            </a:r>
+            <a:r>
+              <a:rPr lang="it-IT" dirty="0" err="1">
+                <a:solidFill>
+                  <a:srgbClr val="4D4D4D"/>
+                </a:solidFill>
+              </a:rPr>
+              <a:t>that</a:t>
+            </a:r>
+            <a:r>
+              <a:rPr lang="it-IT" dirty="0">
+                <a:solidFill>
+                  <a:srgbClr val="4D4D4D"/>
+                </a:solidFill>
+              </a:rPr>
+              <a:t> the </a:t>
+            </a:r>
+            <a:r>
+              <a:rPr lang="it-IT" dirty="0" err="1">
+                <a:solidFill>
+                  <a:srgbClr val="4D4D4D"/>
+                </a:solidFill>
+              </a:rPr>
+              <a:t>municipality</a:t>
+            </a:r>
+            <a:r>
+              <a:rPr lang="it-IT" dirty="0">
+                <a:solidFill>
+                  <a:srgbClr val="4D4D4D"/>
+                </a:solidFill>
+              </a:rPr>
+              <a:t> </a:t>
+            </a:r>
+            <a:r>
+              <a:rPr lang="it-IT" dirty="0" err="1">
+                <a:solidFill>
+                  <a:srgbClr val="4D4D4D"/>
+                </a:solidFill>
+              </a:rPr>
+              <a:t>offers</a:t>
+            </a:r>
+            <a:r>
+              <a:rPr lang="it-IT" dirty="0">
+                <a:solidFill>
+                  <a:srgbClr val="4D4D4D"/>
+                </a:solidFill>
+              </a:rPr>
+              <a:t> an API</a:t>
+            </a:r>
+            <a:r>
+              <a:rPr lang="en-GB" sz="1700" b="1" dirty="0">
+                <a:solidFill>
+                  <a:srgbClr val="4D4D4D"/>
+                </a:solidFill>
+              </a:rPr>
+              <a:t>                 	    </a:t>
+            </a:r>
+            <a:r>
+              <a:rPr lang="en-GB" sz="1700" dirty="0">
+                <a:solidFill>
+                  <a:srgbClr val="4D4D4D"/>
+                </a:solidFill>
+              </a:rPr>
+              <a:t>to access their urban mobility data.</a:t>
+            </a:r>
+            <a:endParaRPr lang="it-IT" dirty="0">
               <a:solidFill>
                 <a:srgbClr val="4D4D4D"/>
               </a:solidFill>
             </a:endParaRPr>
           </a:p>
-          <a:p>
-            <a:pPr marL="0" indent="0">
-              <a:lnSpc>
-                <a:spcPct val="90000"/>
-              </a:lnSpc>
-              <a:buNone/>
-            </a:pPr>
-            <a:r>
-              <a:rPr lang="it-IT" sz="1700" b="1" dirty="0">
-                <a:solidFill>
-                  <a:srgbClr val="4D4D4D"/>
-                </a:solidFill>
-              </a:rPr>
-              <a:t>[D.7] </a:t>
-            </a:r>
-            <a:r>
-              <a:rPr lang="en-GB" sz="1700" dirty="0">
-                <a:solidFill>
-                  <a:srgbClr val="4D4D4D"/>
-                </a:solidFill>
-              </a:rPr>
-              <a:t>Is assumed that the camera used by the User’s device is working properly.</a:t>
-            </a:r>
-            <a:r>
-              <a:rPr lang="it-IT" sz="1700" dirty="0">
-                <a:solidFill>
-                  <a:srgbClr val="4D4D4D"/>
-                </a:solidFill>
-              </a:rPr>
-              <a:t> </a:t>
-            </a:r>
-          </a:p>
-          <a:p>
-            <a:pPr marL="0" indent="0">
-              <a:lnSpc>
-                <a:spcPct val="90000"/>
-              </a:lnSpc>
-              <a:buNone/>
-            </a:pPr>
-            <a:endParaRPr lang="en-GB" sz="1700" b="1" dirty="0">
-              <a:solidFill>
-                <a:srgbClr val="4D4D4D"/>
-              </a:solidFill>
-            </a:endParaRPr>
-          </a:p>
-          <a:p>
-            <a:pPr marL="0" indent="0">
-              <a:lnSpc>
-                <a:spcPct val="90000"/>
-              </a:lnSpc>
-              <a:buNone/>
-            </a:pPr>
-            <a:r>
-              <a:rPr lang="en-GB" sz="1700" b="1" dirty="0">
-                <a:solidFill>
-                  <a:srgbClr val="4D4D4D"/>
-                </a:solidFill>
-              </a:rPr>
-              <a:t>[D.9] </a:t>
-            </a:r>
-            <a:r>
-              <a:rPr lang="en-GB" sz="1700" dirty="0">
-                <a:solidFill>
-                  <a:srgbClr val="4D4D4D"/>
-                </a:solidFill>
-              </a:rPr>
-              <a:t>Is assumed that the Municipality offers an API to access their urban mobility data.</a:t>
-            </a:r>
-          </a:p>
-        </p:txBody>
-      </p:sp>
-      <p:sp>
-        <p:nvSpPr>
-          <p:cNvPr id="14" name="Ovale 13">
+        </p:txBody>
+      </p:sp>
+      <p:sp>
+        <p:nvSpPr>
+          <p:cNvPr id="4" name="CasellaDiTesto 3">
             <a:extLst>
               <a:ext uri="{FF2B5EF4-FFF2-40B4-BE49-F238E27FC236}">
-                <a16:creationId xmlns:a16="http://schemas.microsoft.com/office/drawing/2014/main" id="{90C0C7F5-0759-4054-8B60-0C49B44E02BF}"/>
+                <a16:creationId xmlns:a16="http://schemas.microsoft.com/office/drawing/2014/main" id="{D78C28F9-DBA6-425F-9081-7FCC67233918}"/>
+              </a:ext>
+            </a:extLst>
+          </p:cNvPr>
+          <p:cNvSpPr txBox="1"/>
+          <p:nvPr/>
+        </p:nvSpPr>
+        <p:spPr>
+          <a:xfrm flipH="1">
+            <a:off x="654081" y="2642189"/>
+            <a:ext cx="3336565" cy="2092881"/>
+          </a:xfrm>
+          <a:prstGeom prst="rect">
+            <a:avLst/>
+          </a:prstGeom>
+          <a:noFill/>
+        </p:spPr>
+        <p:txBody>
+          <a:bodyPr wrap="square" rtlCol="0">
+            <a:spAutoFit/>
+          </a:bodyPr>
+          <a:lstStyle/>
+          <a:p>
+            <a:pPr algn="ctr"/>
+            <a:r>
+              <a:rPr lang="it-IT" sz="3200" dirty="0"/>
+              <a:t>GOALS MAPPING ON REQUIREMENTS</a:t>
+            </a:r>
+            <a:endParaRPr lang="en-GB" sz="3200" dirty="0"/>
+          </a:p>
+          <a:p>
+            <a:endParaRPr lang="en-GB" sz="3400" dirty="0"/>
+          </a:p>
+        </p:txBody>
+      </p:sp>
+      <p:sp>
+        <p:nvSpPr>
+          <p:cNvPr id="8" name="Ovale 7">
+            <a:extLst>
+              <a:ext uri="{FF2B5EF4-FFF2-40B4-BE49-F238E27FC236}">
+                <a16:creationId xmlns:a16="http://schemas.microsoft.com/office/drawing/2014/main" id="{E2FAF2E2-8CDA-4483-8178-13043810EF84}"/>
               </a:ext>
             </a:extLst>
           </p:cNvPr>
@@ -26317,14 +27771,15 @@
         </p:nvSpPr>
         <p:spPr>
           <a:xfrm>
-            <a:off x="10895215" y="5502161"/>
-            <a:ext cx="1230110" cy="1230110"/>
+            <a:off x="11046588" y="5786438"/>
+            <a:ext cx="1071562" cy="1071562"/>
           </a:xfrm>
           <a:prstGeom prst="ellipse">
             <a:avLst/>
           </a:prstGeom>
           <a:blipFill>
             <a:blip r:embed="rId3">
+              <a:alphaModFix amt="70000"/>
               <a:extLst>
                 <a:ext uri="{837473B0-CC2E-450A-ABE3-18F120FF3D39}">
                   <a1611:picAttrSrcUrl xmlns:a1611="http://schemas.microsoft.com/office/drawing/2016/11/main" r:id="rId4"/>
@@ -26360,50 +27815,14 @@
           <a:lstStyle/>
           <a:p>
             <a:pPr algn="ctr"/>
-            <a:endParaRPr lang="en-GB"/>
-          </a:p>
-        </p:txBody>
-      </p:sp>
-      <p:sp>
-        <p:nvSpPr>
-          <p:cNvPr id="4" name="CasellaDiTesto 3">
-            <a:extLst>
-              <a:ext uri="{FF2B5EF4-FFF2-40B4-BE49-F238E27FC236}">
-                <a16:creationId xmlns:a16="http://schemas.microsoft.com/office/drawing/2014/main" id="{D78C28F9-DBA6-425F-9081-7FCC67233918}"/>
-              </a:ext>
-            </a:extLst>
-          </p:cNvPr>
-          <p:cNvSpPr txBox="1"/>
-          <p:nvPr/>
-        </p:nvSpPr>
-        <p:spPr>
-          <a:xfrm flipH="1">
-            <a:off x="827966" y="3121223"/>
-            <a:ext cx="2998365" cy="615553"/>
-          </a:xfrm>
-          <a:prstGeom prst="rect">
-            <a:avLst/>
-          </a:prstGeom>
-          <a:noFill/>
-        </p:spPr>
-        <p:txBody>
-          <a:bodyPr wrap="square" rtlCol="0">
-            <a:spAutoFit/>
-          </a:bodyPr>
-          <a:lstStyle/>
-          <a:p>
-            <a:r>
-              <a:rPr lang="it-IT" sz="3400" dirty="0"/>
-              <a:t>ASSUMPTIONS</a:t>
-            </a:r>
-            <a:endParaRPr lang="en-GB" sz="3400" dirty="0"/>
+            <a:endParaRPr lang="en-GB" dirty="0"/>
           </a:p>
         </p:txBody>
       </p:sp>
     </p:spTree>
     <p:extLst>
       <p:ext uri="{BB962C8B-B14F-4D97-AF65-F5344CB8AC3E}">
-        <p14:creationId xmlns:p14="http://schemas.microsoft.com/office/powerpoint/2010/main" val="781787532"/>
+        <p14:creationId xmlns:p14="http://schemas.microsoft.com/office/powerpoint/2010/main" val="2678675239"/>
       </p:ext>
     </p:extLst>
   </p:cSld>
@@ -26537,12 +27956,41 @@
           </a:p>
         </p:txBody>
       </p:sp>
-      <p:sp>
-        <p:nvSpPr>
-          <p:cNvPr id="24" name="Ovale 23">
+      <p:pic>
+        <p:nvPicPr>
+          <p:cNvPr id="5" name="Segnaposto contenuto 4" descr="Immagine che contiene testo, mappa&#10;&#10;Descrizione generata automaticamente">
             <a:extLst>
               <a:ext uri="{FF2B5EF4-FFF2-40B4-BE49-F238E27FC236}">
-                <a16:creationId xmlns:a16="http://schemas.microsoft.com/office/drawing/2014/main" id="{543BAF3E-8D53-4EB3-9D0C-75E34D6C44CC}"/>
+                <a16:creationId xmlns:a16="http://schemas.microsoft.com/office/drawing/2014/main" id="{80AA1A31-CEB4-4C51-817D-4E5E322674C5}"/>
+              </a:ext>
+            </a:extLst>
+          </p:cNvPr>
+          <p:cNvPicPr>
+            <a:picLocks noGrp="1" noChangeAspect="1"/>
+          </p:cNvPicPr>
+          <p:nvPr>
+            <p:ph sz="half" idx="1"/>
+          </p:nvPr>
+        </p:nvPicPr>
+        <p:blipFill>
+          <a:blip r:embed="rId2"/>
+          <a:stretch>
+            <a:fillRect/>
+          </a:stretch>
+        </p:blipFill>
+        <p:spPr>
+          <a:xfrm>
+            <a:off x="1808213" y="1413346"/>
+            <a:ext cx="8575573" cy="5318925"/>
+          </a:xfrm>
+        </p:spPr>
+      </p:pic>
+      <p:sp>
+        <p:nvSpPr>
+          <p:cNvPr id="6" name="Ovale 5">
+            <a:extLst>
+              <a:ext uri="{FF2B5EF4-FFF2-40B4-BE49-F238E27FC236}">
+                <a16:creationId xmlns:a16="http://schemas.microsoft.com/office/drawing/2014/main" id="{D8306463-F41E-43B0-9CC5-C438A2753BC7}"/>
               </a:ext>
             </a:extLst>
           </p:cNvPr>
@@ -26551,17 +27999,18 @@
         </p:nvSpPr>
         <p:spPr>
           <a:xfrm>
-            <a:off x="10895215" y="5502161"/>
-            <a:ext cx="1230110" cy="1230110"/>
+            <a:off x="11046588" y="5786438"/>
+            <a:ext cx="1071562" cy="1071562"/>
           </a:xfrm>
           <a:prstGeom prst="ellipse">
             <a:avLst/>
           </a:prstGeom>
           <a:blipFill>
-            <a:blip r:embed="rId2">
+            <a:blip r:embed="rId3">
+              <a:alphaModFix amt="70000"/>
               <a:extLst>
                 <a:ext uri="{837473B0-CC2E-450A-ABE3-18F120FF3D39}">
-                  <a1611:picAttrSrcUrl xmlns:a1611="http://schemas.microsoft.com/office/drawing/2016/11/main" r:id="rId3"/>
+                  <a1611:picAttrSrcUrl xmlns:a1611="http://schemas.microsoft.com/office/drawing/2016/11/main" r:id="rId4"/>
                 </a:ext>
               </a:extLst>
             </a:blip>
@@ -26594,39 +28043,10 @@
           <a:lstStyle/>
           <a:p>
             <a:pPr algn="ctr"/>
-            <a:endParaRPr lang="en-GB"/>
-          </a:p>
-        </p:txBody>
-      </p:sp>
-      <p:pic>
-        <p:nvPicPr>
-          <p:cNvPr id="5" name="Segnaposto contenuto 4" descr="Immagine che contiene testo, mappa&#10;&#10;Descrizione generata automaticamente">
-            <a:extLst>
-              <a:ext uri="{FF2B5EF4-FFF2-40B4-BE49-F238E27FC236}">
-                <a16:creationId xmlns:a16="http://schemas.microsoft.com/office/drawing/2014/main" id="{80AA1A31-CEB4-4C51-817D-4E5E322674C5}"/>
-              </a:ext>
-            </a:extLst>
-          </p:cNvPr>
-          <p:cNvPicPr>
-            <a:picLocks noGrp="1" noChangeAspect="1"/>
-          </p:cNvPicPr>
-          <p:nvPr>
-            <p:ph sz="half" idx="1"/>
-          </p:nvPr>
-        </p:nvPicPr>
-        <p:blipFill>
-          <a:blip r:embed="rId4"/>
-          <a:stretch>
-            <a:fillRect/>
-          </a:stretch>
-        </p:blipFill>
-        <p:spPr>
-          <a:xfrm>
-            <a:off x="1808213" y="1413346"/>
-            <a:ext cx="8575573" cy="5318925"/>
-          </a:xfrm>
-        </p:spPr>
-      </p:pic>
+            <a:endParaRPr lang="en-GB" dirty="0"/>
+          </a:p>
+        </p:txBody>
+      </p:sp>
     </p:spTree>
     <p:extLst>
       <p:ext uri="{BB962C8B-B14F-4D97-AF65-F5344CB8AC3E}">
@@ -26764,12 +28184,42 @@
           </a:p>
         </p:txBody>
       </p:sp>
-      <p:sp>
-        <p:nvSpPr>
-          <p:cNvPr id="24" name="Ovale 23">
+      <p:pic>
+        <p:nvPicPr>
+          <p:cNvPr id="5" name="Immagine 4" descr="Immagine che contiene monitor, schermo, nero, computer&#10;&#10;Descrizione generata automaticamente">
             <a:extLst>
               <a:ext uri="{FF2B5EF4-FFF2-40B4-BE49-F238E27FC236}">
-                <a16:creationId xmlns:a16="http://schemas.microsoft.com/office/drawing/2014/main" id="{543BAF3E-8D53-4EB3-9D0C-75E34D6C44CC}"/>
+                <a16:creationId xmlns:a16="http://schemas.microsoft.com/office/drawing/2014/main" id="{C43AA1F3-9C0A-4899-9ACD-9C0118351205}"/>
+              </a:ext>
+            </a:extLst>
+          </p:cNvPr>
+          <p:cNvPicPr>
+            <a:picLocks noChangeAspect="1"/>
+          </p:cNvPicPr>
+          <p:nvPr/>
+        </p:nvPicPr>
+        <p:blipFill>
+          <a:blip r:embed="rId2"/>
+          <a:stretch>
+            <a:fillRect/>
+          </a:stretch>
+        </p:blipFill>
+        <p:spPr>
+          <a:xfrm>
+            <a:off x="1995235" y="2247006"/>
+            <a:ext cx="8201527" cy="3661844"/>
+          </a:xfrm>
+          <a:prstGeom prst="rect">
+            <a:avLst/>
+          </a:prstGeom>
+        </p:spPr>
+      </p:pic>
+      <p:sp>
+        <p:nvSpPr>
+          <p:cNvPr id="6" name="Ovale 5">
+            <a:extLst>
+              <a:ext uri="{FF2B5EF4-FFF2-40B4-BE49-F238E27FC236}">
+                <a16:creationId xmlns:a16="http://schemas.microsoft.com/office/drawing/2014/main" id="{9323C166-387B-4FDE-8113-906F8A43C3AB}"/>
               </a:ext>
             </a:extLst>
           </p:cNvPr>
@@ -26778,17 +28228,18 @@
         </p:nvSpPr>
         <p:spPr>
           <a:xfrm>
-            <a:off x="10895215" y="5502161"/>
-            <a:ext cx="1230110" cy="1230110"/>
+            <a:off x="11046588" y="5786438"/>
+            <a:ext cx="1071562" cy="1071562"/>
           </a:xfrm>
           <a:prstGeom prst="ellipse">
             <a:avLst/>
           </a:prstGeom>
           <a:blipFill>
-            <a:blip r:embed="rId2">
+            <a:blip r:embed="rId3">
+              <a:alphaModFix amt="70000"/>
               <a:extLst>
                 <a:ext uri="{837473B0-CC2E-450A-ABE3-18F120FF3D39}">
-                  <a1611:picAttrSrcUrl xmlns:a1611="http://schemas.microsoft.com/office/drawing/2016/11/main" r:id="rId3"/>
+                  <a1611:picAttrSrcUrl xmlns:a1611="http://schemas.microsoft.com/office/drawing/2016/11/main" r:id="rId4"/>
                 </a:ext>
               </a:extLst>
             </a:blip>
@@ -26821,40 +28272,10 @@
           <a:lstStyle/>
           <a:p>
             <a:pPr algn="ctr"/>
-            <a:endParaRPr lang="en-GB"/>
-          </a:p>
-        </p:txBody>
-      </p:sp>
-      <p:pic>
-        <p:nvPicPr>
-          <p:cNvPr id="5" name="Immagine 4" descr="Immagine che contiene monitor, schermo, nero, computer&#10;&#10;Descrizione generata automaticamente">
-            <a:extLst>
-              <a:ext uri="{FF2B5EF4-FFF2-40B4-BE49-F238E27FC236}">
-                <a16:creationId xmlns:a16="http://schemas.microsoft.com/office/drawing/2014/main" id="{C43AA1F3-9C0A-4899-9ACD-9C0118351205}"/>
-              </a:ext>
-            </a:extLst>
-          </p:cNvPr>
-          <p:cNvPicPr>
-            <a:picLocks noChangeAspect="1"/>
-          </p:cNvPicPr>
-          <p:nvPr/>
-        </p:nvPicPr>
-        <p:blipFill>
-          <a:blip r:embed="rId4"/>
-          <a:stretch>
-            <a:fillRect/>
-          </a:stretch>
-        </p:blipFill>
-        <p:spPr>
-          <a:xfrm>
-            <a:off x="1995235" y="2247006"/>
-            <a:ext cx="8201527" cy="3661844"/>
-          </a:xfrm>
-          <a:prstGeom prst="rect">
-            <a:avLst/>
-          </a:prstGeom>
-        </p:spPr>
-      </p:pic>
+            <a:endParaRPr lang="en-GB" dirty="0"/>
+          </a:p>
+        </p:txBody>
+      </p:sp>
     </p:spTree>
     <p:extLst>
       <p:ext uri="{BB962C8B-B14F-4D97-AF65-F5344CB8AC3E}">
